--- a/Veeam Lab Guide.pptx
+++ b/Veeam Lab Guide.pptx
@@ -24,9 +24,10 @@
     <p:sldId id="280" r:id="rId21"/>
     <p:sldId id="281" r:id="rId22"/>
     <p:sldId id="262" r:id="rId23"/>
-    <p:sldId id="268" r:id="rId24"/>
-    <p:sldId id="264" r:id="rId25"/>
-    <p:sldId id="269" r:id="rId26"/>
+    <p:sldId id="282" r:id="rId24"/>
+    <p:sldId id="268" r:id="rId25"/>
+    <p:sldId id="264" r:id="rId26"/>
+    <p:sldId id="269" r:id="rId27"/>
   </p:sldIdLst>
   <p:sldSz cx="12192000" cy="6858000"/>
   <p:notesSz cx="6858000" cy="9144000"/>
@@ -1126,7 +1127,7 @@
           <a:p>
             <a:fld id="{0E43E606-CEFD-4FFD-B735-13E49E4F42C0}" type="datetimeFigureOut">
               <a:rPr lang="en-US" smtClean="0"/>
-              <a:t>9/30/2019</a:t>
+              <a:t>10/1/2019</a:t>
             </a:fld>
             <a:endParaRPr lang="en-US"/>
           </a:p>
@@ -1324,7 +1325,7 @@
           <a:p>
             <a:fld id="{0E43E606-CEFD-4FFD-B735-13E49E4F42C0}" type="datetimeFigureOut">
               <a:rPr lang="en-US" smtClean="0"/>
-              <a:t>9/30/2019</a:t>
+              <a:t>10/1/2019</a:t>
             </a:fld>
             <a:endParaRPr lang="en-US"/>
           </a:p>
@@ -1532,7 +1533,7 @@
           <a:p>
             <a:fld id="{0E43E606-CEFD-4FFD-B735-13E49E4F42C0}" type="datetimeFigureOut">
               <a:rPr lang="en-US" smtClean="0"/>
-              <a:t>9/30/2019</a:t>
+              <a:t>10/1/2019</a:t>
             </a:fld>
             <a:endParaRPr lang="en-US"/>
           </a:p>
@@ -1730,7 +1731,7 @@
           <a:p>
             <a:fld id="{0E43E606-CEFD-4FFD-B735-13E49E4F42C0}" type="datetimeFigureOut">
               <a:rPr lang="en-US" smtClean="0"/>
-              <a:t>9/30/2019</a:t>
+              <a:t>10/1/2019</a:t>
             </a:fld>
             <a:endParaRPr lang="en-US"/>
           </a:p>
@@ -2005,7 +2006,7 @@
           <a:p>
             <a:fld id="{0E43E606-CEFD-4FFD-B735-13E49E4F42C0}" type="datetimeFigureOut">
               <a:rPr lang="en-US" smtClean="0"/>
-              <a:t>9/30/2019</a:t>
+              <a:t>10/1/2019</a:t>
             </a:fld>
             <a:endParaRPr lang="en-US"/>
           </a:p>
@@ -2270,7 +2271,7 @@
           <a:p>
             <a:fld id="{0E43E606-CEFD-4FFD-B735-13E49E4F42C0}" type="datetimeFigureOut">
               <a:rPr lang="en-US" smtClean="0"/>
-              <a:t>9/30/2019</a:t>
+              <a:t>10/1/2019</a:t>
             </a:fld>
             <a:endParaRPr lang="en-US"/>
           </a:p>
@@ -2682,7 +2683,7 @@
           <a:p>
             <a:fld id="{0E43E606-CEFD-4FFD-B735-13E49E4F42C0}" type="datetimeFigureOut">
               <a:rPr lang="en-US" smtClean="0"/>
-              <a:t>9/30/2019</a:t>
+              <a:t>10/1/2019</a:t>
             </a:fld>
             <a:endParaRPr lang="en-US"/>
           </a:p>
@@ -2823,7 +2824,7 @@
           <a:p>
             <a:fld id="{0E43E606-CEFD-4FFD-B735-13E49E4F42C0}" type="datetimeFigureOut">
               <a:rPr lang="en-US" smtClean="0"/>
-              <a:t>9/30/2019</a:t>
+              <a:t>10/1/2019</a:t>
             </a:fld>
             <a:endParaRPr lang="en-US"/>
           </a:p>
@@ -2936,7 +2937,7 @@
           <a:p>
             <a:fld id="{0E43E606-CEFD-4FFD-B735-13E49E4F42C0}" type="datetimeFigureOut">
               <a:rPr lang="en-US" smtClean="0"/>
-              <a:t>9/30/2019</a:t>
+              <a:t>10/1/2019</a:t>
             </a:fld>
             <a:endParaRPr lang="en-US"/>
           </a:p>
@@ -3247,7 +3248,7 @@
           <a:p>
             <a:fld id="{0E43E606-CEFD-4FFD-B735-13E49E4F42C0}" type="datetimeFigureOut">
               <a:rPr lang="en-US" smtClean="0"/>
-              <a:t>9/30/2019</a:t>
+              <a:t>10/1/2019</a:t>
             </a:fld>
             <a:endParaRPr lang="en-US"/>
           </a:p>
@@ -3535,7 +3536,7 @@
           <a:p>
             <a:fld id="{0E43E606-CEFD-4FFD-B735-13E49E4F42C0}" type="datetimeFigureOut">
               <a:rPr lang="en-US" smtClean="0"/>
-              <a:t>9/30/2019</a:t>
+              <a:t>10/1/2019</a:t>
             </a:fld>
             <a:endParaRPr lang="en-US"/>
           </a:p>
@@ -3776,7 +3777,7 @@
           <a:p>
             <a:fld id="{0E43E606-CEFD-4FFD-B735-13E49E4F42C0}" type="datetimeFigureOut">
               <a:rPr lang="en-US" smtClean="0"/>
-              <a:t>9/30/2019</a:t>
+              <a:t>10/1/2019</a:t>
             </a:fld>
             <a:endParaRPr lang="en-US"/>
           </a:p>
@@ -4922,8 +4923,8 @@
           </a:prstGeom>
         </p:spPr>
       </p:pic>
-      <mc:AlternateContent xmlns:mc="http://schemas.openxmlformats.org/markup-compatibility/2006">
-        <mc:Choice xmlns:p14="http://schemas.microsoft.com/office/powerpoint/2010/main" Requires="p14">
+      <mc:AlternateContent xmlns:mc="http://schemas.openxmlformats.org/markup-compatibility/2006" xmlns:p14="http://schemas.microsoft.com/office/powerpoint/2010/main">
+        <mc:Choice Requires="p14">
           <p:contentPart p14:bwMode="auto" r:id="rId3">
             <p14:nvContentPartPr>
               <p14:cNvPr id="6" name="Ink 5">
@@ -4942,7 +4943,7 @@
             </p14:xfrm>
           </p:contentPart>
         </mc:Choice>
-        <mc:Fallback>
+        <mc:Fallback xmlns="">
           <p:pic>
             <p:nvPicPr>
               <p:cNvPr id="6" name="Ink 5">
@@ -5903,7 +5904,7 @@
                   <a:srgbClr val="FFFF00"/>
                 </a:highlight>
               </a:rPr>
-              <a:t>Setup guest file restore from Linux</a:t>
+              <a:t>Prepare for Linux guest file restore (optional)</a:t>
             </a:r>
           </a:p>
         </p:txBody>
@@ -5927,7 +5928,7 @@
         <p:spPr>
           <a:xfrm>
             <a:off x="127000" y="1038225"/>
-            <a:ext cx="4587240" cy="4351338"/>
+            <a:ext cx="6990080" cy="4351338"/>
           </a:xfrm>
         </p:spPr>
         <p:txBody>
@@ -5947,18 +5948,36 @@
               <a:t>Open Hyper-V Manager and add a new </a:t>
             </a:r>
             <a:r>
-              <a:rPr lang="en-US" sz="1800" dirty="0" err="1"/>
+              <a:rPr lang="en-US" sz="1800" b="1" dirty="0"/>
+              <a:t>Internal </a:t>
+            </a:r>
+            <a:r>
+              <a:rPr lang="en-US" sz="1800" b="1" dirty="0" err="1"/>
               <a:t>vSwitch</a:t>
             </a:r>
             <a:r>
+              <a:rPr lang="en-US" sz="1800" b="1" dirty="0"/>
+              <a:t> </a:t>
+            </a:r>
+            <a:r>
               <a:rPr lang="en-US" sz="1800" dirty="0"/>
-              <a:t> using default values</a:t>
+              <a:t>using default values</a:t>
+            </a:r>
+          </a:p>
+          <a:p>
+            <a:r>
+              <a:rPr lang="en-US" sz="1800" dirty="0">
+                <a:highlight>
+                  <a:srgbClr val="FF00FF"/>
+                </a:highlight>
+              </a:rPr>
+              <a:t>In the Veeam console, register the local server as a new Virtual Host</a:t>
             </a:r>
           </a:p>
           <a:p>
             <a:r>
               <a:rPr lang="en-US" sz="1800" dirty="0"/>
-              <a:t>Register the local server as a new Virtual Host</a:t>
+              <a:t>We’ll walk through this one together.</a:t>
             </a:r>
           </a:p>
           <a:p>
@@ -6052,7 +6071,12 @@
             <p:ph type="title"/>
           </p:nvPr>
         </p:nvSpPr>
-        <p:spPr/>
+        <p:spPr>
+          <a:xfrm>
+            <a:off x="121920" y="100965"/>
+            <a:ext cx="10515600" cy="1325563"/>
+          </a:xfrm>
+        </p:spPr>
         <p:txBody>
           <a:bodyPr/>
           <a:lstStyle/>
@@ -6063,7 +6087,7 @@
                   <a:srgbClr val="FFFF00"/>
                 </a:highlight>
               </a:rPr>
-              <a:t>Perform a Guest file restore from Linux backup</a:t>
+              <a:t>Perform a Guest file restore from Linux backup (optional)</a:t>
             </a:r>
           </a:p>
         </p:txBody>
@@ -6084,36 +6108,73 @@
             <p:ph idx="1"/>
           </p:nvPr>
         </p:nvSpPr>
-        <p:spPr/>
-        <p:txBody>
-          <a:bodyPr/>
-          <a:lstStyle/>
-          <a:p>
-            <a:r>
-              <a:rPr lang="en-US" dirty="0"/>
-              <a:t>Restore from Linux</a:t>
-            </a:r>
-          </a:p>
-          <a:p>
-            <a:r>
-              <a:rPr lang="en-US" dirty="0"/>
-              <a:t>Specific files</a:t>
-            </a:r>
-          </a:p>
-          <a:p>
-            <a:r>
-              <a:rPr lang="en-US" dirty="0"/>
+        <p:spPr>
+          <a:xfrm>
+            <a:off x="274320" y="1556702"/>
+            <a:ext cx="4770120" cy="4351338"/>
+          </a:xfrm>
+        </p:spPr>
+        <p:txBody>
+          <a:bodyPr>
+            <a:normAutofit/>
+          </a:bodyPr>
+          <a:lstStyle/>
+          <a:p>
+            <a:r>
+              <a:rPr lang="en-US" sz="2000" dirty="0"/>
+              <a:t>From Home tab, click Restore-&gt;Agent</a:t>
+            </a:r>
+          </a:p>
+          <a:p>
+            <a:r>
+              <a:rPr lang="en-US" sz="2000" dirty="0"/>
+              <a:t>Choose Guest files restore and then choose from Linux</a:t>
+            </a:r>
+          </a:p>
+          <a:p>
+            <a:r>
+              <a:rPr lang="en-US" sz="2000" dirty="0"/>
               <a:t>Restore Guest VM to Azure</a:t>
             </a:r>
           </a:p>
           <a:p>
-            <a:endParaRPr lang="en-US" dirty="0"/>
-          </a:p>
-          <a:p>
-            <a:endParaRPr lang="en-US" dirty="0"/>
-          </a:p>
-        </p:txBody>
-      </p:sp>
+            <a:endParaRPr lang="en-US" sz="2000" dirty="0"/>
+          </a:p>
+          <a:p>
+            <a:endParaRPr lang="en-US" sz="2000" dirty="0"/>
+          </a:p>
+        </p:txBody>
+      </p:sp>
+      <p:pic>
+        <p:nvPicPr>
+          <p:cNvPr id="4" name="Picture 3">
+            <a:extLst>
+              <a:ext uri="{FF2B5EF4-FFF2-40B4-BE49-F238E27FC236}">
+                <a16:creationId xmlns:a16="http://schemas.microsoft.com/office/drawing/2014/main" id="{5D192156-5F8F-446B-B84C-20A7A9888630}"/>
+              </a:ext>
+            </a:extLst>
+          </p:cNvPr>
+          <p:cNvPicPr>
+            <a:picLocks noChangeAspect="1"/>
+          </p:cNvPicPr>
+          <p:nvPr/>
+        </p:nvPicPr>
+        <p:blipFill>
+          <a:blip r:embed="rId2"/>
+          <a:stretch>
+            <a:fillRect/>
+          </a:stretch>
+        </p:blipFill>
+        <p:spPr>
+          <a:xfrm>
+            <a:off x="5008661" y="949960"/>
+            <a:ext cx="7175383" cy="5278120"/>
+          </a:xfrm>
+          <a:prstGeom prst="rect">
+            <a:avLst/>
+          </a:prstGeom>
+        </p:spPr>
+      </p:pic>
     </p:spTree>
     <p:extLst>
       <p:ext uri="{BB962C8B-B14F-4D97-AF65-F5344CB8AC3E}">
@@ -6352,28 +6413,35 @@
             <p:ph type="title"/>
           </p:nvPr>
         </p:nvSpPr>
-        <p:spPr/>
-        <p:txBody>
-          <a:bodyPr/>
-          <a:lstStyle/>
-          <a:p>
-            <a:r>
-              <a:rPr lang="en-US" dirty="0">
+        <p:spPr>
+          <a:xfrm>
+            <a:off x="121920" y="127000"/>
+            <a:ext cx="10515600" cy="512128"/>
+          </a:xfrm>
+        </p:spPr>
+        <p:txBody>
+          <a:bodyPr>
+            <a:normAutofit fontScale="90000"/>
+          </a:bodyPr>
+          <a:lstStyle/>
+          <a:p>
+            <a:r>
+              <a:rPr lang="en-US" sz="3200" dirty="0">
                 <a:highlight>
                   <a:srgbClr val="FFFF00"/>
                 </a:highlight>
               </a:rPr>
-              <a:t>Demo of replication job</a:t>
-            </a:r>
-          </a:p>
-        </p:txBody>
-      </p:sp>
-      <p:sp>
-        <p:nvSpPr>
-          <p:cNvPr id="3" name="Content Placeholder 2">
-            <a:extLst>
-              <a:ext uri="{FF2B5EF4-FFF2-40B4-BE49-F238E27FC236}">
-                <a16:creationId xmlns:a16="http://schemas.microsoft.com/office/drawing/2014/main" id="{F897A5C1-C54E-49CC-B553-856B72B6FFE6}"/>
+              <a:t>Perform a Guest file restore from Linux backup (optional)</a:t>
+            </a:r>
+          </a:p>
+        </p:txBody>
+      </p:sp>
+      <p:sp>
+        <p:nvSpPr>
+          <p:cNvPr id="6" name="Content Placeholder 5">
+            <a:extLst>
+              <a:ext uri="{FF2B5EF4-FFF2-40B4-BE49-F238E27FC236}">
+                <a16:creationId xmlns:a16="http://schemas.microsoft.com/office/drawing/2014/main" id="{DCBB47B0-CEC9-4D3A-898B-52F25558F151}"/>
               </a:ext>
             </a:extLst>
           </p:cNvPr>
@@ -6384,34 +6452,362 @@
             <p:ph idx="1"/>
           </p:nvPr>
         </p:nvSpPr>
-        <p:spPr/>
-        <p:txBody>
-          <a:bodyPr/>
-          <a:lstStyle/>
-          <a:p>
-            <a:r>
-              <a:rPr lang="en-US" dirty="0"/>
-              <a:t>Kurt to demo Datacenter1-&gt;Datacenter2 replication</a:t>
-            </a:r>
-          </a:p>
-          <a:p>
-            <a:r>
-              <a:rPr lang="en-US" dirty="0"/>
-              <a:t>Discuss warm standby; comes online in a few minutes</a:t>
-            </a:r>
-          </a:p>
-          <a:p>
-            <a:r>
-              <a:rPr lang="en-US" dirty="0"/>
-              <a:t>RPO/RTO</a:t>
-            </a:r>
-          </a:p>
-        </p:txBody>
-      </p:sp>
+        <p:spPr>
+          <a:xfrm>
+            <a:off x="121920" y="4707248"/>
+            <a:ext cx="4648200" cy="631832"/>
+          </a:xfrm>
+        </p:spPr>
+        <p:txBody>
+          <a:bodyPr>
+            <a:normAutofit/>
+          </a:bodyPr>
+          <a:lstStyle/>
+          <a:p>
+            <a:r>
+              <a:rPr lang="en-US" sz="1600" dirty="0"/>
+              <a:t>Choose the </a:t>
+            </a:r>
+            <a:r>
+              <a:rPr lang="en-US" sz="1600" dirty="0" err="1"/>
+              <a:t>LinuxVM</a:t>
+            </a:r>
+            <a:r>
+              <a:rPr lang="en-US" sz="1600" dirty="0"/>
+              <a:t> and then choose a restore point. Optionally provide a reason.</a:t>
+            </a:r>
+          </a:p>
+        </p:txBody>
+      </p:sp>
+      <p:pic>
+        <p:nvPicPr>
+          <p:cNvPr id="7" name="Picture 6">
+            <a:extLst>
+              <a:ext uri="{FF2B5EF4-FFF2-40B4-BE49-F238E27FC236}">
+                <a16:creationId xmlns:a16="http://schemas.microsoft.com/office/drawing/2014/main" id="{2E844F21-E42D-40CC-A735-3E660AC47A79}"/>
+              </a:ext>
+            </a:extLst>
+          </p:cNvPr>
+          <p:cNvPicPr>
+            <a:picLocks noChangeAspect="1"/>
+          </p:cNvPicPr>
+          <p:nvPr/>
+        </p:nvPicPr>
+        <p:blipFill>
+          <a:blip r:embed="rId2"/>
+          <a:stretch>
+            <a:fillRect/>
+          </a:stretch>
+        </p:blipFill>
+        <p:spPr>
+          <a:xfrm>
+            <a:off x="0" y="750856"/>
+            <a:ext cx="5241176" cy="3719544"/>
+          </a:xfrm>
+          <a:prstGeom prst="rect">
+            <a:avLst/>
+          </a:prstGeom>
+        </p:spPr>
+      </p:pic>
+      <p:pic>
+        <p:nvPicPr>
+          <p:cNvPr id="8" name="Picture 7">
+            <a:extLst>
+              <a:ext uri="{FF2B5EF4-FFF2-40B4-BE49-F238E27FC236}">
+                <a16:creationId xmlns:a16="http://schemas.microsoft.com/office/drawing/2014/main" id="{50E448F0-2ECF-41B3-B60A-E8162CB90CF9}"/>
+              </a:ext>
+            </a:extLst>
+          </p:cNvPr>
+          <p:cNvPicPr>
+            <a:picLocks noChangeAspect="1"/>
+          </p:cNvPicPr>
+          <p:nvPr/>
+        </p:nvPicPr>
+        <p:blipFill>
+          <a:blip r:embed="rId3"/>
+          <a:stretch>
+            <a:fillRect/>
+          </a:stretch>
+        </p:blipFill>
+        <p:spPr>
+          <a:xfrm>
+            <a:off x="5490747" y="723468"/>
+            <a:ext cx="5939253" cy="4227620"/>
+          </a:xfrm>
+          <a:prstGeom prst="rect">
+            <a:avLst/>
+          </a:prstGeom>
+        </p:spPr>
+      </p:pic>
+      <p:sp>
+        <p:nvSpPr>
+          <p:cNvPr id="9" name="Content Placeholder 5">
+            <a:extLst>
+              <a:ext uri="{FF2B5EF4-FFF2-40B4-BE49-F238E27FC236}">
+                <a16:creationId xmlns:a16="http://schemas.microsoft.com/office/drawing/2014/main" id="{E9744F21-9F4F-4BC0-9460-2199F8CD7018}"/>
+              </a:ext>
+            </a:extLst>
+          </p:cNvPr>
+          <p:cNvSpPr txBox="1">
+            <a:spLocks/>
+          </p:cNvSpPr>
+          <p:nvPr/>
+        </p:nvSpPr>
+        <p:spPr>
+          <a:xfrm>
+            <a:off x="5490746" y="5118728"/>
+            <a:ext cx="6305013" cy="1185552"/>
+          </a:xfrm>
+          <a:prstGeom prst="rect">
+            <a:avLst/>
+          </a:prstGeom>
+        </p:spPr>
+        <p:txBody>
+          <a:bodyPr vert="horz" lIns="91440" tIns="45720" rIns="91440" bIns="45720" rtlCol="0">
+            <a:normAutofit fontScale="92500" lnSpcReduction="20000"/>
+          </a:bodyPr>
+          <a:lstStyle>
+            <a:lvl1pPr marL="228600" indent="-228600" algn="l" defTabSz="914400" rtl="0" eaLnBrk="1" latinLnBrk="0" hangingPunct="1">
+              <a:lnSpc>
+                <a:spcPct val="90000"/>
+              </a:lnSpc>
+              <a:spcBef>
+                <a:spcPts val="1000"/>
+              </a:spcBef>
+              <a:buFont typeface="Arial" panose="020B0604020202020204" pitchFamily="34" charset="0"/>
+              <a:buChar char="•"/>
+              <a:defRPr sz="2800" kern="1200">
+                <a:solidFill>
+                  <a:schemeClr val="tx1"/>
+                </a:solidFill>
+                <a:latin typeface="+mn-lt"/>
+                <a:ea typeface="+mn-ea"/>
+                <a:cs typeface="+mn-cs"/>
+              </a:defRPr>
+            </a:lvl1pPr>
+            <a:lvl2pPr marL="685800" indent="-228600" algn="l" defTabSz="914400" rtl="0" eaLnBrk="1" latinLnBrk="0" hangingPunct="1">
+              <a:lnSpc>
+                <a:spcPct val="90000"/>
+              </a:lnSpc>
+              <a:spcBef>
+                <a:spcPts val="500"/>
+              </a:spcBef>
+              <a:buFont typeface="Arial" panose="020B0604020202020204" pitchFamily="34" charset="0"/>
+              <a:buChar char="•"/>
+              <a:defRPr sz="2400" kern="1200">
+                <a:solidFill>
+                  <a:schemeClr val="tx1"/>
+                </a:solidFill>
+                <a:latin typeface="+mn-lt"/>
+                <a:ea typeface="+mn-ea"/>
+                <a:cs typeface="+mn-cs"/>
+              </a:defRPr>
+            </a:lvl2pPr>
+            <a:lvl3pPr marL="1143000" indent="-228600" algn="l" defTabSz="914400" rtl="0" eaLnBrk="1" latinLnBrk="0" hangingPunct="1">
+              <a:lnSpc>
+                <a:spcPct val="90000"/>
+              </a:lnSpc>
+              <a:spcBef>
+                <a:spcPts val="500"/>
+              </a:spcBef>
+              <a:buFont typeface="Arial" panose="020B0604020202020204" pitchFamily="34" charset="0"/>
+              <a:buChar char="•"/>
+              <a:defRPr sz="2000" kern="1200">
+                <a:solidFill>
+                  <a:schemeClr val="tx1"/>
+                </a:solidFill>
+                <a:latin typeface="+mn-lt"/>
+                <a:ea typeface="+mn-ea"/>
+                <a:cs typeface="+mn-cs"/>
+              </a:defRPr>
+            </a:lvl3pPr>
+            <a:lvl4pPr marL="1600200" indent="-228600" algn="l" defTabSz="914400" rtl="0" eaLnBrk="1" latinLnBrk="0" hangingPunct="1">
+              <a:lnSpc>
+                <a:spcPct val="90000"/>
+              </a:lnSpc>
+              <a:spcBef>
+                <a:spcPts val="500"/>
+              </a:spcBef>
+              <a:buFont typeface="Arial" panose="020B0604020202020204" pitchFamily="34" charset="0"/>
+              <a:buChar char="•"/>
+              <a:defRPr sz="1800" kern="1200">
+                <a:solidFill>
+                  <a:schemeClr val="tx1"/>
+                </a:solidFill>
+                <a:latin typeface="+mn-lt"/>
+                <a:ea typeface="+mn-ea"/>
+                <a:cs typeface="+mn-cs"/>
+              </a:defRPr>
+            </a:lvl4pPr>
+            <a:lvl5pPr marL="2057400" indent="-228600" algn="l" defTabSz="914400" rtl="0" eaLnBrk="1" latinLnBrk="0" hangingPunct="1">
+              <a:lnSpc>
+                <a:spcPct val="90000"/>
+              </a:lnSpc>
+              <a:spcBef>
+                <a:spcPts val="500"/>
+              </a:spcBef>
+              <a:buFont typeface="Arial" panose="020B0604020202020204" pitchFamily="34" charset="0"/>
+              <a:buChar char="•"/>
+              <a:defRPr sz="1800" kern="1200">
+                <a:solidFill>
+                  <a:schemeClr val="tx1"/>
+                </a:solidFill>
+                <a:latin typeface="+mn-lt"/>
+                <a:ea typeface="+mn-ea"/>
+                <a:cs typeface="+mn-cs"/>
+              </a:defRPr>
+            </a:lvl5pPr>
+            <a:lvl6pPr marL="2514600" indent="-228600" algn="l" defTabSz="914400" rtl="0" eaLnBrk="1" latinLnBrk="0" hangingPunct="1">
+              <a:lnSpc>
+                <a:spcPct val="90000"/>
+              </a:lnSpc>
+              <a:spcBef>
+                <a:spcPts val="500"/>
+              </a:spcBef>
+              <a:buFont typeface="Arial" panose="020B0604020202020204" pitchFamily="34" charset="0"/>
+              <a:buChar char="•"/>
+              <a:defRPr sz="1800" kern="1200">
+                <a:solidFill>
+                  <a:schemeClr val="tx1"/>
+                </a:solidFill>
+                <a:latin typeface="+mn-lt"/>
+                <a:ea typeface="+mn-ea"/>
+                <a:cs typeface="+mn-cs"/>
+              </a:defRPr>
+            </a:lvl6pPr>
+            <a:lvl7pPr marL="2971800" indent="-228600" algn="l" defTabSz="914400" rtl="0" eaLnBrk="1" latinLnBrk="0" hangingPunct="1">
+              <a:lnSpc>
+                <a:spcPct val="90000"/>
+              </a:lnSpc>
+              <a:spcBef>
+                <a:spcPts val="500"/>
+              </a:spcBef>
+              <a:buFont typeface="Arial" panose="020B0604020202020204" pitchFamily="34" charset="0"/>
+              <a:buChar char="•"/>
+              <a:defRPr sz="1800" kern="1200">
+                <a:solidFill>
+                  <a:schemeClr val="tx1"/>
+                </a:solidFill>
+                <a:latin typeface="+mn-lt"/>
+                <a:ea typeface="+mn-ea"/>
+                <a:cs typeface="+mn-cs"/>
+              </a:defRPr>
+            </a:lvl7pPr>
+            <a:lvl8pPr marL="3429000" indent="-228600" algn="l" defTabSz="914400" rtl="0" eaLnBrk="1" latinLnBrk="0" hangingPunct="1">
+              <a:lnSpc>
+                <a:spcPct val="90000"/>
+              </a:lnSpc>
+              <a:spcBef>
+                <a:spcPts val="500"/>
+              </a:spcBef>
+              <a:buFont typeface="Arial" panose="020B0604020202020204" pitchFamily="34" charset="0"/>
+              <a:buChar char="•"/>
+              <a:defRPr sz="1800" kern="1200">
+                <a:solidFill>
+                  <a:schemeClr val="tx1"/>
+                </a:solidFill>
+                <a:latin typeface="+mn-lt"/>
+                <a:ea typeface="+mn-ea"/>
+                <a:cs typeface="+mn-cs"/>
+              </a:defRPr>
+            </a:lvl8pPr>
+            <a:lvl9pPr marL="3886200" indent="-228600" algn="l" defTabSz="914400" rtl="0" eaLnBrk="1" latinLnBrk="0" hangingPunct="1">
+              <a:lnSpc>
+                <a:spcPct val="90000"/>
+              </a:lnSpc>
+              <a:spcBef>
+                <a:spcPts val="500"/>
+              </a:spcBef>
+              <a:buFont typeface="Arial" panose="020B0604020202020204" pitchFamily="34" charset="0"/>
+              <a:buChar char="•"/>
+              <a:defRPr sz="1800" kern="1200">
+                <a:solidFill>
+                  <a:schemeClr val="tx1"/>
+                </a:solidFill>
+                <a:latin typeface="+mn-lt"/>
+                <a:ea typeface="+mn-ea"/>
+                <a:cs typeface="+mn-cs"/>
+              </a:defRPr>
+            </a:lvl9pPr>
+          </a:lstStyle>
+          <a:p>
+            <a:r>
+              <a:rPr lang="en-US" sz="1600" dirty="0"/>
+              <a:t>On the Helper tab of the wizard, click “Customize”</a:t>
+            </a:r>
+          </a:p>
+          <a:p>
+            <a:r>
+              <a:rPr lang="en-US" sz="1600" dirty="0"/>
+              <a:t>“Choose” the localhost you added as a Hyper-V host</a:t>
+            </a:r>
+          </a:p>
+          <a:p>
+            <a:r>
+              <a:rPr lang="en-US" sz="1600" dirty="0"/>
+              <a:t>The </a:t>
+            </a:r>
+            <a:r>
+              <a:rPr lang="en-US" sz="1600" dirty="0" err="1"/>
+              <a:t>vSwitch</a:t>
+            </a:r>
+            <a:r>
+              <a:rPr lang="en-US" sz="1600" dirty="0"/>
+              <a:t> you created should be automatically selected. </a:t>
+            </a:r>
+          </a:p>
+          <a:p>
+            <a:r>
+              <a:rPr lang="en-US" sz="1600" dirty="0"/>
+              <a:t>If successful you should see this at the bottom of the wizard. Click finish.</a:t>
+            </a:r>
+          </a:p>
+          <a:p>
+            <a:endParaRPr lang="en-US" sz="1600" dirty="0"/>
+          </a:p>
+          <a:p>
+            <a:pPr marL="0" indent="0">
+              <a:buFont typeface="Arial" panose="020B0604020202020204" pitchFamily="34" charset="0"/>
+              <a:buNone/>
+            </a:pPr>
+            <a:endParaRPr lang="en-US" sz="1600" dirty="0"/>
+          </a:p>
+        </p:txBody>
+      </p:sp>
+      <p:pic>
+        <p:nvPicPr>
+          <p:cNvPr id="10" name="Picture 9">
+            <a:extLst>
+              <a:ext uri="{FF2B5EF4-FFF2-40B4-BE49-F238E27FC236}">
+                <a16:creationId xmlns:a16="http://schemas.microsoft.com/office/drawing/2014/main" id="{A176132A-EC5D-42F4-9D4C-BCC9D46F66DC}"/>
+              </a:ext>
+            </a:extLst>
+          </p:cNvPr>
+          <p:cNvPicPr>
+            <a:picLocks noChangeAspect="1"/>
+          </p:cNvPicPr>
+          <p:nvPr/>
+        </p:nvPicPr>
+        <p:blipFill>
+          <a:blip r:embed="rId4"/>
+          <a:stretch>
+            <a:fillRect/>
+          </a:stretch>
+        </p:blipFill>
+        <p:spPr>
+          <a:xfrm>
+            <a:off x="6868160" y="6185185"/>
+            <a:ext cx="2203935" cy="545815"/>
+          </a:xfrm>
+          <a:prstGeom prst="rect">
+            <a:avLst/>
+          </a:prstGeom>
+        </p:spPr>
+      </p:pic>
     </p:spTree>
     <p:extLst>
       <p:ext uri="{BB962C8B-B14F-4D97-AF65-F5344CB8AC3E}">
-        <p14:creationId xmlns:p14="http://schemas.microsoft.com/office/powerpoint/2010/main" val="3773804038"/>
+        <p14:creationId xmlns:p14="http://schemas.microsoft.com/office/powerpoint/2010/main" val="3143442766"/>
       </p:ext>
     </p:extLst>
   </p:cSld>
@@ -6443,6 +6839,108 @@
           <p:cNvPr id="2" name="Title 1">
             <a:extLst>
               <a:ext uri="{FF2B5EF4-FFF2-40B4-BE49-F238E27FC236}">
+                <a16:creationId xmlns:a16="http://schemas.microsoft.com/office/drawing/2014/main" id="{FC7C3933-6F6F-4C6D-963E-4ADB3DA0885E}"/>
+              </a:ext>
+            </a:extLst>
+          </p:cNvPr>
+          <p:cNvSpPr>
+            <a:spLocks noGrp="1"/>
+          </p:cNvSpPr>
+          <p:nvPr>
+            <p:ph type="title"/>
+          </p:nvPr>
+        </p:nvSpPr>
+        <p:spPr/>
+        <p:txBody>
+          <a:bodyPr/>
+          <a:lstStyle/>
+          <a:p>
+            <a:r>
+              <a:rPr lang="en-US" dirty="0">
+                <a:highlight>
+                  <a:srgbClr val="FFFF00"/>
+                </a:highlight>
+              </a:rPr>
+              <a:t>Demo of replication job</a:t>
+            </a:r>
+          </a:p>
+        </p:txBody>
+      </p:sp>
+      <p:sp>
+        <p:nvSpPr>
+          <p:cNvPr id="3" name="Content Placeholder 2">
+            <a:extLst>
+              <a:ext uri="{FF2B5EF4-FFF2-40B4-BE49-F238E27FC236}">
+                <a16:creationId xmlns:a16="http://schemas.microsoft.com/office/drawing/2014/main" id="{F897A5C1-C54E-49CC-B553-856B72B6FFE6}"/>
+              </a:ext>
+            </a:extLst>
+          </p:cNvPr>
+          <p:cNvSpPr>
+            <a:spLocks noGrp="1"/>
+          </p:cNvSpPr>
+          <p:nvPr>
+            <p:ph idx="1"/>
+          </p:nvPr>
+        </p:nvSpPr>
+        <p:spPr/>
+        <p:txBody>
+          <a:bodyPr/>
+          <a:lstStyle/>
+          <a:p>
+            <a:r>
+              <a:rPr lang="en-US" dirty="0"/>
+              <a:t>Kurt to demo Datacenter1-&gt;Datacenter2 replication</a:t>
+            </a:r>
+          </a:p>
+          <a:p>
+            <a:r>
+              <a:rPr lang="en-US" dirty="0"/>
+              <a:t>Discuss warm standby; comes online in a few minutes</a:t>
+            </a:r>
+          </a:p>
+          <a:p>
+            <a:r>
+              <a:rPr lang="en-US" dirty="0"/>
+              <a:t>RPO/RTO</a:t>
+            </a:r>
+          </a:p>
+        </p:txBody>
+      </p:sp>
+    </p:spTree>
+    <p:extLst>
+      <p:ext uri="{BB962C8B-B14F-4D97-AF65-F5344CB8AC3E}">
+        <p14:creationId xmlns:p14="http://schemas.microsoft.com/office/powerpoint/2010/main" val="3773804038"/>
+      </p:ext>
+    </p:extLst>
+  </p:cSld>
+  <p:clrMapOvr>
+    <a:masterClrMapping/>
+  </p:clrMapOvr>
+</p:sld>
+</file>
+
+<file path=ppt/slides/slide22.xml><?xml version="1.0" encoding="utf-8"?>
+<p:sld xmlns:a="http://schemas.openxmlformats.org/drawingml/2006/main" xmlns:r="http://schemas.openxmlformats.org/officeDocument/2006/relationships" xmlns:p="http://schemas.openxmlformats.org/presentationml/2006/main">
+  <p:cSld>
+    <p:spTree>
+      <p:nvGrpSpPr>
+        <p:cNvPr id="1" name=""/>
+        <p:cNvGrpSpPr/>
+        <p:nvPr/>
+      </p:nvGrpSpPr>
+      <p:grpSpPr>
+        <a:xfrm>
+          <a:off x="0" y="0"/>
+          <a:ext cx="0" cy="0"/>
+          <a:chOff x="0" y="0"/>
+          <a:chExt cx="0" cy="0"/>
+        </a:xfrm>
+      </p:grpSpPr>
+      <p:sp>
+        <p:nvSpPr>
+          <p:cNvPr id="2" name="Title 1">
+            <a:extLst>
+              <a:ext uri="{FF2B5EF4-FFF2-40B4-BE49-F238E27FC236}">
                 <a16:creationId xmlns:a16="http://schemas.microsoft.com/office/drawing/2014/main" id="{1B83551B-9DF1-4D0A-9FD5-A5E69A22728B}"/>
               </a:ext>
             </a:extLst>
@@ -6517,7 +7015,7 @@
 </p:sld>
 </file>
 
-<file path=ppt/slides/slide22.xml><?xml version="1.0" encoding="utf-8"?>
+<file path=ppt/slides/slide23.xml><?xml version="1.0" encoding="utf-8"?>
 <p:sld xmlns:a="http://schemas.openxmlformats.org/drawingml/2006/main" xmlns:r="http://schemas.openxmlformats.org/officeDocument/2006/relationships" xmlns:p="http://schemas.openxmlformats.org/presentationml/2006/main">
   <p:cSld>
     <p:spTree>
@@ -8103,25 +8601,6 @@
 </file>
 
 <file path=customXml/item1.xml><?xml version="1.0" encoding="utf-8"?>
-<p:properties xmlns:p="http://schemas.microsoft.com/office/2006/metadata/properties" xmlns:xsi="http://www.w3.org/2001/XMLSchema-instance" xmlns:pc="http://schemas.microsoft.com/office/infopath/2007/PartnerControls">
-  <documentManagement>
-    <_ip_UnifiedCompliancePolicyUIAction xmlns="http://schemas.microsoft.com/sharepoint/v3" xsi:nil="true"/>
-    <MediaServiceKeyPoints xmlns="193ed8a2-4539-4a85-8b6f-399dfeae4bd9" xsi:nil="true"/>
-    <_ip_UnifiedCompliancePolicyProperties xmlns="http://schemas.microsoft.com/sharepoint/v3" xsi:nil="true"/>
-  </documentManagement>
-</p:properties>
-</file>
-
-<file path=customXml/item2.xml><?xml version="1.0" encoding="utf-8"?>
-<?mso-contentType ?>
-<FormTemplates xmlns="http://schemas.microsoft.com/sharepoint/v3/contenttype/forms">
-  <Display>DocumentLibraryForm</Display>
-  <Edit>DocumentLibraryForm</Edit>
-  <New>DocumentLibraryForm</New>
-</FormTemplates>
-</file>
-
-<file path=customXml/item3.xml><?xml version="1.0" encoding="utf-8"?>
 <ct:contentTypeSchema xmlns:ct="http://schemas.microsoft.com/office/2006/metadata/contentType" xmlns:ma="http://schemas.microsoft.com/office/2006/metadata/properties/metaAttributes" ct:_="" ma:_="" ma:contentTypeName="Document" ma:contentTypeID="0x01010039C7440841F209428C7B83779A5E5D3F" ma:contentTypeVersion="16" ma:contentTypeDescription="Create a new document." ma:contentTypeScope="" ma:versionID="5a3fad957325c550b415ad6eb9db69b6">
   <xsd:schema xmlns:xsd="http://www.w3.org/2001/XMLSchema" xmlns:xs="http://www.w3.org/2001/XMLSchema" xmlns:p="http://schemas.microsoft.com/office/2006/metadata/properties" xmlns:ns1="http://schemas.microsoft.com/sharepoint/v3" xmlns:ns3="193ed8a2-4539-4a85-8b6f-399dfeae4bd9" xmlns:ns4="7c8be482-3156-4892-8a6f-d2ff790bfae6" targetNamespace="http://schemas.microsoft.com/office/2006/metadata/properties" ma:root="true" ma:fieldsID="880fc400dde3ba496643e47e312674a6" ns1:_="" ns3:_="" ns4:_="">
     <xsd:import namespace="http://schemas.microsoft.com/sharepoint/v3"/>
@@ -8367,26 +8846,26 @@
 </ct:contentTypeSchema>
 </file>
 
-<file path=customXml/itemProps1.xml><?xml version="1.0" encoding="utf-8"?>
-<ds:datastoreItem xmlns:ds="http://schemas.openxmlformats.org/officeDocument/2006/customXml" ds:itemID="{59071B2C-BF7E-483E-93DE-53C81689A11E}">
-  <ds:schemaRefs>
-    <ds:schemaRef ds:uri="http://schemas.microsoft.com/office/2006/metadata/properties"/>
-    <ds:schemaRef ds:uri="http://schemas.microsoft.com/office/infopath/2007/PartnerControls"/>
-    <ds:schemaRef ds:uri="http://schemas.microsoft.com/sharepoint/v3"/>
-    <ds:schemaRef ds:uri="193ed8a2-4539-4a85-8b6f-399dfeae4bd9"/>
-  </ds:schemaRefs>
-</ds:datastoreItem>
+<file path=customXml/item2.xml><?xml version="1.0" encoding="utf-8"?>
+<?mso-contentType ?>
+<FormTemplates xmlns="http://schemas.microsoft.com/sharepoint/v3/contenttype/forms">
+  <Display>DocumentLibraryForm</Display>
+  <Edit>DocumentLibraryForm</Edit>
+  <New>DocumentLibraryForm</New>
+</FormTemplates>
 </file>
 
-<file path=customXml/itemProps2.xml><?xml version="1.0" encoding="utf-8"?>
-<ds:datastoreItem xmlns:ds="http://schemas.openxmlformats.org/officeDocument/2006/customXml" ds:itemID="{D93D0519-7844-4F19-A023-0D1EF7B3A224}">
-  <ds:schemaRefs>
-    <ds:schemaRef ds:uri="http://schemas.microsoft.com/sharepoint/v3/contenttype/forms"/>
-  </ds:schemaRefs>
-</ds:datastoreItem>
+<file path=customXml/item3.xml><?xml version="1.0" encoding="utf-8"?>
+<p:properties xmlns:p="http://schemas.microsoft.com/office/2006/metadata/properties" xmlns:xsi="http://www.w3.org/2001/XMLSchema-instance" xmlns:pc="http://schemas.microsoft.com/office/infopath/2007/PartnerControls">
+  <documentManagement>
+    <_ip_UnifiedCompliancePolicyUIAction xmlns="http://schemas.microsoft.com/sharepoint/v3" xsi:nil="true"/>
+    <MediaServiceKeyPoints xmlns="193ed8a2-4539-4a85-8b6f-399dfeae4bd9" xsi:nil="true"/>
+    <_ip_UnifiedCompliancePolicyProperties xmlns="http://schemas.microsoft.com/sharepoint/v3" xsi:nil="true"/>
+  </documentManagement>
+</p:properties>
 </file>
 
-<file path=customXml/itemProps3.xml><?xml version="1.0" encoding="utf-8"?>
+<file path=customXml/itemProps1.xml><?xml version="1.0" encoding="utf-8"?>
 <ds:datastoreItem xmlns:ds="http://schemas.openxmlformats.org/officeDocument/2006/customXml" ds:itemID="{A9D40B58-6553-432A-83F4-0C23EE14E82F}">
   <ds:schemaRefs>
     <ds:schemaRef ds:uri="http://schemas.microsoft.com/office/2006/metadata/contentType"/>
@@ -8404,4 +8883,23 @@
     <ds:schemaRef ds:uri="http://schemas.microsoft.com/internal/obd"/>
   </ds:schemaRefs>
 </ds:datastoreItem>
+</file>
+
+<file path=customXml/itemProps2.xml><?xml version="1.0" encoding="utf-8"?>
+<ds:datastoreItem xmlns:ds="http://schemas.openxmlformats.org/officeDocument/2006/customXml" ds:itemID="{D93D0519-7844-4F19-A023-0D1EF7B3A224}">
+  <ds:schemaRefs>
+    <ds:schemaRef ds:uri="http://schemas.microsoft.com/sharepoint/v3/contenttype/forms"/>
+  </ds:schemaRefs>
+</ds:datastoreItem>
+</file>
+
+<file path=customXml/itemProps3.xml><?xml version="1.0" encoding="utf-8"?>
+<ds:datastoreItem xmlns:ds="http://schemas.openxmlformats.org/officeDocument/2006/customXml" ds:itemID="{59071B2C-BF7E-483E-93DE-53C81689A11E}">
+  <ds:schemaRefs>
+    <ds:schemaRef ds:uri="http://schemas.microsoft.com/office/2006/metadata/properties"/>
+    <ds:schemaRef ds:uri="http://schemas.microsoft.com/office/infopath/2007/PartnerControls"/>
+    <ds:schemaRef ds:uri="http://schemas.microsoft.com/sharepoint/v3"/>
+    <ds:schemaRef ds:uri="193ed8a2-4539-4a85-8b6f-399dfeae4bd9"/>
+  </ds:schemaRefs>
+</ds:datastoreItem>
 </file>
--- a/Veeam Lab Guide.pptx
+++ b/Veeam Lab Guide.pptx
@@ -11,23 +11,24 @@
     <p:sldId id="271" r:id="rId8"/>
     <p:sldId id="267" r:id="rId9"/>
     <p:sldId id="258" r:id="rId10"/>
-    <p:sldId id="265" r:id="rId11"/>
-    <p:sldId id="259" r:id="rId12"/>
-    <p:sldId id="273" r:id="rId13"/>
-    <p:sldId id="274" r:id="rId14"/>
-    <p:sldId id="275" r:id="rId15"/>
-    <p:sldId id="276" r:id="rId16"/>
-    <p:sldId id="277" r:id="rId17"/>
-    <p:sldId id="278" r:id="rId18"/>
-    <p:sldId id="260" r:id="rId19"/>
-    <p:sldId id="279" r:id="rId20"/>
-    <p:sldId id="280" r:id="rId21"/>
-    <p:sldId id="281" r:id="rId22"/>
-    <p:sldId id="262" r:id="rId23"/>
-    <p:sldId id="282" r:id="rId24"/>
-    <p:sldId id="268" r:id="rId25"/>
-    <p:sldId id="264" r:id="rId26"/>
+    <p:sldId id="259" r:id="rId11"/>
+    <p:sldId id="273" r:id="rId12"/>
+    <p:sldId id="274" r:id="rId13"/>
+    <p:sldId id="275" r:id="rId14"/>
+    <p:sldId id="276" r:id="rId15"/>
+    <p:sldId id="277" r:id="rId16"/>
+    <p:sldId id="278" r:id="rId17"/>
+    <p:sldId id="260" r:id="rId18"/>
+    <p:sldId id="279" r:id="rId19"/>
+    <p:sldId id="280" r:id="rId20"/>
+    <p:sldId id="281" r:id="rId21"/>
+    <p:sldId id="262" r:id="rId22"/>
+    <p:sldId id="282" r:id="rId23"/>
+    <p:sldId id="284" r:id="rId24"/>
+    <p:sldId id="283" r:id="rId25"/>
+    <p:sldId id="268" r:id="rId26"/>
     <p:sldId id="269" r:id="rId27"/>
+    <p:sldId id="265" r:id="rId28"/>
   </p:sldIdLst>
   <p:sldSz cx="12192000" cy="6858000"/>
   <p:notesSz cx="6858000" cy="9144000"/>
@@ -127,6 +128,70 @@
     </a:lvl9pPr>
   </p:defaultTextStyle>
   <p:extLst>
+    <p:ext uri="{521415D9-36F7-43E2-AB2F-B90AF26B5E84}">
+      <p14:sectionLst xmlns:p14="http://schemas.microsoft.com/office/powerpoint/2010/main">
+        <p14:section name="Default Section" id="{E3C4AC9D-8473-40E6-8E53-1998CEF52201}">
+          <p14:sldIdLst>
+            <p14:sldId id="256"/>
+          </p14:sldIdLst>
+        </p14:section>
+        <p14:section name="Lab Setup" id="{951DF621-4BF7-426E-BF0D-FFADBBFA0E5F}">
+          <p14:sldIdLst>
+            <p14:sldId id="257"/>
+            <p14:sldId id="272"/>
+            <p14:sldId id="271"/>
+          </p14:sldIdLst>
+        </p14:section>
+        <p14:section name="Lab Concepts" id="{DEFFB497-DADB-4046-A048-1D6AD8B4A407}">
+          <p14:sldIdLst>
+            <p14:sldId id="267"/>
+            <p14:sldId id="258"/>
+          </p14:sldIdLst>
+        </p14:section>
+        <p14:section name="Configure Veeam" id="{9D9C4D35-A546-4ACA-9681-E2482D70FC07}">
+          <p14:sldIdLst>
+            <p14:sldId id="259"/>
+            <p14:sldId id="273"/>
+            <p14:sldId id="274"/>
+            <p14:sldId id="275"/>
+            <p14:sldId id="276"/>
+            <p14:sldId id="277"/>
+          </p14:sldIdLst>
+        </p14:section>
+        <p14:section name="Protect Workloads" id="{FC9F860E-B257-4C9A-9664-F3AFCE7E42CF}">
+          <p14:sldIdLst>
+            <p14:sldId id="278"/>
+            <p14:sldId id="260"/>
+            <p14:sldId id="279"/>
+            <p14:sldId id="280"/>
+          </p14:sldIdLst>
+        </p14:section>
+        <p14:section name="Restore from backup" id="{EFAA5F18-8894-4385-A9BE-A8945F8275FF}">
+          <p14:sldIdLst>
+            <p14:sldId id="281"/>
+            <p14:sldId id="262"/>
+            <p14:sldId id="282"/>
+            <p14:sldId id="284"/>
+            <p14:sldId id="283"/>
+          </p14:sldIdLst>
+        </p14:section>
+        <p14:section name="Demo of replication and instant restore" id="{40E0B12D-4C16-4805-9AF5-8FDC510D7857}">
+          <p14:sldIdLst>
+            <p14:sldId id="268"/>
+          </p14:sldIdLst>
+        </p14:section>
+        <p14:section name="Clean up" id="{9B17C8C1-AD7E-4211-920F-B33818370FAF}">
+          <p14:sldIdLst>
+            <p14:sldId id="269"/>
+          </p14:sldIdLst>
+        </p14:section>
+        <p14:section name="Unused slides" id="{97EEB5C7-2E61-40FB-9C39-A4252A1E98EB}">
+          <p14:sldIdLst>
+            <p14:sldId id="265"/>
+          </p14:sldIdLst>
+        </p14:section>
+      </p14:sectionLst>
+    </p:ext>
     <p:ext uri="{EFAFB233-063F-42B5-8137-9DF3F51BA10A}">
       <p15:sldGuideLst xmlns:p15="http://schemas.microsoft.com/office/powerpoint/2012/main"/>
     </p:ext>
@@ -4305,164 +4370,6 @@
           <a:p>
             <a:r>
               <a:rPr lang="en-US" dirty="0"/>
-              <a:t>Configure Azure Storage Credentials</a:t>
-            </a:r>
-          </a:p>
-        </p:txBody>
-      </p:sp>
-      <p:sp>
-        <p:nvSpPr>
-          <p:cNvPr id="3" name="Content Placeholder 2">
-            <a:extLst>
-              <a:ext uri="{FF2B5EF4-FFF2-40B4-BE49-F238E27FC236}">
-                <a16:creationId xmlns:a16="http://schemas.microsoft.com/office/drawing/2014/main" id="{4554BDA3-AD18-4CB7-A431-4157661C0493}"/>
-              </a:ext>
-            </a:extLst>
-          </p:cNvPr>
-          <p:cNvSpPr>
-            <a:spLocks noGrp="1"/>
-          </p:cNvSpPr>
-          <p:nvPr>
-            <p:ph idx="1"/>
-          </p:nvPr>
-        </p:nvSpPr>
-        <p:spPr>
-          <a:xfrm>
-            <a:off x="147145" y="1036519"/>
-            <a:ext cx="5600872" cy="4351338"/>
-          </a:xfrm>
-        </p:spPr>
-        <p:txBody>
-          <a:bodyPr>
-            <a:normAutofit/>
-          </a:bodyPr>
-          <a:lstStyle/>
-          <a:p>
-            <a:r>
-              <a:rPr lang="en-US" dirty="0"/>
-              <a:t>Select Manage Cloud Credentials from top left menu</a:t>
-            </a:r>
-          </a:p>
-          <a:p>
-            <a:r>
-              <a:rPr lang="en-US" dirty="0"/>
-              <a:t>Add-&gt;Azure Storage</a:t>
-            </a:r>
-          </a:p>
-          <a:p>
-            <a:r>
-              <a:rPr lang="en-US" dirty="0"/>
-              <a:t>Provide the name of your capacity tier storage account</a:t>
-            </a:r>
-          </a:p>
-          <a:p>
-            <a:r>
-              <a:rPr lang="en-US" dirty="0"/>
-              <a:t>Provide one of the access keys (get it from the “Access Keys” blade on the storage account resource in Azure Portal)</a:t>
-            </a:r>
-          </a:p>
-          <a:p>
-            <a:endParaRPr lang="en-US" dirty="0"/>
-          </a:p>
-          <a:p>
-            <a:pPr marL="0" indent="0">
-              <a:buNone/>
-            </a:pPr>
-            <a:endParaRPr lang="en-US" dirty="0"/>
-          </a:p>
-          <a:p>
-            <a:endParaRPr lang="en-US" dirty="0"/>
-          </a:p>
-        </p:txBody>
-      </p:sp>
-      <p:pic>
-        <p:nvPicPr>
-          <p:cNvPr id="6" name="Picture 5">
-            <a:extLst>
-              <a:ext uri="{FF2B5EF4-FFF2-40B4-BE49-F238E27FC236}">
-                <a16:creationId xmlns:a16="http://schemas.microsoft.com/office/drawing/2014/main" id="{3D6D5319-2BC9-4EE4-9A06-0D1B77458665}"/>
-              </a:ext>
-            </a:extLst>
-          </p:cNvPr>
-          <p:cNvPicPr>
-            <a:picLocks noChangeAspect="1"/>
-          </p:cNvPicPr>
-          <p:nvPr/>
-        </p:nvPicPr>
-        <p:blipFill>
-          <a:blip r:embed="rId2"/>
-          <a:stretch>
-            <a:fillRect/>
-          </a:stretch>
-        </p:blipFill>
-        <p:spPr>
-          <a:xfrm>
-            <a:off x="5610544" y="1398266"/>
-            <a:ext cx="6434311" cy="4543505"/>
-          </a:xfrm>
-          <a:prstGeom prst="rect">
-            <a:avLst/>
-          </a:prstGeom>
-        </p:spPr>
-      </p:pic>
-    </p:spTree>
-    <p:extLst>
-      <p:ext uri="{BB962C8B-B14F-4D97-AF65-F5344CB8AC3E}">
-        <p14:creationId xmlns:p14="http://schemas.microsoft.com/office/powerpoint/2010/main" val="3715830185"/>
-      </p:ext>
-    </p:extLst>
-  </p:cSld>
-  <p:clrMapOvr>
-    <a:masterClrMapping/>
-  </p:clrMapOvr>
-</p:sld>
-</file>
-
-<file path=ppt/slides/slide11.xml><?xml version="1.0" encoding="utf-8"?>
-<p:sld xmlns:a="http://schemas.openxmlformats.org/drawingml/2006/main" xmlns:r="http://schemas.openxmlformats.org/officeDocument/2006/relationships" xmlns:p="http://schemas.openxmlformats.org/presentationml/2006/main">
-  <p:cSld>
-    <p:spTree>
-      <p:nvGrpSpPr>
-        <p:cNvPr id="1" name=""/>
-        <p:cNvGrpSpPr/>
-        <p:nvPr/>
-      </p:nvGrpSpPr>
-      <p:grpSpPr>
-        <a:xfrm>
-          <a:off x="0" y="0"/>
-          <a:ext cx="0" cy="0"/>
-          <a:chOff x="0" y="0"/>
-          <a:chExt cx="0" cy="0"/>
-        </a:xfrm>
-      </p:grpSpPr>
-      <p:sp>
-        <p:nvSpPr>
-          <p:cNvPr id="2" name="Title 1">
-            <a:extLst>
-              <a:ext uri="{FF2B5EF4-FFF2-40B4-BE49-F238E27FC236}">
-                <a16:creationId xmlns:a16="http://schemas.microsoft.com/office/drawing/2014/main" id="{0FE659BE-E1D1-4452-A06B-1EF8C6E1EA27}"/>
-              </a:ext>
-            </a:extLst>
-          </p:cNvPr>
-          <p:cNvSpPr>
-            <a:spLocks noGrp="1"/>
-          </p:cNvSpPr>
-          <p:nvPr>
-            <p:ph type="title"/>
-          </p:nvPr>
-        </p:nvSpPr>
-        <p:spPr>
-          <a:xfrm>
-            <a:off x="147145" y="88287"/>
-            <a:ext cx="10515600" cy="991225"/>
-          </a:xfrm>
-        </p:spPr>
-        <p:txBody>
-          <a:bodyPr/>
-          <a:lstStyle/>
-          <a:p>
-            <a:r>
-              <a:rPr lang="en-US" dirty="0"/>
               <a:t>Configure Azure Storage Repo</a:t>
             </a:r>
           </a:p>
@@ -4585,7 +4492,7 @@
 </p:sld>
 </file>
 
-<file path=ppt/slides/slide12.xml><?xml version="1.0" encoding="utf-8"?>
+<file path=ppt/slides/slide11.xml><?xml version="1.0" encoding="utf-8"?>
 <p:sld xmlns:a="http://schemas.openxmlformats.org/drawingml/2006/main" xmlns:r="http://schemas.openxmlformats.org/officeDocument/2006/relationships" xmlns:p="http://schemas.openxmlformats.org/presentationml/2006/main">
   <p:cSld>
     <p:spTree>
@@ -4782,7 +4689,7 @@
 </p:sld>
 </file>
 
-<file path=ppt/slides/slide13.xml><?xml version="1.0" encoding="utf-8"?>
+<file path=ppt/slides/slide12.xml><?xml version="1.0" encoding="utf-8"?>
 <p:sld xmlns:a="http://schemas.openxmlformats.org/drawingml/2006/main" xmlns:r="http://schemas.openxmlformats.org/officeDocument/2006/relationships" xmlns:p="http://schemas.openxmlformats.org/presentationml/2006/main">
   <p:cSld>
     <p:spTree>
@@ -4987,7 +4894,7 @@
 </p:sld>
 </file>
 
-<file path=ppt/slides/slide14.xml><?xml version="1.0" encoding="utf-8"?>
+<file path=ppt/slides/slide13.xml><?xml version="1.0" encoding="utf-8"?>
 <p:sld xmlns:a="http://schemas.openxmlformats.org/drawingml/2006/main" xmlns:r="http://schemas.openxmlformats.org/officeDocument/2006/relationships" xmlns:p="http://schemas.openxmlformats.org/presentationml/2006/main">
   <p:cSld>
     <p:spTree>
@@ -5215,7 +5122,7 @@
 </p:sld>
 </file>
 
-<file path=ppt/slides/slide15.xml><?xml version="1.0" encoding="utf-8"?>
+<file path=ppt/slides/slide14.xml><?xml version="1.0" encoding="utf-8"?>
 <p:sld xmlns:a="http://schemas.openxmlformats.org/drawingml/2006/main" xmlns:r="http://schemas.openxmlformats.org/officeDocument/2006/relationships" xmlns:p="http://schemas.openxmlformats.org/presentationml/2006/main">
   <p:cSld>
     <p:spTree>
@@ -5532,7 +5439,7 @@
 </p:sld>
 </file>
 
-<file path=ppt/slides/slide16.xml><?xml version="1.0" encoding="utf-8"?>
+<file path=ppt/slides/slide15.xml><?xml version="1.0" encoding="utf-8"?>
 <p:sld xmlns:a="http://schemas.openxmlformats.org/drawingml/2006/main" xmlns:r="http://schemas.openxmlformats.org/officeDocument/2006/relationships" xmlns:p="http://schemas.openxmlformats.org/presentationml/2006/main">
   <p:cSld>
     <p:spTree>
@@ -5664,7 +5571,7 @@
 </p:sld>
 </file>
 
-<file path=ppt/slides/slide17.xml><?xml version="1.0" encoding="utf-8"?>
+<file path=ppt/slides/slide16.xml><?xml version="1.0" encoding="utf-8"?>
 <p:sld xmlns:a="http://schemas.openxmlformats.org/drawingml/2006/main" xmlns:r="http://schemas.openxmlformats.org/officeDocument/2006/relationships" xmlns:p="http://schemas.openxmlformats.org/presentationml/2006/main">
   <p:cSld>
     <p:spTree>
@@ -5855,6 +5762,205 @@
 </p:sld>
 </file>
 
+<file path=ppt/slides/slide17.xml><?xml version="1.0" encoding="utf-8"?>
+<p:sld xmlns:a="http://schemas.openxmlformats.org/drawingml/2006/main" xmlns:r="http://schemas.openxmlformats.org/officeDocument/2006/relationships" xmlns:p="http://schemas.openxmlformats.org/presentationml/2006/main">
+  <p:cSld>
+    <p:spTree>
+      <p:nvGrpSpPr>
+        <p:cNvPr id="1" name=""/>
+        <p:cNvGrpSpPr/>
+        <p:nvPr/>
+      </p:nvGrpSpPr>
+      <p:grpSpPr>
+        <a:xfrm>
+          <a:off x="0" y="0"/>
+          <a:ext cx="0" cy="0"/>
+          <a:chOff x="0" y="0"/>
+          <a:chExt cx="0" cy="0"/>
+        </a:xfrm>
+      </p:grpSpPr>
+      <p:sp>
+        <p:nvSpPr>
+          <p:cNvPr id="2" name="Title 1">
+            <a:extLst>
+              <a:ext uri="{FF2B5EF4-FFF2-40B4-BE49-F238E27FC236}">
+                <a16:creationId xmlns:a16="http://schemas.microsoft.com/office/drawing/2014/main" id="{D13015D7-0367-4F35-9D75-5BED0E0478C0}"/>
+              </a:ext>
+            </a:extLst>
+          </p:cNvPr>
+          <p:cNvSpPr>
+            <a:spLocks noGrp="1"/>
+          </p:cNvSpPr>
+          <p:nvPr>
+            <p:ph type="title"/>
+          </p:nvPr>
+        </p:nvSpPr>
+        <p:spPr>
+          <a:xfrm>
+            <a:off x="274320" y="162560"/>
+            <a:ext cx="10515600" cy="776288"/>
+          </a:xfrm>
+        </p:spPr>
+        <p:txBody>
+          <a:bodyPr/>
+          <a:lstStyle/>
+          <a:p>
+            <a:r>
+              <a:rPr lang="en-US" dirty="0">
+                <a:highlight>
+                  <a:srgbClr val="FFFF00"/>
+                </a:highlight>
+              </a:rPr>
+              <a:t>Prepare for Linux guest file restore (optional)</a:t>
+            </a:r>
+          </a:p>
+        </p:txBody>
+      </p:sp>
+      <p:sp>
+        <p:nvSpPr>
+          <p:cNvPr id="3" name="Content Placeholder 2">
+            <a:extLst>
+              <a:ext uri="{FF2B5EF4-FFF2-40B4-BE49-F238E27FC236}">
+                <a16:creationId xmlns:a16="http://schemas.microsoft.com/office/drawing/2014/main" id="{F49C5F9E-73F3-439D-A64E-08847336DC82}"/>
+              </a:ext>
+            </a:extLst>
+          </p:cNvPr>
+          <p:cNvSpPr>
+            <a:spLocks noGrp="1"/>
+          </p:cNvSpPr>
+          <p:nvPr>
+            <p:ph idx="1"/>
+          </p:nvPr>
+        </p:nvSpPr>
+        <p:spPr>
+          <a:xfrm>
+            <a:off x="127000" y="1038225"/>
+            <a:ext cx="6990080" cy="4351338"/>
+          </a:xfrm>
+        </p:spPr>
+        <p:txBody>
+          <a:bodyPr>
+            <a:normAutofit/>
+          </a:bodyPr>
+          <a:lstStyle/>
+          <a:p>
+            <a:r>
+              <a:rPr lang="en-US" sz="1800" dirty="0"/>
+              <a:t>Veeam uses a helper appliance VM to perform guest-level file restores from Linux servers. We will configure Hyper-V on the Veeam B&amp;R server to host this helper appliance</a:t>
+            </a:r>
+          </a:p>
+          <a:p>
+            <a:r>
+              <a:rPr lang="en-US" sz="1800" dirty="0"/>
+              <a:t>Open Hyper-V Manager and add a new </a:t>
+            </a:r>
+            <a:r>
+              <a:rPr lang="en-US" sz="1800" b="1" dirty="0"/>
+              <a:t>Internal </a:t>
+            </a:r>
+            <a:r>
+              <a:rPr lang="en-US" sz="1800" b="1" dirty="0" err="1"/>
+              <a:t>vSwitch</a:t>
+            </a:r>
+            <a:r>
+              <a:rPr lang="en-US" sz="1800" b="1" dirty="0"/>
+              <a:t> </a:t>
+            </a:r>
+            <a:r>
+              <a:rPr lang="en-US" sz="1800" dirty="0"/>
+              <a:t>using default values</a:t>
+            </a:r>
+          </a:p>
+          <a:p>
+            <a:r>
+              <a:rPr lang="en-US" sz="1800" dirty="0">
+                <a:highlight>
+                  <a:srgbClr val="FF00FF"/>
+                </a:highlight>
+              </a:rPr>
+              <a:t>In the Veeam console, register the local server as a new Virtual Host</a:t>
+            </a:r>
+          </a:p>
+          <a:p>
+            <a:r>
+              <a:rPr lang="en-US" sz="1800" dirty="0"/>
+              <a:t>We’ll walk through this one together.</a:t>
+            </a:r>
+          </a:p>
+          <a:p>
+            <a:endParaRPr lang="en-US" sz="1800" dirty="0"/>
+          </a:p>
+          <a:p>
+            <a:endParaRPr lang="en-US" sz="1800" dirty="0"/>
+          </a:p>
+          <a:p>
+            <a:r>
+              <a:rPr lang="en-US" sz="1800" dirty="0">
+                <a:highlight>
+                  <a:srgbClr val="FF00FF"/>
+                </a:highlight>
+              </a:rPr>
+              <a:t>TODO: work out display issue for adding host</a:t>
+            </a:r>
+          </a:p>
+          <a:p>
+            <a:pPr marL="0" indent="0">
+              <a:buNone/>
+            </a:pPr>
+            <a:endParaRPr lang="en-US" sz="1800" dirty="0"/>
+          </a:p>
+          <a:p>
+            <a:endParaRPr lang="en-US" sz="1800" dirty="0"/>
+          </a:p>
+        </p:txBody>
+      </p:sp>
+      <p:sp>
+        <p:nvSpPr>
+          <p:cNvPr id="5" name="Rectangle 4">
+            <a:extLst>
+              <a:ext uri="{FF2B5EF4-FFF2-40B4-BE49-F238E27FC236}">
+                <a16:creationId xmlns:a16="http://schemas.microsoft.com/office/drawing/2014/main" id="{FF2D0B90-D283-4891-AF9A-7D240154AE4E}"/>
+              </a:ext>
+            </a:extLst>
+          </p:cNvPr>
+          <p:cNvSpPr/>
+          <p:nvPr/>
+        </p:nvSpPr>
+        <p:spPr>
+          <a:xfrm>
+            <a:off x="1643709" y="6366676"/>
+            <a:ext cx="9674700" cy="369332"/>
+          </a:xfrm>
+          <a:prstGeom prst="rect">
+            <a:avLst/>
+          </a:prstGeom>
+        </p:spPr>
+        <p:txBody>
+          <a:bodyPr wrap="none">
+            <a:spAutoFit/>
+          </a:bodyPr>
+          <a:lstStyle/>
+          <a:p>
+            <a:r>
+              <a:rPr lang="en-US" i="1" dirty="0"/>
+              <a:t>You may need to change your display sizing down to 100% for this step if you are on a high DPI device</a:t>
+            </a:r>
+          </a:p>
+        </p:txBody>
+      </p:sp>
+    </p:spTree>
+    <p:extLst>
+      <p:ext uri="{BB962C8B-B14F-4D97-AF65-F5344CB8AC3E}">
+        <p14:creationId xmlns:p14="http://schemas.microsoft.com/office/powerpoint/2010/main" val="2233001867"/>
+      </p:ext>
+    </p:extLst>
+  </p:cSld>
+  <p:clrMapOvr>
+    <a:masterClrMapping/>
+  </p:clrMapOvr>
+</p:sld>
+</file>
+
 <file path=ppt/slides/slide18.xml><?xml version="1.0" encoding="utf-8"?>
 <p:sld xmlns:a="http://schemas.openxmlformats.org/drawingml/2006/main" xmlns:r="http://schemas.openxmlformats.org/officeDocument/2006/relationships" xmlns:p="http://schemas.openxmlformats.org/presentationml/2006/main">
   <p:cSld>
@@ -5877,189 +5983,6 @@
           <p:cNvPr id="2" name="Title 1">
             <a:extLst>
               <a:ext uri="{FF2B5EF4-FFF2-40B4-BE49-F238E27FC236}">
-                <a16:creationId xmlns:a16="http://schemas.microsoft.com/office/drawing/2014/main" id="{D13015D7-0367-4F35-9D75-5BED0E0478C0}"/>
-              </a:ext>
-            </a:extLst>
-          </p:cNvPr>
-          <p:cNvSpPr>
-            <a:spLocks noGrp="1"/>
-          </p:cNvSpPr>
-          <p:nvPr>
-            <p:ph type="title"/>
-          </p:nvPr>
-        </p:nvSpPr>
-        <p:spPr>
-          <a:xfrm>
-            <a:off x="274320" y="162560"/>
-            <a:ext cx="10515600" cy="776288"/>
-          </a:xfrm>
-        </p:spPr>
-        <p:txBody>
-          <a:bodyPr/>
-          <a:lstStyle/>
-          <a:p>
-            <a:r>
-              <a:rPr lang="en-US" dirty="0">
-                <a:highlight>
-                  <a:srgbClr val="FFFF00"/>
-                </a:highlight>
-              </a:rPr>
-              <a:t>Prepare for Linux guest file restore (optional)</a:t>
-            </a:r>
-          </a:p>
-        </p:txBody>
-      </p:sp>
-      <p:sp>
-        <p:nvSpPr>
-          <p:cNvPr id="3" name="Content Placeholder 2">
-            <a:extLst>
-              <a:ext uri="{FF2B5EF4-FFF2-40B4-BE49-F238E27FC236}">
-                <a16:creationId xmlns:a16="http://schemas.microsoft.com/office/drawing/2014/main" id="{F49C5F9E-73F3-439D-A64E-08847336DC82}"/>
-              </a:ext>
-            </a:extLst>
-          </p:cNvPr>
-          <p:cNvSpPr>
-            <a:spLocks noGrp="1"/>
-          </p:cNvSpPr>
-          <p:nvPr>
-            <p:ph idx="1"/>
-          </p:nvPr>
-        </p:nvSpPr>
-        <p:spPr>
-          <a:xfrm>
-            <a:off x="127000" y="1038225"/>
-            <a:ext cx="6990080" cy="4351338"/>
-          </a:xfrm>
-        </p:spPr>
-        <p:txBody>
-          <a:bodyPr>
-            <a:normAutofit/>
-          </a:bodyPr>
-          <a:lstStyle/>
-          <a:p>
-            <a:r>
-              <a:rPr lang="en-US" sz="1800" dirty="0"/>
-              <a:t>Veeam uses a helper appliance VM to perform guest-level file restores from Linux servers. We will configure Hyper-V on the Veeam B&amp;R server to host this helper appliance</a:t>
-            </a:r>
-          </a:p>
-          <a:p>
-            <a:r>
-              <a:rPr lang="en-US" sz="1800" dirty="0"/>
-              <a:t>Open Hyper-V Manager and add a new </a:t>
-            </a:r>
-            <a:r>
-              <a:rPr lang="en-US" sz="1800" b="1" dirty="0"/>
-              <a:t>Internal </a:t>
-            </a:r>
-            <a:r>
-              <a:rPr lang="en-US" sz="1800" b="1" dirty="0" err="1"/>
-              <a:t>vSwitch</a:t>
-            </a:r>
-            <a:r>
-              <a:rPr lang="en-US" sz="1800" b="1" dirty="0"/>
-              <a:t> </a:t>
-            </a:r>
-            <a:r>
-              <a:rPr lang="en-US" sz="1800" dirty="0"/>
-              <a:t>using default values</a:t>
-            </a:r>
-          </a:p>
-          <a:p>
-            <a:r>
-              <a:rPr lang="en-US" sz="1800" dirty="0">
-                <a:highlight>
-                  <a:srgbClr val="FF00FF"/>
-                </a:highlight>
-              </a:rPr>
-              <a:t>In the Veeam console, register the local server as a new Virtual Host</a:t>
-            </a:r>
-          </a:p>
-          <a:p>
-            <a:r>
-              <a:rPr lang="en-US" sz="1800" dirty="0"/>
-              <a:t>We’ll walk through this one together.</a:t>
-            </a:r>
-          </a:p>
-          <a:p>
-            <a:pPr marL="0" indent="0">
-              <a:buNone/>
-            </a:pPr>
-            <a:endParaRPr lang="en-US" sz="1800" dirty="0"/>
-          </a:p>
-          <a:p>
-            <a:endParaRPr lang="en-US" sz="1800" dirty="0"/>
-          </a:p>
-        </p:txBody>
-      </p:sp>
-      <p:sp>
-        <p:nvSpPr>
-          <p:cNvPr id="5" name="Rectangle 4">
-            <a:extLst>
-              <a:ext uri="{FF2B5EF4-FFF2-40B4-BE49-F238E27FC236}">
-                <a16:creationId xmlns:a16="http://schemas.microsoft.com/office/drawing/2014/main" id="{FF2D0B90-D283-4891-AF9A-7D240154AE4E}"/>
-              </a:ext>
-            </a:extLst>
-          </p:cNvPr>
-          <p:cNvSpPr/>
-          <p:nvPr/>
-        </p:nvSpPr>
-        <p:spPr>
-          <a:xfrm>
-            <a:off x="1643709" y="6366676"/>
-            <a:ext cx="9674700" cy="369332"/>
-          </a:xfrm>
-          <a:prstGeom prst="rect">
-            <a:avLst/>
-          </a:prstGeom>
-        </p:spPr>
-        <p:txBody>
-          <a:bodyPr wrap="none">
-            <a:spAutoFit/>
-          </a:bodyPr>
-          <a:lstStyle/>
-          <a:p>
-            <a:r>
-              <a:rPr lang="en-US" i="1" dirty="0"/>
-              <a:t>You may need to change your display sizing down to 100% for this step if you are on a high DPI device</a:t>
-            </a:r>
-          </a:p>
-        </p:txBody>
-      </p:sp>
-    </p:spTree>
-    <p:extLst>
-      <p:ext uri="{BB962C8B-B14F-4D97-AF65-F5344CB8AC3E}">
-        <p14:creationId xmlns:p14="http://schemas.microsoft.com/office/powerpoint/2010/main" val="2233001867"/>
-      </p:ext>
-    </p:extLst>
-  </p:cSld>
-  <p:clrMapOvr>
-    <a:masterClrMapping/>
-  </p:clrMapOvr>
-</p:sld>
-</file>
-
-<file path=ppt/slides/slide19.xml><?xml version="1.0" encoding="utf-8"?>
-<p:sld xmlns:a="http://schemas.openxmlformats.org/drawingml/2006/main" xmlns:r="http://schemas.openxmlformats.org/officeDocument/2006/relationships" xmlns:p="http://schemas.openxmlformats.org/presentationml/2006/main">
-  <p:cSld>
-    <p:spTree>
-      <p:nvGrpSpPr>
-        <p:cNvPr id="1" name=""/>
-        <p:cNvGrpSpPr/>
-        <p:nvPr/>
-      </p:nvGrpSpPr>
-      <p:grpSpPr>
-        <a:xfrm>
-          <a:off x="0" y="0"/>
-          <a:ext cx="0" cy="0"/>
-          <a:chOff x="0" y="0"/>
-          <a:chExt cx="0" cy="0"/>
-        </a:xfrm>
-      </p:grpSpPr>
-      <p:sp>
-        <p:nvSpPr>
-          <p:cNvPr id="2" name="Title 1">
-            <a:extLst>
-              <a:ext uri="{FF2B5EF4-FFF2-40B4-BE49-F238E27FC236}">
                 <a16:creationId xmlns:a16="http://schemas.microsoft.com/office/drawing/2014/main" id="{FC7C3933-6F6F-4C6D-963E-4ADB3DA0885E}"/>
               </a:ext>
             </a:extLst>
@@ -6082,11 +6005,7 @@
           <a:lstStyle/>
           <a:p>
             <a:r>
-              <a:rPr lang="en-US" dirty="0">
-                <a:highlight>
-                  <a:srgbClr val="FFFF00"/>
-                </a:highlight>
-              </a:rPr>
+              <a:rPr lang="en-US" dirty="0"/>
               <a:t>Perform a Guest file restore from Linux backup (optional)</a:t>
             </a:r>
           </a:p>
@@ -6188,7 +6107,7 @@
 </p:sld>
 </file>
 
-<file path=ppt/slides/slide2.xml><?xml version="1.0" encoding="utf-8"?>
+<file path=ppt/slides/slide19.xml><?xml version="1.0" encoding="utf-8"?>
 <p:sld xmlns:a="http://schemas.openxmlformats.org/drawingml/2006/main" xmlns:r="http://schemas.openxmlformats.org/officeDocument/2006/relationships" xmlns:p="http://schemas.openxmlformats.org/presentationml/2006/main">
   <p:cSld>
     <p:spTree>
@@ -6210,198 +6129,6 @@
           <p:cNvPr id="2" name="Title 1">
             <a:extLst>
               <a:ext uri="{FF2B5EF4-FFF2-40B4-BE49-F238E27FC236}">
-                <a16:creationId xmlns:a16="http://schemas.microsoft.com/office/drawing/2014/main" id="{1310118D-4CD3-4ABA-A3DD-ABEED422B15C}"/>
-              </a:ext>
-            </a:extLst>
-          </p:cNvPr>
-          <p:cNvSpPr>
-            <a:spLocks noGrp="1"/>
-          </p:cNvSpPr>
-          <p:nvPr>
-            <p:ph type="title"/>
-          </p:nvPr>
-        </p:nvSpPr>
-        <p:spPr>
-          <a:xfrm>
-            <a:off x="436880" y="-122555"/>
-            <a:ext cx="10515600" cy="1325563"/>
-          </a:xfrm>
-        </p:spPr>
-        <p:txBody>
-          <a:bodyPr/>
-          <a:lstStyle/>
-          <a:p>
-            <a:r>
-              <a:rPr lang="en-US" dirty="0"/>
-              <a:t>Lab Infrastructure Setup</a:t>
-            </a:r>
-          </a:p>
-        </p:txBody>
-      </p:sp>
-      <p:sp>
-        <p:nvSpPr>
-          <p:cNvPr id="3" name="Content Placeholder 2">
-            <a:extLst>
-              <a:ext uri="{FF2B5EF4-FFF2-40B4-BE49-F238E27FC236}">
-                <a16:creationId xmlns:a16="http://schemas.microsoft.com/office/drawing/2014/main" id="{34FD2FB7-B1DD-40A1-9EAE-2E677BE11EB8}"/>
-              </a:ext>
-            </a:extLst>
-          </p:cNvPr>
-          <p:cNvSpPr>
-            <a:spLocks noGrp="1"/>
-          </p:cNvSpPr>
-          <p:nvPr>
-            <p:ph idx="1"/>
-          </p:nvPr>
-        </p:nvSpPr>
-        <p:spPr>
-          <a:xfrm>
-            <a:off x="436880" y="951865"/>
-            <a:ext cx="10515600" cy="4351338"/>
-          </a:xfrm>
-        </p:spPr>
-        <p:txBody>
-          <a:bodyPr/>
-          <a:lstStyle/>
-          <a:p>
-            <a:r>
-              <a:rPr lang="en-US" dirty="0"/>
-              <a:t>Download ARM templates from &lt;</a:t>
-            </a:r>
-            <a:r>
-              <a:rPr lang="en-US" dirty="0" err="1"/>
-              <a:t>github</a:t>
-            </a:r>
-            <a:r>
-              <a:rPr lang="en-US" dirty="0"/>
-              <a:t> link&gt;</a:t>
-            </a:r>
-          </a:p>
-          <a:p>
-            <a:r>
-              <a:rPr lang="en-US" dirty="0"/>
-              <a:t>Open portal.azure.com and search for “template” in the top search bar and choose “Template deployment”</a:t>
-            </a:r>
-          </a:p>
-          <a:p>
-            <a:r>
-              <a:rPr lang="en-US" dirty="0"/>
-              <a:t>Then select “Build your own template in the editor”</a:t>
-            </a:r>
-          </a:p>
-          <a:p>
-            <a:pPr lvl="1"/>
-            <a:endParaRPr lang="en-US" dirty="0"/>
-          </a:p>
-          <a:p>
-            <a:pPr marL="0" indent="0">
-              <a:buNone/>
-            </a:pPr>
-            <a:endParaRPr lang="en-US" dirty="0"/>
-          </a:p>
-          <a:p>
-            <a:pPr marL="0" indent="0">
-              <a:buNone/>
-            </a:pPr>
-            <a:endParaRPr lang="en-US" dirty="0"/>
-          </a:p>
-        </p:txBody>
-      </p:sp>
-      <p:pic>
-        <p:nvPicPr>
-          <p:cNvPr id="4" name="Picture 3">
-            <a:extLst>
-              <a:ext uri="{FF2B5EF4-FFF2-40B4-BE49-F238E27FC236}">
-                <a16:creationId xmlns:a16="http://schemas.microsoft.com/office/drawing/2014/main" id="{A034B56A-775F-434D-B2D2-F125396B4A18}"/>
-              </a:ext>
-            </a:extLst>
-          </p:cNvPr>
-          <p:cNvPicPr>
-            <a:picLocks noChangeAspect="1"/>
-          </p:cNvPicPr>
-          <p:nvPr/>
-        </p:nvPicPr>
-        <p:blipFill>
-          <a:blip r:embed="rId2"/>
-          <a:stretch>
-            <a:fillRect/>
-          </a:stretch>
-        </p:blipFill>
-        <p:spPr>
-          <a:xfrm>
-            <a:off x="175172" y="3087414"/>
-            <a:ext cx="6983073" cy="3070995"/>
-          </a:xfrm>
-          <a:prstGeom prst="rect">
-            <a:avLst/>
-          </a:prstGeom>
-        </p:spPr>
-      </p:pic>
-      <p:pic>
-        <p:nvPicPr>
-          <p:cNvPr id="5" name="Picture 4">
-            <a:extLst>
-              <a:ext uri="{FF2B5EF4-FFF2-40B4-BE49-F238E27FC236}">
-                <a16:creationId xmlns:a16="http://schemas.microsoft.com/office/drawing/2014/main" id="{ACFF1FC2-8F6B-48FC-AD7F-58A1A9EBD276}"/>
-              </a:ext>
-            </a:extLst>
-          </p:cNvPr>
-          <p:cNvPicPr>
-            <a:picLocks noChangeAspect="1"/>
-          </p:cNvPicPr>
-          <p:nvPr/>
-        </p:nvPicPr>
-        <p:blipFill>
-          <a:blip r:embed="rId3"/>
-          <a:stretch>
-            <a:fillRect/>
-          </a:stretch>
-        </p:blipFill>
-        <p:spPr>
-          <a:xfrm>
-            <a:off x="7733708" y="3025112"/>
-            <a:ext cx="4021412" cy="3880912"/>
-          </a:xfrm>
-          <a:prstGeom prst="rect">
-            <a:avLst/>
-          </a:prstGeom>
-        </p:spPr>
-      </p:pic>
-    </p:spTree>
-    <p:extLst>
-      <p:ext uri="{BB962C8B-B14F-4D97-AF65-F5344CB8AC3E}">
-        <p14:creationId xmlns:p14="http://schemas.microsoft.com/office/powerpoint/2010/main" val="3259501906"/>
-      </p:ext>
-    </p:extLst>
-  </p:cSld>
-  <p:clrMapOvr>
-    <a:masterClrMapping/>
-  </p:clrMapOvr>
-</p:sld>
-</file>
-
-<file path=ppt/slides/slide20.xml><?xml version="1.0" encoding="utf-8"?>
-<p:sld xmlns:a="http://schemas.openxmlformats.org/drawingml/2006/main" xmlns:r="http://schemas.openxmlformats.org/officeDocument/2006/relationships" xmlns:p="http://schemas.openxmlformats.org/presentationml/2006/main">
-  <p:cSld>
-    <p:spTree>
-      <p:nvGrpSpPr>
-        <p:cNvPr id="1" name=""/>
-        <p:cNvGrpSpPr/>
-        <p:nvPr/>
-      </p:nvGrpSpPr>
-      <p:grpSpPr>
-        <a:xfrm>
-          <a:off x="0" y="0"/>
-          <a:ext cx="0" cy="0"/>
-          <a:chOff x="0" y="0"/>
-          <a:chExt cx="0" cy="0"/>
-        </a:xfrm>
-      </p:grpSpPr>
-      <p:sp>
-        <p:nvSpPr>
-          <p:cNvPr id="2" name="Title 1">
-            <a:extLst>
-              <a:ext uri="{FF2B5EF4-FFF2-40B4-BE49-F238E27FC236}">
                 <a16:creationId xmlns:a16="http://schemas.microsoft.com/office/drawing/2014/main" id="{FC7C3933-6F6F-4C6D-963E-4ADB3DA0885E}"/>
               </a:ext>
             </a:extLst>
@@ -6426,11 +6153,7 @@
           <a:lstStyle/>
           <a:p>
             <a:r>
-              <a:rPr lang="en-US" sz="3200" dirty="0">
-                <a:highlight>
-                  <a:srgbClr val="FFFF00"/>
-                </a:highlight>
-              </a:rPr>
+              <a:rPr lang="en-US" sz="3200" dirty="0"/>
               <a:t>Perform a Guest file restore from Linux backup (optional)</a:t>
             </a:r>
           </a:p>
@@ -6531,8 +6254,8 @@
         </p:blipFill>
         <p:spPr>
           <a:xfrm>
-            <a:off x="5490747" y="723468"/>
-            <a:ext cx="5939253" cy="4227620"/>
+            <a:off x="5801360" y="778469"/>
+            <a:ext cx="5186680" cy="3691931"/>
           </a:xfrm>
           <a:prstGeom prst="rect">
             <a:avLst/>
@@ -6555,8 +6278,8 @@
         </p:nvSpPr>
         <p:spPr>
           <a:xfrm>
-            <a:off x="5490746" y="5118728"/>
-            <a:ext cx="6305013" cy="1185552"/>
+            <a:off x="5495826" y="4470400"/>
+            <a:ext cx="6533614" cy="2352040"/>
           </a:xfrm>
           <a:prstGeom prst="rect">
             <a:avLst/>
@@ -6564,7 +6287,7 @@
         </p:spPr>
         <p:txBody>
           <a:bodyPr vert="horz" lIns="91440" tIns="45720" rIns="91440" bIns="45720" rtlCol="0">
-            <a:normAutofit fontScale="92500" lnSpcReduction="20000"/>
+            <a:normAutofit fontScale="92500"/>
           </a:bodyPr>
           <a:lstStyle>
             <a:lvl1pPr marL="228600" indent="-228600" algn="l" defTabSz="914400" rtl="0" eaLnBrk="1" latinLnBrk="0" hangingPunct="1">
@@ -6732,45 +6455,96 @@
           </a:lstStyle>
           <a:p>
             <a:r>
-              <a:rPr lang="en-US" sz="1600" dirty="0"/>
+              <a:rPr lang="en-US" sz="1400" dirty="0"/>
               <a:t>On the Helper tab of the wizard, click “Customize”</a:t>
             </a:r>
           </a:p>
           <a:p>
             <a:r>
-              <a:rPr lang="en-US" sz="1600" dirty="0"/>
-              <a:t>“Choose” the localhost you added as a Hyper-V host</a:t>
-            </a:r>
-          </a:p>
-          <a:p>
-            <a:r>
-              <a:rPr lang="en-US" sz="1600" dirty="0"/>
+              <a:rPr lang="en-US" sz="1400" dirty="0"/>
+              <a:t>“Choose” the localhost you added as a Hyper-V host and the </a:t>
+            </a:r>
+            <a:r>
+              <a:rPr lang="en-US" sz="1400" dirty="0" err="1"/>
+              <a:t>vSwitch</a:t>
+            </a:r>
+            <a:r>
+              <a:rPr lang="en-US" sz="1400" dirty="0"/>
+              <a:t> you created earlier</a:t>
+            </a:r>
+          </a:p>
+          <a:p>
+            <a:r>
+              <a:rPr lang="en-US" sz="1400" dirty="0"/>
+              <a:t>Run ipconfig from cmd.exe and get the </a:t>
+            </a:r>
+            <a:r>
+              <a:rPr lang="en-US" sz="1400" dirty="0" err="1"/>
+              <a:t>vSwitch</a:t>
+            </a:r>
+            <a:r>
+              <a:rPr lang="en-US" sz="1400" dirty="0"/>
+              <a:t> </a:t>
+            </a:r>
+            <a:r>
+              <a:rPr lang="en-US" sz="1400" dirty="0" err="1"/>
+              <a:t>ip</a:t>
+            </a:r>
+            <a:r>
+              <a:rPr lang="en-US" sz="1400" dirty="0"/>
+              <a:t> assigned to the host</a:t>
+            </a:r>
+          </a:p>
+          <a:p>
+            <a:r>
+              <a:rPr lang="en-US" sz="1400" dirty="0"/>
+              <a:t>Assign an IP of 169.254.xx.xx; avoid conflict with host; use the host IP for the </a:t>
+            </a:r>
+            <a:r>
+              <a:rPr lang="en-US" sz="1400" dirty="0" err="1"/>
+              <a:t>vEthernet</a:t>
+            </a:r>
+            <a:r>
+              <a:rPr lang="en-US" sz="1400" dirty="0"/>
+              <a:t> adapter as the default gateway for the appliance</a:t>
+            </a:r>
+            <a:endParaRPr lang="en-US" sz="900" dirty="0"/>
+          </a:p>
+          <a:p>
+            <a:r>
+              <a:rPr lang="en-US" sz="1400" dirty="0"/>
               <a:t>The </a:t>
             </a:r>
             <a:r>
-              <a:rPr lang="en-US" sz="1600" dirty="0" err="1"/>
+              <a:rPr lang="en-US" sz="1400" dirty="0" err="1"/>
               <a:t>vSwitch</a:t>
             </a:r>
             <a:r>
-              <a:rPr lang="en-US" sz="1600" dirty="0"/>
+              <a:rPr lang="en-US" sz="1400" dirty="0"/>
               <a:t> you created should be automatically selected. </a:t>
             </a:r>
           </a:p>
           <a:p>
             <a:r>
-              <a:rPr lang="en-US" sz="1600" dirty="0"/>
-              <a:t>If successful you should see this at the bottom of the wizard. Click finish.</a:t>
-            </a:r>
-          </a:p>
-          <a:p>
-            <a:endParaRPr lang="en-US" sz="1600" dirty="0"/>
+              <a:rPr lang="en-US" sz="1400" dirty="0"/>
+              <a:t>If successful you should see this at the bottom of the wizard.</a:t>
+            </a:r>
+          </a:p>
+          <a:p>
+            <a:r>
+              <a:rPr lang="en-US" sz="1400" dirty="0"/>
+              <a:t> Click finish.</a:t>
+            </a:r>
+          </a:p>
+          <a:p>
+            <a:endParaRPr lang="en-US" sz="1400" dirty="0"/>
           </a:p>
           <a:p>
             <a:pPr marL="0" indent="0">
               <a:buFont typeface="Arial" panose="020B0604020202020204" pitchFamily="34" charset="0"/>
               <a:buNone/>
             </a:pPr>
-            <a:endParaRPr lang="en-US" sz="1600" dirty="0"/>
+            <a:endParaRPr lang="en-US" sz="1400" dirty="0"/>
           </a:p>
         </p:txBody>
       </p:sp>
@@ -6796,8 +6570,8 @@
         </p:blipFill>
         <p:spPr>
           <a:xfrm>
-            <a:off x="6868160" y="6185185"/>
-            <a:ext cx="2203935" cy="545815"/>
+            <a:off x="9970539" y="6131560"/>
+            <a:ext cx="1784581" cy="441960"/>
           </a:xfrm>
           <a:prstGeom prst="rect">
             <a:avLst/>
@@ -6808,6 +6582,351 @@
     <p:extLst>
       <p:ext uri="{BB962C8B-B14F-4D97-AF65-F5344CB8AC3E}">
         <p14:creationId xmlns:p14="http://schemas.microsoft.com/office/powerpoint/2010/main" val="3143442766"/>
+      </p:ext>
+    </p:extLst>
+  </p:cSld>
+  <p:clrMapOvr>
+    <a:masterClrMapping/>
+  </p:clrMapOvr>
+</p:sld>
+</file>
+
+<file path=ppt/slides/slide2.xml><?xml version="1.0" encoding="utf-8"?>
+<p:sld xmlns:a="http://schemas.openxmlformats.org/drawingml/2006/main" xmlns:r="http://schemas.openxmlformats.org/officeDocument/2006/relationships" xmlns:p="http://schemas.openxmlformats.org/presentationml/2006/main">
+  <p:cSld>
+    <p:spTree>
+      <p:nvGrpSpPr>
+        <p:cNvPr id="1" name=""/>
+        <p:cNvGrpSpPr/>
+        <p:nvPr/>
+      </p:nvGrpSpPr>
+      <p:grpSpPr>
+        <a:xfrm>
+          <a:off x="0" y="0"/>
+          <a:ext cx="0" cy="0"/>
+          <a:chOff x="0" y="0"/>
+          <a:chExt cx="0" cy="0"/>
+        </a:xfrm>
+      </p:grpSpPr>
+      <p:sp>
+        <p:nvSpPr>
+          <p:cNvPr id="2" name="Title 1">
+            <a:extLst>
+              <a:ext uri="{FF2B5EF4-FFF2-40B4-BE49-F238E27FC236}">
+                <a16:creationId xmlns:a16="http://schemas.microsoft.com/office/drawing/2014/main" id="{1310118D-4CD3-4ABA-A3DD-ABEED422B15C}"/>
+              </a:ext>
+            </a:extLst>
+          </p:cNvPr>
+          <p:cNvSpPr>
+            <a:spLocks noGrp="1"/>
+          </p:cNvSpPr>
+          <p:nvPr>
+            <p:ph type="title"/>
+          </p:nvPr>
+        </p:nvSpPr>
+        <p:spPr>
+          <a:xfrm>
+            <a:off x="436880" y="-122555"/>
+            <a:ext cx="10515600" cy="1325563"/>
+          </a:xfrm>
+        </p:spPr>
+        <p:txBody>
+          <a:bodyPr/>
+          <a:lstStyle/>
+          <a:p>
+            <a:r>
+              <a:rPr lang="en-US" dirty="0"/>
+              <a:t>Lab Infrastructure Setup</a:t>
+            </a:r>
+          </a:p>
+        </p:txBody>
+      </p:sp>
+      <p:sp>
+        <p:nvSpPr>
+          <p:cNvPr id="3" name="Content Placeholder 2">
+            <a:extLst>
+              <a:ext uri="{FF2B5EF4-FFF2-40B4-BE49-F238E27FC236}">
+                <a16:creationId xmlns:a16="http://schemas.microsoft.com/office/drawing/2014/main" id="{34FD2FB7-B1DD-40A1-9EAE-2E677BE11EB8}"/>
+              </a:ext>
+            </a:extLst>
+          </p:cNvPr>
+          <p:cNvSpPr>
+            <a:spLocks noGrp="1"/>
+          </p:cNvSpPr>
+          <p:nvPr>
+            <p:ph idx="1"/>
+          </p:nvPr>
+        </p:nvSpPr>
+        <p:spPr>
+          <a:xfrm>
+            <a:off x="436880" y="951865"/>
+            <a:ext cx="10515600" cy="4351338"/>
+          </a:xfrm>
+        </p:spPr>
+        <p:txBody>
+          <a:bodyPr/>
+          <a:lstStyle/>
+          <a:p>
+            <a:r>
+              <a:rPr lang="en-US" dirty="0"/>
+              <a:t>Download ARM templates from </a:t>
+            </a:r>
+            <a:r>
+              <a:rPr lang="en-US" dirty="0" err="1">
+                <a:hlinkClick r:id="rId2"/>
+              </a:rPr>
+              <a:t>Github</a:t>
+            </a:r>
+            <a:r>
+              <a:rPr lang="en-US" dirty="0">
+                <a:hlinkClick r:id="rId2"/>
+              </a:rPr>
+              <a:t> repo</a:t>
+            </a:r>
+            <a:endParaRPr lang="en-US" dirty="0"/>
+          </a:p>
+          <a:p>
+            <a:pPr lvl="1"/>
+            <a:r>
+              <a:rPr lang="en-US" dirty="0"/>
+              <a:t>Optionally deploy directly from </a:t>
+            </a:r>
+            <a:r>
+              <a:rPr lang="en-US" dirty="0" err="1"/>
+              <a:t>Github</a:t>
+            </a:r>
+            <a:endParaRPr lang="en-US" dirty="0"/>
+          </a:p>
+          <a:p>
+            <a:r>
+              <a:rPr lang="en-US" dirty="0"/>
+              <a:t>Open portal.azure.com and search for “template” in the top search bar and choose “Template deployment”</a:t>
+            </a:r>
+          </a:p>
+          <a:p>
+            <a:r>
+              <a:rPr lang="en-US" dirty="0"/>
+              <a:t>Then select “Build your own template in the editor”</a:t>
+            </a:r>
+          </a:p>
+          <a:p>
+            <a:pPr lvl="1"/>
+            <a:endParaRPr lang="en-US" dirty="0"/>
+          </a:p>
+          <a:p>
+            <a:pPr marL="0" indent="0">
+              <a:buNone/>
+            </a:pPr>
+            <a:endParaRPr lang="en-US" dirty="0"/>
+          </a:p>
+          <a:p>
+            <a:pPr marL="0" indent="0">
+              <a:buNone/>
+            </a:pPr>
+            <a:endParaRPr lang="en-US" dirty="0"/>
+          </a:p>
+        </p:txBody>
+      </p:sp>
+      <p:pic>
+        <p:nvPicPr>
+          <p:cNvPr id="4" name="Picture 3">
+            <a:extLst>
+              <a:ext uri="{FF2B5EF4-FFF2-40B4-BE49-F238E27FC236}">
+                <a16:creationId xmlns:a16="http://schemas.microsoft.com/office/drawing/2014/main" id="{A034B56A-775F-434D-B2D2-F125396B4A18}"/>
+              </a:ext>
+            </a:extLst>
+          </p:cNvPr>
+          <p:cNvPicPr>
+            <a:picLocks noChangeAspect="1"/>
+          </p:cNvPicPr>
+          <p:nvPr/>
+        </p:nvPicPr>
+        <p:blipFill>
+          <a:blip r:embed="rId3"/>
+          <a:stretch>
+            <a:fillRect/>
+          </a:stretch>
+        </p:blipFill>
+        <p:spPr>
+          <a:xfrm>
+            <a:off x="175172" y="3429000"/>
+            <a:ext cx="6983073" cy="3070995"/>
+          </a:xfrm>
+          <a:prstGeom prst="rect">
+            <a:avLst/>
+          </a:prstGeom>
+        </p:spPr>
+      </p:pic>
+      <p:pic>
+        <p:nvPicPr>
+          <p:cNvPr id="5" name="Picture 4">
+            <a:extLst>
+              <a:ext uri="{FF2B5EF4-FFF2-40B4-BE49-F238E27FC236}">
+                <a16:creationId xmlns:a16="http://schemas.microsoft.com/office/drawing/2014/main" id="{ACFF1FC2-8F6B-48FC-AD7F-58A1A9EBD276}"/>
+              </a:ext>
+            </a:extLst>
+          </p:cNvPr>
+          <p:cNvPicPr>
+            <a:picLocks noChangeAspect="1"/>
+          </p:cNvPicPr>
+          <p:nvPr/>
+        </p:nvPicPr>
+        <p:blipFill>
+          <a:blip r:embed="rId4"/>
+          <a:stretch>
+            <a:fillRect/>
+          </a:stretch>
+        </p:blipFill>
+        <p:spPr>
+          <a:xfrm>
+            <a:off x="7789588" y="3172432"/>
+            <a:ext cx="4021412" cy="3880912"/>
+          </a:xfrm>
+          <a:prstGeom prst="rect">
+            <a:avLst/>
+          </a:prstGeom>
+        </p:spPr>
+      </p:pic>
+    </p:spTree>
+    <p:extLst>
+      <p:ext uri="{BB962C8B-B14F-4D97-AF65-F5344CB8AC3E}">
+        <p14:creationId xmlns:p14="http://schemas.microsoft.com/office/powerpoint/2010/main" val="3259501906"/>
+      </p:ext>
+    </p:extLst>
+  </p:cSld>
+  <p:clrMapOvr>
+    <a:masterClrMapping/>
+  </p:clrMapOvr>
+</p:sld>
+</file>
+
+<file path=ppt/slides/slide20.xml><?xml version="1.0" encoding="utf-8"?>
+<p:sld xmlns:a="http://schemas.openxmlformats.org/drawingml/2006/main" xmlns:r="http://schemas.openxmlformats.org/officeDocument/2006/relationships" xmlns:p="http://schemas.openxmlformats.org/presentationml/2006/main">
+  <p:cSld>
+    <p:spTree>
+      <p:nvGrpSpPr>
+        <p:cNvPr id="1" name=""/>
+        <p:cNvGrpSpPr/>
+        <p:nvPr/>
+      </p:nvGrpSpPr>
+      <p:grpSpPr>
+        <a:xfrm>
+          <a:off x="0" y="0"/>
+          <a:ext cx="0" cy="0"/>
+          <a:chOff x="0" y="0"/>
+          <a:chExt cx="0" cy="0"/>
+        </a:xfrm>
+      </p:grpSpPr>
+      <p:sp>
+        <p:nvSpPr>
+          <p:cNvPr id="2" name="Title 1">
+            <a:extLst>
+              <a:ext uri="{FF2B5EF4-FFF2-40B4-BE49-F238E27FC236}">
+                <a16:creationId xmlns:a16="http://schemas.microsoft.com/office/drawing/2014/main" id="{FC7C3933-6F6F-4C6D-963E-4ADB3DA0885E}"/>
+              </a:ext>
+            </a:extLst>
+          </p:cNvPr>
+          <p:cNvSpPr>
+            <a:spLocks noGrp="1"/>
+          </p:cNvSpPr>
+          <p:nvPr>
+            <p:ph type="title"/>
+          </p:nvPr>
+        </p:nvSpPr>
+        <p:spPr>
+          <a:xfrm>
+            <a:off x="121920" y="303711"/>
+            <a:ext cx="11257280" cy="895009"/>
+          </a:xfrm>
+        </p:spPr>
+        <p:txBody>
+          <a:bodyPr>
+            <a:normAutofit fontScale="90000"/>
+          </a:bodyPr>
+          <a:lstStyle/>
+          <a:p>
+            <a:r>
+              <a:rPr lang="en-US" sz="3200" dirty="0"/>
+              <a:t>Browse Linux backup file system directly from Veeam and copy files as needed</a:t>
+            </a:r>
+          </a:p>
+        </p:txBody>
+      </p:sp>
+      <p:sp>
+        <p:nvSpPr>
+          <p:cNvPr id="6" name="Content Placeholder 5">
+            <a:extLst>
+              <a:ext uri="{FF2B5EF4-FFF2-40B4-BE49-F238E27FC236}">
+                <a16:creationId xmlns:a16="http://schemas.microsoft.com/office/drawing/2014/main" id="{DCBB47B0-CEC9-4D3A-898B-52F25558F151}"/>
+              </a:ext>
+            </a:extLst>
+          </p:cNvPr>
+          <p:cNvSpPr>
+            <a:spLocks noGrp="1"/>
+          </p:cNvSpPr>
+          <p:nvPr>
+            <p:ph idx="1"/>
+          </p:nvPr>
+        </p:nvSpPr>
+        <p:spPr>
+          <a:xfrm>
+            <a:off x="121920" y="1701800"/>
+            <a:ext cx="3352800" cy="3210560"/>
+          </a:xfrm>
+        </p:spPr>
+        <p:txBody>
+          <a:bodyPr>
+            <a:normAutofit/>
+          </a:bodyPr>
+          <a:lstStyle/>
+          <a:p>
+            <a:r>
+              <a:rPr lang="en-US" sz="1600" dirty="0"/>
+              <a:t>If you successfully completed the Linux guest restore steps, you will now be able to browse the files of the Linux backup directly from the Veeam console</a:t>
+            </a:r>
+          </a:p>
+          <a:p>
+            <a:r>
+              <a:rPr lang="en-US" sz="1600" dirty="0"/>
+              <a:t>Backup admins can use this to easily move specific files from backup snapshots to source without taking the source offline or waiting for a full restore.</a:t>
+            </a:r>
+          </a:p>
+        </p:txBody>
+      </p:sp>
+      <p:pic>
+        <p:nvPicPr>
+          <p:cNvPr id="3" name="Picture 2">
+            <a:extLst>
+              <a:ext uri="{FF2B5EF4-FFF2-40B4-BE49-F238E27FC236}">
+                <a16:creationId xmlns:a16="http://schemas.microsoft.com/office/drawing/2014/main" id="{D212F194-A8AB-4217-B77B-6F7AA4864515}"/>
+              </a:ext>
+            </a:extLst>
+          </p:cNvPr>
+          <p:cNvPicPr>
+            <a:picLocks noChangeAspect="1"/>
+          </p:cNvPicPr>
+          <p:nvPr/>
+        </p:nvPicPr>
+        <p:blipFill>
+          <a:blip r:embed="rId2"/>
+          <a:stretch>
+            <a:fillRect/>
+          </a:stretch>
+        </p:blipFill>
+        <p:spPr>
+          <a:xfrm>
+            <a:off x="3683000" y="999196"/>
+            <a:ext cx="8263610" cy="5374799"/>
+          </a:xfrm>
+          <a:prstGeom prst="rect">
+            <a:avLst/>
+          </a:prstGeom>
+        </p:spPr>
+      </p:pic>
+    </p:spTree>
+    <p:extLst>
+      <p:ext uri="{BB962C8B-B14F-4D97-AF65-F5344CB8AC3E}">
+        <p14:creationId xmlns:p14="http://schemas.microsoft.com/office/powerpoint/2010/main" val="2311392119"/>
       </p:ext>
     </p:extLst>
   </p:cSld>
@@ -6839,7 +6958,7 @@
           <p:cNvPr id="2" name="Title 1">
             <a:extLst>
               <a:ext uri="{FF2B5EF4-FFF2-40B4-BE49-F238E27FC236}">
-                <a16:creationId xmlns:a16="http://schemas.microsoft.com/office/drawing/2014/main" id="{FC7C3933-6F6F-4C6D-963E-4ADB3DA0885E}"/>
+                <a16:creationId xmlns:a16="http://schemas.microsoft.com/office/drawing/2014/main" id="{9907B40D-E398-45DA-9E78-F1B2DAC73012}"/>
               </a:ext>
             </a:extLst>
           </p:cNvPr>
@@ -6855,14 +6974,7 @@
           <a:bodyPr/>
           <a:lstStyle/>
           <a:p>
-            <a:r>
-              <a:rPr lang="en-US" dirty="0">
-                <a:highlight>
-                  <a:srgbClr val="FFFF00"/>
-                </a:highlight>
-              </a:rPr>
-              <a:t>Demo of replication job</a:t>
-            </a:r>
+            <a:endParaRPr lang="en-US"/>
           </a:p>
         </p:txBody>
       </p:sp>
@@ -6871,7 +6983,7 @@
           <p:cNvPr id="3" name="Content Placeholder 2">
             <a:extLst>
               <a:ext uri="{FF2B5EF4-FFF2-40B4-BE49-F238E27FC236}">
-                <a16:creationId xmlns:a16="http://schemas.microsoft.com/office/drawing/2014/main" id="{F897A5C1-C54E-49CC-B553-856B72B6FFE6}"/>
+                <a16:creationId xmlns:a16="http://schemas.microsoft.com/office/drawing/2014/main" id="{464C63FF-8FFB-492F-A66D-58B771CA8992}"/>
               </a:ext>
             </a:extLst>
           </p:cNvPr>
@@ -6887,29 +6999,14 @@
           <a:bodyPr/>
           <a:lstStyle/>
           <a:p>
-            <a:r>
-              <a:rPr lang="en-US" dirty="0"/>
-              <a:t>Kurt to demo Datacenter1-&gt;Datacenter2 replication</a:t>
-            </a:r>
-          </a:p>
-          <a:p>
-            <a:r>
-              <a:rPr lang="en-US" dirty="0"/>
-              <a:t>Discuss warm standby; comes online in a few minutes</a:t>
-            </a:r>
-          </a:p>
-          <a:p>
-            <a:r>
-              <a:rPr lang="en-US" dirty="0"/>
-              <a:t>RPO/RTO</a:t>
-            </a:r>
+            <a:endParaRPr lang="en-US"/>
           </a:p>
         </p:txBody>
       </p:sp>
     </p:spTree>
     <p:extLst>
       <p:ext uri="{BB962C8B-B14F-4D97-AF65-F5344CB8AC3E}">
-        <p14:creationId xmlns:p14="http://schemas.microsoft.com/office/powerpoint/2010/main" val="3773804038"/>
+        <p14:creationId xmlns:p14="http://schemas.microsoft.com/office/powerpoint/2010/main" val="3513973312"/>
       </p:ext>
     </p:extLst>
   </p:cSld>
@@ -6941,7 +7038,7 @@
           <p:cNvPr id="2" name="Title 1">
             <a:extLst>
               <a:ext uri="{FF2B5EF4-FFF2-40B4-BE49-F238E27FC236}">
-                <a16:creationId xmlns:a16="http://schemas.microsoft.com/office/drawing/2014/main" id="{1B83551B-9DF1-4D0A-9FD5-A5E69A22728B}"/>
+                <a16:creationId xmlns:a16="http://schemas.microsoft.com/office/drawing/2014/main" id="{FC7C3933-6F6F-4C6D-963E-4ADB3DA0885E}"/>
               </a:ext>
             </a:extLst>
           </p:cNvPr>
@@ -6963,7 +7060,7 @@
                   <a:srgbClr val="FFFF00"/>
                 </a:highlight>
               </a:rPr>
-              <a:t>Demo Monitor Performance</a:t>
+              <a:t>Demo of replication job</a:t>
             </a:r>
           </a:p>
         </p:txBody>
@@ -6973,7 +7070,7 @@
           <p:cNvPr id="3" name="Content Placeholder 2">
             <a:extLst>
               <a:ext uri="{FF2B5EF4-FFF2-40B4-BE49-F238E27FC236}">
-                <a16:creationId xmlns:a16="http://schemas.microsoft.com/office/drawing/2014/main" id="{5AAAADB9-5239-4794-B6D6-76E33A4AB17A}"/>
+                <a16:creationId xmlns:a16="http://schemas.microsoft.com/office/drawing/2014/main" id="{F897A5C1-C54E-49CC-B553-856B72B6FFE6}"/>
               </a:ext>
             </a:extLst>
           </p:cNvPr>
@@ -6991,13 +7088,19 @@
           <a:p>
             <a:r>
               <a:rPr lang="en-US" dirty="0"/>
-              <a:t>Veeam Job History</a:t>
+              <a:t>Kurt to demo Datacenter1-&gt;Datacenter2 replication</a:t>
             </a:r>
           </a:p>
           <a:p>
             <a:r>
               <a:rPr lang="en-US" dirty="0"/>
-              <a:t>Azure Portal / Monitor / LA</a:t>
+              <a:t>Discuss warm standby; comes online in a few minutes</a:t>
+            </a:r>
+          </a:p>
+          <a:p>
+            <a:r>
+              <a:rPr lang="en-US" dirty="0"/>
+              <a:t>RPO/RTO</a:t>
             </a:r>
           </a:p>
         </p:txBody>
@@ -7005,7 +7108,7 @@
     </p:spTree>
     <p:extLst>
       <p:ext uri="{BB962C8B-B14F-4D97-AF65-F5344CB8AC3E}">
-        <p14:creationId xmlns:p14="http://schemas.microsoft.com/office/powerpoint/2010/main" val="163909661"/>
+        <p14:creationId xmlns:p14="http://schemas.microsoft.com/office/powerpoint/2010/main" val="3773804038"/>
       </p:ext>
     </p:extLst>
   </p:cSld>
@@ -7048,6 +7151,109 @@
             <p:ph type="title"/>
           </p:nvPr>
         </p:nvSpPr>
+        <p:spPr>
+          <a:xfrm>
+            <a:off x="635000" y="222885"/>
+            <a:ext cx="10515600" cy="1325563"/>
+          </a:xfrm>
+        </p:spPr>
+        <p:txBody>
+          <a:bodyPr/>
+          <a:lstStyle/>
+          <a:p>
+            <a:r>
+              <a:rPr lang="en-US" dirty="0"/>
+              <a:t>Clean up lab resources</a:t>
+            </a:r>
+          </a:p>
+        </p:txBody>
+      </p:sp>
+      <p:sp>
+        <p:nvSpPr>
+          <p:cNvPr id="3" name="Content Placeholder 2">
+            <a:extLst>
+              <a:ext uri="{FF2B5EF4-FFF2-40B4-BE49-F238E27FC236}">
+                <a16:creationId xmlns:a16="http://schemas.microsoft.com/office/drawing/2014/main" id="{CF911072-7200-4721-A187-BDAF1477AC04}"/>
+              </a:ext>
+            </a:extLst>
+          </p:cNvPr>
+          <p:cNvSpPr>
+            <a:spLocks noGrp="1"/>
+          </p:cNvSpPr>
+          <p:nvPr>
+            <p:ph idx="1"/>
+          </p:nvPr>
+        </p:nvSpPr>
+        <p:spPr/>
+        <p:txBody>
+          <a:bodyPr/>
+          <a:lstStyle/>
+          <a:p>
+            <a:r>
+              <a:rPr lang="en-US" dirty="0"/>
+              <a:t>Delete the resource group created in the lab setup</a:t>
+            </a:r>
+          </a:p>
+          <a:p>
+            <a:r>
+              <a:rPr lang="en-US" dirty="0"/>
+              <a:t>Verify all resources removed</a:t>
+            </a:r>
+          </a:p>
+          <a:p>
+            <a:pPr marL="0" indent="0">
+              <a:buNone/>
+            </a:pPr>
+            <a:endParaRPr lang="en-US" dirty="0"/>
+          </a:p>
+        </p:txBody>
+      </p:sp>
+    </p:spTree>
+    <p:extLst>
+      <p:ext uri="{BB962C8B-B14F-4D97-AF65-F5344CB8AC3E}">
+        <p14:creationId xmlns:p14="http://schemas.microsoft.com/office/powerpoint/2010/main" val="1008131426"/>
+      </p:ext>
+    </p:extLst>
+  </p:cSld>
+  <p:clrMapOvr>
+    <a:masterClrMapping/>
+  </p:clrMapOvr>
+</p:sld>
+</file>
+
+<file path=ppt/slides/slide24.xml><?xml version="1.0" encoding="utf-8"?>
+<p:sld xmlns:a="http://schemas.openxmlformats.org/drawingml/2006/main" xmlns:r="http://schemas.openxmlformats.org/officeDocument/2006/relationships" xmlns:p="http://schemas.openxmlformats.org/presentationml/2006/main">
+  <p:cSld>
+    <p:spTree>
+      <p:nvGrpSpPr>
+        <p:cNvPr id="1" name=""/>
+        <p:cNvGrpSpPr/>
+        <p:nvPr/>
+      </p:nvGrpSpPr>
+      <p:grpSpPr>
+        <a:xfrm>
+          <a:off x="0" y="0"/>
+          <a:ext cx="0" cy="0"/>
+          <a:chOff x="0" y="0"/>
+          <a:chExt cx="0" cy="0"/>
+        </a:xfrm>
+      </p:grpSpPr>
+      <p:sp>
+        <p:nvSpPr>
+          <p:cNvPr id="2" name="Title 1">
+            <a:extLst>
+              <a:ext uri="{FF2B5EF4-FFF2-40B4-BE49-F238E27FC236}">
+                <a16:creationId xmlns:a16="http://schemas.microsoft.com/office/drawing/2014/main" id="{FD9B054C-64C0-474F-A810-67194AE24511}"/>
+              </a:ext>
+            </a:extLst>
+          </p:cNvPr>
+          <p:cNvSpPr>
+            <a:spLocks noGrp="1"/>
+          </p:cNvSpPr>
+          <p:nvPr>
+            <p:ph type="title"/>
+          </p:nvPr>
+        </p:nvSpPr>
         <p:spPr/>
         <p:txBody>
           <a:bodyPr/>
@@ -7059,7 +7265,7 @@
                   <a:srgbClr val="FFFF00"/>
                 </a:highlight>
               </a:rPr>
-              <a:t>Clean up lab resources</a:t>
+              <a:t>Assessing Customer Environment</a:t>
             </a:r>
           </a:p>
         </p:txBody>
@@ -7069,7 +7275,7 @@
           <p:cNvPr id="3" name="Content Placeholder 2">
             <a:extLst>
               <a:ext uri="{FF2B5EF4-FFF2-40B4-BE49-F238E27FC236}">
-                <a16:creationId xmlns:a16="http://schemas.microsoft.com/office/drawing/2014/main" id="{CF911072-7200-4721-A187-BDAF1477AC04}"/>
+                <a16:creationId xmlns:a16="http://schemas.microsoft.com/office/drawing/2014/main" id="{FF16D663-1F2B-4B52-92E3-4B7BD88F3E89}"/>
               </a:ext>
             </a:extLst>
           </p:cNvPr>
@@ -7087,13 +7293,25 @@
           <a:p>
             <a:r>
               <a:rPr lang="en-US" dirty="0"/>
-              <a:t>Delete the resource group</a:t>
+              <a:t>Assessment tool – (show output of Veeam ONE)</a:t>
             </a:r>
           </a:p>
           <a:p>
             <a:r>
               <a:rPr lang="en-US" dirty="0"/>
-              <a:t>Verify all resources removed</a:t>
+              <a:t>Sizing Veeam and Azure resource requirements</a:t>
+            </a:r>
+          </a:p>
+          <a:p>
+            <a:r>
+              <a:rPr lang="en-US" dirty="0"/>
+              <a:t>Veeam License alignment</a:t>
+            </a:r>
+          </a:p>
+          <a:p>
+            <a:r>
+              <a:rPr lang="en-US" dirty="0"/>
+              <a:t>Azure cost estimate using backup transaction calc excel</a:t>
             </a:r>
           </a:p>
         </p:txBody>
@@ -7101,7 +7319,7 @@
     </p:spTree>
     <p:extLst>
       <p:ext uri="{BB962C8B-B14F-4D97-AF65-F5344CB8AC3E}">
-        <p14:creationId xmlns:p14="http://schemas.microsoft.com/office/powerpoint/2010/main" val="1008131426"/>
+        <p14:creationId xmlns:p14="http://schemas.microsoft.com/office/powerpoint/2010/main" val="2218234214"/>
       </p:ext>
     </p:extLst>
   </p:cSld>
@@ -7937,7 +8155,7 @@
           <p:cNvPr id="2" name="Title 1">
             <a:extLst>
               <a:ext uri="{FF2B5EF4-FFF2-40B4-BE49-F238E27FC236}">
-                <a16:creationId xmlns:a16="http://schemas.microsoft.com/office/drawing/2014/main" id="{FD9B054C-64C0-474F-A810-67194AE24511}"/>
+                <a16:creationId xmlns:a16="http://schemas.microsoft.com/office/drawing/2014/main" id="{0FE659BE-E1D1-4452-A06B-1EF8C6E1EA27}"/>
               </a:ext>
             </a:extLst>
           </p:cNvPr>
@@ -7948,18 +8166,19 @@
             <p:ph type="title"/>
           </p:nvPr>
         </p:nvSpPr>
-        <p:spPr/>
+        <p:spPr>
+          <a:xfrm>
+            <a:off x="360680" y="18255"/>
+            <a:ext cx="10515600" cy="1325563"/>
+          </a:xfrm>
+        </p:spPr>
         <p:txBody>
           <a:bodyPr/>
           <a:lstStyle/>
           <a:p>
             <a:r>
-              <a:rPr lang="en-US" dirty="0">
-                <a:highlight>
-                  <a:srgbClr val="FFFF00"/>
-                </a:highlight>
-              </a:rPr>
-              <a:t>Assessing Customer Environment</a:t>
+              <a:rPr lang="en-US" dirty="0"/>
+              <a:t>Veeam License and Registration</a:t>
             </a:r>
           </a:p>
         </p:txBody>
@@ -7969,7 +8188,7 @@
           <p:cNvPr id="3" name="Content Placeholder 2">
             <a:extLst>
               <a:ext uri="{FF2B5EF4-FFF2-40B4-BE49-F238E27FC236}">
-                <a16:creationId xmlns:a16="http://schemas.microsoft.com/office/drawing/2014/main" id="{FF16D663-1F2B-4B52-92E3-4B7BD88F3E89}"/>
+                <a16:creationId xmlns:a16="http://schemas.microsoft.com/office/drawing/2014/main" id="{4554BDA3-AD18-4CB7-A431-4157661C0493}"/>
               </a:ext>
             </a:extLst>
           </p:cNvPr>
@@ -7980,40 +8199,55 @@
             <p:ph idx="1"/>
           </p:nvPr>
         </p:nvSpPr>
-        <p:spPr/>
-        <p:txBody>
-          <a:bodyPr/>
-          <a:lstStyle/>
-          <a:p>
-            <a:r>
-              <a:rPr lang="en-US" dirty="0"/>
-              <a:t>Assessment tool – (show output of Veeam ONE)</a:t>
-            </a:r>
-          </a:p>
-          <a:p>
-            <a:r>
-              <a:rPr lang="en-US" dirty="0"/>
-              <a:t>Sizing Veeam and Azure resource requirements</a:t>
-            </a:r>
-          </a:p>
-          <a:p>
-            <a:r>
-              <a:rPr lang="en-US" dirty="0"/>
-              <a:t>Veeam License alignment</a:t>
-            </a:r>
-          </a:p>
-          <a:p>
-            <a:r>
-              <a:rPr lang="en-US" dirty="0"/>
-              <a:t>Azure cost estimate using backup transaction calc excel</a:t>
-            </a:r>
+        <p:spPr>
+          <a:xfrm>
+            <a:off x="518160" y="1134745"/>
+            <a:ext cx="10515600" cy="4351338"/>
+          </a:xfrm>
+        </p:spPr>
+        <p:txBody>
+          <a:bodyPr>
+            <a:normAutofit/>
+          </a:bodyPr>
+          <a:lstStyle/>
+          <a:p>
+            <a:r>
+              <a:rPr lang="en-US" sz="2400" dirty="0"/>
+              <a:t>RDP into </a:t>
+            </a:r>
+            <a:r>
+              <a:rPr lang="en-US" sz="2400" dirty="0" err="1"/>
+              <a:t>VeeamBR</a:t>
+            </a:r>
+            <a:r>
+              <a:rPr lang="en-US" sz="2400" dirty="0"/>
+              <a:t> (get connection info from azure portal)</a:t>
+            </a:r>
+          </a:p>
+          <a:p>
+            <a:r>
+              <a:rPr lang="en-US" sz="2400" dirty="0"/>
+              <a:t>Browse to Veeam.com and download trial license key you registered for earlier</a:t>
+            </a:r>
+          </a:p>
+          <a:p>
+            <a:r>
+              <a:rPr lang="en-US" sz="2400" dirty="0"/>
+              <a:t>Start B&amp;R Console and register license</a:t>
+            </a:r>
+          </a:p>
+          <a:p>
+            <a:endParaRPr lang="en-US" sz="2400" dirty="0"/>
+          </a:p>
+          <a:p>
+            <a:endParaRPr lang="en-US" sz="2400" dirty="0"/>
           </a:p>
         </p:txBody>
       </p:sp>
     </p:spTree>
     <p:extLst>
       <p:ext uri="{BB962C8B-B14F-4D97-AF65-F5344CB8AC3E}">
-        <p14:creationId xmlns:p14="http://schemas.microsoft.com/office/powerpoint/2010/main" val="2218234214"/>
+        <p14:creationId xmlns:p14="http://schemas.microsoft.com/office/powerpoint/2010/main" val="39660529"/>
       </p:ext>
     </p:extLst>
   </p:cSld>
@@ -8058,8 +8292,8 @@
         </p:nvSpPr>
         <p:spPr>
           <a:xfrm>
-            <a:off x="360680" y="18255"/>
-            <a:ext cx="10515600" cy="1325563"/>
+            <a:off x="147145" y="88287"/>
+            <a:ext cx="10515600" cy="991225"/>
           </a:xfrm>
         </p:spPr>
         <p:txBody>
@@ -8068,7 +8302,7 @@
           <a:p>
             <a:r>
               <a:rPr lang="en-US" dirty="0"/>
-              <a:t>Veeam License and Registration</a:t>
+              <a:t>Configure Veeam Primary Repo</a:t>
             </a:r>
           </a:p>
         </p:txBody>
@@ -8091,8 +8325,8 @@
         </p:nvSpPr>
         <p:spPr>
           <a:xfrm>
-            <a:off x="518160" y="1134745"/>
-            <a:ext cx="10515600" cy="4351338"/>
+            <a:off x="147145" y="1036519"/>
+            <a:ext cx="5600872" cy="4351338"/>
           </a:xfrm>
         </p:spPr>
         <p:txBody>
@@ -8102,42 +8336,76 @@
           <a:lstStyle/>
           <a:p>
             <a:r>
-              <a:rPr lang="en-US" sz="2400" dirty="0"/>
-              <a:t>RDP into </a:t>
-            </a:r>
-            <a:r>
-              <a:rPr lang="en-US" sz="2400" dirty="0" err="1"/>
-              <a:t>VeeamBR</a:t>
-            </a:r>
-            <a:r>
-              <a:rPr lang="en-US" sz="2400" dirty="0"/>
-              <a:t> (get connection info from azure portal)</a:t>
-            </a:r>
-          </a:p>
-          <a:p>
-            <a:r>
-              <a:rPr lang="en-US" sz="2400" dirty="0"/>
-              <a:t>Browse to Veeam.com and download trial license key you registered for earlier</a:t>
-            </a:r>
-          </a:p>
-          <a:p>
-            <a:r>
-              <a:rPr lang="en-US" sz="2400" dirty="0"/>
-              <a:t>Start B&amp;R Console and register license</a:t>
-            </a:r>
-          </a:p>
-          <a:p>
-            <a:endParaRPr lang="en-US" sz="2400" dirty="0"/>
-          </a:p>
-          <a:p>
-            <a:endParaRPr lang="en-US" sz="2400" dirty="0"/>
-          </a:p>
-        </p:txBody>
-      </p:sp>
+              <a:rPr lang="en-US" dirty="0"/>
+              <a:t>Add primary backup repo (“on prem”) as direct attached storage</a:t>
+            </a:r>
+          </a:p>
+          <a:p>
+            <a:r>
+              <a:rPr lang="en-US" dirty="0"/>
+              <a:t>Select F drive as backup repo location</a:t>
+            </a:r>
+          </a:p>
+          <a:p>
+            <a:r>
+              <a:rPr lang="en-US" dirty="0"/>
+              <a:t>Use defaults for all other options</a:t>
+            </a:r>
+          </a:p>
+          <a:p>
+            <a:r>
+              <a:rPr lang="en-US" dirty="0"/>
+              <a:t>Do not change config backup to new repo</a:t>
+            </a:r>
+          </a:p>
+          <a:p>
+            <a:endParaRPr lang="en-US" dirty="0"/>
+          </a:p>
+          <a:p>
+            <a:pPr marL="0" indent="0">
+              <a:buNone/>
+            </a:pPr>
+            <a:endParaRPr lang="en-US" dirty="0"/>
+          </a:p>
+          <a:p>
+            <a:endParaRPr lang="en-US" dirty="0"/>
+          </a:p>
+        </p:txBody>
+      </p:sp>
+      <p:pic>
+        <p:nvPicPr>
+          <p:cNvPr id="4" name="Picture 3">
+            <a:extLst>
+              <a:ext uri="{FF2B5EF4-FFF2-40B4-BE49-F238E27FC236}">
+                <a16:creationId xmlns:a16="http://schemas.microsoft.com/office/drawing/2014/main" id="{4EA2E394-E403-417B-AB6A-2F189B397078}"/>
+              </a:ext>
+            </a:extLst>
+          </p:cNvPr>
+          <p:cNvPicPr>
+            <a:picLocks noChangeAspect="1"/>
+          </p:cNvPicPr>
+          <p:nvPr/>
+        </p:nvPicPr>
+        <p:blipFill>
+          <a:blip r:embed="rId2"/>
+          <a:stretch>
+            <a:fillRect/>
+          </a:stretch>
+        </p:blipFill>
+        <p:spPr>
+          <a:xfrm>
+            <a:off x="5580469" y="1036519"/>
+            <a:ext cx="6341018" cy="5338802"/>
+          </a:xfrm>
+          <a:prstGeom prst="rect">
+            <a:avLst/>
+          </a:prstGeom>
+        </p:spPr>
+      </p:pic>
     </p:spTree>
     <p:extLst>
       <p:ext uri="{BB962C8B-B14F-4D97-AF65-F5344CB8AC3E}">
-        <p14:creationId xmlns:p14="http://schemas.microsoft.com/office/powerpoint/2010/main" val="39660529"/>
+        <p14:creationId xmlns:p14="http://schemas.microsoft.com/office/powerpoint/2010/main" val="3199636339"/>
       </p:ext>
     </p:extLst>
   </p:cSld>
@@ -8192,7 +8460,7 @@
           <a:p>
             <a:r>
               <a:rPr lang="en-US" dirty="0"/>
-              <a:t>Configure Veeam Primary Repo</a:t>
+              <a:t>Configure Azure Storage Credentials</a:t>
             </a:r>
           </a:p>
         </p:txBody>
@@ -8227,25 +8495,25 @@
           <a:p>
             <a:r>
               <a:rPr lang="en-US" dirty="0"/>
-              <a:t>Add primary backup repo (“on prem”) as direct attached storage</a:t>
+              <a:t>Select Manage Cloud Credentials from top left menu</a:t>
             </a:r>
           </a:p>
           <a:p>
             <a:r>
               <a:rPr lang="en-US" dirty="0"/>
-              <a:t>Select F drive as backup repo location</a:t>
+              <a:t>Add-&gt;Azure Storage</a:t>
             </a:r>
           </a:p>
           <a:p>
             <a:r>
               <a:rPr lang="en-US" dirty="0"/>
-              <a:t>Use defaults for all other options</a:t>
+              <a:t>Provide the name of your capacity tier storage account</a:t>
             </a:r>
           </a:p>
           <a:p>
             <a:r>
               <a:rPr lang="en-US" dirty="0"/>
-              <a:t>Do not change config backup to new repo</a:t>
+              <a:t>Provide one of the access keys (get it from the “Access Keys” blade on the storage account resource in Azure Portal)</a:t>
             </a:r>
           </a:p>
           <a:p>
@@ -8264,10 +8532,10 @@
       </p:sp>
       <p:pic>
         <p:nvPicPr>
-          <p:cNvPr id="4" name="Picture 3">
-            <a:extLst>
-              <a:ext uri="{FF2B5EF4-FFF2-40B4-BE49-F238E27FC236}">
-                <a16:creationId xmlns:a16="http://schemas.microsoft.com/office/drawing/2014/main" id="{4EA2E394-E403-417B-AB6A-2F189B397078}"/>
+          <p:cNvPr id="6" name="Picture 5">
+            <a:extLst>
+              <a:ext uri="{FF2B5EF4-FFF2-40B4-BE49-F238E27FC236}">
+                <a16:creationId xmlns:a16="http://schemas.microsoft.com/office/drawing/2014/main" id="{3D6D5319-2BC9-4EE4-9A06-0D1B77458665}"/>
               </a:ext>
             </a:extLst>
           </p:cNvPr>
@@ -8284,8 +8552,8 @@
         </p:blipFill>
         <p:spPr>
           <a:xfrm>
-            <a:off x="5580469" y="1036519"/>
-            <a:ext cx="6341018" cy="5338802"/>
+            <a:off x="5610544" y="1398266"/>
+            <a:ext cx="6434311" cy="4543505"/>
           </a:xfrm>
           <a:prstGeom prst="rect">
             <a:avLst/>
@@ -8295,7 +8563,7 @@
     </p:spTree>
     <p:extLst>
       <p:ext uri="{BB962C8B-B14F-4D97-AF65-F5344CB8AC3E}">
-        <p14:creationId xmlns:p14="http://schemas.microsoft.com/office/powerpoint/2010/main" val="3199636339"/>
+        <p14:creationId xmlns:p14="http://schemas.microsoft.com/office/powerpoint/2010/main" val="3715830185"/>
       </p:ext>
     </p:extLst>
   </p:cSld>
@@ -8601,6 +8869,25 @@
 </file>
 
 <file path=customXml/item1.xml><?xml version="1.0" encoding="utf-8"?>
+<p:properties xmlns:p="http://schemas.microsoft.com/office/2006/metadata/properties" xmlns:xsi="http://www.w3.org/2001/XMLSchema-instance" xmlns:pc="http://schemas.microsoft.com/office/infopath/2007/PartnerControls">
+  <documentManagement>
+    <_ip_UnifiedCompliancePolicyUIAction xmlns="http://schemas.microsoft.com/sharepoint/v3" xsi:nil="true"/>
+    <MediaServiceKeyPoints xmlns="193ed8a2-4539-4a85-8b6f-399dfeae4bd9" xsi:nil="true"/>
+    <_ip_UnifiedCompliancePolicyProperties xmlns="http://schemas.microsoft.com/sharepoint/v3" xsi:nil="true"/>
+  </documentManagement>
+</p:properties>
+</file>
+
+<file path=customXml/item2.xml><?xml version="1.0" encoding="utf-8"?>
+<?mso-contentType ?>
+<FormTemplates xmlns="http://schemas.microsoft.com/sharepoint/v3/contenttype/forms">
+  <Display>DocumentLibraryForm</Display>
+  <Edit>DocumentLibraryForm</Edit>
+  <New>DocumentLibraryForm</New>
+</FormTemplates>
+</file>
+
+<file path=customXml/item3.xml><?xml version="1.0" encoding="utf-8"?>
 <ct:contentTypeSchema xmlns:ct="http://schemas.microsoft.com/office/2006/metadata/contentType" xmlns:ma="http://schemas.microsoft.com/office/2006/metadata/properties/metaAttributes" ct:_="" ma:_="" ma:contentTypeName="Document" ma:contentTypeID="0x01010039C7440841F209428C7B83779A5E5D3F" ma:contentTypeVersion="16" ma:contentTypeDescription="Create a new document." ma:contentTypeScope="" ma:versionID="5a3fad957325c550b415ad6eb9db69b6">
   <xsd:schema xmlns:xsd="http://www.w3.org/2001/XMLSchema" xmlns:xs="http://www.w3.org/2001/XMLSchema" xmlns:p="http://schemas.microsoft.com/office/2006/metadata/properties" xmlns:ns1="http://schemas.microsoft.com/sharepoint/v3" xmlns:ns3="193ed8a2-4539-4a85-8b6f-399dfeae4bd9" xmlns:ns4="7c8be482-3156-4892-8a6f-d2ff790bfae6" targetNamespace="http://schemas.microsoft.com/office/2006/metadata/properties" ma:root="true" ma:fieldsID="880fc400dde3ba496643e47e312674a6" ns1:_="" ns3:_="" ns4:_="">
     <xsd:import namespace="http://schemas.microsoft.com/sharepoint/v3"/>
@@ -8846,26 +9133,26 @@
 </ct:contentTypeSchema>
 </file>
 
-<file path=customXml/item2.xml><?xml version="1.0" encoding="utf-8"?>
-<?mso-contentType ?>
-<FormTemplates xmlns="http://schemas.microsoft.com/sharepoint/v3/contenttype/forms">
-  <Display>DocumentLibraryForm</Display>
-  <Edit>DocumentLibraryForm</Edit>
-  <New>DocumentLibraryForm</New>
-</FormTemplates>
+<file path=customXml/itemProps1.xml><?xml version="1.0" encoding="utf-8"?>
+<ds:datastoreItem xmlns:ds="http://schemas.openxmlformats.org/officeDocument/2006/customXml" ds:itemID="{59071B2C-BF7E-483E-93DE-53C81689A11E}">
+  <ds:schemaRefs>
+    <ds:schemaRef ds:uri="http://schemas.microsoft.com/office/2006/metadata/properties"/>
+    <ds:schemaRef ds:uri="http://schemas.microsoft.com/office/infopath/2007/PartnerControls"/>
+    <ds:schemaRef ds:uri="http://schemas.microsoft.com/sharepoint/v3"/>
+    <ds:schemaRef ds:uri="193ed8a2-4539-4a85-8b6f-399dfeae4bd9"/>
+  </ds:schemaRefs>
+</ds:datastoreItem>
 </file>
 
-<file path=customXml/item3.xml><?xml version="1.0" encoding="utf-8"?>
-<p:properties xmlns:p="http://schemas.microsoft.com/office/2006/metadata/properties" xmlns:xsi="http://www.w3.org/2001/XMLSchema-instance" xmlns:pc="http://schemas.microsoft.com/office/infopath/2007/PartnerControls">
-  <documentManagement>
-    <_ip_UnifiedCompliancePolicyUIAction xmlns="http://schemas.microsoft.com/sharepoint/v3" xsi:nil="true"/>
-    <MediaServiceKeyPoints xmlns="193ed8a2-4539-4a85-8b6f-399dfeae4bd9" xsi:nil="true"/>
-    <_ip_UnifiedCompliancePolicyProperties xmlns="http://schemas.microsoft.com/sharepoint/v3" xsi:nil="true"/>
-  </documentManagement>
-</p:properties>
+<file path=customXml/itemProps2.xml><?xml version="1.0" encoding="utf-8"?>
+<ds:datastoreItem xmlns:ds="http://schemas.openxmlformats.org/officeDocument/2006/customXml" ds:itemID="{D93D0519-7844-4F19-A023-0D1EF7B3A224}">
+  <ds:schemaRefs>
+    <ds:schemaRef ds:uri="http://schemas.microsoft.com/sharepoint/v3/contenttype/forms"/>
+  </ds:schemaRefs>
+</ds:datastoreItem>
 </file>
 
-<file path=customXml/itemProps1.xml><?xml version="1.0" encoding="utf-8"?>
+<file path=customXml/itemProps3.xml><?xml version="1.0" encoding="utf-8"?>
 <ds:datastoreItem xmlns:ds="http://schemas.openxmlformats.org/officeDocument/2006/customXml" ds:itemID="{A9D40B58-6553-432A-83F4-0C23EE14E82F}">
   <ds:schemaRefs>
     <ds:schemaRef ds:uri="http://schemas.microsoft.com/office/2006/metadata/contentType"/>
@@ -8883,23 +9170,4 @@
     <ds:schemaRef ds:uri="http://schemas.microsoft.com/internal/obd"/>
   </ds:schemaRefs>
 </ds:datastoreItem>
-</file>
-
-<file path=customXml/itemProps2.xml><?xml version="1.0" encoding="utf-8"?>
-<ds:datastoreItem xmlns:ds="http://schemas.openxmlformats.org/officeDocument/2006/customXml" ds:itemID="{D93D0519-7844-4F19-A023-0D1EF7B3A224}">
-  <ds:schemaRefs>
-    <ds:schemaRef ds:uri="http://schemas.microsoft.com/sharepoint/v3/contenttype/forms"/>
-  </ds:schemaRefs>
-</ds:datastoreItem>
-</file>
-
-<file path=customXml/itemProps3.xml><?xml version="1.0" encoding="utf-8"?>
-<ds:datastoreItem xmlns:ds="http://schemas.openxmlformats.org/officeDocument/2006/customXml" ds:itemID="{59071B2C-BF7E-483E-93DE-53C81689A11E}">
-  <ds:schemaRefs>
-    <ds:schemaRef ds:uri="http://schemas.microsoft.com/office/2006/metadata/properties"/>
-    <ds:schemaRef ds:uri="http://schemas.microsoft.com/office/infopath/2007/PartnerControls"/>
-    <ds:schemaRef ds:uri="http://schemas.microsoft.com/sharepoint/v3"/>
-    <ds:schemaRef ds:uri="193ed8a2-4539-4a85-8b6f-399dfeae4bd9"/>
-  </ds:schemaRefs>
-</ds:datastoreItem>
 </file>
--- a/Veeam Lab Guide.pptx
+++ b/Veeam Lab Guide.pptx
@@ -21,14 +21,15 @@
     <p:sldId id="260" r:id="rId18"/>
     <p:sldId id="279" r:id="rId19"/>
     <p:sldId id="280" r:id="rId20"/>
-    <p:sldId id="281" r:id="rId21"/>
-    <p:sldId id="262" r:id="rId22"/>
-    <p:sldId id="282" r:id="rId23"/>
-    <p:sldId id="284" r:id="rId24"/>
-    <p:sldId id="283" r:id="rId25"/>
-    <p:sldId id="268" r:id="rId26"/>
-    <p:sldId id="269" r:id="rId27"/>
-    <p:sldId id="265" r:id="rId28"/>
+    <p:sldId id="285" r:id="rId21"/>
+    <p:sldId id="287" r:id="rId22"/>
+    <p:sldId id="286" r:id="rId23"/>
+    <p:sldId id="281" r:id="rId24"/>
+    <p:sldId id="262" r:id="rId25"/>
+    <p:sldId id="282" r:id="rId26"/>
+    <p:sldId id="284" r:id="rId27"/>
+    <p:sldId id="268" r:id="rId28"/>
+    <p:sldId id="269" r:id="rId29"/>
   </p:sldIdLst>
   <p:sldSz cx="12192000" cy="6858000"/>
   <p:notesSz cx="6858000" cy="9144000"/>
@@ -166,13 +167,19 @@
             <p14:sldId id="280"/>
           </p14:sldIdLst>
         </p14:section>
+        <p14:section name="Restore to Azure" id="{4AA4A48E-443D-4EA8-A031-D4BF97D3FC78}">
+          <p14:sldIdLst>
+            <p14:sldId id="285"/>
+            <p14:sldId id="287"/>
+            <p14:sldId id="286"/>
+          </p14:sldIdLst>
+        </p14:section>
         <p14:section name="Restore from backup" id="{EFAA5F18-8894-4385-A9BE-A8945F8275FF}">
           <p14:sldIdLst>
             <p14:sldId id="281"/>
             <p14:sldId id="262"/>
             <p14:sldId id="282"/>
             <p14:sldId id="284"/>
-            <p14:sldId id="283"/>
           </p14:sldIdLst>
         </p14:section>
         <p14:section name="Demo of replication and instant restore" id="{40E0B12D-4C16-4805-9AF5-8FDC510D7857}">
@@ -183,11 +190,6 @@
         <p14:section name="Clean up" id="{9B17C8C1-AD7E-4211-920F-B33818370FAF}">
           <p14:sldIdLst>
             <p14:sldId id="269"/>
-          </p14:sldIdLst>
-        </p14:section>
-        <p14:section name="Unused slides" id="{97EEB5C7-2E61-40FB-9C39-A4252A1E98EB}">
-          <p14:sldIdLst>
-            <p14:sldId id="265"/>
           </p14:sldIdLst>
         </p14:section>
       </p14:sectionLst>
@@ -4308,7 +4310,7 @@
           <a:bodyPr/>
           <a:lstStyle/>
           <a:p>
-            <a:endParaRPr lang="en-US"/>
+            <a:endParaRPr lang="en-US" dirty="0"/>
           </a:p>
         </p:txBody>
       </p:sp>
@@ -5784,6 +5786,739 @@
           <p:cNvPr id="2" name="Title 1">
             <a:extLst>
               <a:ext uri="{FF2B5EF4-FFF2-40B4-BE49-F238E27FC236}">
+                <a16:creationId xmlns:a16="http://schemas.microsoft.com/office/drawing/2014/main" id="{8057C150-24EA-44A0-822C-FA9C821ED815}"/>
+              </a:ext>
+            </a:extLst>
+          </p:cNvPr>
+          <p:cNvSpPr>
+            <a:spLocks noGrp="1"/>
+          </p:cNvSpPr>
+          <p:nvPr>
+            <p:ph type="title"/>
+          </p:nvPr>
+        </p:nvSpPr>
+        <p:spPr>
+          <a:xfrm>
+            <a:off x="157480" y="198120"/>
+            <a:ext cx="10515600" cy="755968"/>
+          </a:xfrm>
+        </p:spPr>
+        <p:txBody>
+          <a:bodyPr/>
+          <a:lstStyle/>
+          <a:p>
+            <a:r>
+              <a:rPr lang="en-US" dirty="0"/>
+              <a:t>Configure Azure Compute account</a:t>
+            </a:r>
+          </a:p>
+        </p:txBody>
+      </p:sp>
+      <p:sp>
+        <p:nvSpPr>
+          <p:cNvPr id="3" name="Content Placeholder 2">
+            <a:extLst>
+              <a:ext uri="{FF2B5EF4-FFF2-40B4-BE49-F238E27FC236}">
+                <a16:creationId xmlns:a16="http://schemas.microsoft.com/office/drawing/2014/main" id="{D7E5290A-3B6C-403E-92B0-40DC600D4A18}"/>
+              </a:ext>
+            </a:extLst>
+          </p:cNvPr>
+          <p:cNvSpPr>
+            <a:spLocks noGrp="1"/>
+          </p:cNvSpPr>
+          <p:nvPr>
+            <p:ph idx="1"/>
+          </p:nvPr>
+        </p:nvSpPr>
+        <p:spPr>
+          <a:xfrm>
+            <a:off x="213360" y="1148414"/>
+            <a:ext cx="5379720" cy="4351338"/>
+          </a:xfrm>
+        </p:spPr>
+        <p:txBody>
+          <a:bodyPr>
+            <a:normAutofit/>
+          </a:bodyPr>
+          <a:lstStyle/>
+          <a:p>
+            <a:r>
+              <a:rPr lang="en-US" sz="2400" dirty="0"/>
+              <a:t>Open the Manage Cloud Credentials wizard</a:t>
+            </a:r>
+          </a:p>
+          <a:p>
+            <a:r>
+              <a:rPr lang="en-US" sz="2400" dirty="0"/>
+              <a:t>Add an Azure Compute account by supplying the same credentials you are using to authenticate into your Azure subscription</a:t>
+            </a:r>
+          </a:p>
+          <a:p>
+            <a:pPr lvl="1"/>
+            <a:r>
+              <a:rPr lang="en-US" sz="2000" dirty="0"/>
+              <a:t>The AAD account you supply must have rights on the subscription to create new resources including groups, VMs, storage accounts</a:t>
+            </a:r>
+          </a:p>
+        </p:txBody>
+      </p:sp>
+      <p:pic>
+        <p:nvPicPr>
+          <p:cNvPr id="4" name="Picture 3">
+            <a:extLst>
+              <a:ext uri="{FF2B5EF4-FFF2-40B4-BE49-F238E27FC236}">
+                <a16:creationId xmlns:a16="http://schemas.microsoft.com/office/drawing/2014/main" id="{4DD7B965-A65B-4D55-BB89-FF6105F5AF4E}"/>
+              </a:ext>
+            </a:extLst>
+          </p:cNvPr>
+          <p:cNvPicPr>
+            <a:picLocks noChangeAspect="1"/>
+          </p:cNvPicPr>
+          <p:nvPr/>
+        </p:nvPicPr>
+        <p:blipFill>
+          <a:blip r:embed="rId2"/>
+          <a:stretch>
+            <a:fillRect/>
+          </a:stretch>
+        </p:blipFill>
+        <p:spPr>
+          <a:xfrm>
+            <a:off x="5932308" y="997585"/>
+            <a:ext cx="5529303" cy="4652997"/>
+          </a:xfrm>
+          <a:prstGeom prst="rect">
+            <a:avLst/>
+          </a:prstGeom>
+        </p:spPr>
+      </p:pic>
+    </p:spTree>
+    <p:extLst>
+      <p:ext uri="{BB962C8B-B14F-4D97-AF65-F5344CB8AC3E}">
+        <p14:creationId xmlns:p14="http://schemas.microsoft.com/office/powerpoint/2010/main" val="61360042"/>
+      </p:ext>
+    </p:extLst>
+  </p:cSld>
+  <p:clrMapOvr>
+    <a:masterClrMapping/>
+  </p:clrMapOvr>
+</p:sld>
+</file>
+
+<file path=ppt/slides/slide18.xml><?xml version="1.0" encoding="utf-8"?>
+<p:sld xmlns:a="http://schemas.openxmlformats.org/drawingml/2006/main" xmlns:r="http://schemas.openxmlformats.org/officeDocument/2006/relationships" xmlns:p="http://schemas.openxmlformats.org/presentationml/2006/main">
+  <p:cSld>
+    <p:spTree>
+      <p:nvGrpSpPr>
+        <p:cNvPr id="1" name=""/>
+        <p:cNvGrpSpPr/>
+        <p:nvPr/>
+      </p:nvGrpSpPr>
+      <p:grpSpPr>
+        <a:xfrm>
+          <a:off x="0" y="0"/>
+          <a:ext cx="0" cy="0"/>
+          <a:chOff x="0" y="0"/>
+          <a:chExt cx="0" cy="0"/>
+        </a:xfrm>
+      </p:grpSpPr>
+      <p:sp>
+        <p:nvSpPr>
+          <p:cNvPr id="2" name="Title 1">
+            <a:extLst>
+              <a:ext uri="{FF2B5EF4-FFF2-40B4-BE49-F238E27FC236}">
+                <a16:creationId xmlns:a16="http://schemas.microsoft.com/office/drawing/2014/main" id="{8057C150-24EA-44A0-822C-FA9C821ED815}"/>
+              </a:ext>
+            </a:extLst>
+          </p:cNvPr>
+          <p:cNvSpPr>
+            <a:spLocks noGrp="1"/>
+          </p:cNvSpPr>
+          <p:nvPr>
+            <p:ph type="title"/>
+          </p:nvPr>
+        </p:nvSpPr>
+        <p:spPr>
+          <a:xfrm>
+            <a:off x="157480" y="198120"/>
+            <a:ext cx="10515600" cy="755968"/>
+          </a:xfrm>
+        </p:spPr>
+        <p:txBody>
+          <a:bodyPr/>
+          <a:lstStyle/>
+          <a:p>
+            <a:r>
+              <a:rPr lang="en-US" dirty="0"/>
+              <a:t>Configure Azure instant restore landing zone</a:t>
+            </a:r>
+          </a:p>
+        </p:txBody>
+      </p:sp>
+      <p:sp>
+        <p:nvSpPr>
+          <p:cNvPr id="3" name="Content Placeholder 2">
+            <a:extLst>
+              <a:ext uri="{FF2B5EF4-FFF2-40B4-BE49-F238E27FC236}">
+                <a16:creationId xmlns:a16="http://schemas.microsoft.com/office/drawing/2014/main" id="{D7E5290A-3B6C-403E-92B0-40DC600D4A18}"/>
+              </a:ext>
+            </a:extLst>
+          </p:cNvPr>
+          <p:cNvSpPr>
+            <a:spLocks noGrp="1"/>
+          </p:cNvSpPr>
+          <p:nvPr>
+            <p:ph idx="1"/>
+          </p:nvPr>
+        </p:nvSpPr>
+        <p:spPr>
+          <a:xfrm>
+            <a:off x="213360" y="1148414"/>
+            <a:ext cx="9850120" cy="4351338"/>
+          </a:xfrm>
+        </p:spPr>
+        <p:txBody>
+          <a:bodyPr>
+            <a:normAutofit/>
+          </a:bodyPr>
+          <a:lstStyle/>
+          <a:p>
+            <a:r>
+              <a:rPr lang="en-US" sz="2400" dirty="0"/>
+              <a:t>We want to create a landing spot for VMs restored to Azure in advance of doing a restore</a:t>
+            </a:r>
+          </a:p>
+          <a:p>
+            <a:r>
+              <a:rPr lang="en-US" sz="2400" dirty="0"/>
+              <a:t>From the Azure portal create the following:</a:t>
+            </a:r>
+          </a:p>
+          <a:p>
+            <a:pPr lvl="1"/>
+            <a:r>
+              <a:rPr lang="en-US" sz="2000" dirty="0"/>
+              <a:t>New resource group</a:t>
+            </a:r>
+          </a:p>
+          <a:p>
+            <a:pPr lvl="1"/>
+            <a:r>
+              <a:rPr lang="en-US" sz="2000" dirty="0"/>
+              <a:t>Standard storage account (LRS)</a:t>
+            </a:r>
+          </a:p>
+          <a:p>
+            <a:pPr lvl="1"/>
+            <a:r>
+              <a:rPr lang="en-US" sz="2000" dirty="0"/>
+              <a:t>Virtual network and subnet (place in the new resource group you just created)</a:t>
+            </a:r>
+          </a:p>
+          <a:p>
+            <a:pPr lvl="1"/>
+            <a:r>
+              <a:rPr lang="en-US" sz="2000" dirty="0"/>
+              <a:t>NSG (optional)</a:t>
+            </a:r>
+          </a:p>
+          <a:p>
+            <a:pPr lvl="1"/>
+            <a:endParaRPr lang="en-US" sz="2000" dirty="0"/>
+          </a:p>
+          <a:p>
+            <a:r>
+              <a:rPr lang="en-US" sz="2400" dirty="0"/>
+              <a:t>When we perform the Restore to Azure from Veeam console, we will target this landing zone as a spot for our restored VMs to instantiate</a:t>
+            </a:r>
+          </a:p>
+          <a:p>
+            <a:endParaRPr lang="en-US" sz="2400" dirty="0"/>
+          </a:p>
+        </p:txBody>
+      </p:sp>
+    </p:spTree>
+    <p:extLst>
+      <p:ext uri="{BB962C8B-B14F-4D97-AF65-F5344CB8AC3E}">
+        <p14:creationId xmlns:p14="http://schemas.microsoft.com/office/powerpoint/2010/main" val="4209937212"/>
+      </p:ext>
+    </p:extLst>
+  </p:cSld>
+  <p:clrMapOvr>
+    <a:masterClrMapping/>
+  </p:clrMapOvr>
+</p:sld>
+</file>
+
+<file path=ppt/slides/slide19.xml><?xml version="1.0" encoding="utf-8"?>
+<p:sld xmlns:a="http://schemas.openxmlformats.org/drawingml/2006/main" xmlns:r="http://schemas.openxmlformats.org/officeDocument/2006/relationships" xmlns:p="http://schemas.openxmlformats.org/presentationml/2006/main">
+  <p:cSld>
+    <p:spTree>
+      <p:nvGrpSpPr>
+        <p:cNvPr id="1" name=""/>
+        <p:cNvGrpSpPr/>
+        <p:nvPr/>
+      </p:nvGrpSpPr>
+      <p:grpSpPr>
+        <a:xfrm>
+          <a:off x="0" y="0"/>
+          <a:ext cx="0" cy="0"/>
+          <a:chOff x="0" y="0"/>
+          <a:chExt cx="0" cy="0"/>
+        </a:xfrm>
+      </p:grpSpPr>
+      <p:sp>
+        <p:nvSpPr>
+          <p:cNvPr id="2" name="Title 1">
+            <a:extLst>
+              <a:ext uri="{FF2B5EF4-FFF2-40B4-BE49-F238E27FC236}">
+                <a16:creationId xmlns:a16="http://schemas.microsoft.com/office/drawing/2014/main" id="{2A385035-02EA-4DBD-BC76-2504795C6C80}"/>
+              </a:ext>
+            </a:extLst>
+          </p:cNvPr>
+          <p:cNvSpPr>
+            <a:spLocks noGrp="1"/>
+          </p:cNvSpPr>
+          <p:nvPr>
+            <p:ph type="title"/>
+          </p:nvPr>
+        </p:nvSpPr>
+        <p:spPr>
+          <a:xfrm>
+            <a:off x="172720" y="132080"/>
+            <a:ext cx="10515600" cy="695008"/>
+          </a:xfrm>
+        </p:spPr>
+        <p:txBody>
+          <a:bodyPr/>
+          <a:lstStyle/>
+          <a:p>
+            <a:r>
+              <a:rPr lang="en-US" dirty="0"/>
+              <a:t>Start a restore to Azure from Veeam</a:t>
+            </a:r>
+          </a:p>
+        </p:txBody>
+      </p:sp>
+      <p:sp>
+        <p:nvSpPr>
+          <p:cNvPr id="3" name="Content Placeholder 2">
+            <a:extLst>
+              <a:ext uri="{FF2B5EF4-FFF2-40B4-BE49-F238E27FC236}">
+                <a16:creationId xmlns:a16="http://schemas.microsoft.com/office/drawing/2014/main" id="{9EA152D9-CD9D-48B9-A032-38566DA1EE48}"/>
+              </a:ext>
+            </a:extLst>
+          </p:cNvPr>
+          <p:cNvSpPr>
+            <a:spLocks noGrp="1"/>
+          </p:cNvSpPr>
+          <p:nvPr>
+            <p:ph idx="1"/>
+          </p:nvPr>
+        </p:nvSpPr>
+        <p:spPr>
+          <a:xfrm>
+            <a:off x="233680" y="936624"/>
+            <a:ext cx="4617720" cy="5176875"/>
+          </a:xfrm>
+        </p:spPr>
+        <p:txBody>
+          <a:bodyPr>
+            <a:normAutofit lnSpcReduction="10000"/>
+          </a:bodyPr>
+          <a:lstStyle/>
+          <a:p>
+            <a:r>
+              <a:rPr lang="en-US" sz="1800" dirty="0"/>
+              <a:t>From the Home tab of Veeam console, select Restore-&gt;Agent</a:t>
+            </a:r>
+          </a:p>
+          <a:p>
+            <a:r>
+              <a:rPr lang="en-US" sz="1800" dirty="0"/>
+              <a:t>Select Entire Machine restore and review options</a:t>
+            </a:r>
+          </a:p>
+          <a:p>
+            <a:r>
+              <a:rPr lang="en-US" sz="1800" dirty="0"/>
+              <a:t>Select Restore to Azure</a:t>
+            </a:r>
+          </a:p>
+          <a:p>
+            <a:r>
+              <a:rPr lang="en-US" sz="1800" dirty="0"/>
+              <a:t>Follow the wizard to complete the restore</a:t>
+            </a:r>
+          </a:p>
+          <a:p>
+            <a:pPr lvl="1"/>
+            <a:r>
+              <a:rPr lang="en-US" sz="1400" dirty="0"/>
+              <a:t>Use either the SQL or Linux VM as your source</a:t>
+            </a:r>
+          </a:p>
+          <a:p>
+            <a:pPr lvl="1"/>
+            <a:r>
+              <a:rPr lang="en-US" sz="1400" dirty="0"/>
+              <a:t>Select the Azure compute subscription you registered earlier</a:t>
+            </a:r>
+          </a:p>
+          <a:p>
+            <a:pPr lvl="1"/>
+            <a:r>
+              <a:rPr lang="en-US" sz="1400" dirty="0"/>
+              <a:t>Choose an appropriate VM size (recommend D2v3)</a:t>
+            </a:r>
+          </a:p>
+          <a:p>
+            <a:pPr lvl="1"/>
+            <a:r>
+              <a:rPr lang="en-US" sz="1400" dirty="0"/>
+              <a:t>Select the storage account you just created</a:t>
+            </a:r>
+          </a:p>
+          <a:p>
+            <a:pPr lvl="1"/>
+            <a:r>
+              <a:rPr lang="en-US" sz="1400" dirty="0"/>
+              <a:t>Give the restored </a:t>
+            </a:r>
+            <a:r>
+              <a:rPr lang="en-US" sz="1400" dirty="0" err="1"/>
+              <a:t>vm</a:t>
+            </a:r>
+            <a:r>
+              <a:rPr lang="en-US" sz="1400" dirty="0"/>
+              <a:t> a unique name</a:t>
+            </a:r>
+          </a:p>
+          <a:p>
+            <a:pPr lvl="1"/>
+            <a:r>
+              <a:rPr lang="en-US" sz="1400" dirty="0"/>
+              <a:t>Select the resource group you just created as the </a:t>
+            </a:r>
+            <a:r>
+              <a:rPr lang="en-US" sz="1400" dirty="0" err="1"/>
+              <a:t>rg</a:t>
+            </a:r>
+            <a:endParaRPr lang="en-US" sz="1400" dirty="0"/>
+          </a:p>
+          <a:p>
+            <a:pPr lvl="1"/>
+            <a:r>
+              <a:rPr lang="en-US" sz="1400" dirty="0"/>
+              <a:t>Select the </a:t>
+            </a:r>
+            <a:r>
+              <a:rPr lang="en-US" sz="1400" dirty="0" err="1"/>
+              <a:t>Vnet</a:t>
+            </a:r>
+            <a:r>
+              <a:rPr lang="en-US" sz="1400" dirty="0"/>
+              <a:t> you just created</a:t>
+            </a:r>
+          </a:p>
+          <a:p>
+            <a:pPr lvl="1"/>
+            <a:r>
+              <a:rPr lang="en-US" sz="1400" dirty="0"/>
+              <a:t>Start the restore</a:t>
+            </a:r>
+          </a:p>
+          <a:p>
+            <a:r>
+              <a:rPr lang="en-US" sz="1800" dirty="0"/>
+              <a:t>The machine will now be created in Azure</a:t>
+            </a:r>
+          </a:p>
+          <a:p>
+            <a:r>
+              <a:rPr lang="en-US" sz="1800" dirty="0"/>
+              <a:t>This process can be used to easily migrate VMs to Azure permanently</a:t>
+            </a:r>
+          </a:p>
+          <a:p>
+            <a:endParaRPr lang="en-US" sz="1800" dirty="0"/>
+          </a:p>
+        </p:txBody>
+      </p:sp>
+      <p:pic>
+        <p:nvPicPr>
+          <p:cNvPr id="4" name="Picture 3">
+            <a:extLst>
+              <a:ext uri="{FF2B5EF4-FFF2-40B4-BE49-F238E27FC236}">
+                <a16:creationId xmlns:a16="http://schemas.microsoft.com/office/drawing/2014/main" id="{C3A49636-EEB8-416B-BD57-AB8D3E097453}"/>
+              </a:ext>
+            </a:extLst>
+          </p:cNvPr>
+          <p:cNvPicPr>
+            <a:picLocks noChangeAspect="1"/>
+          </p:cNvPicPr>
+          <p:nvPr/>
+        </p:nvPicPr>
+        <p:blipFill>
+          <a:blip r:embed="rId2"/>
+          <a:stretch>
+            <a:fillRect/>
+          </a:stretch>
+        </p:blipFill>
+        <p:spPr>
+          <a:xfrm>
+            <a:off x="4989646" y="1226642"/>
+            <a:ext cx="6815187" cy="5176875"/>
+          </a:xfrm>
+          <a:prstGeom prst="rect">
+            <a:avLst/>
+          </a:prstGeom>
+        </p:spPr>
+      </p:pic>
+    </p:spTree>
+    <p:extLst>
+      <p:ext uri="{BB962C8B-B14F-4D97-AF65-F5344CB8AC3E}">
+        <p14:creationId xmlns:p14="http://schemas.microsoft.com/office/powerpoint/2010/main" val="1029637529"/>
+      </p:ext>
+    </p:extLst>
+  </p:cSld>
+  <p:clrMapOvr>
+    <a:masterClrMapping/>
+  </p:clrMapOvr>
+</p:sld>
+</file>
+
+<file path=ppt/slides/slide2.xml><?xml version="1.0" encoding="utf-8"?>
+<p:sld xmlns:a="http://schemas.openxmlformats.org/drawingml/2006/main" xmlns:r="http://schemas.openxmlformats.org/officeDocument/2006/relationships" xmlns:p="http://schemas.openxmlformats.org/presentationml/2006/main">
+  <p:cSld>
+    <p:spTree>
+      <p:nvGrpSpPr>
+        <p:cNvPr id="1" name=""/>
+        <p:cNvGrpSpPr/>
+        <p:nvPr/>
+      </p:nvGrpSpPr>
+      <p:grpSpPr>
+        <a:xfrm>
+          <a:off x="0" y="0"/>
+          <a:ext cx="0" cy="0"/>
+          <a:chOff x="0" y="0"/>
+          <a:chExt cx="0" cy="0"/>
+        </a:xfrm>
+      </p:grpSpPr>
+      <p:sp>
+        <p:nvSpPr>
+          <p:cNvPr id="2" name="Title 1">
+            <a:extLst>
+              <a:ext uri="{FF2B5EF4-FFF2-40B4-BE49-F238E27FC236}">
+                <a16:creationId xmlns:a16="http://schemas.microsoft.com/office/drawing/2014/main" id="{1310118D-4CD3-4ABA-A3DD-ABEED422B15C}"/>
+              </a:ext>
+            </a:extLst>
+          </p:cNvPr>
+          <p:cNvSpPr>
+            <a:spLocks noGrp="1"/>
+          </p:cNvSpPr>
+          <p:nvPr>
+            <p:ph type="title"/>
+          </p:nvPr>
+        </p:nvSpPr>
+        <p:spPr>
+          <a:xfrm>
+            <a:off x="436880" y="-122555"/>
+            <a:ext cx="10515600" cy="1325563"/>
+          </a:xfrm>
+        </p:spPr>
+        <p:txBody>
+          <a:bodyPr/>
+          <a:lstStyle/>
+          <a:p>
+            <a:r>
+              <a:rPr lang="en-US" dirty="0"/>
+              <a:t>Lab Infrastructure Setup</a:t>
+            </a:r>
+          </a:p>
+        </p:txBody>
+      </p:sp>
+      <p:sp>
+        <p:nvSpPr>
+          <p:cNvPr id="3" name="Content Placeholder 2">
+            <a:extLst>
+              <a:ext uri="{FF2B5EF4-FFF2-40B4-BE49-F238E27FC236}">
+                <a16:creationId xmlns:a16="http://schemas.microsoft.com/office/drawing/2014/main" id="{34FD2FB7-B1DD-40A1-9EAE-2E677BE11EB8}"/>
+              </a:ext>
+            </a:extLst>
+          </p:cNvPr>
+          <p:cNvSpPr>
+            <a:spLocks noGrp="1"/>
+          </p:cNvSpPr>
+          <p:nvPr>
+            <p:ph idx="1"/>
+          </p:nvPr>
+        </p:nvSpPr>
+        <p:spPr>
+          <a:xfrm>
+            <a:off x="436880" y="951865"/>
+            <a:ext cx="10515600" cy="4351338"/>
+          </a:xfrm>
+        </p:spPr>
+        <p:txBody>
+          <a:bodyPr/>
+          <a:lstStyle/>
+          <a:p>
+            <a:r>
+              <a:rPr lang="en-US" dirty="0"/>
+              <a:t>Download ARM templates from </a:t>
+            </a:r>
+            <a:r>
+              <a:rPr lang="en-US" dirty="0" err="1">
+                <a:hlinkClick r:id="rId2"/>
+              </a:rPr>
+              <a:t>Github</a:t>
+            </a:r>
+            <a:r>
+              <a:rPr lang="en-US" dirty="0">
+                <a:hlinkClick r:id="rId2"/>
+              </a:rPr>
+              <a:t> repo</a:t>
+            </a:r>
+            <a:endParaRPr lang="en-US" dirty="0"/>
+          </a:p>
+          <a:p>
+            <a:pPr lvl="1"/>
+            <a:r>
+              <a:rPr lang="en-US" dirty="0"/>
+              <a:t>Optionally deploy directly from </a:t>
+            </a:r>
+            <a:r>
+              <a:rPr lang="en-US" dirty="0" err="1"/>
+              <a:t>Github</a:t>
+            </a:r>
+            <a:endParaRPr lang="en-US" dirty="0"/>
+          </a:p>
+          <a:p>
+            <a:r>
+              <a:rPr lang="en-US" dirty="0"/>
+              <a:t>Open portal.azure.com and search for “template” in the top search bar and choose “Template deployment”</a:t>
+            </a:r>
+          </a:p>
+          <a:p>
+            <a:r>
+              <a:rPr lang="en-US" dirty="0"/>
+              <a:t>Then select “Build your own template in the editor”</a:t>
+            </a:r>
+          </a:p>
+          <a:p>
+            <a:pPr lvl="1"/>
+            <a:endParaRPr lang="en-US" dirty="0"/>
+          </a:p>
+          <a:p>
+            <a:pPr marL="0" indent="0">
+              <a:buNone/>
+            </a:pPr>
+            <a:endParaRPr lang="en-US" dirty="0"/>
+          </a:p>
+          <a:p>
+            <a:pPr marL="0" indent="0">
+              <a:buNone/>
+            </a:pPr>
+            <a:endParaRPr lang="en-US" dirty="0"/>
+          </a:p>
+        </p:txBody>
+      </p:sp>
+      <p:pic>
+        <p:nvPicPr>
+          <p:cNvPr id="4" name="Picture 3">
+            <a:extLst>
+              <a:ext uri="{FF2B5EF4-FFF2-40B4-BE49-F238E27FC236}">
+                <a16:creationId xmlns:a16="http://schemas.microsoft.com/office/drawing/2014/main" id="{A034B56A-775F-434D-B2D2-F125396B4A18}"/>
+              </a:ext>
+            </a:extLst>
+          </p:cNvPr>
+          <p:cNvPicPr>
+            <a:picLocks noChangeAspect="1"/>
+          </p:cNvPicPr>
+          <p:nvPr/>
+        </p:nvPicPr>
+        <p:blipFill>
+          <a:blip r:embed="rId3"/>
+          <a:stretch>
+            <a:fillRect/>
+          </a:stretch>
+        </p:blipFill>
+        <p:spPr>
+          <a:xfrm>
+            <a:off x="175172" y="3429000"/>
+            <a:ext cx="6983073" cy="3070995"/>
+          </a:xfrm>
+          <a:prstGeom prst="rect">
+            <a:avLst/>
+          </a:prstGeom>
+        </p:spPr>
+      </p:pic>
+      <p:pic>
+        <p:nvPicPr>
+          <p:cNvPr id="5" name="Picture 4">
+            <a:extLst>
+              <a:ext uri="{FF2B5EF4-FFF2-40B4-BE49-F238E27FC236}">
+                <a16:creationId xmlns:a16="http://schemas.microsoft.com/office/drawing/2014/main" id="{ACFF1FC2-8F6B-48FC-AD7F-58A1A9EBD276}"/>
+              </a:ext>
+            </a:extLst>
+          </p:cNvPr>
+          <p:cNvPicPr>
+            <a:picLocks noChangeAspect="1"/>
+          </p:cNvPicPr>
+          <p:nvPr/>
+        </p:nvPicPr>
+        <p:blipFill>
+          <a:blip r:embed="rId4"/>
+          <a:stretch>
+            <a:fillRect/>
+          </a:stretch>
+        </p:blipFill>
+        <p:spPr>
+          <a:xfrm>
+            <a:off x="7789588" y="3172432"/>
+            <a:ext cx="4021412" cy="3880912"/>
+          </a:xfrm>
+          <a:prstGeom prst="rect">
+            <a:avLst/>
+          </a:prstGeom>
+        </p:spPr>
+      </p:pic>
+    </p:spTree>
+    <p:extLst>
+      <p:ext uri="{BB962C8B-B14F-4D97-AF65-F5344CB8AC3E}">
+        <p14:creationId xmlns:p14="http://schemas.microsoft.com/office/powerpoint/2010/main" val="3259501906"/>
+      </p:ext>
+    </p:extLst>
+  </p:cSld>
+  <p:clrMapOvr>
+    <a:masterClrMapping/>
+  </p:clrMapOvr>
+</p:sld>
+</file>
+
+<file path=ppt/slides/slide20.xml><?xml version="1.0" encoding="utf-8"?>
+<p:sld xmlns:a="http://schemas.openxmlformats.org/drawingml/2006/main" xmlns:r="http://schemas.openxmlformats.org/officeDocument/2006/relationships" xmlns:p="http://schemas.openxmlformats.org/presentationml/2006/main">
+  <p:cSld>
+    <p:spTree>
+      <p:nvGrpSpPr>
+        <p:cNvPr id="1" name=""/>
+        <p:cNvGrpSpPr/>
+        <p:nvPr/>
+      </p:nvGrpSpPr>
+      <p:grpSpPr>
+        <a:xfrm>
+          <a:off x="0" y="0"/>
+          <a:ext cx="0" cy="0"/>
+          <a:chOff x="0" y="0"/>
+          <a:chExt cx="0" cy="0"/>
+        </a:xfrm>
+      </p:grpSpPr>
+      <p:sp>
+        <p:nvSpPr>
+          <p:cNvPr id="2" name="Title 1">
+            <a:extLst>
+              <a:ext uri="{FF2B5EF4-FFF2-40B4-BE49-F238E27FC236}">
                 <a16:creationId xmlns:a16="http://schemas.microsoft.com/office/drawing/2014/main" id="{D13015D7-0367-4F35-9D75-5BED0E0478C0}"/>
               </a:ext>
             </a:extLst>
@@ -5961,7 +6696,7 @@
 </p:sld>
 </file>
 
-<file path=ppt/slides/slide18.xml><?xml version="1.0" encoding="utf-8"?>
+<file path=ppt/slides/slide21.xml><?xml version="1.0" encoding="utf-8"?>
 <p:sld xmlns:a="http://schemas.openxmlformats.org/drawingml/2006/main" xmlns:r="http://schemas.openxmlformats.org/officeDocument/2006/relationships" xmlns:p="http://schemas.openxmlformats.org/presentationml/2006/main">
   <p:cSld>
     <p:spTree>
@@ -6107,7 +6842,7 @@
 </p:sld>
 </file>
 
-<file path=ppt/slides/slide19.xml><?xml version="1.0" encoding="utf-8"?>
+<file path=ppt/slides/slide22.xml><?xml version="1.0" encoding="utf-8"?>
 <p:sld xmlns:a="http://schemas.openxmlformats.org/drawingml/2006/main" xmlns:r="http://schemas.openxmlformats.org/officeDocument/2006/relationships" xmlns:p="http://schemas.openxmlformats.org/presentationml/2006/main">
   <p:cSld>
     <p:spTree>
@@ -6591,216 +7326,7 @@
 </p:sld>
 </file>
 
-<file path=ppt/slides/slide2.xml><?xml version="1.0" encoding="utf-8"?>
-<p:sld xmlns:a="http://schemas.openxmlformats.org/drawingml/2006/main" xmlns:r="http://schemas.openxmlformats.org/officeDocument/2006/relationships" xmlns:p="http://schemas.openxmlformats.org/presentationml/2006/main">
-  <p:cSld>
-    <p:spTree>
-      <p:nvGrpSpPr>
-        <p:cNvPr id="1" name=""/>
-        <p:cNvGrpSpPr/>
-        <p:nvPr/>
-      </p:nvGrpSpPr>
-      <p:grpSpPr>
-        <a:xfrm>
-          <a:off x="0" y="0"/>
-          <a:ext cx="0" cy="0"/>
-          <a:chOff x="0" y="0"/>
-          <a:chExt cx="0" cy="0"/>
-        </a:xfrm>
-      </p:grpSpPr>
-      <p:sp>
-        <p:nvSpPr>
-          <p:cNvPr id="2" name="Title 1">
-            <a:extLst>
-              <a:ext uri="{FF2B5EF4-FFF2-40B4-BE49-F238E27FC236}">
-                <a16:creationId xmlns:a16="http://schemas.microsoft.com/office/drawing/2014/main" id="{1310118D-4CD3-4ABA-A3DD-ABEED422B15C}"/>
-              </a:ext>
-            </a:extLst>
-          </p:cNvPr>
-          <p:cNvSpPr>
-            <a:spLocks noGrp="1"/>
-          </p:cNvSpPr>
-          <p:nvPr>
-            <p:ph type="title"/>
-          </p:nvPr>
-        </p:nvSpPr>
-        <p:spPr>
-          <a:xfrm>
-            <a:off x="436880" y="-122555"/>
-            <a:ext cx="10515600" cy="1325563"/>
-          </a:xfrm>
-        </p:spPr>
-        <p:txBody>
-          <a:bodyPr/>
-          <a:lstStyle/>
-          <a:p>
-            <a:r>
-              <a:rPr lang="en-US" dirty="0"/>
-              <a:t>Lab Infrastructure Setup</a:t>
-            </a:r>
-          </a:p>
-        </p:txBody>
-      </p:sp>
-      <p:sp>
-        <p:nvSpPr>
-          <p:cNvPr id="3" name="Content Placeholder 2">
-            <a:extLst>
-              <a:ext uri="{FF2B5EF4-FFF2-40B4-BE49-F238E27FC236}">
-                <a16:creationId xmlns:a16="http://schemas.microsoft.com/office/drawing/2014/main" id="{34FD2FB7-B1DD-40A1-9EAE-2E677BE11EB8}"/>
-              </a:ext>
-            </a:extLst>
-          </p:cNvPr>
-          <p:cNvSpPr>
-            <a:spLocks noGrp="1"/>
-          </p:cNvSpPr>
-          <p:nvPr>
-            <p:ph idx="1"/>
-          </p:nvPr>
-        </p:nvSpPr>
-        <p:spPr>
-          <a:xfrm>
-            <a:off x="436880" y="951865"/>
-            <a:ext cx="10515600" cy="4351338"/>
-          </a:xfrm>
-        </p:spPr>
-        <p:txBody>
-          <a:bodyPr/>
-          <a:lstStyle/>
-          <a:p>
-            <a:r>
-              <a:rPr lang="en-US" dirty="0"/>
-              <a:t>Download ARM templates from </a:t>
-            </a:r>
-            <a:r>
-              <a:rPr lang="en-US" dirty="0" err="1">
-                <a:hlinkClick r:id="rId2"/>
-              </a:rPr>
-              <a:t>Github</a:t>
-            </a:r>
-            <a:r>
-              <a:rPr lang="en-US" dirty="0">
-                <a:hlinkClick r:id="rId2"/>
-              </a:rPr>
-              <a:t> repo</a:t>
-            </a:r>
-            <a:endParaRPr lang="en-US" dirty="0"/>
-          </a:p>
-          <a:p>
-            <a:pPr lvl="1"/>
-            <a:r>
-              <a:rPr lang="en-US" dirty="0"/>
-              <a:t>Optionally deploy directly from </a:t>
-            </a:r>
-            <a:r>
-              <a:rPr lang="en-US" dirty="0" err="1"/>
-              <a:t>Github</a:t>
-            </a:r>
-            <a:endParaRPr lang="en-US" dirty="0"/>
-          </a:p>
-          <a:p>
-            <a:r>
-              <a:rPr lang="en-US" dirty="0"/>
-              <a:t>Open portal.azure.com and search for “template” in the top search bar and choose “Template deployment”</a:t>
-            </a:r>
-          </a:p>
-          <a:p>
-            <a:r>
-              <a:rPr lang="en-US" dirty="0"/>
-              <a:t>Then select “Build your own template in the editor”</a:t>
-            </a:r>
-          </a:p>
-          <a:p>
-            <a:pPr lvl="1"/>
-            <a:endParaRPr lang="en-US" dirty="0"/>
-          </a:p>
-          <a:p>
-            <a:pPr marL="0" indent="0">
-              <a:buNone/>
-            </a:pPr>
-            <a:endParaRPr lang="en-US" dirty="0"/>
-          </a:p>
-          <a:p>
-            <a:pPr marL="0" indent="0">
-              <a:buNone/>
-            </a:pPr>
-            <a:endParaRPr lang="en-US" dirty="0"/>
-          </a:p>
-        </p:txBody>
-      </p:sp>
-      <p:pic>
-        <p:nvPicPr>
-          <p:cNvPr id="4" name="Picture 3">
-            <a:extLst>
-              <a:ext uri="{FF2B5EF4-FFF2-40B4-BE49-F238E27FC236}">
-                <a16:creationId xmlns:a16="http://schemas.microsoft.com/office/drawing/2014/main" id="{A034B56A-775F-434D-B2D2-F125396B4A18}"/>
-              </a:ext>
-            </a:extLst>
-          </p:cNvPr>
-          <p:cNvPicPr>
-            <a:picLocks noChangeAspect="1"/>
-          </p:cNvPicPr>
-          <p:nvPr/>
-        </p:nvPicPr>
-        <p:blipFill>
-          <a:blip r:embed="rId3"/>
-          <a:stretch>
-            <a:fillRect/>
-          </a:stretch>
-        </p:blipFill>
-        <p:spPr>
-          <a:xfrm>
-            <a:off x="175172" y="3429000"/>
-            <a:ext cx="6983073" cy="3070995"/>
-          </a:xfrm>
-          <a:prstGeom prst="rect">
-            <a:avLst/>
-          </a:prstGeom>
-        </p:spPr>
-      </p:pic>
-      <p:pic>
-        <p:nvPicPr>
-          <p:cNvPr id="5" name="Picture 4">
-            <a:extLst>
-              <a:ext uri="{FF2B5EF4-FFF2-40B4-BE49-F238E27FC236}">
-                <a16:creationId xmlns:a16="http://schemas.microsoft.com/office/drawing/2014/main" id="{ACFF1FC2-8F6B-48FC-AD7F-58A1A9EBD276}"/>
-              </a:ext>
-            </a:extLst>
-          </p:cNvPr>
-          <p:cNvPicPr>
-            <a:picLocks noChangeAspect="1"/>
-          </p:cNvPicPr>
-          <p:nvPr/>
-        </p:nvPicPr>
-        <p:blipFill>
-          <a:blip r:embed="rId4"/>
-          <a:stretch>
-            <a:fillRect/>
-          </a:stretch>
-        </p:blipFill>
-        <p:spPr>
-          <a:xfrm>
-            <a:off x="7789588" y="3172432"/>
-            <a:ext cx="4021412" cy="3880912"/>
-          </a:xfrm>
-          <a:prstGeom prst="rect">
-            <a:avLst/>
-          </a:prstGeom>
-        </p:spPr>
-      </p:pic>
-    </p:spTree>
-    <p:extLst>
-      <p:ext uri="{BB962C8B-B14F-4D97-AF65-F5344CB8AC3E}">
-        <p14:creationId xmlns:p14="http://schemas.microsoft.com/office/powerpoint/2010/main" val="3259501906"/>
-      </p:ext>
-    </p:extLst>
-  </p:cSld>
-  <p:clrMapOvr>
-    <a:masterClrMapping/>
-  </p:clrMapOvr>
-</p:sld>
-</file>
-
-<file path=ppt/slides/slide20.xml><?xml version="1.0" encoding="utf-8"?>
+<file path=ppt/slides/slide23.xml><?xml version="1.0" encoding="utf-8"?>
 <p:sld xmlns:a="http://schemas.openxmlformats.org/drawingml/2006/main" xmlns:r="http://schemas.openxmlformats.org/officeDocument/2006/relationships" xmlns:p="http://schemas.openxmlformats.org/presentationml/2006/main">
   <p:cSld>
     <p:spTree>
@@ -6936,291 +7462,6 @@
 </p:sld>
 </file>
 
-<file path=ppt/slides/slide21.xml><?xml version="1.0" encoding="utf-8"?>
-<p:sld xmlns:a="http://schemas.openxmlformats.org/drawingml/2006/main" xmlns:r="http://schemas.openxmlformats.org/officeDocument/2006/relationships" xmlns:p="http://schemas.openxmlformats.org/presentationml/2006/main">
-  <p:cSld>
-    <p:spTree>
-      <p:nvGrpSpPr>
-        <p:cNvPr id="1" name=""/>
-        <p:cNvGrpSpPr/>
-        <p:nvPr/>
-      </p:nvGrpSpPr>
-      <p:grpSpPr>
-        <a:xfrm>
-          <a:off x="0" y="0"/>
-          <a:ext cx="0" cy="0"/>
-          <a:chOff x="0" y="0"/>
-          <a:chExt cx="0" cy="0"/>
-        </a:xfrm>
-      </p:grpSpPr>
-      <p:sp>
-        <p:nvSpPr>
-          <p:cNvPr id="2" name="Title 1">
-            <a:extLst>
-              <a:ext uri="{FF2B5EF4-FFF2-40B4-BE49-F238E27FC236}">
-                <a16:creationId xmlns:a16="http://schemas.microsoft.com/office/drawing/2014/main" id="{9907B40D-E398-45DA-9E78-F1B2DAC73012}"/>
-              </a:ext>
-            </a:extLst>
-          </p:cNvPr>
-          <p:cNvSpPr>
-            <a:spLocks noGrp="1"/>
-          </p:cNvSpPr>
-          <p:nvPr>
-            <p:ph type="title"/>
-          </p:nvPr>
-        </p:nvSpPr>
-        <p:spPr/>
-        <p:txBody>
-          <a:bodyPr/>
-          <a:lstStyle/>
-          <a:p>
-            <a:endParaRPr lang="en-US"/>
-          </a:p>
-        </p:txBody>
-      </p:sp>
-      <p:sp>
-        <p:nvSpPr>
-          <p:cNvPr id="3" name="Content Placeholder 2">
-            <a:extLst>
-              <a:ext uri="{FF2B5EF4-FFF2-40B4-BE49-F238E27FC236}">
-                <a16:creationId xmlns:a16="http://schemas.microsoft.com/office/drawing/2014/main" id="{464C63FF-8FFB-492F-A66D-58B771CA8992}"/>
-              </a:ext>
-            </a:extLst>
-          </p:cNvPr>
-          <p:cNvSpPr>
-            <a:spLocks noGrp="1"/>
-          </p:cNvSpPr>
-          <p:nvPr>
-            <p:ph idx="1"/>
-          </p:nvPr>
-        </p:nvSpPr>
-        <p:spPr/>
-        <p:txBody>
-          <a:bodyPr/>
-          <a:lstStyle/>
-          <a:p>
-            <a:endParaRPr lang="en-US"/>
-          </a:p>
-        </p:txBody>
-      </p:sp>
-    </p:spTree>
-    <p:extLst>
-      <p:ext uri="{BB962C8B-B14F-4D97-AF65-F5344CB8AC3E}">
-        <p14:creationId xmlns:p14="http://schemas.microsoft.com/office/powerpoint/2010/main" val="3513973312"/>
-      </p:ext>
-    </p:extLst>
-  </p:cSld>
-  <p:clrMapOvr>
-    <a:masterClrMapping/>
-  </p:clrMapOvr>
-</p:sld>
-</file>
-
-<file path=ppt/slides/slide22.xml><?xml version="1.0" encoding="utf-8"?>
-<p:sld xmlns:a="http://schemas.openxmlformats.org/drawingml/2006/main" xmlns:r="http://schemas.openxmlformats.org/officeDocument/2006/relationships" xmlns:p="http://schemas.openxmlformats.org/presentationml/2006/main">
-  <p:cSld>
-    <p:spTree>
-      <p:nvGrpSpPr>
-        <p:cNvPr id="1" name=""/>
-        <p:cNvGrpSpPr/>
-        <p:nvPr/>
-      </p:nvGrpSpPr>
-      <p:grpSpPr>
-        <a:xfrm>
-          <a:off x="0" y="0"/>
-          <a:ext cx="0" cy="0"/>
-          <a:chOff x="0" y="0"/>
-          <a:chExt cx="0" cy="0"/>
-        </a:xfrm>
-      </p:grpSpPr>
-      <p:sp>
-        <p:nvSpPr>
-          <p:cNvPr id="2" name="Title 1">
-            <a:extLst>
-              <a:ext uri="{FF2B5EF4-FFF2-40B4-BE49-F238E27FC236}">
-                <a16:creationId xmlns:a16="http://schemas.microsoft.com/office/drawing/2014/main" id="{FC7C3933-6F6F-4C6D-963E-4ADB3DA0885E}"/>
-              </a:ext>
-            </a:extLst>
-          </p:cNvPr>
-          <p:cNvSpPr>
-            <a:spLocks noGrp="1"/>
-          </p:cNvSpPr>
-          <p:nvPr>
-            <p:ph type="title"/>
-          </p:nvPr>
-        </p:nvSpPr>
-        <p:spPr/>
-        <p:txBody>
-          <a:bodyPr/>
-          <a:lstStyle/>
-          <a:p>
-            <a:r>
-              <a:rPr lang="en-US" dirty="0">
-                <a:highlight>
-                  <a:srgbClr val="FFFF00"/>
-                </a:highlight>
-              </a:rPr>
-              <a:t>Demo of replication job</a:t>
-            </a:r>
-          </a:p>
-        </p:txBody>
-      </p:sp>
-      <p:sp>
-        <p:nvSpPr>
-          <p:cNvPr id="3" name="Content Placeholder 2">
-            <a:extLst>
-              <a:ext uri="{FF2B5EF4-FFF2-40B4-BE49-F238E27FC236}">
-                <a16:creationId xmlns:a16="http://schemas.microsoft.com/office/drawing/2014/main" id="{F897A5C1-C54E-49CC-B553-856B72B6FFE6}"/>
-              </a:ext>
-            </a:extLst>
-          </p:cNvPr>
-          <p:cNvSpPr>
-            <a:spLocks noGrp="1"/>
-          </p:cNvSpPr>
-          <p:nvPr>
-            <p:ph idx="1"/>
-          </p:nvPr>
-        </p:nvSpPr>
-        <p:spPr/>
-        <p:txBody>
-          <a:bodyPr/>
-          <a:lstStyle/>
-          <a:p>
-            <a:r>
-              <a:rPr lang="en-US" dirty="0"/>
-              <a:t>Kurt to demo Datacenter1-&gt;Datacenter2 replication</a:t>
-            </a:r>
-          </a:p>
-          <a:p>
-            <a:r>
-              <a:rPr lang="en-US" dirty="0"/>
-              <a:t>Discuss warm standby; comes online in a few minutes</a:t>
-            </a:r>
-          </a:p>
-          <a:p>
-            <a:r>
-              <a:rPr lang="en-US" dirty="0"/>
-              <a:t>RPO/RTO</a:t>
-            </a:r>
-          </a:p>
-        </p:txBody>
-      </p:sp>
-    </p:spTree>
-    <p:extLst>
-      <p:ext uri="{BB962C8B-B14F-4D97-AF65-F5344CB8AC3E}">
-        <p14:creationId xmlns:p14="http://schemas.microsoft.com/office/powerpoint/2010/main" val="3773804038"/>
-      </p:ext>
-    </p:extLst>
-  </p:cSld>
-  <p:clrMapOvr>
-    <a:masterClrMapping/>
-  </p:clrMapOvr>
-</p:sld>
-</file>
-
-<file path=ppt/slides/slide23.xml><?xml version="1.0" encoding="utf-8"?>
-<p:sld xmlns:a="http://schemas.openxmlformats.org/drawingml/2006/main" xmlns:r="http://schemas.openxmlformats.org/officeDocument/2006/relationships" xmlns:p="http://schemas.openxmlformats.org/presentationml/2006/main">
-  <p:cSld>
-    <p:spTree>
-      <p:nvGrpSpPr>
-        <p:cNvPr id="1" name=""/>
-        <p:cNvGrpSpPr/>
-        <p:nvPr/>
-      </p:nvGrpSpPr>
-      <p:grpSpPr>
-        <a:xfrm>
-          <a:off x="0" y="0"/>
-          <a:ext cx="0" cy="0"/>
-          <a:chOff x="0" y="0"/>
-          <a:chExt cx="0" cy="0"/>
-        </a:xfrm>
-      </p:grpSpPr>
-      <p:sp>
-        <p:nvSpPr>
-          <p:cNvPr id="2" name="Title 1">
-            <a:extLst>
-              <a:ext uri="{FF2B5EF4-FFF2-40B4-BE49-F238E27FC236}">
-                <a16:creationId xmlns:a16="http://schemas.microsoft.com/office/drawing/2014/main" id="{C766DAA3-1180-47C9-BEB2-C661161528BB}"/>
-              </a:ext>
-            </a:extLst>
-          </p:cNvPr>
-          <p:cNvSpPr>
-            <a:spLocks noGrp="1"/>
-          </p:cNvSpPr>
-          <p:nvPr>
-            <p:ph type="title"/>
-          </p:nvPr>
-        </p:nvSpPr>
-        <p:spPr>
-          <a:xfrm>
-            <a:off x="635000" y="222885"/>
-            <a:ext cx="10515600" cy="1325563"/>
-          </a:xfrm>
-        </p:spPr>
-        <p:txBody>
-          <a:bodyPr/>
-          <a:lstStyle/>
-          <a:p>
-            <a:r>
-              <a:rPr lang="en-US" dirty="0"/>
-              <a:t>Clean up lab resources</a:t>
-            </a:r>
-          </a:p>
-        </p:txBody>
-      </p:sp>
-      <p:sp>
-        <p:nvSpPr>
-          <p:cNvPr id="3" name="Content Placeholder 2">
-            <a:extLst>
-              <a:ext uri="{FF2B5EF4-FFF2-40B4-BE49-F238E27FC236}">
-                <a16:creationId xmlns:a16="http://schemas.microsoft.com/office/drawing/2014/main" id="{CF911072-7200-4721-A187-BDAF1477AC04}"/>
-              </a:ext>
-            </a:extLst>
-          </p:cNvPr>
-          <p:cNvSpPr>
-            <a:spLocks noGrp="1"/>
-          </p:cNvSpPr>
-          <p:nvPr>
-            <p:ph idx="1"/>
-          </p:nvPr>
-        </p:nvSpPr>
-        <p:spPr/>
-        <p:txBody>
-          <a:bodyPr/>
-          <a:lstStyle/>
-          <a:p>
-            <a:r>
-              <a:rPr lang="en-US" dirty="0"/>
-              <a:t>Delete the resource group created in the lab setup</a:t>
-            </a:r>
-          </a:p>
-          <a:p>
-            <a:r>
-              <a:rPr lang="en-US" dirty="0"/>
-              <a:t>Verify all resources removed</a:t>
-            </a:r>
-          </a:p>
-          <a:p>
-            <a:pPr marL="0" indent="0">
-              <a:buNone/>
-            </a:pPr>
-            <a:endParaRPr lang="en-US" dirty="0"/>
-          </a:p>
-        </p:txBody>
-      </p:sp>
-    </p:spTree>
-    <p:extLst>
-      <p:ext uri="{BB962C8B-B14F-4D97-AF65-F5344CB8AC3E}">
-        <p14:creationId xmlns:p14="http://schemas.microsoft.com/office/powerpoint/2010/main" val="1008131426"/>
-      </p:ext>
-    </p:extLst>
-  </p:cSld>
-  <p:clrMapOvr>
-    <a:masterClrMapping/>
-  </p:clrMapOvr>
-</p:sld>
-</file>
-
 <file path=ppt/slides/slide24.xml><?xml version="1.0" encoding="utf-8"?>
 <p:sld xmlns:a="http://schemas.openxmlformats.org/drawingml/2006/main" xmlns:r="http://schemas.openxmlformats.org/officeDocument/2006/relationships" xmlns:p="http://schemas.openxmlformats.org/presentationml/2006/main">
   <p:cSld>
@@ -7243,7 +7484,7 @@
           <p:cNvPr id="2" name="Title 1">
             <a:extLst>
               <a:ext uri="{FF2B5EF4-FFF2-40B4-BE49-F238E27FC236}">
-                <a16:creationId xmlns:a16="http://schemas.microsoft.com/office/drawing/2014/main" id="{FD9B054C-64C0-474F-A810-67194AE24511}"/>
+                <a16:creationId xmlns:a16="http://schemas.microsoft.com/office/drawing/2014/main" id="{FC7C3933-6F6F-4C6D-963E-4ADB3DA0885E}"/>
               </a:ext>
             </a:extLst>
           </p:cNvPr>
@@ -7265,7 +7506,7 @@
                   <a:srgbClr val="FFFF00"/>
                 </a:highlight>
               </a:rPr>
-              <a:t>Assessing Customer Environment</a:t>
+              <a:t>Demo of replication job</a:t>
             </a:r>
           </a:p>
         </p:txBody>
@@ -7275,7 +7516,7 @@
           <p:cNvPr id="3" name="Content Placeholder 2">
             <a:extLst>
               <a:ext uri="{FF2B5EF4-FFF2-40B4-BE49-F238E27FC236}">
-                <a16:creationId xmlns:a16="http://schemas.microsoft.com/office/drawing/2014/main" id="{FF16D663-1F2B-4B52-92E3-4B7BD88F3E89}"/>
+                <a16:creationId xmlns:a16="http://schemas.microsoft.com/office/drawing/2014/main" id="{F897A5C1-C54E-49CC-B553-856B72B6FFE6}"/>
               </a:ext>
             </a:extLst>
           </p:cNvPr>
@@ -7293,25 +7534,19 @@
           <a:p>
             <a:r>
               <a:rPr lang="en-US" dirty="0"/>
-              <a:t>Assessment tool – (show output of Veeam ONE)</a:t>
+              <a:t>Kurt to demo Datacenter1-&gt;Datacenter2 replication</a:t>
             </a:r>
           </a:p>
           <a:p>
             <a:r>
               <a:rPr lang="en-US" dirty="0"/>
-              <a:t>Sizing Veeam and Azure resource requirements</a:t>
+              <a:t>Discuss warm standby; comes online in a few minutes</a:t>
             </a:r>
           </a:p>
           <a:p>
             <a:r>
               <a:rPr lang="en-US" dirty="0"/>
-              <a:t>Veeam License alignment</a:t>
-            </a:r>
-          </a:p>
-          <a:p>
-            <a:r>
-              <a:rPr lang="en-US" dirty="0"/>
-              <a:t>Azure cost estimate using backup transaction calc excel</a:t>
+              <a:t>RPO/RTO</a:t>
             </a:r>
           </a:p>
         </p:txBody>
@@ -7319,7 +7554,110 @@
     </p:spTree>
     <p:extLst>
       <p:ext uri="{BB962C8B-B14F-4D97-AF65-F5344CB8AC3E}">
-        <p14:creationId xmlns:p14="http://schemas.microsoft.com/office/powerpoint/2010/main" val="2218234214"/>
+        <p14:creationId xmlns:p14="http://schemas.microsoft.com/office/powerpoint/2010/main" val="3773804038"/>
+      </p:ext>
+    </p:extLst>
+  </p:cSld>
+  <p:clrMapOvr>
+    <a:masterClrMapping/>
+  </p:clrMapOvr>
+</p:sld>
+</file>
+
+<file path=ppt/slides/slide25.xml><?xml version="1.0" encoding="utf-8"?>
+<p:sld xmlns:a="http://schemas.openxmlformats.org/drawingml/2006/main" xmlns:r="http://schemas.openxmlformats.org/officeDocument/2006/relationships" xmlns:p="http://schemas.openxmlformats.org/presentationml/2006/main">
+  <p:cSld>
+    <p:spTree>
+      <p:nvGrpSpPr>
+        <p:cNvPr id="1" name=""/>
+        <p:cNvGrpSpPr/>
+        <p:nvPr/>
+      </p:nvGrpSpPr>
+      <p:grpSpPr>
+        <a:xfrm>
+          <a:off x="0" y="0"/>
+          <a:ext cx="0" cy="0"/>
+          <a:chOff x="0" y="0"/>
+          <a:chExt cx="0" cy="0"/>
+        </a:xfrm>
+      </p:grpSpPr>
+      <p:sp>
+        <p:nvSpPr>
+          <p:cNvPr id="2" name="Title 1">
+            <a:extLst>
+              <a:ext uri="{FF2B5EF4-FFF2-40B4-BE49-F238E27FC236}">
+                <a16:creationId xmlns:a16="http://schemas.microsoft.com/office/drawing/2014/main" id="{C766DAA3-1180-47C9-BEB2-C661161528BB}"/>
+              </a:ext>
+            </a:extLst>
+          </p:cNvPr>
+          <p:cNvSpPr>
+            <a:spLocks noGrp="1"/>
+          </p:cNvSpPr>
+          <p:nvPr>
+            <p:ph type="title"/>
+          </p:nvPr>
+        </p:nvSpPr>
+        <p:spPr>
+          <a:xfrm>
+            <a:off x="635000" y="222885"/>
+            <a:ext cx="10515600" cy="1325563"/>
+          </a:xfrm>
+        </p:spPr>
+        <p:txBody>
+          <a:bodyPr/>
+          <a:lstStyle/>
+          <a:p>
+            <a:r>
+              <a:rPr lang="en-US" dirty="0"/>
+              <a:t>Clean up lab resources</a:t>
+            </a:r>
+          </a:p>
+        </p:txBody>
+      </p:sp>
+      <p:sp>
+        <p:nvSpPr>
+          <p:cNvPr id="3" name="Content Placeholder 2">
+            <a:extLst>
+              <a:ext uri="{FF2B5EF4-FFF2-40B4-BE49-F238E27FC236}">
+                <a16:creationId xmlns:a16="http://schemas.microsoft.com/office/drawing/2014/main" id="{CF911072-7200-4721-A187-BDAF1477AC04}"/>
+              </a:ext>
+            </a:extLst>
+          </p:cNvPr>
+          <p:cNvSpPr>
+            <a:spLocks noGrp="1"/>
+          </p:cNvSpPr>
+          <p:nvPr>
+            <p:ph idx="1"/>
+          </p:nvPr>
+        </p:nvSpPr>
+        <p:spPr/>
+        <p:txBody>
+          <a:bodyPr/>
+          <a:lstStyle/>
+          <a:p>
+            <a:r>
+              <a:rPr lang="en-US" dirty="0"/>
+              <a:t>Delete the resource group created in the lab setup</a:t>
+            </a:r>
+          </a:p>
+          <a:p>
+            <a:r>
+              <a:rPr lang="en-US" dirty="0"/>
+              <a:t>Verify all resources removed</a:t>
+            </a:r>
+          </a:p>
+          <a:p>
+            <a:pPr marL="0" indent="0">
+              <a:buNone/>
+            </a:pPr>
+            <a:endParaRPr lang="en-US" dirty="0"/>
+          </a:p>
+        </p:txBody>
+      </p:sp>
+    </p:spTree>
+    <p:extLst>
+      <p:ext uri="{BB962C8B-B14F-4D97-AF65-F5344CB8AC3E}">
+        <p14:creationId xmlns:p14="http://schemas.microsoft.com/office/powerpoint/2010/main" val="1008131426"/>
       </p:ext>
     </p:extLst>
   </p:cSld>
@@ -8049,11 +8387,7 @@
           <a:lstStyle/>
           <a:p>
             <a:r>
-              <a:rPr lang="en-US" dirty="0">
-                <a:highlight>
-                  <a:srgbClr val="FFFF00"/>
-                </a:highlight>
-              </a:rPr>
+              <a:rPr lang="en-US" dirty="0"/>
               <a:t>Veeam Components Review</a:t>
             </a:r>
           </a:p>
@@ -8077,7 +8411,9 @@
         </p:nvSpPr>
         <p:spPr/>
         <p:txBody>
-          <a:bodyPr/>
+          <a:bodyPr>
+            <a:normAutofit/>
+          </a:bodyPr>
           <a:lstStyle/>
           <a:p>
             <a:r>
@@ -8094,7 +8430,27 @@
           <a:p>
             <a:r>
               <a:rPr lang="en-US" dirty="0"/>
-              <a:t>Capacity Storage – Azure</a:t>
+              <a:t>Repositories</a:t>
+            </a:r>
+          </a:p>
+          <a:p>
+            <a:pPr lvl="1"/>
+            <a:r>
+              <a:rPr lang="en-US" dirty="0"/>
+              <a:t>Direct Attach/On-Prem</a:t>
+            </a:r>
+          </a:p>
+          <a:p>
+            <a:pPr lvl="1"/>
+            <a:r>
+              <a:rPr lang="en-US" dirty="0"/>
+              <a:t>Object Storage - Azure</a:t>
+            </a:r>
+          </a:p>
+          <a:p>
+            <a:r>
+              <a:rPr lang="en-US" dirty="0"/>
+              <a:t>Scale Out Repo = “On-Prem” + Object Storage tiering</a:t>
             </a:r>
           </a:p>
           <a:p>
@@ -8869,6 +9225,15 @@
 </file>
 
 <file path=customXml/item1.xml><?xml version="1.0" encoding="utf-8"?>
+<?mso-contentType ?>
+<FormTemplates xmlns="http://schemas.microsoft.com/sharepoint/v3/contenttype/forms">
+  <Display>DocumentLibraryForm</Display>
+  <Edit>DocumentLibraryForm</Edit>
+  <New>DocumentLibraryForm</New>
+</FormTemplates>
+</file>
+
+<file path=customXml/item2.xml><?xml version="1.0" encoding="utf-8"?>
 <p:properties xmlns:p="http://schemas.microsoft.com/office/2006/metadata/properties" xmlns:xsi="http://www.w3.org/2001/XMLSchema-instance" xmlns:pc="http://schemas.microsoft.com/office/infopath/2007/PartnerControls">
   <documentManagement>
     <_ip_UnifiedCompliancePolicyUIAction xmlns="http://schemas.microsoft.com/sharepoint/v3" xsi:nil="true"/>
@@ -8876,15 +9241,6 @@
     <_ip_UnifiedCompliancePolicyProperties xmlns="http://schemas.microsoft.com/sharepoint/v3" xsi:nil="true"/>
   </documentManagement>
 </p:properties>
-</file>
-
-<file path=customXml/item2.xml><?xml version="1.0" encoding="utf-8"?>
-<?mso-contentType ?>
-<FormTemplates xmlns="http://schemas.microsoft.com/sharepoint/v3/contenttype/forms">
-  <Display>DocumentLibraryForm</Display>
-  <Edit>DocumentLibraryForm</Edit>
-  <New>DocumentLibraryForm</New>
-</FormTemplates>
 </file>
 
 <file path=customXml/item3.xml><?xml version="1.0" encoding="utf-8"?>
@@ -9134,20 +9490,20 @@
 </file>
 
 <file path=customXml/itemProps1.xml><?xml version="1.0" encoding="utf-8"?>
+<ds:datastoreItem xmlns:ds="http://schemas.openxmlformats.org/officeDocument/2006/customXml" ds:itemID="{D93D0519-7844-4F19-A023-0D1EF7B3A224}">
+  <ds:schemaRefs>
+    <ds:schemaRef ds:uri="http://schemas.microsoft.com/sharepoint/v3/contenttype/forms"/>
+  </ds:schemaRefs>
+</ds:datastoreItem>
+</file>
+
+<file path=customXml/itemProps2.xml><?xml version="1.0" encoding="utf-8"?>
 <ds:datastoreItem xmlns:ds="http://schemas.openxmlformats.org/officeDocument/2006/customXml" ds:itemID="{59071B2C-BF7E-483E-93DE-53C81689A11E}">
   <ds:schemaRefs>
     <ds:schemaRef ds:uri="http://schemas.microsoft.com/office/2006/metadata/properties"/>
     <ds:schemaRef ds:uri="http://schemas.microsoft.com/office/infopath/2007/PartnerControls"/>
     <ds:schemaRef ds:uri="http://schemas.microsoft.com/sharepoint/v3"/>
     <ds:schemaRef ds:uri="193ed8a2-4539-4a85-8b6f-399dfeae4bd9"/>
-  </ds:schemaRefs>
-</ds:datastoreItem>
-</file>
-
-<file path=customXml/itemProps2.xml><?xml version="1.0" encoding="utf-8"?>
-<ds:datastoreItem xmlns:ds="http://schemas.openxmlformats.org/officeDocument/2006/customXml" ds:itemID="{D93D0519-7844-4F19-A023-0D1EF7B3A224}">
-  <ds:schemaRefs>
-    <ds:schemaRef ds:uri="http://schemas.microsoft.com/sharepoint/v3/contenttype/forms"/>
   </ds:schemaRefs>
 </ds:datastoreItem>
 </file>

--- a/Veeam Lab Guide.pptx
+++ b/Veeam Lab Guide.pptx
@@ -7,23 +7,23 @@
   <p:sldIdLst>
     <p:sldId id="256" r:id="rId5"/>
     <p:sldId id="257" r:id="rId6"/>
-    <p:sldId id="272" r:id="rId7"/>
-    <p:sldId id="271" r:id="rId8"/>
-    <p:sldId id="267" r:id="rId9"/>
-    <p:sldId id="258" r:id="rId10"/>
-    <p:sldId id="259" r:id="rId11"/>
-    <p:sldId id="273" r:id="rId12"/>
-    <p:sldId id="274" r:id="rId13"/>
-    <p:sldId id="275" r:id="rId14"/>
-    <p:sldId id="276" r:id="rId15"/>
-    <p:sldId id="277" r:id="rId16"/>
-    <p:sldId id="278" r:id="rId17"/>
-    <p:sldId id="260" r:id="rId18"/>
-    <p:sldId id="279" r:id="rId19"/>
-    <p:sldId id="280" r:id="rId20"/>
-    <p:sldId id="285" r:id="rId21"/>
-    <p:sldId id="287" r:id="rId22"/>
-    <p:sldId id="286" r:id="rId23"/>
+    <p:sldId id="271" r:id="rId7"/>
+    <p:sldId id="267" r:id="rId8"/>
+    <p:sldId id="258" r:id="rId9"/>
+    <p:sldId id="259" r:id="rId10"/>
+    <p:sldId id="273" r:id="rId11"/>
+    <p:sldId id="274" r:id="rId12"/>
+    <p:sldId id="275" r:id="rId13"/>
+    <p:sldId id="276" r:id="rId14"/>
+    <p:sldId id="277" r:id="rId15"/>
+    <p:sldId id="278" r:id="rId16"/>
+    <p:sldId id="260" r:id="rId17"/>
+    <p:sldId id="279" r:id="rId18"/>
+    <p:sldId id="280" r:id="rId19"/>
+    <p:sldId id="285" r:id="rId20"/>
+    <p:sldId id="287" r:id="rId21"/>
+    <p:sldId id="286" r:id="rId22"/>
+    <p:sldId id="288" r:id="rId23"/>
     <p:sldId id="281" r:id="rId24"/>
     <p:sldId id="262" r:id="rId25"/>
     <p:sldId id="282" r:id="rId26"/>
@@ -139,7 +139,6 @@
         <p14:section name="Lab Setup" id="{951DF621-4BF7-426E-BF0D-FFADBBFA0E5F}">
           <p14:sldIdLst>
             <p14:sldId id="257"/>
-            <p14:sldId id="272"/>
             <p14:sldId id="271"/>
           </p14:sldIdLst>
         </p14:section>
@@ -172,6 +171,7 @@
             <p14:sldId id="285"/>
             <p14:sldId id="287"/>
             <p14:sldId id="286"/>
+            <p14:sldId id="288"/>
           </p14:sldIdLst>
         </p14:section>
         <p14:section name="Restore from backup" id="{EFAA5F18-8894-4385-A9BE-A8945F8275FF}">
@@ -1194,7 +1194,7 @@
           <a:p>
             <a:fld id="{0E43E606-CEFD-4FFD-B735-13E49E4F42C0}" type="datetimeFigureOut">
               <a:rPr lang="en-US" smtClean="0"/>
-              <a:t>10/1/2019</a:t>
+              <a:t>10/4/2019</a:t>
             </a:fld>
             <a:endParaRPr lang="en-US"/>
           </a:p>
@@ -1392,7 +1392,7 @@
           <a:p>
             <a:fld id="{0E43E606-CEFD-4FFD-B735-13E49E4F42C0}" type="datetimeFigureOut">
               <a:rPr lang="en-US" smtClean="0"/>
-              <a:t>10/1/2019</a:t>
+              <a:t>10/4/2019</a:t>
             </a:fld>
             <a:endParaRPr lang="en-US"/>
           </a:p>
@@ -1600,7 +1600,7 @@
           <a:p>
             <a:fld id="{0E43E606-CEFD-4FFD-B735-13E49E4F42C0}" type="datetimeFigureOut">
               <a:rPr lang="en-US" smtClean="0"/>
-              <a:t>10/1/2019</a:t>
+              <a:t>10/4/2019</a:t>
             </a:fld>
             <a:endParaRPr lang="en-US"/>
           </a:p>
@@ -1798,7 +1798,7 @@
           <a:p>
             <a:fld id="{0E43E606-CEFD-4FFD-B735-13E49E4F42C0}" type="datetimeFigureOut">
               <a:rPr lang="en-US" smtClean="0"/>
-              <a:t>10/1/2019</a:t>
+              <a:t>10/4/2019</a:t>
             </a:fld>
             <a:endParaRPr lang="en-US"/>
           </a:p>
@@ -2073,7 +2073,7 @@
           <a:p>
             <a:fld id="{0E43E606-CEFD-4FFD-B735-13E49E4F42C0}" type="datetimeFigureOut">
               <a:rPr lang="en-US" smtClean="0"/>
-              <a:t>10/1/2019</a:t>
+              <a:t>10/4/2019</a:t>
             </a:fld>
             <a:endParaRPr lang="en-US"/>
           </a:p>
@@ -2338,7 +2338,7 @@
           <a:p>
             <a:fld id="{0E43E606-CEFD-4FFD-B735-13E49E4F42C0}" type="datetimeFigureOut">
               <a:rPr lang="en-US" smtClean="0"/>
-              <a:t>10/1/2019</a:t>
+              <a:t>10/4/2019</a:t>
             </a:fld>
             <a:endParaRPr lang="en-US"/>
           </a:p>
@@ -2750,7 +2750,7 @@
           <a:p>
             <a:fld id="{0E43E606-CEFD-4FFD-B735-13E49E4F42C0}" type="datetimeFigureOut">
               <a:rPr lang="en-US" smtClean="0"/>
-              <a:t>10/1/2019</a:t>
+              <a:t>10/4/2019</a:t>
             </a:fld>
             <a:endParaRPr lang="en-US"/>
           </a:p>
@@ -2891,7 +2891,7 @@
           <a:p>
             <a:fld id="{0E43E606-CEFD-4FFD-B735-13E49E4F42C0}" type="datetimeFigureOut">
               <a:rPr lang="en-US" smtClean="0"/>
-              <a:t>10/1/2019</a:t>
+              <a:t>10/4/2019</a:t>
             </a:fld>
             <a:endParaRPr lang="en-US"/>
           </a:p>
@@ -3004,7 +3004,7 @@
           <a:p>
             <a:fld id="{0E43E606-CEFD-4FFD-B735-13E49E4F42C0}" type="datetimeFigureOut">
               <a:rPr lang="en-US" smtClean="0"/>
-              <a:t>10/1/2019</a:t>
+              <a:t>10/4/2019</a:t>
             </a:fld>
             <a:endParaRPr lang="en-US"/>
           </a:p>
@@ -3315,7 +3315,7 @@
           <a:p>
             <a:fld id="{0E43E606-CEFD-4FFD-B735-13E49E4F42C0}" type="datetimeFigureOut">
               <a:rPr lang="en-US" smtClean="0"/>
-              <a:t>10/1/2019</a:t>
+              <a:t>10/4/2019</a:t>
             </a:fld>
             <a:endParaRPr lang="en-US"/>
           </a:p>
@@ -3603,7 +3603,7 @@
           <a:p>
             <a:fld id="{0E43E606-CEFD-4FFD-B735-13E49E4F42C0}" type="datetimeFigureOut">
               <a:rPr lang="en-US" smtClean="0"/>
-              <a:t>10/1/2019</a:t>
+              <a:t>10/4/2019</a:t>
             </a:fld>
             <a:endParaRPr lang="en-US"/>
           </a:p>
@@ -3844,7 +3844,7 @@
           <a:p>
             <a:fld id="{0E43E606-CEFD-4FFD-B735-13E49E4F42C0}" type="datetimeFigureOut">
               <a:rPr lang="en-US" smtClean="0"/>
-              <a:t>10/1/2019</a:t>
+              <a:t>10/4/2019</a:t>
             </a:fld>
             <a:endParaRPr lang="en-US"/>
           </a:p>
@@ -4372,173 +4372,6 @@
           <a:p>
             <a:r>
               <a:rPr lang="en-US" dirty="0"/>
-              <a:t>Configure Azure Storage Repo</a:t>
-            </a:r>
-          </a:p>
-        </p:txBody>
-      </p:sp>
-      <p:sp>
-        <p:nvSpPr>
-          <p:cNvPr id="3" name="Content Placeholder 2">
-            <a:extLst>
-              <a:ext uri="{FF2B5EF4-FFF2-40B4-BE49-F238E27FC236}">
-                <a16:creationId xmlns:a16="http://schemas.microsoft.com/office/drawing/2014/main" id="{4554BDA3-AD18-4CB7-A431-4157661C0493}"/>
-              </a:ext>
-            </a:extLst>
-          </p:cNvPr>
-          <p:cNvSpPr>
-            <a:spLocks noGrp="1"/>
-          </p:cNvSpPr>
-          <p:nvPr>
-            <p:ph idx="1"/>
-          </p:nvPr>
-        </p:nvSpPr>
-        <p:spPr>
-          <a:xfrm>
-            <a:off x="147145" y="1036519"/>
-            <a:ext cx="4921812" cy="4351338"/>
-          </a:xfrm>
-        </p:spPr>
-        <p:txBody>
-          <a:bodyPr>
-            <a:normAutofit fontScale="92500" lnSpcReduction="20000"/>
-          </a:bodyPr>
-          <a:lstStyle/>
-          <a:p>
-            <a:r>
-              <a:rPr lang="en-US" dirty="0"/>
-              <a:t>Add another backup repo and select Object Storage</a:t>
-            </a:r>
-          </a:p>
-          <a:p>
-            <a:r>
-              <a:rPr lang="en-US" dirty="0"/>
-              <a:t>Use the credentials you just added and select your storage account</a:t>
-            </a:r>
-          </a:p>
-          <a:p>
-            <a:r>
-              <a:rPr lang="en-US" dirty="0"/>
-              <a:t>On the Container section of the wizard, browse your storage account and create a new folder called “Backups”</a:t>
-            </a:r>
-          </a:p>
-          <a:p>
-            <a:r>
-              <a:rPr lang="en-US" dirty="0"/>
-              <a:t>Click “Finish”</a:t>
-            </a:r>
-          </a:p>
-          <a:p>
-            <a:r>
-              <a:rPr lang="en-US" dirty="0"/>
-              <a:t>You should now have 3 repos listed in the Veeam console under Backup Repositories</a:t>
-            </a:r>
-          </a:p>
-          <a:p>
-            <a:endParaRPr lang="en-US" dirty="0"/>
-          </a:p>
-          <a:p>
-            <a:endParaRPr lang="en-US" dirty="0"/>
-          </a:p>
-          <a:p>
-            <a:pPr marL="0" indent="0">
-              <a:buNone/>
-            </a:pPr>
-            <a:endParaRPr lang="en-US" dirty="0"/>
-          </a:p>
-          <a:p>
-            <a:endParaRPr lang="en-US" dirty="0"/>
-          </a:p>
-        </p:txBody>
-      </p:sp>
-      <p:pic>
-        <p:nvPicPr>
-          <p:cNvPr id="6" name="Picture 5">
-            <a:extLst>
-              <a:ext uri="{FF2B5EF4-FFF2-40B4-BE49-F238E27FC236}">
-                <a16:creationId xmlns:a16="http://schemas.microsoft.com/office/drawing/2014/main" id="{EDE800AD-83D3-40D0-B6FF-0F4330B7E484}"/>
-              </a:ext>
-            </a:extLst>
-          </p:cNvPr>
-          <p:cNvPicPr>
-            <a:picLocks noChangeAspect="1"/>
-          </p:cNvPicPr>
-          <p:nvPr/>
-        </p:nvPicPr>
-        <p:blipFill>
-          <a:blip r:embed="rId2"/>
-          <a:stretch>
-            <a:fillRect/>
-          </a:stretch>
-        </p:blipFill>
-        <p:spPr>
-          <a:xfrm>
-            <a:off x="4862952" y="1004845"/>
-            <a:ext cx="7181903" cy="5853155"/>
-          </a:xfrm>
-          <a:prstGeom prst="rect">
-            <a:avLst/>
-          </a:prstGeom>
-        </p:spPr>
-      </p:pic>
-    </p:spTree>
-    <p:extLst>
-      <p:ext uri="{BB962C8B-B14F-4D97-AF65-F5344CB8AC3E}">
-        <p14:creationId xmlns:p14="http://schemas.microsoft.com/office/powerpoint/2010/main" val="2336783942"/>
-      </p:ext>
-    </p:extLst>
-  </p:cSld>
-  <p:clrMapOvr>
-    <a:masterClrMapping/>
-  </p:clrMapOvr>
-</p:sld>
-</file>
-
-<file path=ppt/slides/slide11.xml><?xml version="1.0" encoding="utf-8"?>
-<p:sld xmlns:a="http://schemas.openxmlformats.org/drawingml/2006/main" xmlns:r="http://schemas.openxmlformats.org/officeDocument/2006/relationships" xmlns:p="http://schemas.openxmlformats.org/presentationml/2006/main">
-  <p:cSld>
-    <p:spTree>
-      <p:nvGrpSpPr>
-        <p:cNvPr id="1" name=""/>
-        <p:cNvGrpSpPr/>
-        <p:nvPr/>
-      </p:nvGrpSpPr>
-      <p:grpSpPr>
-        <a:xfrm>
-          <a:off x="0" y="0"/>
-          <a:ext cx="0" cy="0"/>
-          <a:chOff x="0" y="0"/>
-          <a:chExt cx="0" cy="0"/>
-        </a:xfrm>
-      </p:grpSpPr>
-      <p:sp>
-        <p:nvSpPr>
-          <p:cNvPr id="2" name="Title 1">
-            <a:extLst>
-              <a:ext uri="{FF2B5EF4-FFF2-40B4-BE49-F238E27FC236}">
-                <a16:creationId xmlns:a16="http://schemas.microsoft.com/office/drawing/2014/main" id="{0FE659BE-E1D1-4452-A06B-1EF8C6E1EA27}"/>
-              </a:ext>
-            </a:extLst>
-          </p:cNvPr>
-          <p:cNvSpPr>
-            <a:spLocks noGrp="1"/>
-          </p:cNvSpPr>
-          <p:nvPr>
-            <p:ph type="title"/>
-          </p:nvPr>
-        </p:nvSpPr>
-        <p:spPr>
-          <a:xfrm>
-            <a:off x="147145" y="88287"/>
-            <a:ext cx="10515600" cy="991225"/>
-          </a:xfrm>
-        </p:spPr>
-        <p:txBody>
-          <a:bodyPr/>
-          <a:lstStyle/>
-          <a:p>
-            <a:r>
-              <a:rPr lang="en-US" dirty="0"/>
               <a:t>Add Scale Out Repo</a:t>
             </a:r>
           </a:p>
@@ -4691,7 +4524,7 @@
 </p:sld>
 </file>
 
-<file path=ppt/slides/slide12.xml><?xml version="1.0" encoding="utf-8"?>
+<file path=ppt/slides/slide11.xml><?xml version="1.0" encoding="utf-8"?>
 <p:sld xmlns:a="http://schemas.openxmlformats.org/drawingml/2006/main" xmlns:r="http://schemas.openxmlformats.org/officeDocument/2006/relationships" xmlns:p="http://schemas.openxmlformats.org/presentationml/2006/main">
   <p:cSld>
     <p:spTree>
@@ -4896,7 +4729,7 @@
 </p:sld>
 </file>
 
-<file path=ppt/slides/slide13.xml><?xml version="1.0" encoding="utf-8"?>
+<file path=ppt/slides/slide12.xml><?xml version="1.0" encoding="utf-8"?>
 <p:sld xmlns:a="http://schemas.openxmlformats.org/drawingml/2006/main" xmlns:r="http://schemas.openxmlformats.org/officeDocument/2006/relationships" xmlns:p="http://schemas.openxmlformats.org/presentationml/2006/main">
   <p:cSld>
     <p:spTree>
@@ -5124,7 +4957,7 @@
 </p:sld>
 </file>
 
-<file path=ppt/slides/slide14.xml><?xml version="1.0" encoding="utf-8"?>
+<file path=ppt/slides/slide13.xml><?xml version="1.0" encoding="utf-8"?>
 <p:sld xmlns:a="http://schemas.openxmlformats.org/drawingml/2006/main" xmlns:r="http://schemas.openxmlformats.org/officeDocument/2006/relationships" xmlns:p="http://schemas.openxmlformats.org/presentationml/2006/main">
   <p:cSld>
     <p:spTree>
@@ -5441,7 +5274,7 @@
 </p:sld>
 </file>
 
-<file path=ppt/slides/slide15.xml><?xml version="1.0" encoding="utf-8"?>
+<file path=ppt/slides/slide14.xml><?xml version="1.0" encoding="utf-8"?>
 <p:sld xmlns:a="http://schemas.openxmlformats.org/drawingml/2006/main" xmlns:r="http://schemas.openxmlformats.org/officeDocument/2006/relationships" xmlns:p="http://schemas.openxmlformats.org/presentationml/2006/main">
   <p:cSld>
     <p:spTree>
@@ -5573,7 +5406,7 @@
 </p:sld>
 </file>
 
-<file path=ppt/slides/slide16.xml><?xml version="1.0" encoding="utf-8"?>
+<file path=ppt/slides/slide15.xml><?xml version="1.0" encoding="utf-8"?>
 <p:sld xmlns:a="http://schemas.openxmlformats.org/drawingml/2006/main" xmlns:r="http://schemas.openxmlformats.org/officeDocument/2006/relationships" xmlns:p="http://schemas.openxmlformats.org/presentationml/2006/main">
   <p:cSld>
     <p:spTree>
@@ -5764,7 +5597,7 @@
 </p:sld>
 </file>
 
-<file path=ppt/slides/slide17.xml><?xml version="1.0" encoding="utf-8"?>
+<file path=ppt/slides/slide16.xml><?xml version="1.0" encoding="utf-8"?>
 <p:sld xmlns:a="http://schemas.openxmlformats.org/drawingml/2006/main" xmlns:r="http://schemas.openxmlformats.org/officeDocument/2006/relationships" xmlns:p="http://schemas.openxmlformats.org/presentationml/2006/main">
   <p:cSld>
     <p:spTree>
@@ -5905,7 +5738,7 @@
 </p:sld>
 </file>
 
-<file path=ppt/slides/slide18.xml><?xml version="1.0" encoding="utf-8"?>
+<file path=ppt/slides/slide17.xml><?xml version="1.0" encoding="utf-8"?>
 <p:sld xmlns:a="http://schemas.openxmlformats.org/drawingml/2006/main" xmlns:r="http://schemas.openxmlformats.org/officeDocument/2006/relationships" xmlns:p="http://schemas.openxmlformats.org/presentationml/2006/main">
   <p:cSld>
     <p:spTree>
@@ -6050,7 +5883,7 @@
 </p:sld>
 </file>
 
-<file path=ppt/slides/slide19.xml><?xml version="1.0" encoding="utf-8"?>
+<file path=ppt/slides/slide18.xml><?xml version="1.0" encoding="utf-8"?>
 <p:sld xmlns:a="http://schemas.openxmlformats.org/drawingml/2006/main" xmlns:r="http://schemas.openxmlformats.org/officeDocument/2006/relationships" xmlns:p="http://schemas.openxmlformats.org/presentationml/2006/main">
   <p:cSld>
     <p:spTree>
@@ -6288,6 +6121,115 @@
 </p:sld>
 </file>
 
+<file path=ppt/slides/slide19.xml><?xml version="1.0" encoding="utf-8"?>
+<p:sld xmlns:a="http://schemas.openxmlformats.org/drawingml/2006/main" xmlns:r="http://schemas.openxmlformats.org/officeDocument/2006/relationships" xmlns:p="http://schemas.openxmlformats.org/presentationml/2006/main">
+  <p:cSld>
+    <p:spTree>
+      <p:nvGrpSpPr>
+        <p:cNvPr id="1" name=""/>
+        <p:cNvGrpSpPr/>
+        <p:nvPr/>
+      </p:nvGrpSpPr>
+      <p:grpSpPr>
+        <a:xfrm>
+          <a:off x="0" y="0"/>
+          <a:ext cx="0" cy="0"/>
+          <a:chOff x="0" y="0"/>
+          <a:chExt cx="0" cy="0"/>
+        </a:xfrm>
+      </p:grpSpPr>
+      <p:sp>
+        <p:nvSpPr>
+          <p:cNvPr id="2" name="Title 1">
+            <a:extLst>
+              <a:ext uri="{FF2B5EF4-FFF2-40B4-BE49-F238E27FC236}">
+                <a16:creationId xmlns:a16="http://schemas.microsoft.com/office/drawing/2014/main" id="{CE82CC5D-AB8C-44C5-A690-D781B52CD1C9}"/>
+              </a:ext>
+            </a:extLst>
+          </p:cNvPr>
+          <p:cNvSpPr>
+            <a:spLocks noGrp="1"/>
+          </p:cNvSpPr>
+          <p:nvPr>
+            <p:ph type="title"/>
+          </p:nvPr>
+        </p:nvSpPr>
+        <p:spPr>
+          <a:xfrm>
+            <a:off x="416560" y="146685"/>
+            <a:ext cx="10515600" cy="1325563"/>
+          </a:xfrm>
+        </p:spPr>
+        <p:txBody>
+          <a:bodyPr/>
+          <a:lstStyle/>
+          <a:p>
+            <a:r>
+              <a:rPr lang="en-US" dirty="0"/>
+              <a:t>Converting Unmanaged Disks to Managed Disks post-restore to Azure</a:t>
+            </a:r>
+          </a:p>
+        </p:txBody>
+      </p:sp>
+      <p:sp>
+        <p:nvSpPr>
+          <p:cNvPr id="3" name="Content Placeholder 2">
+            <a:extLst>
+              <a:ext uri="{FF2B5EF4-FFF2-40B4-BE49-F238E27FC236}">
+                <a16:creationId xmlns:a16="http://schemas.microsoft.com/office/drawing/2014/main" id="{A75F286E-80D8-486C-AA1E-B48AD8B108E2}"/>
+              </a:ext>
+            </a:extLst>
+          </p:cNvPr>
+          <p:cNvSpPr>
+            <a:spLocks noGrp="1"/>
+          </p:cNvSpPr>
+          <p:nvPr>
+            <p:ph idx="1"/>
+          </p:nvPr>
+        </p:nvSpPr>
+        <p:spPr/>
+        <p:txBody>
+          <a:bodyPr/>
+          <a:lstStyle/>
+          <a:p>
+            <a:r>
+              <a:rPr lang="en-US" dirty="0"/>
+              <a:t>In the Azure portal, navigate to your newly restored VM</a:t>
+            </a:r>
+          </a:p>
+          <a:p>
+            <a:r>
+              <a:rPr lang="en-US" dirty="0"/>
+              <a:t>There will be a ribbon at the top explaining that you are not using Managed Disks</a:t>
+            </a:r>
+          </a:p>
+          <a:p>
+            <a:r>
+              <a:rPr lang="en-US" dirty="0"/>
+              <a:t>Click that ribbon and then click Migrate to convert your VM to using Managed Disks</a:t>
+            </a:r>
+          </a:p>
+          <a:p>
+            <a:r>
+              <a:rPr lang="en-US" dirty="0"/>
+              <a:t>Managed Disks have many benefits over unmanaged disks and should always be used when possible. </a:t>
+            </a:r>
+          </a:p>
+        </p:txBody>
+      </p:sp>
+    </p:spTree>
+    <p:extLst>
+      <p:ext uri="{BB962C8B-B14F-4D97-AF65-F5344CB8AC3E}">
+        <p14:creationId xmlns:p14="http://schemas.microsoft.com/office/powerpoint/2010/main" val="2646255455"/>
+      </p:ext>
+    </p:extLst>
+  </p:cSld>
+  <p:clrMapOvr>
+    <a:masterClrMapping/>
+  </p:clrMapOvr>
+</p:sld>
+</file>
+
 <file path=ppt/slides/slide2.xml><?xml version="1.0" encoding="utf-8"?>
 <p:sld xmlns:a="http://schemas.openxmlformats.org/drawingml/2006/main" xmlns:r="http://schemas.openxmlformats.org/officeDocument/2006/relationships" xmlns:p="http://schemas.openxmlformats.org/presentationml/2006/main">
   <p:cSld>
@@ -6323,8 +6265,8 @@
         </p:nvSpPr>
         <p:spPr>
           <a:xfrm>
-            <a:off x="436880" y="-122555"/>
-            <a:ext cx="10515600" cy="1325563"/>
+            <a:off x="159663" y="86518"/>
+            <a:ext cx="10515600" cy="893763"/>
           </a:xfrm>
         </p:spPr>
         <p:txBody>
@@ -6356,80 +6298,98 @@
         </p:nvSpPr>
         <p:spPr>
           <a:xfrm>
-            <a:off x="436880" y="951865"/>
-            <a:ext cx="10515600" cy="4351338"/>
+            <a:off x="345440" y="1048385"/>
+            <a:ext cx="5953760" cy="4910455"/>
           </a:xfrm>
         </p:spPr>
         <p:txBody>
-          <a:bodyPr/>
-          <a:lstStyle/>
-          <a:p>
-            <a:r>
-              <a:rPr lang="en-US" dirty="0"/>
-              <a:t>Download ARM templates from </a:t>
-            </a:r>
-            <a:r>
-              <a:rPr lang="en-US" dirty="0" err="1">
+          <a:bodyPr>
+            <a:normAutofit/>
+          </a:bodyPr>
+          <a:lstStyle/>
+          <a:p>
+            <a:r>
+              <a:rPr lang="en-US" sz="2400" dirty="0"/>
+              <a:t>Open the Veeam On Azure lab </a:t>
+            </a:r>
+            <a:r>
+              <a:rPr lang="en-US" sz="2400" dirty="0" err="1">
                 <a:hlinkClick r:id="rId2"/>
               </a:rPr>
               <a:t>Github</a:t>
             </a:r>
             <a:r>
-              <a:rPr lang="en-US" dirty="0">
+              <a:rPr lang="en-US" sz="2400" dirty="0">
                 <a:hlinkClick r:id="rId2"/>
               </a:rPr>
               <a:t> repo</a:t>
             </a:r>
-            <a:endParaRPr lang="en-US" dirty="0"/>
+            <a:endParaRPr lang="en-US" sz="2400" dirty="0"/>
+          </a:p>
+          <a:p>
+            <a:r>
+              <a:rPr lang="en-US" sz="2400" dirty="0"/>
+              <a:t>Review the README.md instructions</a:t>
+            </a:r>
+          </a:p>
+          <a:p>
+            <a:r>
+              <a:rPr lang="en-US" sz="2400" dirty="0"/>
+              <a:t>Download the Lab guide pptx</a:t>
+            </a:r>
+          </a:p>
+          <a:p>
+            <a:r>
+              <a:rPr lang="en-US" sz="2400" dirty="0"/>
+              <a:t>Sign into portal.azure.com</a:t>
+            </a:r>
+          </a:p>
+          <a:p>
+            <a:r>
+              <a:rPr lang="en-US" sz="2400" dirty="0"/>
+              <a:t>Click “Deploy To Azure” button</a:t>
+            </a:r>
+          </a:p>
+          <a:p>
+            <a:r>
+              <a:rPr lang="en-US" sz="2400" dirty="0"/>
+              <a:t>Provide a globally unique name for your storage accounts*</a:t>
+            </a:r>
           </a:p>
           <a:p>
             <a:pPr lvl="1"/>
             <a:r>
-              <a:rPr lang="en-US" dirty="0"/>
-              <a:t>Optionally deploy directly from </a:t>
-            </a:r>
-            <a:r>
-              <a:rPr lang="en-US" dirty="0" err="1"/>
-              <a:t>Github</a:t>
-            </a:r>
-            <a:endParaRPr lang="en-US" dirty="0"/>
-          </a:p>
-          <a:p>
-            <a:r>
-              <a:rPr lang="en-US" dirty="0"/>
-              <a:t>Open portal.azure.com and search for “template” in the top search bar and choose “Template deployment”</a:t>
-            </a:r>
-          </a:p>
-          <a:p>
-            <a:r>
-              <a:rPr lang="en-US" dirty="0"/>
-              <a:t>Then select “Build your own template in the editor”</a:t>
+              <a:rPr lang="en-US" sz="2000" dirty="0"/>
+              <a:t>Cap Storage name</a:t>
             </a:r>
           </a:p>
           <a:p>
             <a:pPr lvl="1"/>
-            <a:endParaRPr lang="en-US" dirty="0"/>
+            <a:r>
+              <a:rPr lang="en-US" sz="2000" dirty="0"/>
+              <a:t>Diagnostics Storage Account Name</a:t>
+            </a:r>
           </a:p>
           <a:p>
             <a:pPr marL="0" indent="0">
               <a:buNone/>
             </a:pPr>
-            <a:endParaRPr lang="en-US" dirty="0"/>
+            <a:endParaRPr lang="en-US" sz="2400" dirty="0"/>
           </a:p>
           <a:p>
             <a:pPr marL="0" indent="0">
               <a:buNone/>
             </a:pPr>
-            <a:endParaRPr lang="en-US" dirty="0"/>
+            <a:endParaRPr lang="en-US" sz="2400" dirty="0"/>
           </a:p>
         </p:txBody>
       </p:sp>
       <p:pic>
         <p:nvPicPr>
-          <p:cNvPr id="4" name="Picture 3">
-            <a:extLst>
-              <a:ext uri="{FF2B5EF4-FFF2-40B4-BE49-F238E27FC236}">
-                <a16:creationId xmlns:a16="http://schemas.microsoft.com/office/drawing/2014/main" id="{A034B56A-775F-434D-B2D2-F125396B4A18}"/>
+          <p:cNvPr id="6" name="Picture 5">
+            <a:extLst>
+              <a:ext uri="{FF2B5EF4-FFF2-40B4-BE49-F238E27FC236}">
+                <a16:creationId xmlns:a16="http://schemas.microsoft.com/office/drawing/2014/main" id="{897A305F-A6DD-44C4-9E86-DC76A911F4E3}"/>
               </a:ext>
             </a:extLst>
           </p:cNvPr>
@@ -6446,44 +6406,69 @@
         </p:blipFill>
         <p:spPr>
           <a:xfrm>
-            <a:off x="175172" y="3429000"/>
-            <a:ext cx="6983073" cy="3070995"/>
+            <a:off x="6479861" y="533400"/>
+            <a:ext cx="5486436" cy="5425440"/>
           </a:xfrm>
           <a:prstGeom prst="rect">
             <a:avLst/>
           </a:prstGeom>
         </p:spPr>
       </p:pic>
-      <p:pic>
-        <p:nvPicPr>
-          <p:cNvPr id="5" name="Picture 4">
-            <a:extLst>
-              <a:ext uri="{FF2B5EF4-FFF2-40B4-BE49-F238E27FC236}">
-                <a16:creationId xmlns:a16="http://schemas.microsoft.com/office/drawing/2014/main" id="{ACFF1FC2-8F6B-48FC-AD7F-58A1A9EBD276}"/>
-              </a:ext>
-            </a:extLst>
-          </p:cNvPr>
-          <p:cNvPicPr>
-            <a:picLocks noChangeAspect="1"/>
-          </p:cNvPicPr>
+      <p:sp>
+        <p:nvSpPr>
+          <p:cNvPr id="7" name="Title 1">
+            <a:extLst>
+              <a:ext uri="{FF2B5EF4-FFF2-40B4-BE49-F238E27FC236}">
+                <a16:creationId xmlns:a16="http://schemas.microsoft.com/office/drawing/2014/main" id="{FDBBE628-FB62-4C30-8529-4E423A549194}"/>
+              </a:ext>
+            </a:extLst>
+          </p:cNvPr>
+          <p:cNvSpPr txBox="1">
+            <a:spLocks/>
+          </p:cNvSpPr>
           <p:nvPr/>
-        </p:nvPicPr>
-        <p:blipFill>
-          <a:blip r:embed="rId4"/>
-          <a:stretch>
-            <a:fillRect/>
-          </a:stretch>
-        </p:blipFill>
+        </p:nvSpPr>
         <p:spPr>
           <a:xfrm>
-            <a:off x="7789588" y="3172432"/>
-            <a:ext cx="4021412" cy="3880912"/>
+            <a:off x="391160" y="5958840"/>
+            <a:ext cx="10515600" cy="932021"/>
           </a:xfrm>
           <a:prstGeom prst="rect">
             <a:avLst/>
           </a:prstGeom>
         </p:spPr>
-      </p:pic>
+        <p:txBody>
+          <a:bodyPr vert="horz" lIns="91440" tIns="45720" rIns="91440" bIns="45720" rtlCol="0" anchor="ctr">
+            <a:normAutofit/>
+          </a:bodyPr>
+          <a:lstStyle>
+            <a:lvl1pPr algn="l" defTabSz="914400" rtl="0" eaLnBrk="1" latinLnBrk="0" hangingPunct="1">
+              <a:lnSpc>
+                <a:spcPct val="90000"/>
+              </a:lnSpc>
+              <a:spcBef>
+                <a:spcPct val="0"/>
+              </a:spcBef>
+              <a:buNone/>
+              <a:defRPr sz="4400" kern="1200">
+                <a:solidFill>
+                  <a:schemeClr val="tx1"/>
+                </a:solidFill>
+                <a:latin typeface="+mj-lt"/>
+                <a:ea typeface="+mj-ea"/>
+                <a:cs typeface="+mj-cs"/>
+              </a:defRPr>
+            </a:lvl1pPr>
+          </a:lstStyle>
+          <a:p>
+            <a:r>
+              <a:rPr lang="en-US" sz="2000" i="1" dirty="0"/>
+              <a:t>*Azure storage accounts must have a globally unique name between 3 and 24 characters (all lowercase, no special chars)</a:t>
+            </a:r>
+            <a:endParaRPr lang="en-US" sz="1100" i="1" dirty="0"/>
+          </a:p>
+        </p:txBody>
+      </p:sp>
     </p:spTree>
     <p:extLst>
       <p:ext uri="{BB962C8B-B14F-4D97-AF65-F5344CB8AC3E}">
@@ -6608,11 +6593,18 @@
           </a:p>
           <a:p>
             <a:r>
-              <a:rPr lang="en-US" sz="1800" dirty="0">
-                <a:highlight>
-                  <a:srgbClr val="FF00FF"/>
-                </a:highlight>
-              </a:rPr>
+              <a:rPr lang="en-US" sz="1800" dirty="0"/>
+              <a:t>Open Windows Network Adapter settings and change the IPv4 settings of the new </a:t>
+            </a:r>
+            <a:r>
+              <a:rPr lang="en-US" sz="1800" dirty="0" err="1"/>
+              <a:t>vSwitch</a:t>
+            </a:r>
+            <a:endParaRPr lang="en-US" sz="1400" dirty="0"/>
+          </a:p>
+          <a:p>
+            <a:r>
+              <a:rPr lang="en-US" sz="1800" dirty="0"/>
               <a:t>In the Veeam console, register the local server as a new Virtual Host</a:t>
             </a:r>
           </a:p>
@@ -6620,22 +6612,6 @@
             <a:r>
               <a:rPr lang="en-US" sz="1800" dirty="0"/>
               <a:t>We’ll walk through this one together.</a:t>
-            </a:r>
-          </a:p>
-          <a:p>
-            <a:endParaRPr lang="en-US" sz="1800" dirty="0"/>
-          </a:p>
-          <a:p>
-            <a:endParaRPr lang="en-US" sz="1800" dirty="0"/>
-          </a:p>
-          <a:p>
-            <a:r>
-              <a:rPr lang="en-US" sz="1800" dirty="0">
-                <a:highlight>
-                  <a:srgbClr val="FF00FF"/>
-                </a:highlight>
-              </a:rPr>
-              <a:t>TODO: work out display issue for adding host</a:t>
             </a:r>
           </a:p>
           <a:p>
@@ -6646,40 +6622,6 @@
           </a:p>
           <a:p>
             <a:endParaRPr lang="en-US" sz="1800" dirty="0"/>
-          </a:p>
-        </p:txBody>
-      </p:sp>
-      <p:sp>
-        <p:nvSpPr>
-          <p:cNvPr id="5" name="Rectangle 4">
-            <a:extLst>
-              <a:ext uri="{FF2B5EF4-FFF2-40B4-BE49-F238E27FC236}">
-                <a16:creationId xmlns:a16="http://schemas.microsoft.com/office/drawing/2014/main" id="{FF2D0B90-D283-4891-AF9A-7D240154AE4E}"/>
-              </a:ext>
-            </a:extLst>
-          </p:cNvPr>
-          <p:cNvSpPr/>
-          <p:nvPr/>
-        </p:nvSpPr>
-        <p:spPr>
-          <a:xfrm>
-            <a:off x="1643709" y="6366676"/>
-            <a:ext cx="9674700" cy="369332"/>
-          </a:xfrm>
-          <a:prstGeom prst="rect">
-            <a:avLst/>
-          </a:prstGeom>
-        </p:spPr>
-        <p:txBody>
-          <a:bodyPr wrap="none">
-            <a:spAutoFit/>
-          </a:bodyPr>
-          <a:lstStyle/>
-          <a:p>
-            <a:r>
-              <a:rPr lang="en-US" i="1" dirty="0"/>
-              <a:t>You may need to change your display sizing down to 100% for this step if you are on a high DPI device</a:t>
-            </a:r>
           </a:p>
         </p:txBody>
       </p:sp>
@@ -7501,11 +7443,7 @@
           <a:lstStyle/>
           <a:p>
             <a:r>
-              <a:rPr lang="en-US" dirty="0">
-                <a:highlight>
-                  <a:srgbClr val="FFFF00"/>
-                </a:highlight>
-              </a:rPr>
+              <a:rPr lang="en-US" dirty="0"/>
               <a:t>Demo of replication job</a:t>
             </a:r>
           </a:p>
@@ -7684,369 +7622,177 @@
           <a:chExt cx="0" cy="0"/>
         </a:xfrm>
       </p:grpSpPr>
-      <p:pic>
-        <p:nvPicPr>
-          <p:cNvPr id="4" name="Content Placeholder 3">
-            <a:extLst>
-              <a:ext uri="{FF2B5EF4-FFF2-40B4-BE49-F238E27FC236}">
-                <a16:creationId xmlns:a16="http://schemas.microsoft.com/office/drawing/2014/main" id="{14F79A62-A65B-4FE8-A9F8-8D7EAEC1EAE2}"/>
-              </a:ext>
-            </a:extLst>
-          </p:cNvPr>
-          <p:cNvPicPr>
-            <a:picLocks noGrp="1" noChangeAspect="1"/>
-          </p:cNvPicPr>
-          <p:nvPr>
-            <p:ph idx="1"/>
-          </p:nvPr>
-        </p:nvPicPr>
-        <p:blipFill>
-          <a:blip r:embed="rId2"/>
-          <a:stretch>
-            <a:fillRect/>
-          </a:stretch>
-        </p:blipFill>
+      <p:sp>
+        <p:nvSpPr>
+          <p:cNvPr id="2" name="Title 1">
+            <a:extLst>
+              <a:ext uri="{FF2B5EF4-FFF2-40B4-BE49-F238E27FC236}">
+                <a16:creationId xmlns:a16="http://schemas.microsoft.com/office/drawing/2014/main" id="{1310118D-4CD3-4ABA-A3DD-ABEED422B15C}"/>
+              </a:ext>
+            </a:extLst>
+          </p:cNvPr>
+          <p:cNvSpPr>
+            <a:spLocks noGrp="1"/>
+          </p:cNvSpPr>
+          <p:nvPr>
+            <p:ph type="title"/>
+          </p:nvPr>
+        </p:nvSpPr>
         <p:spPr>
           <a:xfrm>
-            <a:off x="362862" y="2397649"/>
-            <a:ext cx="5835881" cy="4351338"/>
+            <a:off x="327397" y="34066"/>
+            <a:ext cx="10515600" cy="978058"/>
           </a:xfrm>
-          <a:prstGeom prst="rect">
-            <a:avLst/>
-          </a:prstGeom>
         </p:spPr>
-      </p:pic>
-      <p:sp>
-        <p:nvSpPr>
-          <p:cNvPr id="5" name="Content Placeholder 2">
-            <a:extLst>
-              <a:ext uri="{FF2B5EF4-FFF2-40B4-BE49-F238E27FC236}">
-                <a16:creationId xmlns:a16="http://schemas.microsoft.com/office/drawing/2014/main" id="{4918A3D8-65A6-47EF-A59F-9F3AEA03F98C}"/>
-              </a:ext>
-            </a:extLst>
-          </p:cNvPr>
-          <p:cNvSpPr txBox="1">
-            <a:spLocks/>
-          </p:cNvSpPr>
-          <p:nvPr/>
+        <p:txBody>
+          <a:bodyPr/>
+          <a:lstStyle/>
+          <a:p>
+            <a:r>
+              <a:rPr lang="en-US" dirty="0"/>
+              <a:t>During deployment</a:t>
+            </a:r>
+          </a:p>
+        </p:txBody>
+      </p:sp>
+      <p:sp>
+        <p:nvSpPr>
+          <p:cNvPr id="3" name="Content Placeholder 2">
+            <a:extLst>
+              <a:ext uri="{FF2B5EF4-FFF2-40B4-BE49-F238E27FC236}">
+                <a16:creationId xmlns:a16="http://schemas.microsoft.com/office/drawing/2014/main" id="{34FD2FB7-B1DD-40A1-9EAE-2E677BE11EB8}"/>
+              </a:ext>
+            </a:extLst>
+          </p:cNvPr>
+          <p:cNvSpPr>
+            <a:spLocks noGrp="1"/>
+          </p:cNvSpPr>
+          <p:nvPr>
+            <p:ph idx="1"/>
+          </p:nvPr>
         </p:nvSpPr>
         <p:spPr>
           <a:xfrm>
-            <a:off x="196719" y="62536"/>
-            <a:ext cx="10515600" cy="2426664"/>
+            <a:off x="573340" y="1012124"/>
+            <a:ext cx="10515600" cy="4351338"/>
           </a:xfrm>
-          <a:prstGeom prst="rect">
-            <a:avLst/>
-          </a:prstGeom>
         </p:spPr>
         <p:txBody>
-          <a:bodyPr vert="horz" lIns="91440" tIns="45720" rIns="91440" bIns="45720" rtlCol="0">
+          <a:bodyPr>
             <a:normAutofit/>
           </a:bodyPr>
-          <a:lstStyle>
-            <a:lvl1pPr marL="228600" indent="-228600" algn="l" defTabSz="914400" rtl="0" eaLnBrk="1" latinLnBrk="0" hangingPunct="1">
-              <a:lnSpc>
-                <a:spcPct val="90000"/>
-              </a:lnSpc>
-              <a:spcBef>
-                <a:spcPts val="1000"/>
-              </a:spcBef>
-              <a:buFont typeface="Arial" panose="020B0604020202020204" pitchFamily="34" charset="0"/>
-              <a:buChar char="•"/>
-              <a:defRPr sz="2800" kern="1200">
-                <a:solidFill>
-                  <a:schemeClr val="tx1"/>
-                </a:solidFill>
-                <a:latin typeface="+mn-lt"/>
-                <a:ea typeface="+mn-ea"/>
-                <a:cs typeface="+mn-cs"/>
-              </a:defRPr>
-            </a:lvl1pPr>
-            <a:lvl2pPr marL="685800" indent="-228600" algn="l" defTabSz="914400" rtl="0" eaLnBrk="1" latinLnBrk="0" hangingPunct="1">
-              <a:lnSpc>
-                <a:spcPct val="90000"/>
-              </a:lnSpc>
-              <a:spcBef>
-                <a:spcPts val="500"/>
-              </a:spcBef>
-              <a:buFont typeface="Arial" panose="020B0604020202020204" pitchFamily="34" charset="0"/>
-              <a:buChar char="•"/>
-              <a:defRPr sz="2400" kern="1200">
-                <a:solidFill>
-                  <a:schemeClr val="tx1"/>
-                </a:solidFill>
-                <a:latin typeface="+mn-lt"/>
-                <a:ea typeface="+mn-ea"/>
-                <a:cs typeface="+mn-cs"/>
-              </a:defRPr>
-            </a:lvl2pPr>
-            <a:lvl3pPr marL="1143000" indent="-228600" algn="l" defTabSz="914400" rtl="0" eaLnBrk="1" latinLnBrk="0" hangingPunct="1">
-              <a:lnSpc>
-                <a:spcPct val="90000"/>
-              </a:lnSpc>
-              <a:spcBef>
-                <a:spcPts val="500"/>
-              </a:spcBef>
-              <a:buFont typeface="Arial" panose="020B0604020202020204" pitchFamily="34" charset="0"/>
-              <a:buChar char="•"/>
-              <a:defRPr sz="2000" kern="1200">
-                <a:solidFill>
-                  <a:schemeClr val="tx1"/>
-                </a:solidFill>
-                <a:latin typeface="+mn-lt"/>
-                <a:ea typeface="+mn-ea"/>
-                <a:cs typeface="+mn-cs"/>
-              </a:defRPr>
-            </a:lvl3pPr>
-            <a:lvl4pPr marL="1600200" indent="-228600" algn="l" defTabSz="914400" rtl="0" eaLnBrk="1" latinLnBrk="0" hangingPunct="1">
-              <a:lnSpc>
-                <a:spcPct val="90000"/>
-              </a:lnSpc>
-              <a:spcBef>
-                <a:spcPts val="500"/>
-              </a:spcBef>
-              <a:buFont typeface="Arial" panose="020B0604020202020204" pitchFamily="34" charset="0"/>
-              <a:buChar char="•"/>
-              <a:defRPr sz="1800" kern="1200">
-                <a:solidFill>
-                  <a:schemeClr val="tx1"/>
-                </a:solidFill>
-                <a:latin typeface="+mn-lt"/>
-                <a:ea typeface="+mn-ea"/>
-                <a:cs typeface="+mn-cs"/>
-              </a:defRPr>
-            </a:lvl4pPr>
-            <a:lvl5pPr marL="2057400" indent="-228600" algn="l" defTabSz="914400" rtl="0" eaLnBrk="1" latinLnBrk="0" hangingPunct="1">
-              <a:lnSpc>
-                <a:spcPct val="90000"/>
-              </a:lnSpc>
-              <a:spcBef>
-                <a:spcPts val="500"/>
-              </a:spcBef>
-              <a:buFont typeface="Arial" panose="020B0604020202020204" pitchFamily="34" charset="0"/>
-              <a:buChar char="•"/>
-              <a:defRPr sz="1800" kern="1200">
-                <a:solidFill>
-                  <a:schemeClr val="tx1"/>
-                </a:solidFill>
-                <a:latin typeface="+mn-lt"/>
-                <a:ea typeface="+mn-ea"/>
-                <a:cs typeface="+mn-cs"/>
-              </a:defRPr>
-            </a:lvl5pPr>
-            <a:lvl6pPr marL="2514600" indent="-228600" algn="l" defTabSz="914400" rtl="0" eaLnBrk="1" latinLnBrk="0" hangingPunct="1">
-              <a:lnSpc>
-                <a:spcPct val="90000"/>
-              </a:lnSpc>
-              <a:spcBef>
-                <a:spcPts val="500"/>
-              </a:spcBef>
-              <a:buFont typeface="Arial" panose="020B0604020202020204" pitchFamily="34" charset="0"/>
-              <a:buChar char="•"/>
-              <a:defRPr sz="1800" kern="1200">
-                <a:solidFill>
-                  <a:schemeClr val="tx1"/>
-                </a:solidFill>
-                <a:latin typeface="+mn-lt"/>
-                <a:ea typeface="+mn-ea"/>
-                <a:cs typeface="+mn-cs"/>
-              </a:defRPr>
-            </a:lvl6pPr>
-            <a:lvl7pPr marL="2971800" indent="-228600" algn="l" defTabSz="914400" rtl="0" eaLnBrk="1" latinLnBrk="0" hangingPunct="1">
-              <a:lnSpc>
-                <a:spcPct val="90000"/>
-              </a:lnSpc>
-              <a:spcBef>
-                <a:spcPts val="500"/>
-              </a:spcBef>
-              <a:buFont typeface="Arial" panose="020B0604020202020204" pitchFamily="34" charset="0"/>
-              <a:buChar char="•"/>
-              <a:defRPr sz="1800" kern="1200">
-                <a:solidFill>
-                  <a:schemeClr val="tx1"/>
-                </a:solidFill>
-                <a:latin typeface="+mn-lt"/>
-                <a:ea typeface="+mn-ea"/>
-                <a:cs typeface="+mn-cs"/>
-              </a:defRPr>
-            </a:lvl7pPr>
-            <a:lvl8pPr marL="3429000" indent="-228600" algn="l" defTabSz="914400" rtl="0" eaLnBrk="1" latinLnBrk="0" hangingPunct="1">
-              <a:lnSpc>
-                <a:spcPct val="90000"/>
-              </a:lnSpc>
-              <a:spcBef>
-                <a:spcPts val="500"/>
-              </a:spcBef>
-              <a:buFont typeface="Arial" panose="020B0604020202020204" pitchFamily="34" charset="0"/>
-              <a:buChar char="•"/>
-              <a:defRPr sz="1800" kern="1200">
-                <a:solidFill>
-                  <a:schemeClr val="tx1"/>
-                </a:solidFill>
-                <a:latin typeface="+mn-lt"/>
-                <a:ea typeface="+mn-ea"/>
-                <a:cs typeface="+mn-cs"/>
-              </a:defRPr>
-            </a:lvl8pPr>
-            <a:lvl9pPr marL="3886200" indent="-228600" algn="l" defTabSz="914400" rtl="0" eaLnBrk="1" latinLnBrk="0" hangingPunct="1">
-              <a:lnSpc>
-                <a:spcPct val="90000"/>
-              </a:lnSpc>
-              <a:spcBef>
-                <a:spcPts val="500"/>
-              </a:spcBef>
-              <a:buFont typeface="Arial" panose="020B0604020202020204" pitchFamily="34" charset="0"/>
-              <a:buChar char="•"/>
-              <a:defRPr sz="1800" kern="1200">
-                <a:solidFill>
-                  <a:schemeClr val="tx1"/>
-                </a:solidFill>
-                <a:latin typeface="+mn-lt"/>
-                <a:ea typeface="+mn-ea"/>
-                <a:cs typeface="+mn-cs"/>
-              </a:defRPr>
-            </a:lvl9pPr>
-          </a:lstStyle>
-          <a:p>
+          <a:lstStyle/>
+          <a:p>
+            <a:r>
+              <a:rPr lang="en-US" sz="2400" dirty="0"/>
+              <a:t>Register for Veeam B&amp;R Trial (</a:t>
+            </a:r>
+            <a:r>
+              <a:rPr lang="en-US" sz="2400" dirty="0">
+                <a:hlinkClick r:id="rId2"/>
+              </a:rPr>
+              <a:t>https://www.veeam.com/vm-backup-recovery-replication-software.html</a:t>
+            </a:r>
+            <a:r>
+              <a:rPr lang="en-US" sz="2400" dirty="0"/>
+              <a:t>)</a:t>
+            </a:r>
+          </a:p>
+          <a:p>
+            <a:r>
+              <a:rPr lang="en-US" sz="2400" dirty="0"/>
+              <a:t>(optional) Install </a:t>
+            </a:r>
+            <a:r>
+              <a:rPr lang="en-US" sz="2400" dirty="0" err="1"/>
+              <a:t>RDCMan</a:t>
+            </a:r>
+            <a:r>
+              <a:rPr lang="en-US" sz="2400" dirty="0"/>
+              <a:t> if concerned about display scaling issues on high DPI devices - </a:t>
+            </a:r>
+            <a:r>
+              <a:rPr lang="en-US" sz="2400" dirty="0">
+                <a:hlinkClick r:id="rId3"/>
+              </a:rPr>
+              <a:t>https://www.microsoft.com/en-us/download/confirmation.aspx?id=44989</a:t>
+            </a:r>
+            <a:endParaRPr lang="en-US" sz="2400" dirty="0"/>
+          </a:p>
+          <a:p>
+            <a:r>
+              <a:rPr lang="en-US" sz="2400" dirty="0"/>
+              <a:t>Review Deployment architecture</a:t>
+            </a:r>
+          </a:p>
+          <a:p>
+            <a:r>
+              <a:rPr lang="en-US" sz="2400" dirty="0"/>
+              <a:t>Validate Azure deployment succeeded and record in notepad the following for later:</a:t>
+            </a:r>
+          </a:p>
+          <a:p>
+            <a:pPr lvl="1"/>
             <a:r>
               <a:rPr lang="en-US" sz="1600" dirty="0"/>
-              <a:t>Select “Load File” and upload “</a:t>
+              <a:t>Name of your capacity storage account</a:t>
+            </a:r>
+          </a:p>
+          <a:p>
+            <a:pPr lvl="1"/>
+            <a:r>
+              <a:rPr lang="en-US" sz="1600" dirty="0"/>
+              <a:t>Access key for the capacity storage account</a:t>
+            </a:r>
+          </a:p>
+          <a:p>
+            <a:pPr lvl="1"/>
+            <a:r>
+              <a:rPr lang="en-US" sz="1600" dirty="0"/>
+              <a:t>Internal IPs for each of the servers deployed (</a:t>
             </a:r>
             <a:r>
               <a:rPr lang="en-US" sz="1600" dirty="0" err="1"/>
-              <a:t>VeeamLabTemplate.json</a:t>
+              <a:t>VeeamBR</a:t>
             </a:r>
             <a:r>
               <a:rPr lang="en-US" sz="1600" dirty="0"/>
-              <a:t>”, then save</a:t>
-            </a:r>
-          </a:p>
-          <a:p>
-            <a:r>
-              <a:rPr lang="en-US" sz="1600" dirty="0"/>
-              <a:t>“Edit Parameters” and load the </a:t>
-            </a:r>
-            <a:r>
-              <a:rPr lang="en-US" sz="1600" dirty="0" err="1"/>
-              <a:t>VeeamLabParameters.json</a:t>
-            </a:r>
-            <a:r>
-              <a:rPr lang="en-US" sz="1600" dirty="0"/>
-              <a:t>”, then save</a:t>
-            </a:r>
-          </a:p>
-          <a:p>
-            <a:r>
-              <a:rPr lang="en-US" sz="1600" dirty="0"/>
-              <a:t>Create a new resource group and select it</a:t>
-            </a:r>
-          </a:p>
-          <a:p>
-            <a:r>
-              <a:rPr lang="en-US" sz="1600" dirty="0"/>
-              <a:t>Review the parameters and choose a globally unique name for </a:t>
-            </a:r>
-            <a:r>
-              <a:rPr lang="en-US" sz="1600" dirty="0" err="1"/>
-              <a:t>veeamcapacitytieraccount</a:t>
-            </a:r>
-            <a:r>
-              <a:rPr lang="en-US" sz="1600" dirty="0"/>
-              <a:t> -something like </a:t>
-            </a:r>
-            <a:r>
-              <a:rPr lang="en-US" sz="1600" dirty="0" err="1"/>
-              <a:t>captier</a:t>
-            </a:r>
-            <a:r>
-              <a:rPr lang="en-US" sz="1600" dirty="0"/>
-              <a:t>&lt;</a:t>
-            </a:r>
-            <a:r>
-              <a:rPr lang="en-US" sz="1600" dirty="0" err="1"/>
-              <a:t>yourinitials</a:t>
-            </a:r>
-            <a:r>
-              <a:rPr lang="en-US" sz="1600" dirty="0"/>
-              <a:t> and </a:t>
-            </a:r>
-            <a:r>
-              <a:rPr lang="en-US" sz="1600" dirty="0" err="1"/>
-              <a:t>bday</a:t>
-            </a:r>
-            <a:r>
-              <a:rPr lang="en-US" sz="1600" dirty="0"/>
-              <a:t>&gt; - don’t use special characters and use all lowercase</a:t>
-            </a:r>
-          </a:p>
-          <a:p>
-            <a:r>
-              <a:rPr lang="en-US" sz="1600" dirty="0"/>
-              <a:t>Leave all other parameters set to their defaults, including the location (West US region)</a:t>
-            </a:r>
-          </a:p>
-          <a:p>
-            <a:r>
-              <a:rPr lang="en-US" sz="1600" dirty="0"/>
-              <a:t>Click purchase to begin the deployment</a:t>
-            </a:r>
-          </a:p>
-          <a:p>
-            <a:endParaRPr lang="en-US" sz="1800" dirty="0"/>
-          </a:p>
-          <a:p>
-            <a:endParaRPr lang="en-US" sz="1800" dirty="0"/>
-          </a:p>
-          <a:p>
-            <a:pPr marL="0" indent="0">
-              <a:buFont typeface="Arial" panose="020B0604020202020204" pitchFamily="34" charset="0"/>
+              <a:t>, LinuxVM1, SQLVM1)</a:t>
+            </a:r>
+          </a:p>
+          <a:p>
+            <a:pPr marL="457200" lvl="1" indent="0">
               <a:buNone/>
             </a:pPr>
-            <a:endParaRPr lang="en-US" sz="1800" dirty="0"/>
+            <a:endParaRPr lang="en-US" sz="1600" dirty="0"/>
           </a:p>
           <a:p>
             <a:pPr marL="0" indent="0">
-              <a:buFont typeface="Arial" panose="020B0604020202020204" pitchFamily="34" charset="0"/>
               <a:buNone/>
             </a:pPr>
-            <a:endParaRPr lang="en-US" sz="1800" dirty="0"/>
-          </a:p>
-        </p:txBody>
-      </p:sp>
-      <p:pic>
-        <p:nvPicPr>
-          <p:cNvPr id="7" name="Picture 6">
-            <a:extLst>
-              <a:ext uri="{FF2B5EF4-FFF2-40B4-BE49-F238E27FC236}">
-                <a16:creationId xmlns:a16="http://schemas.microsoft.com/office/drawing/2014/main" id="{F1487C1D-7981-469E-9F85-E7FD1B4CCDD5}"/>
-              </a:ext>
-            </a:extLst>
-          </p:cNvPr>
-          <p:cNvPicPr>
-            <a:picLocks noChangeAspect="1"/>
-          </p:cNvPicPr>
-          <p:nvPr/>
-        </p:nvPicPr>
-        <p:blipFill>
-          <a:blip r:embed="rId3"/>
-          <a:stretch>
-            <a:fillRect/>
-          </a:stretch>
-        </p:blipFill>
-        <p:spPr>
-          <a:xfrm>
-            <a:off x="6848540" y="2221778"/>
-            <a:ext cx="4980598" cy="4573686"/>
-          </a:xfrm>
-          <a:prstGeom prst="rect">
-            <a:avLst/>
-          </a:prstGeom>
-        </p:spPr>
-      </p:pic>
+            <a:endParaRPr lang="en-US" sz="2400" dirty="0"/>
+          </a:p>
+          <a:p>
+            <a:endParaRPr lang="en-US" sz="2400" dirty="0"/>
+          </a:p>
+          <a:p>
+            <a:pPr marL="0" indent="0">
+              <a:buNone/>
+            </a:pPr>
+            <a:endParaRPr lang="en-US" sz="2400" dirty="0"/>
+          </a:p>
+          <a:p>
+            <a:pPr marL="0" indent="0">
+              <a:buNone/>
+            </a:pPr>
+            <a:endParaRPr lang="en-US" sz="2400" dirty="0"/>
+          </a:p>
+        </p:txBody>
+      </p:sp>
     </p:spTree>
     <p:extLst>
       <p:ext uri="{BB962C8B-B14F-4D97-AF65-F5344CB8AC3E}">
-        <p14:creationId xmlns:p14="http://schemas.microsoft.com/office/powerpoint/2010/main" val="109156864"/>
+        <p14:creationId xmlns:p14="http://schemas.microsoft.com/office/powerpoint/2010/main" val="2820812483"/>
       </p:ext>
     </p:extLst>
   </p:cSld>
@@ -8078,7 +7824,7 @@
           <p:cNvPr id="2" name="Title 1">
             <a:extLst>
               <a:ext uri="{FF2B5EF4-FFF2-40B4-BE49-F238E27FC236}">
-                <a16:creationId xmlns:a16="http://schemas.microsoft.com/office/drawing/2014/main" id="{1310118D-4CD3-4ABA-A3DD-ABEED422B15C}"/>
+                <a16:creationId xmlns:a16="http://schemas.microsoft.com/office/drawing/2014/main" id="{4A122807-90E2-4C6A-8BB4-4B4ED4D6EEEB}"/>
               </a:ext>
             </a:extLst>
           </p:cNvPr>
@@ -8091,8 +7837,8 @@
         </p:nvSpPr>
         <p:spPr>
           <a:xfrm>
-            <a:off x="327397" y="34066"/>
-            <a:ext cx="10515600" cy="978058"/>
+            <a:off x="340360" y="-71755"/>
+            <a:ext cx="10515600" cy="1325563"/>
           </a:xfrm>
         </p:spPr>
         <p:txBody>
@@ -8101,7 +7847,7 @@
           <a:p>
             <a:r>
               <a:rPr lang="en-US" dirty="0"/>
-              <a:t>During deployment</a:t>
+              <a:t>Azure Lab Environment</a:t>
             </a:r>
           </a:p>
         </p:txBody>
@@ -8111,7 +7857,7 @@
           <p:cNvPr id="3" name="Content Placeholder 2">
             <a:extLst>
               <a:ext uri="{FF2B5EF4-FFF2-40B4-BE49-F238E27FC236}">
-                <a16:creationId xmlns:a16="http://schemas.microsoft.com/office/drawing/2014/main" id="{34FD2FB7-B1DD-40A1-9EAE-2E677BE11EB8}"/>
+                <a16:creationId xmlns:a16="http://schemas.microsoft.com/office/drawing/2014/main" id="{A5F14160-CDEE-44BA-A4E6-70AC7BC880C4}"/>
               </a:ext>
             </a:extLst>
           </p:cNvPr>
@@ -8124,8 +7870,8 @@
         </p:nvSpPr>
         <p:spPr>
           <a:xfrm>
-            <a:off x="573340" y="1012124"/>
-            <a:ext cx="10515600" cy="4351338"/>
+            <a:off x="274320" y="1114424"/>
+            <a:ext cx="10515600" cy="5367655"/>
           </a:xfrm>
         </p:spPr>
         <p:txBody>
@@ -8136,106 +7882,107 @@
           <a:p>
             <a:r>
               <a:rPr lang="en-US" sz="2400" dirty="0"/>
-              <a:t>Register for Veeam B&amp;R Trial (</a:t>
-            </a:r>
-            <a:r>
-              <a:rPr lang="en-US" sz="2400" dirty="0">
-                <a:hlinkClick r:id="rId2"/>
-              </a:rPr>
-              <a:t>https://www.veeam.com/vm-backup-recovery-replication-software.html</a:t>
-            </a:r>
+              <a:t>Virtual Network</a:t>
+            </a:r>
+          </a:p>
+          <a:p>
+            <a:pPr lvl="1"/>
+            <a:r>
+              <a:rPr lang="en-US" sz="2000" dirty="0" err="1"/>
+              <a:t>vnet-VeeamInsightLab</a:t>
+            </a:r>
+            <a:endParaRPr lang="en-US" sz="2000" dirty="0"/>
+          </a:p>
+          <a:p>
+            <a:pPr lvl="1"/>
+            <a:r>
+              <a:rPr lang="en-US" sz="2000" dirty="0"/>
+              <a:t>Subnet (192.168.0.0/24)</a:t>
+            </a:r>
+          </a:p>
+          <a:p>
+            <a:pPr lvl="1"/>
+            <a:r>
+              <a:rPr lang="en-US" sz="2000" dirty="0"/>
+              <a:t>Storage service endpoint</a:t>
+            </a:r>
+          </a:p>
+          <a:p>
             <a:r>
               <a:rPr lang="en-US" sz="2400" dirty="0"/>
-              <a:t>)</a:t>
+              <a:t>Virtual Machines (3)</a:t>
+            </a:r>
+          </a:p>
+          <a:p>
+            <a:pPr lvl="1"/>
+            <a:r>
+              <a:rPr lang="en-US" sz="2000" dirty="0"/>
+              <a:t>vm-VeeamBR1 – Veeam Backup and Recovery server</a:t>
+            </a:r>
+          </a:p>
+          <a:p>
+            <a:pPr lvl="1"/>
+            <a:r>
+              <a:rPr lang="en-US" sz="2000" dirty="0"/>
+              <a:t>vm-SQLVM1 – WS2016 with SQL Server</a:t>
+            </a:r>
+          </a:p>
+          <a:p>
+            <a:pPr lvl="1"/>
+            <a:r>
+              <a:rPr lang="en-US" sz="2000" dirty="0"/>
+              <a:t>vm-LinuxVM1 – Debian-10</a:t>
+            </a:r>
+          </a:p>
+          <a:p>
+            <a:pPr lvl="1"/>
+            <a:r>
+              <a:rPr lang="en-US" sz="2000" dirty="0"/>
+              <a:t>Managed Disks attached to above VMs</a:t>
+            </a:r>
+          </a:p>
+          <a:p>
+            <a:pPr lvl="1"/>
+            <a:r>
+              <a:rPr lang="en-US" sz="2000" dirty="0"/>
+              <a:t>NICs attached to above VMs</a:t>
+            </a:r>
+          </a:p>
+          <a:p>
+            <a:pPr lvl="1"/>
+            <a:r>
+              <a:rPr lang="en-US" sz="2000" dirty="0"/>
+              <a:t>Public IP for vm-VeeamBR1</a:t>
             </a:r>
           </a:p>
           <a:p>
             <a:r>
               <a:rPr lang="en-US" sz="2400" dirty="0"/>
-              <a:t>(optional) Install </a:t>
-            </a:r>
-            <a:r>
-              <a:rPr lang="en-US" sz="2400" dirty="0" err="1"/>
-              <a:t>RDCMan</a:t>
-            </a:r>
-            <a:r>
-              <a:rPr lang="en-US" sz="2400" dirty="0"/>
-              <a:t> if concerned about display scaling issues on high DPI devices - </a:t>
-            </a:r>
-            <a:r>
-              <a:rPr lang="en-US" sz="2400" dirty="0">
-                <a:hlinkClick r:id="rId3"/>
-              </a:rPr>
-              <a:t>https://www.microsoft.com/en-us/download/confirmation.aspx?id=44989</a:t>
-            </a:r>
+              <a:t>Azure Blob Storage Accounts</a:t>
+            </a:r>
+          </a:p>
+          <a:p>
+            <a:pPr lvl="1"/>
+            <a:r>
+              <a:rPr lang="en-US" sz="2000" dirty="0"/>
+              <a:t>Capacity tier storage – Azure blob storage for long-term backup storage</a:t>
+            </a:r>
+          </a:p>
+          <a:p>
+            <a:pPr lvl="1"/>
+            <a:r>
+              <a:rPr lang="en-US" sz="2000" dirty="0"/>
+              <a:t>Diagnostic storage – Used by VMs for boot diagnostic logs</a:t>
+            </a:r>
+          </a:p>
+          <a:p>
             <a:endParaRPr lang="en-US" sz="2400" dirty="0"/>
           </a:p>
           <a:p>
-            <a:r>
-              <a:rPr lang="en-US" sz="2400" dirty="0"/>
-              <a:t>Review Deployment architecture</a:t>
-            </a:r>
-          </a:p>
-          <a:p>
-            <a:r>
-              <a:rPr lang="en-US" sz="2400" dirty="0"/>
-              <a:t>Validate Azure deployment succeeded and record in notepad the following for later:</a:t>
-            </a:r>
-          </a:p>
-          <a:p>
             <a:pPr lvl="1"/>
-            <a:r>
-              <a:rPr lang="en-US" sz="1600" dirty="0"/>
-              <a:t>Name of your capacity storage account</a:t>
-            </a:r>
-          </a:p>
-          <a:p>
-            <a:pPr lvl="1"/>
-            <a:r>
-              <a:rPr lang="en-US" sz="1600" dirty="0"/>
-              <a:t>Access key for the capacity storage account</a:t>
-            </a:r>
-          </a:p>
-          <a:p>
-            <a:pPr lvl="1"/>
-            <a:r>
-              <a:rPr lang="en-US" sz="1600" dirty="0"/>
-              <a:t>Internal IPs for each of the servers deployed (</a:t>
-            </a:r>
-            <a:r>
-              <a:rPr lang="en-US" sz="1600" dirty="0" err="1"/>
-              <a:t>VeeamBR</a:t>
-            </a:r>
-            <a:r>
-              <a:rPr lang="en-US" sz="1600" dirty="0"/>
-              <a:t>, LinuxVM1, SQLVM1)</a:t>
-            </a:r>
-          </a:p>
-          <a:p>
-            <a:pPr marL="457200" lvl="1" indent="0">
-              <a:buNone/>
-            </a:pPr>
-            <a:endParaRPr lang="en-US" sz="1600" dirty="0"/>
-          </a:p>
-          <a:p>
-            <a:pPr marL="0" indent="0">
-              <a:buNone/>
-            </a:pPr>
-            <a:endParaRPr lang="en-US" sz="2400" dirty="0"/>
-          </a:p>
-          <a:p>
-            <a:endParaRPr lang="en-US" sz="2400" dirty="0"/>
-          </a:p>
-          <a:p>
-            <a:pPr marL="0" indent="0">
-              <a:buNone/>
-            </a:pPr>
-            <a:endParaRPr lang="en-US" sz="2400" dirty="0"/>
-          </a:p>
-          <a:p>
-            <a:pPr marL="0" indent="0">
-              <a:buNone/>
-            </a:pPr>
+            <a:endParaRPr lang="en-US" sz="2000" dirty="0"/>
+          </a:p>
+          <a:p>
             <a:endParaRPr lang="en-US" sz="2400" dirty="0"/>
           </a:p>
         </p:txBody>
@@ -8243,7 +7990,7 @@
     </p:spTree>
     <p:extLst>
       <p:ext uri="{BB962C8B-B14F-4D97-AF65-F5344CB8AC3E}">
-        <p14:creationId xmlns:p14="http://schemas.microsoft.com/office/powerpoint/2010/main" val="2820812483"/>
+        <p14:creationId xmlns:p14="http://schemas.microsoft.com/office/powerpoint/2010/main" val="2690940064"/>
       </p:ext>
     </p:extLst>
   </p:cSld>
@@ -8275,7 +8022,7 @@
           <p:cNvPr id="2" name="Title 1">
             <a:extLst>
               <a:ext uri="{FF2B5EF4-FFF2-40B4-BE49-F238E27FC236}">
-                <a16:creationId xmlns:a16="http://schemas.microsoft.com/office/drawing/2014/main" id="{4A122807-90E2-4C6A-8BB4-4B4ED4D6EEEB}"/>
+                <a16:creationId xmlns:a16="http://schemas.microsoft.com/office/drawing/2014/main" id="{60E13954-710E-405B-9A2F-C909453794F9}"/>
               </a:ext>
             </a:extLst>
           </p:cNvPr>
@@ -8286,23 +8033,14 @@
             <p:ph type="title"/>
           </p:nvPr>
         </p:nvSpPr>
-        <p:spPr>
-          <a:xfrm>
-            <a:off x="340360" y="-71755"/>
-            <a:ext cx="10515600" cy="1325563"/>
-          </a:xfrm>
-        </p:spPr>
+        <p:spPr/>
         <p:txBody>
           <a:bodyPr/>
           <a:lstStyle/>
           <a:p>
             <a:r>
-              <a:rPr lang="en-US" dirty="0">
-                <a:highlight>
-                  <a:srgbClr val="FFFF00"/>
-                </a:highlight>
-              </a:rPr>
-              <a:t>Azure Lab Environment</a:t>
+              <a:rPr lang="en-US" dirty="0"/>
+              <a:t>Veeam Components Review</a:t>
             </a:r>
           </a:p>
         </p:txBody>
@@ -8312,7 +8050,7 @@
           <p:cNvPr id="3" name="Content Placeholder 2">
             <a:extLst>
               <a:ext uri="{FF2B5EF4-FFF2-40B4-BE49-F238E27FC236}">
-                <a16:creationId xmlns:a16="http://schemas.microsoft.com/office/drawing/2014/main" id="{A5F14160-CDEE-44BA-A4E6-70AC7BC880C4}"/>
+                <a16:creationId xmlns:a16="http://schemas.microsoft.com/office/drawing/2014/main" id="{E2A093BD-1D8E-4236-889D-3BBCF3620A84}"/>
               </a:ext>
             </a:extLst>
           </p:cNvPr>
@@ -8325,20 +8063,75 @@
         </p:nvSpPr>
         <p:spPr/>
         <p:txBody>
-          <a:bodyPr/>
+          <a:bodyPr>
+            <a:normAutofit/>
+          </a:bodyPr>
           <a:lstStyle/>
           <a:p>
             <a:r>
               <a:rPr lang="en-US" dirty="0"/>
-              <a:t>&lt;diagram&gt;</a:t>
-            </a:r>
+              <a:t>Backup Server</a:t>
+            </a:r>
+          </a:p>
+          <a:p>
+            <a:r>
+              <a:rPr lang="en-US" dirty="0"/>
+              <a:t>Backup &amp; Recovery Console</a:t>
+            </a:r>
+          </a:p>
+          <a:p>
+            <a:r>
+              <a:rPr lang="en-US" dirty="0"/>
+              <a:t>Repositories</a:t>
+            </a:r>
+          </a:p>
+          <a:p>
+            <a:pPr lvl="1"/>
+            <a:r>
+              <a:rPr lang="en-US" dirty="0"/>
+              <a:t>Direct Attach/On-Prem</a:t>
+            </a:r>
+          </a:p>
+          <a:p>
+            <a:pPr lvl="1"/>
+            <a:r>
+              <a:rPr lang="en-US" dirty="0"/>
+              <a:t>Object Storage - Azure</a:t>
+            </a:r>
+          </a:p>
+          <a:p>
+            <a:r>
+              <a:rPr lang="en-US" dirty="0"/>
+              <a:t>Scale Out Repo = “On-Prem” + Object Storage tiering</a:t>
+            </a:r>
+          </a:p>
+          <a:p>
+            <a:r>
+              <a:rPr lang="en-US" dirty="0"/>
+              <a:t>Other concepts</a:t>
+            </a:r>
+          </a:p>
+          <a:p>
+            <a:pPr lvl="1"/>
+            <a:r>
+              <a:rPr lang="en-US" dirty="0"/>
+              <a:t>Proxies</a:t>
+            </a:r>
+          </a:p>
+          <a:p>
+            <a:pPr lvl="1"/>
+            <a:r>
+              <a:rPr lang="en-US" dirty="0" err="1"/>
+              <a:t>etc</a:t>
+            </a:r>
+            <a:endParaRPr lang="en-US" dirty="0"/>
           </a:p>
         </p:txBody>
       </p:sp>
     </p:spTree>
     <p:extLst>
       <p:ext uri="{BB962C8B-B14F-4D97-AF65-F5344CB8AC3E}">
-        <p14:creationId xmlns:p14="http://schemas.microsoft.com/office/powerpoint/2010/main" val="2690940064"/>
+        <p14:creationId xmlns:p14="http://schemas.microsoft.com/office/powerpoint/2010/main" val="4012615374"/>
       </p:ext>
     </p:extLst>
   </p:cSld>
@@ -8370,147 +8163,6 @@
           <p:cNvPr id="2" name="Title 1">
             <a:extLst>
               <a:ext uri="{FF2B5EF4-FFF2-40B4-BE49-F238E27FC236}">
-                <a16:creationId xmlns:a16="http://schemas.microsoft.com/office/drawing/2014/main" id="{60E13954-710E-405B-9A2F-C909453794F9}"/>
-              </a:ext>
-            </a:extLst>
-          </p:cNvPr>
-          <p:cNvSpPr>
-            <a:spLocks noGrp="1"/>
-          </p:cNvSpPr>
-          <p:nvPr>
-            <p:ph type="title"/>
-          </p:nvPr>
-        </p:nvSpPr>
-        <p:spPr/>
-        <p:txBody>
-          <a:bodyPr/>
-          <a:lstStyle/>
-          <a:p>
-            <a:r>
-              <a:rPr lang="en-US" dirty="0"/>
-              <a:t>Veeam Components Review</a:t>
-            </a:r>
-          </a:p>
-        </p:txBody>
-      </p:sp>
-      <p:sp>
-        <p:nvSpPr>
-          <p:cNvPr id="3" name="Content Placeholder 2">
-            <a:extLst>
-              <a:ext uri="{FF2B5EF4-FFF2-40B4-BE49-F238E27FC236}">
-                <a16:creationId xmlns:a16="http://schemas.microsoft.com/office/drawing/2014/main" id="{E2A093BD-1D8E-4236-889D-3BBCF3620A84}"/>
-              </a:ext>
-            </a:extLst>
-          </p:cNvPr>
-          <p:cNvSpPr>
-            <a:spLocks noGrp="1"/>
-          </p:cNvSpPr>
-          <p:nvPr>
-            <p:ph idx="1"/>
-          </p:nvPr>
-        </p:nvSpPr>
-        <p:spPr/>
-        <p:txBody>
-          <a:bodyPr>
-            <a:normAutofit/>
-          </a:bodyPr>
-          <a:lstStyle/>
-          <a:p>
-            <a:r>
-              <a:rPr lang="en-US" dirty="0"/>
-              <a:t>B&amp;R Console</a:t>
-            </a:r>
-          </a:p>
-          <a:p>
-            <a:r>
-              <a:rPr lang="en-US" dirty="0"/>
-              <a:t>Backup Server</a:t>
-            </a:r>
-          </a:p>
-          <a:p>
-            <a:r>
-              <a:rPr lang="en-US" dirty="0"/>
-              <a:t>Repositories</a:t>
-            </a:r>
-          </a:p>
-          <a:p>
-            <a:pPr lvl="1"/>
-            <a:r>
-              <a:rPr lang="en-US" dirty="0"/>
-              <a:t>Direct Attach/On-Prem</a:t>
-            </a:r>
-          </a:p>
-          <a:p>
-            <a:pPr lvl="1"/>
-            <a:r>
-              <a:rPr lang="en-US" dirty="0"/>
-              <a:t>Object Storage - Azure</a:t>
-            </a:r>
-          </a:p>
-          <a:p>
-            <a:r>
-              <a:rPr lang="en-US" dirty="0"/>
-              <a:t>Scale Out Repo = “On-Prem” + Object Storage tiering</a:t>
-            </a:r>
-          </a:p>
-          <a:p>
-            <a:r>
-              <a:rPr lang="en-US" dirty="0"/>
-              <a:t>Other concepts</a:t>
-            </a:r>
-          </a:p>
-          <a:p>
-            <a:pPr lvl="1"/>
-            <a:r>
-              <a:rPr lang="en-US" dirty="0"/>
-              <a:t>Proxies</a:t>
-            </a:r>
-          </a:p>
-          <a:p>
-            <a:pPr lvl="1"/>
-            <a:r>
-              <a:rPr lang="en-US" dirty="0" err="1"/>
-              <a:t>etc</a:t>
-            </a:r>
-            <a:endParaRPr lang="en-US" dirty="0"/>
-          </a:p>
-        </p:txBody>
-      </p:sp>
-    </p:spTree>
-    <p:extLst>
-      <p:ext uri="{BB962C8B-B14F-4D97-AF65-F5344CB8AC3E}">
-        <p14:creationId xmlns:p14="http://schemas.microsoft.com/office/powerpoint/2010/main" val="4012615374"/>
-      </p:ext>
-    </p:extLst>
-  </p:cSld>
-  <p:clrMapOvr>
-    <a:masterClrMapping/>
-  </p:clrMapOvr>
-</p:sld>
-</file>
-
-<file path=ppt/slides/slide7.xml><?xml version="1.0" encoding="utf-8"?>
-<p:sld xmlns:a="http://schemas.openxmlformats.org/drawingml/2006/main" xmlns:r="http://schemas.openxmlformats.org/officeDocument/2006/relationships" xmlns:p="http://schemas.openxmlformats.org/presentationml/2006/main">
-  <p:cSld>
-    <p:spTree>
-      <p:nvGrpSpPr>
-        <p:cNvPr id="1" name=""/>
-        <p:cNvGrpSpPr/>
-        <p:nvPr/>
-      </p:nvGrpSpPr>
-      <p:grpSpPr>
-        <a:xfrm>
-          <a:off x="0" y="0"/>
-          <a:ext cx="0" cy="0"/>
-          <a:chOff x="0" y="0"/>
-          <a:chExt cx="0" cy="0"/>
-        </a:xfrm>
-      </p:grpSpPr>
-      <p:sp>
-        <p:nvSpPr>
-          <p:cNvPr id="2" name="Title 1">
-            <a:extLst>
-              <a:ext uri="{FF2B5EF4-FFF2-40B4-BE49-F238E27FC236}">
                 <a16:creationId xmlns:a16="http://schemas.microsoft.com/office/drawing/2014/main" id="{0FE659BE-E1D1-4452-A06B-1EF8C6E1EA27}"/>
               </a:ext>
             </a:extLst>
@@ -8613,7 +8265,7 @@
 </p:sld>
 </file>
 
-<file path=ppt/slides/slide8.xml><?xml version="1.0" encoding="utf-8"?>
+<file path=ppt/slides/slide7.xml><?xml version="1.0" encoding="utf-8"?>
 <p:sld xmlns:a="http://schemas.openxmlformats.org/drawingml/2006/main" xmlns:r="http://schemas.openxmlformats.org/officeDocument/2006/relationships" xmlns:p="http://schemas.openxmlformats.org/presentationml/2006/main">
   <p:cSld>
     <p:spTree>
@@ -8771,7 +8423,7 @@
 </p:sld>
 </file>
 
-<file path=ppt/slides/slide9.xml><?xml version="1.0" encoding="utf-8"?>
+<file path=ppt/slides/slide8.xml><?xml version="1.0" encoding="utf-8"?>
 <p:sld xmlns:a="http://schemas.openxmlformats.org/drawingml/2006/main" xmlns:r="http://schemas.openxmlformats.org/officeDocument/2006/relationships" xmlns:p="http://schemas.openxmlformats.org/presentationml/2006/main">
   <p:cSld>
     <p:spTree>
@@ -8920,6 +8572,173 @@
     <p:extLst>
       <p:ext uri="{BB962C8B-B14F-4D97-AF65-F5344CB8AC3E}">
         <p14:creationId xmlns:p14="http://schemas.microsoft.com/office/powerpoint/2010/main" val="3715830185"/>
+      </p:ext>
+    </p:extLst>
+  </p:cSld>
+  <p:clrMapOvr>
+    <a:masterClrMapping/>
+  </p:clrMapOvr>
+</p:sld>
+</file>
+
+<file path=ppt/slides/slide9.xml><?xml version="1.0" encoding="utf-8"?>
+<p:sld xmlns:a="http://schemas.openxmlformats.org/drawingml/2006/main" xmlns:r="http://schemas.openxmlformats.org/officeDocument/2006/relationships" xmlns:p="http://schemas.openxmlformats.org/presentationml/2006/main">
+  <p:cSld>
+    <p:spTree>
+      <p:nvGrpSpPr>
+        <p:cNvPr id="1" name=""/>
+        <p:cNvGrpSpPr/>
+        <p:nvPr/>
+      </p:nvGrpSpPr>
+      <p:grpSpPr>
+        <a:xfrm>
+          <a:off x="0" y="0"/>
+          <a:ext cx="0" cy="0"/>
+          <a:chOff x="0" y="0"/>
+          <a:chExt cx="0" cy="0"/>
+        </a:xfrm>
+      </p:grpSpPr>
+      <p:sp>
+        <p:nvSpPr>
+          <p:cNvPr id="2" name="Title 1">
+            <a:extLst>
+              <a:ext uri="{FF2B5EF4-FFF2-40B4-BE49-F238E27FC236}">
+                <a16:creationId xmlns:a16="http://schemas.microsoft.com/office/drawing/2014/main" id="{0FE659BE-E1D1-4452-A06B-1EF8C6E1EA27}"/>
+              </a:ext>
+            </a:extLst>
+          </p:cNvPr>
+          <p:cNvSpPr>
+            <a:spLocks noGrp="1"/>
+          </p:cNvSpPr>
+          <p:nvPr>
+            <p:ph type="title"/>
+          </p:nvPr>
+        </p:nvSpPr>
+        <p:spPr>
+          <a:xfrm>
+            <a:off x="147145" y="88287"/>
+            <a:ext cx="10515600" cy="991225"/>
+          </a:xfrm>
+        </p:spPr>
+        <p:txBody>
+          <a:bodyPr/>
+          <a:lstStyle/>
+          <a:p>
+            <a:r>
+              <a:rPr lang="en-US" dirty="0"/>
+              <a:t>Configure Object Storage Repo</a:t>
+            </a:r>
+          </a:p>
+        </p:txBody>
+      </p:sp>
+      <p:sp>
+        <p:nvSpPr>
+          <p:cNvPr id="3" name="Content Placeholder 2">
+            <a:extLst>
+              <a:ext uri="{FF2B5EF4-FFF2-40B4-BE49-F238E27FC236}">
+                <a16:creationId xmlns:a16="http://schemas.microsoft.com/office/drawing/2014/main" id="{4554BDA3-AD18-4CB7-A431-4157661C0493}"/>
+              </a:ext>
+            </a:extLst>
+          </p:cNvPr>
+          <p:cNvSpPr>
+            <a:spLocks noGrp="1"/>
+          </p:cNvSpPr>
+          <p:nvPr>
+            <p:ph idx="1"/>
+          </p:nvPr>
+        </p:nvSpPr>
+        <p:spPr>
+          <a:xfrm>
+            <a:off x="147145" y="1036519"/>
+            <a:ext cx="4921812" cy="4351338"/>
+          </a:xfrm>
+        </p:spPr>
+        <p:txBody>
+          <a:bodyPr>
+            <a:normAutofit fontScale="92500" lnSpcReduction="20000"/>
+          </a:bodyPr>
+          <a:lstStyle/>
+          <a:p>
+            <a:r>
+              <a:rPr lang="en-US" dirty="0"/>
+              <a:t>Add another backup repo and select Object Storage</a:t>
+            </a:r>
+          </a:p>
+          <a:p>
+            <a:r>
+              <a:rPr lang="en-US" dirty="0"/>
+              <a:t>Use the credentials you just added and select your storage account</a:t>
+            </a:r>
+          </a:p>
+          <a:p>
+            <a:r>
+              <a:rPr lang="en-US" dirty="0"/>
+              <a:t>On the Container section of the wizard, browse your storage account and create a new folder called “Backups”</a:t>
+            </a:r>
+          </a:p>
+          <a:p>
+            <a:r>
+              <a:rPr lang="en-US" dirty="0"/>
+              <a:t>Click “Finish”</a:t>
+            </a:r>
+          </a:p>
+          <a:p>
+            <a:r>
+              <a:rPr lang="en-US" dirty="0"/>
+              <a:t>You should now have 3 repos listed in the Veeam console under Backup Repositories</a:t>
+            </a:r>
+          </a:p>
+          <a:p>
+            <a:endParaRPr lang="en-US" dirty="0"/>
+          </a:p>
+          <a:p>
+            <a:endParaRPr lang="en-US" dirty="0"/>
+          </a:p>
+          <a:p>
+            <a:pPr marL="0" indent="0">
+              <a:buNone/>
+            </a:pPr>
+            <a:endParaRPr lang="en-US" dirty="0"/>
+          </a:p>
+          <a:p>
+            <a:endParaRPr lang="en-US" dirty="0"/>
+          </a:p>
+        </p:txBody>
+      </p:sp>
+      <p:pic>
+        <p:nvPicPr>
+          <p:cNvPr id="6" name="Picture 5">
+            <a:extLst>
+              <a:ext uri="{FF2B5EF4-FFF2-40B4-BE49-F238E27FC236}">
+                <a16:creationId xmlns:a16="http://schemas.microsoft.com/office/drawing/2014/main" id="{EDE800AD-83D3-40D0-B6FF-0F4330B7E484}"/>
+              </a:ext>
+            </a:extLst>
+          </p:cNvPr>
+          <p:cNvPicPr>
+            <a:picLocks noChangeAspect="1"/>
+          </p:cNvPicPr>
+          <p:nvPr/>
+        </p:nvPicPr>
+        <p:blipFill>
+          <a:blip r:embed="rId2"/>
+          <a:stretch>
+            <a:fillRect/>
+          </a:stretch>
+        </p:blipFill>
+        <p:spPr>
+          <a:xfrm>
+            <a:off x="4862952" y="1004845"/>
+            <a:ext cx="7181903" cy="5853155"/>
+          </a:xfrm>
+          <a:prstGeom prst="rect">
+            <a:avLst/>
+          </a:prstGeom>
+        </p:spPr>
+      </p:pic>
+    </p:spTree>
+    <p:extLst>
+      <p:ext uri="{BB962C8B-B14F-4D97-AF65-F5344CB8AC3E}">
+        <p14:creationId xmlns:p14="http://schemas.microsoft.com/office/powerpoint/2010/main" val="2336783942"/>
       </p:ext>
     </p:extLst>
   </p:cSld>
@@ -9225,25 +9044,6 @@
 </file>
 
 <file path=customXml/item1.xml><?xml version="1.0" encoding="utf-8"?>
-<?mso-contentType ?>
-<FormTemplates xmlns="http://schemas.microsoft.com/sharepoint/v3/contenttype/forms">
-  <Display>DocumentLibraryForm</Display>
-  <Edit>DocumentLibraryForm</Edit>
-  <New>DocumentLibraryForm</New>
-</FormTemplates>
-</file>
-
-<file path=customXml/item2.xml><?xml version="1.0" encoding="utf-8"?>
-<p:properties xmlns:p="http://schemas.microsoft.com/office/2006/metadata/properties" xmlns:xsi="http://www.w3.org/2001/XMLSchema-instance" xmlns:pc="http://schemas.microsoft.com/office/infopath/2007/PartnerControls">
-  <documentManagement>
-    <_ip_UnifiedCompliancePolicyUIAction xmlns="http://schemas.microsoft.com/sharepoint/v3" xsi:nil="true"/>
-    <MediaServiceKeyPoints xmlns="193ed8a2-4539-4a85-8b6f-399dfeae4bd9" xsi:nil="true"/>
-    <_ip_UnifiedCompliancePolicyProperties xmlns="http://schemas.microsoft.com/sharepoint/v3" xsi:nil="true"/>
-  </documentManagement>
-</p:properties>
-</file>
-
-<file path=customXml/item3.xml><?xml version="1.0" encoding="utf-8"?>
 <ct:contentTypeSchema xmlns:ct="http://schemas.microsoft.com/office/2006/metadata/contentType" xmlns:ma="http://schemas.microsoft.com/office/2006/metadata/properties/metaAttributes" ct:_="" ma:_="" ma:contentTypeName="Document" ma:contentTypeID="0x01010039C7440841F209428C7B83779A5E5D3F" ma:contentTypeVersion="16" ma:contentTypeDescription="Create a new document." ma:contentTypeScope="" ma:versionID="5a3fad957325c550b415ad6eb9db69b6">
   <xsd:schema xmlns:xsd="http://www.w3.org/2001/XMLSchema" xmlns:xs="http://www.w3.org/2001/XMLSchema" xmlns:p="http://schemas.microsoft.com/office/2006/metadata/properties" xmlns:ns1="http://schemas.microsoft.com/sharepoint/v3" xmlns:ns3="193ed8a2-4539-4a85-8b6f-399dfeae4bd9" xmlns:ns4="7c8be482-3156-4892-8a6f-d2ff790bfae6" targetNamespace="http://schemas.microsoft.com/office/2006/metadata/properties" ma:root="true" ma:fieldsID="880fc400dde3ba496643e47e312674a6" ns1:_="" ns3:_="" ns4:_="">
     <xsd:import namespace="http://schemas.microsoft.com/sharepoint/v3"/>
@@ -9489,26 +9289,26 @@
 </ct:contentTypeSchema>
 </file>
 
-<file path=customXml/itemProps1.xml><?xml version="1.0" encoding="utf-8"?>
-<ds:datastoreItem xmlns:ds="http://schemas.openxmlformats.org/officeDocument/2006/customXml" ds:itemID="{D93D0519-7844-4F19-A023-0D1EF7B3A224}">
-  <ds:schemaRefs>
-    <ds:schemaRef ds:uri="http://schemas.microsoft.com/sharepoint/v3/contenttype/forms"/>
-  </ds:schemaRefs>
-</ds:datastoreItem>
+<file path=customXml/item2.xml><?xml version="1.0" encoding="utf-8"?>
+<p:properties xmlns:p="http://schemas.microsoft.com/office/2006/metadata/properties" xmlns:xsi="http://www.w3.org/2001/XMLSchema-instance" xmlns:pc="http://schemas.microsoft.com/office/infopath/2007/PartnerControls">
+  <documentManagement>
+    <_ip_UnifiedCompliancePolicyUIAction xmlns="http://schemas.microsoft.com/sharepoint/v3" xsi:nil="true"/>
+    <MediaServiceKeyPoints xmlns="193ed8a2-4539-4a85-8b6f-399dfeae4bd9" xsi:nil="true"/>
+    <_ip_UnifiedCompliancePolicyProperties xmlns="http://schemas.microsoft.com/sharepoint/v3" xsi:nil="true"/>
+  </documentManagement>
+</p:properties>
 </file>
 
-<file path=customXml/itemProps2.xml><?xml version="1.0" encoding="utf-8"?>
-<ds:datastoreItem xmlns:ds="http://schemas.openxmlformats.org/officeDocument/2006/customXml" ds:itemID="{59071B2C-BF7E-483E-93DE-53C81689A11E}">
-  <ds:schemaRefs>
-    <ds:schemaRef ds:uri="http://schemas.microsoft.com/office/2006/metadata/properties"/>
-    <ds:schemaRef ds:uri="http://schemas.microsoft.com/office/infopath/2007/PartnerControls"/>
-    <ds:schemaRef ds:uri="http://schemas.microsoft.com/sharepoint/v3"/>
-    <ds:schemaRef ds:uri="193ed8a2-4539-4a85-8b6f-399dfeae4bd9"/>
-  </ds:schemaRefs>
-</ds:datastoreItem>
+<file path=customXml/item3.xml><?xml version="1.0" encoding="utf-8"?>
+<?mso-contentType ?>
+<FormTemplates xmlns="http://schemas.microsoft.com/sharepoint/v3/contenttype/forms">
+  <Display>DocumentLibraryForm</Display>
+  <Edit>DocumentLibraryForm</Edit>
+  <New>DocumentLibraryForm</New>
+</FormTemplates>
 </file>
 
-<file path=customXml/itemProps3.xml><?xml version="1.0" encoding="utf-8"?>
+<file path=customXml/itemProps1.xml><?xml version="1.0" encoding="utf-8"?>
 <ds:datastoreItem xmlns:ds="http://schemas.openxmlformats.org/officeDocument/2006/customXml" ds:itemID="{A9D40B58-6553-432A-83F4-0C23EE14E82F}">
   <ds:schemaRefs>
     <ds:schemaRef ds:uri="http://schemas.microsoft.com/office/2006/metadata/contentType"/>
@@ -9526,4 +9326,23 @@
     <ds:schemaRef ds:uri="http://schemas.microsoft.com/internal/obd"/>
   </ds:schemaRefs>
 </ds:datastoreItem>
+</file>
+
+<file path=customXml/itemProps2.xml><?xml version="1.0" encoding="utf-8"?>
+<ds:datastoreItem xmlns:ds="http://schemas.openxmlformats.org/officeDocument/2006/customXml" ds:itemID="{59071B2C-BF7E-483E-93DE-53C81689A11E}">
+  <ds:schemaRefs>
+    <ds:schemaRef ds:uri="http://schemas.microsoft.com/office/2006/metadata/properties"/>
+    <ds:schemaRef ds:uri="http://schemas.microsoft.com/office/infopath/2007/PartnerControls"/>
+    <ds:schemaRef ds:uri="http://schemas.microsoft.com/sharepoint/v3"/>
+    <ds:schemaRef ds:uri="193ed8a2-4539-4a85-8b6f-399dfeae4bd9"/>
+  </ds:schemaRefs>
+</ds:datastoreItem>
+</file>
+
+<file path=customXml/itemProps3.xml><?xml version="1.0" encoding="utf-8"?>
+<ds:datastoreItem xmlns:ds="http://schemas.openxmlformats.org/officeDocument/2006/customXml" ds:itemID="{D93D0519-7844-4F19-A023-0D1EF7B3A224}">
+  <ds:schemaRefs>
+    <ds:schemaRef ds:uri="http://schemas.microsoft.com/sharepoint/v3/contenttype/forms"/>
+  </ds:schemaRefs>
+</ds:datastoreItem>
 </file>
--- a/Veeam Lab Guide.pptx
+++ b/Veeam Lab Guide.pptx
@@ -7444,7 +7444,7 @@
           <a:p>
             <a:r>
               <a:rPr lang="en-US" dirty="0"/>
-              <a:t>Demo of replication job</a:t>
+              <a:t>Veeam Replication Demo</a:t>
             </a:r>
           </a:p>
         </p:txBody>

--- a/Veeam Lab Guide.pptx
+++ b/Veeam Lab Guide.pptx
@@ -1194,7 +1194,7 @@
           <a:p>
             <a:fld id="{0E43E606-CEFD-4FFD-B735-13E49E4F42C0}" type="datetimeFigureOut">
               <a:rPr lang="en-US" smtClean="0"/>
-              <a:t>10/4/2019</a:t>
+              <a:t>10/9/2019</a:t>
             </a:fld>
             <a:endParaRPr lang="en-US"/>
           </a:p>
@@ -1392,7 +1392,7 @@
           <a:p>
             <a:fld id="{0E43E606-CEFD-4FFD-B735-13E49E4F42C0}" type="datetimeFigureOut">
               <a:rPr lang="en-US" smtClean="0"/>
-              <a:t>10/4/2019</a:t>
+              <a:t>10/9/2019</a:t>
             </a:fld>
             <a:endParaRPr lang="en-US"/>
           </a:p>
@@ -1600,7 +1600,7 @@
           <a:p>
             <a:fld id="{0E43E606-CEFD-4FFD-B735-13E49E4F42C0}" type="datetimeFigureOut">
               <a:rPr lang="en-US" smtClean="0"/>
-              <a:t>10/4/2019</a:t>
+              <a:t>10/9/2019</a:t>
             </a:fld>
             <a:endParaRPr lang="en-US"/>
           </a:p>
@@ -1798,7 +1798,7 @@
           <a:p>
             <a:fld id="{0E43E606-CEFD-4FFD-B735-13E49E4F42C0}" type="datetimeFigureOut">
               <a:rPr lang="en-US" smtClean="0"/>
-              <a:t>10/4/2019</a:t>
+              <a:t>10/9/2019</a:t>
             </a:fld>
             <a:endParaRPr lang="en-US"/>
           </a:p>
@@ -2073,7 +2073,7 @@
           <a:p>
             <a:fld id="{0E43E606-CEFD-4FFD-B735-13E49E4F42C0}" type="datetimeFigureOut">
               <a:rPr lang="en-US" smtClean="0"/>
-              <a:t>10/4/2019</a:t>
+              <a:t>10/9/2019</a:t>
             </a:fld>
             <a:endParaRPr lang="en-US"/>
           </a:p>
@@ -2338,7 +2338,7 @@
           <a:p>
             <a:fld id="{0E43E606-CEFD-4FFD-B735-13E49E4F42C0}" type="datetimeFigureOut">
               <a:rPr lang="en-US" smtClean="0"/>
-              <a:t>10/4/2019</a:t>
+              <a:t>10/9/2019</a:t>
             </a:fld>
             <a:endParaRPr lang="en-US"/>
           </a:p>
@@ -2750,7 +2750,7 @@
           <a:p>
             <a:fld id="{0E43E606-CEFD-4FFD-B735-13E49E4F42C0}" type="datetimeFigureOut">
               <a:rPr lang="en-US" smtClean="0"/>
-              <a:t>10/4/2019</a:t>
+              <a:t>10/9/2019</a:t>
             </a:fld>
             <a:endParaRPr lang="en-US"/>
           </a:p>
@@ -2891,7 +2891,7 @@
           <a:p>
             <a:fld id="{0E43E606-CEFD-4FFD-B735-13E49E4F42C0}" type="datetimeFigureOut">
               <a:rPr lang="en-US" smtClean="0"/>
-              <a:t>10/4/2019</a:t>
+              <a:t>10/9/2019</a:t>
             </a:fld>
             <a:endParaRPr lang="en-US"/>
           </a:p>
@@ -3004,7 +3004,7 @@
           <a:p>
             <a:fld id="{0E43E606-CEFD-4FFD-B735-13E49E4F42C0}" type="datetimeFigureOut">
               <a:rPr lang="en-US" smtClean="0"/>
-              <a:t>10/4/2019</a:t>
+              <a:t>10/9/2019</a:t>
             </a:fld>
             <a:endParaRPr lang="en-US"/>
           </a:p>
@@ -3315,7 +3315,7 @@
           <a:p>
             <a:fld id="{0E43E606-CEFD-4FFD-B735-13E49E4F42C0}" type="datetimeFigureOut">
               <a:rPr lang="en-US" smtClean="0"/>
-              <a:t>10/4/2019</a:t>
+              <a:t>10/9/2019</a:t>
             </a:fld>
             <a:endParaRPr lang="en-US"/>
           </a:p>
@@ -3603,7 +3603,7 @@
           <a:p>
             <a:fld id="{0E43E606-CEFD-4FFD-B735-13E49E4F42C0}" type="datetimeFigureOut">
               <a:rPr lang="en-US" smtClean="0"/>
-              <a:t>10/4/2019</a:t>
+              <a:t>10/9/2019</a:t>
             </a:fld>
             <a:endParaRPr lang="en-US"/>
           </a:p>
@@ -3844,7 +3844,7 @@
           <a:p>
             <a:fld id="{0E43E606-CEFD-4FFD-B735-13E49E4F42C0}" type="datetimeFigureOut">
               <a:rPr lang="en-US" smtClean="0"/>
-              <a:t>10/4/2019</a:t>
+              <a:t>10/9/2019</a:t>
             </a:fld>
             <a:endParaRPr lang="en-US"/>
           </a:p>
@@ -7699,25 +7699,11 @@
             </a:r>
           </a:p>
           <a:p>
-            <a:r>
-              <a:rPr lang="en-US" sz="2400" dirty="0"/>
-              <a:t>(optional) Install </a:t>
-            </a:r>
-            <a:r>
-              <a:rPr lang="en-US" sz="2400" dirty="0" err="1"/>
-              <a:t>RDCMan</a:t>
-            </a:r>
-            <a:r>
-              <a:rPr lang="en-US" sz="2400" dirty="0"/>
-              <a:t> if concerned about display scaling issues on high DPI devices - </a:t>
-            </a:r>
-            <a:r>
-              <a:rPr lang="en-US" sz="2400" dirty="0">
-                <a:hlinkClick r:id="rId3"/>
-              </a:rPr>
-              <a:t>https://www.microsoft.com/en-us/download/confirmation.aspx?id=44989</a:t>
-            </a:r>
-            <a:endParaRPr lang="en-US" sz="2400" dirty="0"/>
+            <a:pPr lvl="1"/>
+            <a:r>
+              <a:rPr lang="en-US" sz="2000" dirty="0"/>
+              <a:t>Or use provided Not-for-resale key (provided by Veeam)</a:t>
+            </a:r>
           </a:p>
           <a:p>
             <a:r>
@@ -7728,7 +7714,7 @@
           <a:p>
             <a:r>
               <a:rPr lang="en-US" sz="2400" dirty="0"/>
-              <a:t>Validate Azure deployment succeeded and record in notepad the following for later:</a:t>
+              <a:t>Validate Azure deployment succeeded and record following for later:</a:t>
             </a:r>
           </a:p>
           <a:p>
@@ -7743,6 +7729,13 @@
             <a:r>
               <a:rPr lang="en-US" sz="1600" dirty="0"/>
               <a:t>Access key for the capacity storage account</a:t>
+            </a:r>
+          </a:p>
+          <a:p>
+            <a:pPr lvl="2"/>
+            <a:r>
+              <a:rPr lang="en-US" sz="1200" dirty="0"/>
+              <a:t>Go to the newly created storage account and click access keys and choose either key1 or key2</a:t>
             </a:r>
           </a:p>
           <a:p>
@@ -7876,7 +7869,7 @@
         </p:spPr>
         <p:txBody>
           <a:bodyPr>
-            <a:normAutofit/>
+            <a:normAutofit fontScale="92500" lnSpcReduction="10000"/>
           </a:bodyPr>
           <a:lstStyle/>
           <a:p>
@@ -7921,6 +7914,13 @@
             </a:r>
           </a:p>
           <a:p>
+            <a:pPr lvl="2"/>
+            <a:r>
+              <a:rPr lang="en-US" sz="1600" dirty="0"/>
+              <a:t>One attached data disk</a:t>
+            </a:r>
+          </a:p>
+          <a:p>
             <a:pPr lvl="1"/>
             <a:r>
               <a:rPr lang="en-US" sz="2000" dirty="0"/>
@@ -7928,6 +7928,13 @@
             </a:r>
           </a:p>
           <a:p>
+            <a:pPr lvl="2"/>
+            <a:r>
+              <a:rPr lang="en-US" sz="1600" dirty="0"/>
+              <a:t>Two attached data disks</a:t>
+            </a:r>
+          </a:p>
+          <a:p>
             <a:pPr lvl="1"/>
             <a:r>
               <a:rPr lang="en-US" sz="2000" dirty="0"/>
@@ -7953,6 +7960,13 @@
             <a:r>
               <a:rPr lang="en-US" sz="2000" dirty="0"/>
               <a:t>Public IP for vm-VeeamBR1</a:t>
+            </a:r>
+          </a:p>
+          <a:p>
+            <a:pPr lvl="2"/>
+            <a:r>
+              <a:rPr lang="en-US" sz="1600" dirty="0"/>
+              <a:t>Use this for RDP</a:t>
             </a:r>
           </a:p>
           <a:p>
@@ -8089,7 +8103,7 @@
             <a:pPr lvl="1"/>
             <a:r>
               <a:rPr lang="en-US" dirty="0"/>
-              <a:t>Direct Attach/On-Prem</a:t>
+              <a:t>Direct Attach / “On-premises” / storage appliance</a:t>
             </a:r>
           </a:p>
           <a:p>
@@ -9290,6 +9304,15 @@
 </file>
 
 <file path=customXml/item2.xml><?xml version="1.0" encoding="utf-8"?>
+<?mso-contentType ?>
+<FormTemplates xmlns="http://schemas.microsoft.com/sharepoint/v3/contenttype/forms">
+  <Display>DocumentLibraryForm</Display>
+  <Edit>DocumentLibraryForm</Edit>
+  <New>DocumentLibraryForm</New>
+</FormTemplates>
+</file>
+
+<file path=customXml/item3.xml><?xml version="1.0" encoding="utf-8"?>
 <p:properties xmlns:p="http://schemas.microsoft.com/office/2006/metadata/properties" xmlns:xsi="http://www.w3.org/2001/XMLSchema-instance" xmlns:pc="http://schemas.microsoft.com/office/infopath/2007/PartnerControls">
   <documentManagement>
     <_ip_UnifiedCompliancePolicyUIAction xmlns="http://schemas.microsoft.com/sharepoint/v3" xsi:nil="true"/>
@@ -9297,15 +9320,6 @@
     <_ip_UnifiedCompliancePolicyProperties xmlns="http://schemas.microsoft.com/sharepoint/v3" xsi:nil="true"/>
   </documentManagement>
 </p:properties>
-</file>
-
-<file path=customXml/item3.xml><?xml version="1.0" encoding="utf-8"?>
-<?mso-contentType ?>
-<FormTemplates xmlns="http://schemas.microsoft.com/sharepoint/v3/contenttype/forms">
-  <Display>DocumentLibraryForm</Display>
-  <Edit>DocumentLibraryForm</Edit>
-  <New>DocumentLibraryForm</New>
-</FormTemplates>
 </file>
 
 <file path=customXml/itemProps1.xml><?xml version="1.0" encoding="utf-8"?>
@@ -9329,6 +9343,14 @@
 </file>
 
 <file path=customXml/itemProps2.xml><?xml version="1.0" encoding="utf-8"?>
+<ds:datastoreItem xmlns:ds="http://schemas.openxmlformats.org/officeDocument/2006/customXml" ds:itemID="{D93D0519-7844-4F19-A023-0D1EF7B3A224}">
+  <ds:schemaRefs>
+    <ds:schemaRef ds:uri="http://schemas.microsoft.com/sharepoint/v3/contenttype/forms"/>
+  </ds:schemaRefs>
+</ds:datastoreItem>
+</file>
+
+<file path=customXml/itemProps3.xml><?xml version="1.0" encoding="utf-8"?>
 <ds:datastoreItem xmlns:ds="http://schemas.openxmlformats.org/officeDocument/2006/customXml" ds:itemID="{59071B2C-BF7E-483E-93DE-53C81689A11E}">
   <ds:schemaRefs>
     <ds:schemaRef ds:uri="http://schemas.microsoft.com/office/2006/metadata/properties"/>
@@ -9337,12 +9359,4 @@
     <ds:schemaRef ds:uri="193ed8a2-4539-4a85-8b6f-399dfeae4bd9"/>
   </ds:schemaRefs>
 </ds:datastoreItem>
-</file>
-
-<file path=customXml/itemProps3.xml><?xml version="1.0" encoding="utf-8"?>
-<ds:datastoreItem xmlns:ds="http://schemas.openxmlformats.org/officeDocument/2006/customXml" ds:itemID="{D93D0519-7844-4F19-A023-0D1EF7B3A224}">
-  <ds:schemaRefs>
-    <ds:schemaRef ds:uri="http://schemas.microsoft.com/sharepoint/v3/contenttype/forms"/>
-  </ds:schemaRefs>
-</ds:datastoreItem>
 </file>
--- a/Veeam Lab Guide.pptx
+++ b/Veeam Lab Guide.pptx
@@ -4898,6 +4898,13 @@
             </a:r>
           </a:p>
           <a:p>
+            <a:pPr lvl="1"/>
+            <a:r>
+              <a:rPr lang="en-US" sz="2000" dirty="0"/>
+              <a:t>Check Install Change Block tracking</a:t>
+            </a:r>
+          </a:p>
+          <a:p>
             <a:r>
               <a:rPr lang="en-US" sz="2400" dirty="0"/>
               <a:t>Finish the wizard with default options and monitor progress as agents deploy</a:t>
@@ -7890,7 +7897,7 @@
             <a:pPr lvl="1"/>
             <a:r>
               <a:rPr lang="en-US" sz="2000" dirty="0"/>
-              <a:t>Subnet (192.168.0.0/24)</a:t>
+              <a:t>Subnet (192.168.1.0/24)</a:t>
             </a:r>
           </a:p>
           <a:p>
@@ -8090,7 +8097,7 @@
           <a:p>
             <a:r>
               <a:rPr lang="en-US" dirty="0"/>
-              <a:t>Backup &amp; Recovery Console</a:t>
+              <a:t>Backup &amp; Replication Console</a:t>
             </a:r>
           </a:p>
           <a:p>
@@ -9058,6 +9065,25 @@
 </file>
 
 <file path=customXml/item1.xml><?xml version="1.0" encoding="utf-8"?>
+<p:properties xmlns:p="http://schemas.microsoft.com/office/2006/metadata/properties" xmlns:xsi="http://www.w3.org/2001/XMLSchema-instance" xmlns:pc="http://schemas.microsoft.com/office/infopath/2007/PartnerControls">
+  <documentManagement>
+    <_ip_UnifiedCompliancePolicyUIAction xmlns="http://schemas.microsoft.com/sharepoint/v3" xsi:nil="true"/>
+    <MediaServiceKeyPoints xmlns="193ed8a2-4539-4a85-8b6f-399dfeae4bd9" xsi:nil="true"/>
+    <_ip_UnifiedCompliancePolicyProperties xmlns="http://schemas.microsoft.com/sharepoint/v3" xsi:nil="true"/>
+  </documentManagement>
+</p:properties>
+</file>
+
+<file path=customXml/item2.xml><?xml version="1.0" encoding="utf-8"?>
+<?mso-contentType ?>
+<FormTemplates xmlns="http://schemas.microsoft.com/sharepoint/v3/contenttype/forms">
+  <Display>DocumentLibraryForm</Display>
+  <Edit>DocumentLibraryForm</Edit>
+  <New>DocumentLibraryForm</New>
+</FormTemplates>
+</file>
+
+<file path=customXml/item3.xml><?xml version="1.0" encoding="utf-8"?>
 <ct:contentTypeSchema xmlns:ct="http://schemas.microsoft.com/office/2006/metadata/contentType" xmlns:ma="http://schemas.microsoft.com/office/2006/metadata/properties/metaAttributes" ct:_="" ma:_="" ma:contentTypeName="Document" ma:contentTypeID="0x01010039C7440841F209428C7B83779A5E5D3F" ma:contentTypeVersion="16" ma:contentTypeDescription="Create a new document." ma:contentTypeScope="" ma:versionID="5a3fad957325c550b415ad6eb9db69b6">
   <xsd:schema xmlns:xsd="http://www.w3.org/2001/XMLSchema" xmlns:xs="http://www.w3.org/2001/XMLSchema" xmlns:p="http://schemas.microsoft.com/office/2006/metadata/properties" xmlns:ns1="http://schemas.microsoft.com/sharepoint/v3" xmlns:ns3="193ed8a2-4539-4a85-8b6f-399dfeae4bd9" xmlns:ns4="7c8be482-3156-4892-8a6f-d2ff790bfae6" targetNamespace="http://schemas.microsoft.com/office/2006/metadata/properties" ma:root="true" ma:fieldsID="880fc400dde3ba496643e47e312674a6" ns1:_="" ns3:_="" ns4:_="">
     <xsd:import namespace="http://schemas.microsoft.com/sharepoint/v3"/>
@@ -9303,26 +9329,26 @@
 </ct:contentTypeSchema>
 </file>
 
-<file path=customXml/item2.xml><?xml version="1.0" encoding="utf-8"?>
-<?mso-contentType ?>
-<FormTemplates xmlns="http://schemas.microsoft.com/sharepoint/v3/contenttype/forms">
-  <Display>DocumentLibraryForm</Display>
-  <Edit>DocumentLibraryForm</Edit>
-  <New>DocumentLibraryForm</New>
-</FormTemplates>
+<file path=customXml/itemProps1.xml><?xml version="1.0" encoding="utf-8"?>
+<ds:datastoreItem xmlns:ds="http://schemas.openxmlformats.org/officeDocument/2006/customXml" ds:itemID="{59071B2C-BF7E-483E-93DE-53C81689A11E}">
+  <ds:schemaRefs>
+    <ds:schemaRef ds:uri="http://schemas.microsoft.com/office/2006/metadata/properties"/>
+    <ds:schemaRef ds:uri="http://schemas.microsoft.com/office/infopath/2007/PartnerControls"/>
+    <ds:schemaRef ds:uri="http://schemas.microsoft.com/sharepoint/v3"/>
+    <ds:schemaRef ds:uri="193ed8a2-4539-4a85-8b6f-399dfeae4bd9"/>
+  </ds:schemaRefs>
+</ds:datastoreItem>
 </file>
 
-<file path=customXml/item3.xml><?xml version="1.0" encoding="utf-8"?>
-<p:properties xmlns:p="http://schemas.microsoft.com/office/2006/metadata/properties" xmlns:xsi="http://www.w3.org/2001/XMLSchema-instance" xmlns:pc="http://schemas.microsoft.com/office/infopath/2007/PartnerControls">
-  <documentManagement>
-    <_ip_UnifiedCompliancePolicyUIAction xmlns="http://schemas.microsoft.com/sharepoint/v3" xsi:nil="true"/>
-    <MediaServiceKeyPoints xmlns="193ed8a2-4539-4a85-8b6f-399dfeae4bd9" xsi:nil="true"/>
-    <_ip_UnifiedCompliancePolicyProperties xmlns="http://schemas.microsoft.com/sharepoint/v3" xsi:nil="true"/>
-  </documentManagement>
-</p:properties>
+<file path=customXml/itemProps2.xml><?xml version="1.0" encoding="utf-8"?>
+<ds:datastoreItem xmlns:ds="http://schemas.openxmlformats.org/officeDocument/2006/customXml" ds:itemID="{D93D0519-7844-4F19-A023-0D1EF7B3A224}">
+  <ds:schemaRefs>
+    <ds:schemaRef ds:uri="http://schemas.microsoft.com/sharepoint/v3/contenttype/forms"/>
+  </ds:schemaRefs>
+</ds:datastoreItem>
 </file>
 
-<file path=customXml/itemProps1.xml><?xml version="1.0" encoding="utf-8"?>
+<file path=customXml/itemProps3.xml><?xml version="1.0" encoding="utf-8"?>
 <ds:datastoreItem xmlns:ds="http://schemas.openxmlformats.org/officeDocument/2006/customXml" ds:itemID="{A9D40B58-6553-432A-83F4-0C23EE14E82F}">
   <ds:schemaRefs>
     <ds:schemaRef ds:uri="http://schemas.microsoft.com/office/2006/metadata/contentType"/>
@@ -9340,23 +9366,4 @@
     <ds:schemaRef ds:uri="http://schemas.microsoft.com/internal/obd"/>
   </ds:schemaRefs>
 </ds:datastoreItem>
-</file>
-
-<file path=customXml/itemProps2.xml><?xml version="1.0" encoding="utf-8"?>
-<ds:datastoreItem xmlns:ds="http://schemas.openxmlformats.org/officeDocument/2006/customXml" ds:itemID="{D93D0519-7844-4F19-A023-0D1EF7B3A224}">
-  <ds:schemaRefs>
-    <ds:schemaRef ds:uri="http://schemas.microsoft.com/sharepoint/v3/contenttype/forms"/>
-  </ds:schemaRefs>
-</ds:datastoreItem>
-</file>
-
-<file path=customXml/itemProps3.xml><?xml version="1.0" encoding="utf-8"?>
-<ds:datastoreItem xmlns:ds="http://schemas.openxmlformats.org/officeDocument/2006/customXml" ds:itemID="{59071B2C-BF7E-483E-93DE-53C81689A11E}">
-  <ds:schemaRefs>
-    <ds:schemaRef ds:uri="http://schemas.microsoft.com/office/2006/metadata/properties"/>
-    <ds:schemaRef ds:uri="http://schemas.microsoft.com/office/infopath/2007/PartnerControls"/>
-    <ds:schemaRef ds:uri="http://schemas.microsoft.com/sharepoint/v3"/>
-    <ds:schemaRef ds:uri="193ed8a2-4539-4a85-8b6f-399dfeae4bd9"/>
-  </ds:schemaRefs>
-</ds:datastoreItem>
 </file>
--- a/Veeam Lab Guide.pptx
+++ b/Veeam Lab Guide.pptx
@@ -19,17 +19,17 @@
     <p:sldId id="278" r:id="rId16"/>
     <p:sldId id="260" r:id="rId17"/>
     <p:sldId id="279" r:id="rId18"/>
-    <p:sldId id="280" r:id="rId19"/>
-    <p:sldId id="285" r:id="rId20"/>
-    <p:sldId id="287" r:id="rId21"/>
-    <p:sldId id="286" r:id="rId22"/>
-    <p:sldId id="288" r:id="rId23"/>
-    <p:sldId id="281" r:id="rId24"/>
-    <p:sldId id="262" r:id="rId25"/>
-    <p:sldId id="282" r:id="rId26"/>
-    <p:sldId id="284" r:id="rId27"/>
+    <p:sldId id="285" r:id="rId19"/>
+    <p:sldId id="287" r:id="rId20"/>
+    <p:sldId id="286" r:id="rId21"/>
+    <p:sldId id="288" r:id="rId22"/>
+    <p:sldId id="262" r:id="rId23"/>
+    <p:sldId id="284" r:id="rId24"/>
+    <p:sldId id="269" r:id="rId25"/>
+    <p:sldId id="280" r:id="rId26"/>
+    <p:sldId id="281" r:id="rId27"/>
     <p:sldId id="268" r:id="rId28"/>
-    <p:sldId id="269" r:id="rId29"/>
+    <p:sldId id="282" r:id="rId29"/>
   </p:sldIdLst>
   <p:sldSz cx="12192000" cy="6858000"/>
   <p:notesSz cx="6858000" cy="9144000"/>
@@ -163,7 +163,6 @@
             <p14:sldId id="278"/>
             <p14:sldId id="260"/>
             <p14:sldId id="279"/>
-            <p14:sldId id="280"/>
           </p14:sldIdLst>
         </p14:section>
         <p14:section name="Restore to Azure" id="{4AA4A48E-443D-4EA8-A031-D4BF97D3FC78}">
@@ -176,20 +175,21 @@
         </p14:section>
         <p14:section name="Restore from backup" id="{EFAA5F18-8894-4385-A9BE-A8945F8275FF}">
           <p14:sldIdLst>
-            <p14:sldId id="281"/>
             <p14:sldId id="262"/>
-            <p14:sldId id="282"/>
             <p14:sldId id="284"/>
-          </p14:sldIdLst>
-        </p14:section>
-        <p14:section name="Demo of replication and instant restore" id="{40E0B12D-4C16-4805-9AF5-8FDC510D7857}">
-          <p14:sldIdLst>
-            <p14:sldId id="268"/>
           </p14:sldIdLst>
         </p14:section>
         <p14:section name="Clean up" id="{9B17C8C1-AD7E-4211-920F-B33818370FAF}">
           <p14:sldIdLst>
             <p14:sldId id="269"/>
+          </p14:sldIdLst>
+        </p14:section>
+        <p14:section name="Unused slides" id="{888E1B0B-7049-4948-AF78-6EE717EBE255}">
+          <p14:sldIdLst>
+            <p14:sldId id="280"/>
+            <p14:sldId id="281"/>
+            <p14:sldId id="268"/>
+            <p14:sldId id="282"/>
           </p14:sldIdLst>
         </p14:section>
       </p14:sectionLst>
@@ -1194,7 +1194,7 @@
           <a:p>
             <a:fld id="{0E43E606-CEFD-4FFD-B735-13E49E4F42C0}" type="datetimeFigureOut">
               <a:rPr lang="en-US" smtClean="0"/>
-              <a:t>10/9/2019</a:t>
+              <a:t>10/22/2019</a:t>
             </a:fld>
             <a:endParaRPr lang="en-US"/>
           </a:p>
@@ -1392,7 +1392,7 @@
           <a:p>
             <a:fld id="{0E43E606-CEFD-4FFD-B735-13E49E4F42C0}" type="datetimeFigureOut">
               <a:rPr lang="en-US" smtClean="0"/>
-              <a:t>10/9/2019</a:t>
+              <a:t>10/22/2019</a:t>
             </a:fld>
             <a:endParaRPr lang="en-US"/>
           </a:p>
@@ -1600,7 +1600,7 @@
           <a:p>
             <a:fld id="{0E43E606-CEFD-4FFD-B735-13E49E4F42C0}" type="datetimeFigureOut">
               <a:rPr lang="en-US" smtClean="0"/>
-              <a:t>10/9/2019</a:t>
+              <a:t>10/22/2019</a:t>
             </a:fld>
             <a:endParaRPr lang="en-US"/>
           </a:p>
@@ -1798,7 +1798,7 @@
           <a:p>
             <a:fld id="{0E43E606-CEFD-4FFD-B735-13E49E4F42C0}" type="datetimeFigureOut">
               <a:rPr lang="en-US" smtClean="0"/>
-              <a:t>10/9/2019</a:t>
+              <a:t>10/22/2019</a:t>
             </a:fld>
             <a:endParaRPr lang="en-US"/>
           </a:p>
@@ -2073,7 +2073,7 @@
           <a:p>
             <a:fld id="{0E43E606-CEFD-4FFD-B735-13E49E4F42C0}" type="datetimeFigureOut">
               <a:rPr lang="en-US" smtClean="0"/>
-              <a:t>10/9/2019</a:t>
+              <a:t>10/22/2019</a:t>
             </a:fld>
             <a:endParaRPr lang="en-US"/>
           </a:p>
@@ -2338,7 +2338,7 @@
           <a:p>
             <a:fld id="{0E43E606-CEFD-4FFD-B735-13E49E4F42C0}" type="datetimeFigureOut">
               <a:rPr lang="en-US" smtClean="0"/>
-              <a:t>10/9/2019</a:t>
+              <a:t>10/22/2019</a:t>
             </a:fld>
             <a:endParaRPr lang="en-US"/>
           </a:p>
@@ -2750,7 +2750,7 @@
           <a:p>
             <a:fld id="{0E43E606-CEFD-4FFD-B735-13E49E4F42C0}" type="datetimeFigureOut">
               <a:rPr lang="en-US" smtClean="0"/>
-              <a:t>10/9/2019</a:t>
+              <a:t>10/22/2019</a:t>
             </a:fld>
             <a:endParaRPr lang="en-US"/>
           </a:p>
@@ -2891,7 +2891,7 @@
           <a:p>
             <a:fld id="{0E43E606-CEFD-4FFD-B735-13E49E4F42C0}" type="datetimeFigureOut">
               <a:rPr lang="en-US" smtClean="0"/>
-              <a:t>10/9/2019</a:t>
+              <a:t>10/22/2019</a:t>
             </a:fld>
             <a:endParaRPr lang="en-US"/>
           </a:p>
@@ -3004,7 +3004,7 @@
           <a:p>
             <a:fld id="{0E43E606-CEFD-4FFD-B735-13E49E4F42C0}" type="datetimeFigureOut">
               <a:rPr lang="en-US" smtClean="0"/>
-              <a:t>10/9/2019</a:t>
+              <a:t>10/22/2019</a:t>
             </a:fld>
             <a:endParaRPr lang="en-US"/>
           </a:p>
@@ -3315,7 +3315,7 @@
           <a:p>
             <a:fld id="{0E43E606-CEFD-4FFD-B735-13E49E4F42C0}" type="datetimeFigureOut">
               <a:rPr lang="en-US" smtClean="0"/>
-              <a:t>10/9/2019</a:t>
+              <a:t>10/22/2019</a:t>
             </a:fld>
             <a:endParaRPr lang="en-US"/>
           </a:p>
@@ -3603,7 +3603,7 @@
           <a:p>
             <a:fld id="{0E43E606-CEFD-4FFD-B735-13E49E4F42C0}" type="datetimeFigureOut">
               <a:rPr lang="en-US" smtClean="0"/>
-              <a:t>10/9/2019</a:t>
+              <a:t>10/22/2019</a:t>
             </a:fld>
             <a:endParaRPr lang="en-US"/>
           </a:p>
@@ -3844,7 +3844,7 @@
           <a:p>
             <a:fld id="{0E43E606-CEFD-4FFD-B735-13E49E4F42C0}" type="datetimeFigureOut">
               <a:rPr lang="en-US" smtClean="0"/>
-              <a:t>10/9/2019</a:t>
+              <a:t>10/22/2019</a:t>
             </a:fld>
             <a:endParaRPr lang="en-US"/>
           </a:p>
@@ -4827,21 +4827,21 @@
           <a:p>
             <a:r>
               <a:rPr lang="en-US" sz="2400" dirty="0"/>
-              <a:t>You will need to create two credential entries to authenticate into the source servers</a:t>
+              <a:t>You will need to create a credential entry to authenticate into the source server</a:t>
             </a:r>
           </a:p>
           <a:p>
             <a:pPr lvl="1"/>
             <a:r>
               <a:rPr lang="en-US" sz="2000" dirty="0"/>
-              <a:t>One Windows credential for the SQL VM</a:t>
+              <a:t>One Windows credential for the Windows VM</a:t>
             </a:r>
           </a:p>
           <a:p>
             <a:pPr lvl="1"/>
             <a:r>
               <a:rPr lang="en-US" sz="2000" dirty="0"/>
-              <a:t>One Linux credential for the Linux VM</a:t>
+              <a:t>(optional) any other credentials for additional servers</a:t>
             </a:r>
           </a:p>
           <a:p>
@@ -5011,7 +5011,7 @@
           <a:p>
             <a:r>
               <a:rPr lang="en-US" dirty="0"/>
-              <a:t>Create a Backup Job on LinuxVM1</a:t>
+              <a:t>Create a Backup Job on WindowsVM1</a:t>
             </a:r>
           </a:p>
         </p:txBody>
@@ -5326,7 +5326,7 @@
           <a:p>
             <a:r>
               <a:rPr lang="en-US" dirty="0"/>
-              <a:t>Monitor Linux backup job</a:t>
+              <a:t>Monitor backup job</a:t>
             </a:r>
           </a:p>
         </p:txBody>
@@ -5435,6 +5435,1278 @@
           <p:cNvPr id="2" name="Title 1">
             <a:extLst>
               <a:ext uri="{FF2B5EF4-FFF2-40B4-BE49-F238E27FC236}">
+                <a16:creationId xmlns:a16="http://schemas.microsoft.com/office/drawing/2014/main" id="{8057C150-24EA-44A0-822C-FA9C821ED815}"/>
+              </a:ext>
+            </a:extLst>
+          </p:cNvPr>
+          <p:cNvSpPr>
+            <a:spLocks noGrp="1"/>
+          </p:cNvSpPr>
+          <p:nvPr>
+            <p:ph type="title"/>
+          </p:nvPr>
+        </p:nvSpPr>
+        <p:spPr>
+          <a:xfrm>
+            <a:off x="157480" y="198120"/>
+            <a:ext cx="10515600" cy="755968"/>
+          </a:xfrm>
+        </p:spPr>
+        <p:txBody>
+          <a:bodyPr/>
+          <a:lstStyle/>
+          <a:p>
+            <a:r>
+              <a:rPr lang="en-US" dirty="0"/>
+              <a:t>Configure Azure Compute account</a:t>
+            </a:r>
+          </a:p>
+        </p:txBody>
+      </p:sp>
+      <p:sp>
+        <p:nvSpPr>
+          <p:cNvPr id="3" name="Content Placeholder 2">
+            <a:extLst>
+              <a:ext uri="{FF2B5EF4-FFF2-40B4-BE49-F238E27FC236}">
+                <a16:creationId xmlns:a16="http://schemas.microsoft.com/office/drawing/2014/main" id="{D7E5290A-3B6C-403E-92B0-40DC600D4A18}"/>
+              </a:ext>
+            </a:extLst>
+          </p:cNvPr>
+          <p:cNvSpPr>
+            <a:spLocks noGrp="1"/>
+          </p:cNvSpPr>
+          <p:nvPr>
+            <p:ph idx="1"/>
+          </p:nvPr>
+        </p:nvSpPr>
+        <p:spPr>
+          <a:xfrm>
+            <a:off x="213360" y="1148414"/>
+            <a:ext cx="5379720" cy="4351338"/>
+          </a:xfrm>
+        </p:spPr>
+        <p:txBody>
+          <a:bodyPr>
+            <a:normAutofit/>
+          </a:bodyPr>
+          <a:lstStyle/>
+          <a:p>
+            <a:r>
+              <a:rPr lang="en-US" sz="2400" dirty="0"/>
+              <a:t>Open the Manage Cloud Credentials wizard</a:t>
+            </a:r>
+          </a:p>
+          <a:p>
+            <a:r>
+              <a:rPr lang="en-US" sz="2400" dirty="0"/>
+              <a:t>Add an Azure Compute account by supplying the same credentials you are using to authenticate into your Azure subscription</a:t>
+            </a:r>
+          </a:p>
+          <a:p>
+            <a:pPr lvl="1"/>
+            <a:r>
+              <a:rPr lang="en-US" sz="2000" dirty="0"/>
+              <a:t>The AAD account you supply must have rights on the subscription to create new resources including groups, VMs, storage accounts</a:t>
+            </a:r>
+          </a:p>
+        </p:txBody>
+      </p:sp>
+      <p:pic>
+        <p:nvPicPr>
+          <p:cNvPr id="4" name="Picture 3">
+            <a:extLst>
+              <a:ext uri="{FF2B5EF4-FFF2-40B4-BE49-F238E27FC236}">
+                <a16:creationId xmlns:a16="http://schemas.microsoft.com/office/drawing/2014/main" id="{4DD7B965-A65B-4D55-BB89-FF6105F5AF4E}"/>
+              </a:ext>
+            </a:extLst>
+          </p:cNvPr>
+          <p:cNvPicPr>
+            <a:picLocks noChangeAspect="1"/>
+          </p:cNvPicPr>
+          <p:nvPr/>
+        </p:nvPicPr>
+        <p:blipFill>
+          <a:blip r:embed="rId2"/>
+          <a:stretch>
+            <a:fillRect/>
+          </a:stretch>
+        </p:blipFill>
+        <p:spPr>
+          <a:xfrm>
+            <a:off x="5932308" y="997585"/>
+            <a:ext cx="5529303" cy="4652997"/>
+          </a:xfrm>
+          <a:prstGeom prst="rect">
+            <a:avLst/>
+          </a:prstGeom>
+        </p:spPr>
+      </p:pic>
+    </p:spTree>
+    <p:extLst>
+      <p:ext uri="{BB962C8B-B14F-4D97-AF65-F5344CB8AC3E}">
+        <p14:creationId xmlns:p14="http://schemas.microsoft.com/office/powerpoint/2010/main" val="61360042"/>
+      </p:ext>
+    </p:extLst>
+  </p:cSld>
+  <p:clrMapOvr>
+    <a:masterClrMapping/>
+  </p:clrMapOvr>
+</p:sld>
+</file>
+
+<file path=ppt/slides/slide16.xml><?xml version="1.0" encoding="utf-8"?>
+<p:sld xmlns:a="http://schemas.openxmlformats.org/drawingml/2006/main" xmlns:r="http://schemas.openxmlformats.org/officeDocument/2006/relationships" xmlns:p="http://schemas.openxmlformats.org/presentationml/2006/main">
+  <p:cSld>
+    <p:spTree>
+      <p:nvGrpSpPr>
+        <p:cNvPr id="1" name=""/>
+        <p:cNvGrpSpPr/>
+        <p:nvPr/>
+      </p:nvGrpSpPr>
+      <p:grpSpPr>
+        <a:xfrm>
+          <a:off x="0" y="0"/>
+          <a:ext cx="0" cy="0"/>
+          <a:chOff x="0" y="0"/>
+          <a:chExt cx="0" cy="0"/>
+        </a:xfrm>
+      </p:grpSpPr>
+      <p:sp>
+        <p:nvSpPr>
+          <p:cNvPr id="2" name="Title 1">
+            <a:extLst>
+              <a:ext uri="{FF2B5EF4-FFF2-40B4-BE49-F238E27FC236}">
+                <a16:creationId xmlns:a16="http://schemas.microsoft.com/office/drawing/2014/main" id="{8057C150-24EA-44A0-822C-FA9C821ED815}"/>
+              </a:ext>
+            </a:extLst>
+          </p:cNvPr>
+          <p:cNvSpPr>
+            <a:spLocks noGrp="1"/>
+          </p:cNvSpPr>
+          <p:nvPr>
+            <p:ph type="title"/>
+          </p:nvPr>
+        </p:nvSpPr>
+        <p:spPr>
+          <a:xfrm>
+            <a:off x="157480" y="198120"/>
+            <a:ext cx="10515600" cy="755968"/>
+          </a:xfrm>
+        </p:spPr>
+        <p:txBody>
+          <a:bodyPr/>
+          <a:lstStyle/>
+          <a:p>
+            <a:r>
+              <a:rPr lang="en-US" dirty="0"/>
+              <a:t>Configure Azure instant restore landing zone</a:t>
+            </a:r>
+          </a:p>
+        </p:txBody>
+      </p:sp>
+      <p:sp>
+        <p:nvSpPr>
+          <p:cNvPr id="3" name="Content Placeholder 2">
+            <a:extLst>
+              <a:ext uri="{FF2B5EF4-FFF2-40B4-BE49-F238E27FC236}">
+                <a16:creationId xmlns:a16="http://schemas.microsoft.com/office/drawing/2014/main" id="{D7E5290A-3B6C-403E-92B0-40DC600D4A18}"/>
+              </a:ext>
+            </a:extLst>
+          </p:cNvPr>
+          <p:cNvSpPr>
+            <a:spLocks noGrp="1"/>
+          </p:cNvSpPr>
+          <p:nvPr>
+            <p:ph idx="1"/>
+          </p:nvPr>
+        </p:nvSpPr>
+        <p:spPr>
+          <a:xfrm>
+            <a:off x="213360" y="1148414"/>
+            <a:ext cx="9850120" cy="4351338"/>
+          </a:xfrm>
+        </p:spPr>
+        <p:txBody>
+          <a:bodyPr>
+            <a:normAutofit/>
+          </a:bodyPr>
+          <a:lstStyle/>
+          <a:p>
+            <a:r>
+              <a:rPr lang="en-US" sz="2400" dirty="0"/>
+              <a:t>We want to create a landing spot for VMs restored to Azure in advance of doing a restore</a:t>
+            </a:r>
+          </a:p>
+          <a:p>
+            <a:r>
+              <a:rPr lang="en-US" sz="2400" dirty="0"/>
+              <a:t>From the Azure portal create the following:</a:t>
+            </a:r>
+          </a:p>
+          <a:p>
+            <a:pPr lvl="1"/>
+            <a:r>
+              <a:rPr lang="en-US" sz="2000" dirty="0"/>
+              <a:t>New resource group</a:t>
+            </a:r>
+          </a:p>
+          <a:p>
+            <a:pPr lvl="1"/>
+            <a:r>
+              <a:rPr lang="en-US" sz="2000" dirty="0"/>
+              <a:t>Standard storage account (LRS)</a:t>
+            </a:r>
+          </a:p>
+          <a:p>
+            <a:pPr lvl="1"/>
+            <a:r>
+              <a:rPr lang="en-US" sz="2000" dirty="0"/>
+              <a:t>Virtual network and subnet (place in the new resource group you just created)</a:t>
+            </a:r>
+          </a:p>
+          <a:p>
+            <a:pPr lvl="1"/>
+            <a:r>
+              <a:rPr lang="en-US" sz="2000" dirty="0"/>
+              <a:t>NSG (optional)</a:t>
+            </a:r>
+          </a:p>
+          <a:p>
+            <a:pPr lvl="1"/>
+            <a:endParaRPr lang="en-US" sz="2000" dirty="0"/>
+          </a:p>
+          <a:p>
+            <a:r>
+              <a:rPr lang="en-US" sz="2400" dirty="0"/>
+              <a:t>When we perform the Restore to Azure from Veeam console, we will target this landing zone as a spot for our restored VMs to instantiate</a:t>
+            </a:r>
+          </a:p>
+          <a:p>
+            <a:endParaRPr lang="en-US" sz="2400" dirty="0"/>
+          </a:p>
+        </p:txBody>
+      </p:sp>
+    </p:spTree>
+    <p:extLst>
+      <p:ext uri="{BB962C8B-B14F-4D97-AF65-F5344CB8AC3E}">
+        <p14:creationId xmlns:p14="http://schemas.microsoft.com/office/powerpoint/2010/main" val="4209937212"/>
+      </p:ext>
+    </p:extLst>
+  </p:cSld>
+  <p:clrMapOvr>
+    <a:masterClrMapping/>
+  </p:clrMapOvr>
+</p:sld>
+</file>
+
+<file path=ppt/slides/slide17.xml><?xml version="1.0" encoding="utf-8"?>
+<p:sld xmlns:a="http://schemas.openxmlformats.org/drawingml/2006/main" xmlns:r="http://schemas.openxmlformats.org/officeDocument/2006/relationships" xmlns:p="http://schemas.openxmlformats.org/presentationml/2006/main">
+  <p:cSld>
+    <p:spTree>
+      <p:nvGrpSpPr>
+        <p:cNvPr id="1" name=""/>
+        <p:cNvGrpSpPr/>
+        <p:nvPr/>
+      </p:nvGrpSpPr>
+      <p:grpSpPr>
+        <a:xfrm>
+          <a:off x="0" y="0"/>
+          <a:ext cx="0" cy="0"/>
+          <a:chOff x="0" y="0"/>
+          <a:chExt cx="0" cy="0"/>
+        </a:xfrm>
+      </p:grpSpPr>
+      <p:sp>
+        <p:nvSpPr>
+          <p:cNvPr id="2" name="Title 1">
+            <a:extLst>
+              <a:ext uri="{FF2B5EF4-FFF2-40B4-BE49-F238E27FC236}">
+                <a16:creationId xmlns:a16="http://schemas.microsoft.com/office/drawing/2014/main" id="{2A385035-02EA-4DBD-BC76-2504795C6C80}"/>
+              </a:ext>
+            </a:extLst>
+          </p:cNvPr>
+          <p:cNvSpPr>
+            <a:spLocks noGrp="1"/>
+          </p:cNvSpPr>
+          <p:nvPr>
+            <p:ph type="title"/>
+          </p:nvPr>
+        </p:nvSpPr>
+        <p:spPr>
+          <a:xfrm>
+            <a:off x="172720" y="132080"/>
+            <a:ext cx="10515600" cy="695008"/>
+          </a:xfrm>
+        </p:spPr>
+        <p:txBody>
+          <a:bodyPr/>
+          <a:lstStyle/>
+          <a:p>
+            <a:r>
+              <a:rPr lang="en-US" dirty="0"/>
+              <a:t>Start a restore to Azure from Veeam</a:t>
+            </a:r>
+          </a:p>
+        </p:txBody>
+      </p:sp>
+      <p:sp>
+        <p:nvSpPr>
+          <p:cNvPr id="3" name="Content Placeholder 2">
+            <a:extLst>
+              <a:ext uri="{FF2B5EF4-FFF2-40B4-BE49-F238E27FC236}">
+                <a16:creationId xmlns:a16="http://schemas.microsoft.com/office/drawing/2014/main" id="{9EA152D9-CD9D-48B9-A032-38566DA1EE48}"/>
+              </a:ext>
+            </a:extLst>
+          </p:cNvPr>
+          <p:cNvSpPr>
+            <a:spLocks noGrp="1"/>
+          </p:cNvSpPr>
+          <p:nvPr>
+            <p:ph idx="1"/>
+          </p:nvPr>
+        </p:nvSpPr>
+        <p:spPr>
+          <a:xfrm>
+            <a:off x="233680" y="936624"/>
+            <a:ext cx="4617720" cy="5176875"/>
+          </a:xfrm>
+        </p:spPr>
+        <p:txBody>
+          <a:bodyPr>
+            <a:normAutofit lnSpcReduction="10000"/>
+          </a:bodyPr>
+          <a:lstStyle/>
+          <a:p>
+            <a:r>
+              <a:rPr lang="en-US" sz="1800" dirty="0"/>
+              <a:t>From the Home tab of Veeam console, select Restore-&gt;Agent</a:t>
+            </a:r>
+          </a:p>
+          <a:p>
+            <a:r>
+              <a:rPr lang="en-US" sz="1800" dirty="0"/>
+              <a:t>Select Entire Machine restore and review options</a:t>
+            </a:r>
+          </a:p>
+          <a:p>
+            <a:r>
+              <a:rPr lang="en-US" sz="1800" dirty="0"/>
+              <a:t>Select Restore to Azure</a:t>
+            </a:r>
+          </a:p>
+          <a:p>
+            <a:r>
+              <a:rPr lang="en-US" sz="1800" dirty="0"/>
+              <a:t>Follow the wizard to complete the restore</a:t>
+            </a:r>
+          </a:p>
+          <a:p>
+            <a:pPr lvl="1"/>
+            <a:r>
+              <a:rPr lang="en-US" sz="1400" dirty="0"/>
+              <a:t>Select WindowsVM1 as your source</a:t>
+            </a:r>
+          </a:p>
+          <a:p>
+            <a:pPr lvl="1"/>
+            <a:r>
+              <a:rPr lang="en-US" sz="1400" dirty="0"/>
+              <a:t>Select the Azure compute subscription you registered earlier</a:t>
+            </a:r>
+          </a:p>
+          <a:p>
+            <a:pPr lvl="1"/>
+            <a:r>
+              <a:rPr lang="en-US" sz="1400" dirty="0"/>
+              <a:t>Choose an appropriate VM size (recommend D2v3)</a:t>
+            </a:r>
+          </a:p>
+          <a:p>
+            <a:pPr lvl="1"/>
+            <a:r>
+              <a:rPr lang="en-US" sz="1400" dirty="0"/>
+              <a:t>Select the storage account you just created</a:t>
+            </a:r>
+          </a:p>
+          <a:p>
+            <a:pPr lvl="1"/>
+            <a:r>
+              <a:rPr lang="en-US" sz="1400" dirty="0"/>
+              <a:t>Give the restored </a:t>
+            </a:r>
+            <a:r>
+              <a:rPr lang="en-US" sz="1400" dirty="0" err="1"/>
+              <a:t>vm</a:t>
+            </a:r>
+            <a:r>
+              <a:rPr lang="en-US" sz="1400" dirty="0"/>
+              <a:t> a unique name</a:t>
+            </a:r>
+          </a:p>
+          <a:p>
+            <a:pPr lvl="1"/>
+            <a:r>
+              <a:rPr lang="en-US" sz="1400" dirty="0"/>
+              <a:t>Select the resource group you just created as the </a:t>
+            </a:r>
+            <a:r>
+              <a:rPr lang="en-US" sz="1400" dirty="0" err="1"/>
+              <a:t>rg</a:t>
+            </a:r>
+            <a:endParaRPr lang="en-US" sz="1400" dirty="0"/>
+          </a:p>
+          <a:p>
+            <a:pPr lvl="1"/>
+            <a:r>
+              <a:rPr lang="en-US" sz="1400" dirty="0"/>
+              <a:t>Select the </a:t>
+            </a:r>
+            <a:r>
+              <a:rPr lang="en-US" sz="1400" dirty="0" err="1"/>
+              <a:t>Vnet</a:t>
+            </a:r>
+            <a:r>
+              <a:rPr lang="en-US" sz="1400" dirty="0"/>
+              <a:t> you just created</a:t>
+            </a:r>
+          </a:p>
+          <a:p>
+            <a:pPr lvl="1"/>
+            <a:r>
+              <a:rPr lang="en-US" sz="1400" dirty="0"/>
+              <a:t>Start the restore</a:t>
+            </a:r>
+          </a:p>
+          <a:p>
+            <a:r>
+              <a:rPr lang="en-US" sz="1800" dirty="0"/>
+              <a:t>The machine will now be created in Azure</a:t>
+            </a:r>
+          </a:p>
+          <a:p>
+            <a:r>
+              <a:rPr lang="en-US" sz="1800" dirty="0"/>
+              <a:t>This process can be used to easily migrate VMs to Azure permanently</a:t>
+            </a:r>
+          </a:p>
+          <a:p>
+            <a:endParaRPr lang="en-US" sz="1800" dirty="0"/>
+          </a:p>
+        </p:txBody>
+      </p:sp>
+      <p:pic>
+        <p:nvPicPr>
+          <p:cNvPr id="4" name="Picture 3">
+            <a:extLst>
+              <a:ext uri="{FF2B5EF4-FFF2-40B4-BE49-F238E27FC236}">
+                <a16:creationId xmlns:a16="http://schemas.microsoft.com/office/drawing/2014/main" id="{C3A49636-EEB8-416B-BD57-AB8D3E097453}"/>
+              </a:ext>
+            </a:extLst>
+          </p:cNvPr>
+          <p:cNvPicPr>
+            <a:picLocks noChangeAspect="1"/>
+          </p:cNvPicPr>
+          <p:nvPr/>
+        </p:nvPicPr>
+        <p:blipFill>
+          <a:blip r:embed="rId2"/>
+          <a:stretch>
+            <a:fillRect/>
+          </a:stretch>
+        </p:blipFill>
+        <p:spPr>
+          <a:xfrm>
+            <a:off x="4989646" y="1226642"/>
+            <a:ext cx="6815187" cy="5176875"/>
+          </a:xfrm>
+          <a:prstGeom prst="rect">
+            <a:avLst/>
+          </a:prstGeom>
+        </p:spPr>
+      </p:pic>
+    </p:spTree>
+    <p:extLst>
+      <p:ext uri="{BB962C8B-B14F-4D97-AF65-F5344CB8AC3E}">
+        <p14:creationId xmlns:p14="http://schemas.microsoft.com/office/powerpoint/2010/main" val="1029637529"/>
+      </p:ext>
+    </p:extLst>
+  </p:cSld>
+  <p:clrMapOvr>
+    <a:masterClrMapping/>
+  </p:clrMapOvr>
+</p:sld>
+</file>
+
+<file path=ppt/slides/slide18.xml><?xml version="1.0" encoding="utf-8"?>
+<p:sld xmlns:a="http://schemas.openxmlformats.org/drawingml/2006/main" xmlns:r="http://schemas.openxmlformats.org/officeDocument/2006/relationships" xmlns:p="http://schemas.openxmlformats.org/presentationml/2006/main">
+  <p:cSld>
+    <p:spTree>
+      <p:nvGrpSpPr>
+        <p:cNvPr id="1" name=""/>
+        <p:cNvGrpSpPr/>
+        <p:nvPr/>
+      </p:nvGrpSpPr>
+      <p:grpSpPr>
+        <a:xfrm>
+          <a:off x="0" y="0"/>
+          <a:ext cx="0" cy="0"/>
+          <a:chOff x="0" y="0"/>
+          <a:chExt cx="0" cy="0"/>
+        </a:xfrm>
+      </p:grpSpPr>
+      <p:sp>
+        <p:nvSpPr>
+          <p:cNvPr id="2" name="Title 1">
+            <a:extLst>
+              <a:ext uri="{FF2B5EF4-FFF2-40B4-BE49-F238E27FC236}">
+                <a16:creationId xmlns:a16="http://schemas.microsoft.com/office/drawing/2014/main" id="{CE82CC5D-AB8C-44C5-A690-D781B52CD1C9}"/>
+              </a:ext>
+            </a:extLst>
+          </p:cNvPr>
+          <p:cNvSpPr>
+            <a:spLocks noGrp="1"/>
+          </p:cNvSpPr>
+          <p:nvPr>
+            <p:ph type="title"/>
+          </p:nvPr>
+        </p:nvSpPr>
+        <p:spPr>
+          <a:xfrm>
+            <a:off x="416560" y="146685"/>
+            <a:ext cx="10515600" cy="1325563"/>
+          </a:xfrm>
+        </p:spPr>
+        <p:txBody>
+          <a:bodyPr/>
+          <a:lstStyle/>
+          <a:p>
+            <a:r>
+              <a:rPr lang="en-US" dirty="0"/>
+              <a:t>Converting Unmanaged Disks to Managed Disks post-restore to Azure</a:t>
+            </a:r>
+          </a:p>
+        </p:txBody>
+      </p:sp>
+      <p:sp>
+        <p:nvSpPr>
+          <p:cNvPr id="3" name="Content Placeholder 2">
+            <a:extLst>
+              <a:ext uri="{FF2B5EF4-FFF2-40B4-BE49-F238E27FC236}">
+                <a16:creationId xmlns:a16="http://schemas.microsoft.com/office/drawing/2014/main" id="{A75F286E-80D8-486C-AA1E-B48AD8B108E2}"/>
+              </a:ext>
+            </a:extLst>
+          </p:cNvPr>
+          <p:cNvSpPr>
+            <a:spLocks noGrp="1"/>
+          </p:cNvSpPr>
+          <p:nvPr>
+            <p:ph idx="1"/>
+          </p:nvPr>
+        </p:nvSpPr>
+        <p:spPr/>
+        <p:txBody>
+          <a:bodyPr/>
+          <a:lstStyle/>
+          <a:p>
+            <a:r>
+              <a:rPr lang="en-US" dirty="0"/>
+              <a:t>In the Azure portal, navigate to your newly restored VM</a:t>
+            </a:r>
+          </a:p>
+          <a:p>
+            <a:r>
+              <a:rPr lang="en-US" dirty="0"/>
+              <a:t>There will be a ribbon at the top explaining that you are not using Managed Disks</a:t>
+            </a:r>
+          </a:p>
+          <a:p>
+            <a:r>
+              <a:rPr lang="en-US" dirty="0"/>
+              <a:t>Click that ribbon and then click Migrate to convert your VM to using Managed Disks</a:t>
+            </a:r>
+          </a:p>
+          <a:p>
+            <a:r>
+              <a:rPr lang="en-US" dirty="0"/>
+              <a:t>Managed Disks have many benefits over unmanaged disks and should always be used when possible. </a:t>
+            </a:r>
+          </a:p>
+        </p:txBody>
+      </p:sp>
+    </p:spTree>
+    <p:extLst>
+      <p:ext uri="{BB962C8B-B14F-4D97-AF65-F5344CB8AC3E}">
+        <p14:creationId xmlns:p14="http://schemas.microsoft.com/office/powerpoint/2010/main" val="2646255455"/>
+      </p:ext>
+    </p:extLst>
+  </p:cSld>
+  <p:clrMapOvr>
+    <a:masterClrMapping/>
+  </p:clrMapOvr>
+</p:sld>
+</file>
+
+<file path=ppt/slides/slide19.xml><?xml version="1.0" encoding="utf-8"?>
+<p:sld xmlns:a="http://schemas.openxmlformats.org/drawingml/2006/main" xmlns:r="http://schemas.openxmlformats.org/officeDocument/2006/relationships" xmlns:p="http://schemas.openxmlformats.org/presentationml/2006/main">
+  <p:cSld>
+    <p:spTree>
+      <p:nvGrpSpPr>
+        <p:cNvPr id="1" name=""/>
+        <p:cNvGrpSpPr/>
+        <p:nvPr/>
+      </p:nvGrpSpPr>
+      <p:grpSpPr>
+        <a:xfrm>
+          <a:off x="0" y="0"/>
+          <a:ext cx="0" cy="0"/>
+          <a:chOff x="0" y="0"/>
+          <a:chExt cx="0" cy="0"/>
+        </a:xfrm>
+      </p:grpSpPr>
+      <p:sp>
+        <p:nvSpPr>
+          <p:cNvPr id="2" name="Title 1">
+            <a:extLst>
+              <a:ext uri="{FF2B5EF4-FFF2-40B4-BE49-F238E27FC236}">
+                <a16:creationId xmlns:a16="http://schemas.microsoft.com/office/drawing/2014/main" id="{FC7C3933-6F6F-4C6D-963E-4ADB3DA0885E}"/>
+              </a:ext>
+            </a:extLst>
+          </p:cNvPr>
+          <p:cNvSpPr>
+            <a:spLocks noGrp="1"/>
+          </p:cNvSpPr>
+          <p:nvPr>
+            <p:ph type="title"/>
+          </p:nvPr>
+        </p:nvSpPr>
+        <p:spPr>
+          <a:xfrm>
+            <a:off x="121920" y="100965"/>
+            <a:ext cx="10515600" cy="1325563"/>
+          </a:xfrm>
+        </p:spPr>
+        <p:txBody>
+          <a:bodyPr/>
+          <a:lstStyle/>
+          <a:p>
+            <a:r>
+              <a:rPr lang="en-US" dirty="0"/>
+              <a:t>Perform a Guest file restore from backup (optional)</a:t>
+            </a:r>
+          </a:p>
+        </p:txBody>
+      </p:sp>
+      <p:sp>
+        <p:nvSpPr>
+          <p:cNvPr id="3" name="Content Placeholder 2">
+            <a:extLst>
+              <a:ext uri="{FF2B5EF4-FFF2-40B4-BE49-F238E27FC236}">
+                <a16:creationId xmlns:a16="http://schemas.microsoft.com/office/drawing/2014/main" id="{F897A5C1-C54E-49CC-B553-856B72B6FFE6}"/>
+              </a:ext>
+            </a:extLst>
+          </p:cNvPr>
+          <p:cNvSpPr>
+            <a:spLocks noGrp="1"/>
+          </p:cNvSpPr>
+          <p:nvPr>
+            <p:ph idx="1"/>
+          </p:nvPr>
+        </p:nvSpPr>
+        <p:spPr>
+          <a:xfrm>
+            <a:off x="274320" y="1556702"/>
+            <a:ext cx="4770120" cy="4351338"/>
+          </a:xfrm>
+        </p:spPr>
+        <p:txBody>
+          <a:bodyPr>
+            <a:normAutofit/>
+          </a:bodyPr>
+          <a:lstStyle/>
+          <a:p>
+            <a:r>
+              <a:rPr lang="en-US" sz="2000" dirty="0"/>
+              <a:t>From Home tab, click Restore-&gt;Agent</a:t>
+            </a:r>
+          </a:p>
+          <a:p>
+            <a:r>
+              <a:rPr lang="en-US" sz="2000" dirty="0"/>
+              <a:t>Choose Guest files </a:t>
+            </a:r>
+            <a:r>
+              <a:rPr lang="en-US" sz="2000" dirty="0" err="1"/>
+              <a:t>restoreRestore</a:t>
+            </a:r>
+            <a:r>
+              <a:rPr lang="en-US" sz="2000" dirty="0"/>
+              <a:t> Guest VM to Azure</a:t>
+            </a:r>
+          </a:p>
+          <a:p>
+            <a:endParaRPr lang="en-US" sz="2000" dirty="0"/>
+          </a:p>
+          <a:p>
+            <a:endParaRPr lang="en-US" sz="2000" dirty="0"/>
+          </a:p>
+        </p:txBody>
+      </p:sp>
+      <p:pic>
+        <p:nvPicPr>
+          <p:cNvPr id="4" name="Picture 3">
+            <a:extLst>
+              <a:ext uri="{FF2B5EF4-FFF2-40B4-BE49-F238E27FC236}">
+                <a16:creationId xmlns:a16="http://schemas.microsoft.com/office/drawing/2014/main" id="{5D192156-5F8F-446B-B84C-20A7A9888630}"/>
+              </a:ext>
+            </a:extLst>
+          </p:cNvPr>
+          <p:cNvPicPr>
+            <a:picLocks noChangeAspect="1"/>
+          </p:cNvPicPr>
+          <p:nvPr/>
+        </p:nvPicPr>
+        <p:blipFill>
+          <a:blip r:embed="rId2"/>
+          <a:stretch>
+            <a:fillRect/>
+          </a:stretch>
+        </p:blipFill>
+        <p:spPr>
+          <a:xfrm>
+            <a:off x="5008661" y="949960"/>
+            <a:ext cx="7175383" cy="5278120"/>
+          </a:xfrm>
+          <a:prstGeom prst="rect">
+            <a:avLst/>
+          </a:prstGeom>
+        </p:spPr>
+      </p:pic>
+    </p:spTree>
+    <p:extLst>
+      <p:ext uri="{BB962C8B-B14F-4D97-AF65-F5344CB8AC3E}">
+        <p14:creationId xmlns:p14="http://schemas.microsoft.com/office/powerpoint/2010/main" val="1540230242"/>
+      </p:ext>
+    </p:extLst>
+  </p:cSld>
+  <p:clrMapOvr>
+    <a:masterClrMapping/>
+  </p:clrMapOvr>
+</p:sld>
+</file>
+
+<file path=ppt/slides/slide2.xml><?xml version="1.0" encoding="utf-8"?>
+<p:sld xmlns:a="http://schemas.openxmlformats.org/drawingml/2006/main" xmlns:r="http://schemas.openxmlformats.org/officeDocument/2006/relationships" xmlns:p="http://schemas.openxmlformats.org/presentationml/2006/main">
+  <p:cSld>
+    <p:spTree>
+      <p:nvGrpSpPr>
+        <p:cNvPr id="1" name=""/>
+        <p:cNvGrpSpPr/>
+        <p:nvPr/>
+      </p:nvGrpSpPr>
+      <p:grpSpPr>
+        <a:xfrm>
+          <a:off x="0" y="0"/>
+          <a:ext cx="0" cy="0"/>
+          <a:chOff x="0" y="0"/>
+          <a:chExt cx="0" cy="0"/>
+        </a:xfrm>
+      </p:grpSpPr>
+      <p:sp>
+        <p:nvSpPr>
+          <p:cNvPr id="2" name="Title 1">
+            <a:extLst>
+              <a:ext uri="{FF2B5EF4-FFF2-40B4-BE49-F238E27FC236}">
+                <a16:creationId xmlns:a16="http://schemas.microsoft.com/office/drawing/2014/main" id="{1310118D-4CD3-4ABA-A3DD-ABEED422B15C}"/>
+              </a:ext>
+            </a:extLst>
+          </p:cNvPr>
+          <p:cNvSpPr>
+            <a:spLocks noGrp="1"/>
+          </p:cNvSpPr>
+          <p:nvPr>
+            <p:ph type="title"/>
+          </p:nvPr>
+        </p:nvSpPr>
+        <p:spPr>
+          <a:xfrm>
+            <a:off x="159663" y="86518"/>
+            <a:ext cx="10515600" cy="893763"/>
+          </a:xfrm>
+        </p:spPr>
+        <p:txBody>
+          <a:bodyPr/>
+          <a:lstStyle/>
+          <a:p>
+            <a:r>
+              <a:rPr lang="en-US" dirty="0"/>
+              <a:t>Lab Infrastructure Setup</a:t>
+            </a:r>
+          </a:p>
+        </p:txBody>
+      </p:sp>
+      <p:sp>
+        <p:nvSpPr>
+          <p:cNvPr id="3" name="Content Placeholder 2">
+            <a:extLst>
+              <a:ext uri="{FF2B5EF4-FFF2-40B4-BE49-F238E27FC236}">
+                <a16:creationId xmlns:a16="http://schemas.microsoft.com/office/drawing/2014/main" id="{34FD2FB7-B1DD-40A1-9EAE-2E677BE11EB8}"/>
+              </a:ext>
+            </a:extLst>
+          </p:cNvPr>
+          <p:cNvSpPr>
+            <a:spLocks noGrp="1"/>
+          </p:cNvSpPr>
+          <p:nvPr>
+            <p:ph idx="1"/>
+          </p:nvPr>
+        </p:nvSpPr>
+        <p:spPr>
+          <a:xfrm>
+            <a:off x="345440" y="1048385"/>
+            <a:ext cx="5953760" cy="4910455"/>
+          </a:xfrm>
+        </p:spPr>
+        <p:txBody>
+          <a:bodyPr>
+            <a:normAutofit/>
+          </a:bodyPr>
+          <a:lstStyle/>
+          <a:p>
+            <a:r>
+              <a:rPr lang="en-US" sz="2400" dirty="0"/>
+              <a:t>Open the Veeam On Azure lab </a:t>
+            </a:r>
+            <a:r>
+              <a:rPr lang="en-US" sz="2400" dirty="0" err="1">
+                <a:hlinkClick r:id="rId2"/>
+              </a:rPr>
+              <a:t>Github</a:t>
+            </a:r>
+            <a:r>
+              <a:rPr lang="en-US" sz="2400" dirty="0">
+                <a:hlinkClick r:id="rId2"/>
+              </a:rPr>
+              <a:t> repo</a:t>
+            </a:r>
+            <a:endParaRPr lang="en-US" sz="2400" dirty="0"/>
+          </a:p>
+          <a:p>
+            <a:r>
+              <a:rPr lang="en-US" sz="2400" dirty="0"/>
+              <a:t>Review the README.md instructions</a:t>
+            </a:r>
+          </a:p>
+          <a:p>
+            <a:r>
+              <a:rPr lang="en-US" sz="2400" dirty="0"/>
+              <a:t>Download the Lab guide pptx</a:t>
+            </a:r>
+          </a:p>
+          <a:p>
+            <a:r>
+              <a:rPr lang="en-US" sz="2400" dirty="0"/>
+              <a:t>Sign into portal.azure.com</a:t>
+            </a:r>
+          </a:p>
+          <a:p>
+            <a:r>
+              <a:rPr lang="en-US" sz="2400" dirty="0"/>
+              <a:t>Click “Deploy To Azure” button</a:t>
+            </a:r>
+          </a:p>
+          <a:p>
+            <a:r>
+              <a:rPr lang="en-US" sz="2400" dirty="0"/>
+              <a:t>Provide a globally unique name for your storage accounts*</a:t>
+            </a:r>
+          </a:p>
+          <a:p>
+            <a:pPr lvl="1"/>
+            <a:r>
+              <a:rPr lang="en-US" sz="2000" dirty="0"/>
+              <a:t>Cap Storage name</a:t>
+            </a:r>
+          </a:p>
+          <a:p>
+            <a:pPr lvl="1"/>
+            <a:r>
+              <a:rPr lang="en-US" sz="2000" dirty="0"/>
+              <a:t>Diagnostics Storage Account Name</a:t>
+            </a:r>
+          </a:p>
+          <a:p>
+            <a:pPr marL="0" indent="0">
+              <a:buNone/>
+            </a:pPr>
+            <a:endParaRPr lang="en-US" sz="2400" dirty="0"/>
+          </a:p>
+          <a:p>
+            <a:pPr marL="0" indent="0">
+              <a:buNone/>
+            </a:pPr>
+            <a:endParaRPr lang="en-US" sz="2400" dirty="0"/>
+          </a:p>
+        </p:txBody>
+      </p:sp>
+      <p:pic>
+        <p:nvPicPr>
+          <p:cNvPr id="6" name="Picture 5">
+            <a:extLst>
+              <a:ext uri="{FF2B5EF4-FFF2-40B4-BE49-F238E27FC236}">
+                <a16:creationId xmlns:a16="http://schemas.microsoft.com/office/drawing/2014/main" id="{897A305F-A6DD-44C4-9E86-DC76A911F4E3}"/>
+              </a:ext>
+            </a:extLst>
+          </p:cNvPr>
+          <p:cNvPicPr>
+            <a:picLocks noChangeAspect="1"/>
+          </p:cNvPicPr>
+          <p:nvPr/>
+        </p:nvPicPr>
+        <p:blipFill>
+          <a:blip r:embed="rId3"/>
+          <a:stretch>
+            <a:fillRect/>
+          </a:stretch>
+        </p:blipFill>
+        <p:spPr>
+          <a:xfrm>
+            <a:off x="6479861" y="533400"/>
+            <a:ext cx="5486436" cy="5425440"/>
+          </a:xfrm>
+          <a:prstGeom prst="rect">
+            <a:avLst/>
+          </a:prstGeom>
+        </p:spPr>
+      </p:pic>
+      <p:sp>
+        <p:nvSpPr>
+          <p:cNvPr id="7" name="Title 1">
+            <a:extLst>
+              <a:ext uri="{FF2B5EF4-FFF2-40B4-BE49-F238E27FC236}">
+                <a16:creationId xmlns:a16="http://schemas.microsoft.com/office/drawing/2014/main" id="{FDBBE628-FB62-4C30-8529-4E423A549194}"/>
+              </a:ext>
+            </a:extLst>
+          </p:cNvPr>
+          <p:cNvSpPr txBox="1">
+            <a:spLocks/>
+          </p:cNvSpPr>
+          <p:nvPr/>
+        </p:nvSpPr>
+        <p:spPr>
+          <a:xfrm>
+            <a:off x="391160" y="5958840"/>
+            <a:ext cx="10515600" cy="932021"/>
+          </a:xfrm>
+          <a:prstGeom prst="rect">
+            <a:avLst/>
+          </a:prstGeom>
+        </p:spPr>
+        <p:txBody>
+          <a:bodyPr vert="horz" lIns="91440" tIns="45720" rIns="91440" bIns="45720" rtlCol="0" anchor="ctr">
+            <a:normAutofit/>
+          </a:bodyPr>
+          <a:lstStyle>
+            <a:lvl1pPr algn="l" defTabSz="914400" rtl="0" eaLnBrk="1" latinLnBrk="0" hangingPunct="1">
+              <a:lnSpc>
+                <a:spcPct val="90000"/>
+              </a:lnSpc>
+              <a:spcBef>
+                <a:spcPct val="0"/>
+              </a:spcBef>
+              <a:buNone/>
+              <a:defRPr sz="4400" kern="1200">
+                <a:solidFill>
+                  <a:schemeClr val="tx1"/>
+                </a:solidFill>
+                <a:latin typeface="+mj-lt"/>
+                <a:ea typeface="+mj-ea"/>
+                <a:cs typeface="+mj-cs"/>
+              </a:defRPr>
+            </a:lvl1pPr>
+          </a:lstStyle>
+          <a:p>
+            <a:r>
+              <a:rPr lang="en-US" sz="2000" i="1" dirty="0"/>
+              <a:t>*Azure storage accounts must have a globally unique name between 3 and 24 characters (all lowercase, no special chars)</a:t>
+            </a:r>
+            <a:endParaRPr lang="en-US" sz="1100" i="1" dirty="0"/>
+          </a:p>
+        </p:txBody>
+      </p:sp>
+    </p:spTree>
+    <p:extLst>
+      <p:ext uri="{BB962C8B-B14F-4D97-AF65-F5344CB8AC3E}">
+        <p14:creationId xmlns:p14="http://schemas.microsoft.com/office/powerpoint/2010/main" val="3259501906"/>
+      </p:ext>
+    </p:extLst>
+  </p:cSld>
+  <p:clrMapOvr>
+    <a:masterClrMapping/>
+  </p:clrMapOvr>
+</p:sld>
+</file>
+
+<file path=ppt/slides/slide20.xml><?xml version="1.0" encoding="utf-8"?>
+<p:sld xmlns:a="http://schemas.openxmlformats.org/drawingml/2006/main" xmlns:r="http://schemas.openxmlformats.org/officeDocument/2006/relationships" xmlns:p="http://schemas.openxmlformats.org/presentationml/2006/main">
+  <p:cSld>
+    <p:spTree>
+      <p:nvGrpSpPr>
+        <p:cNvPr id="1" name=""/>
+        <p:cNvGrpSpPr/>
+        <p:nvPr/>
+      </p:nvGrpSpPr>
+      <p:grpSpPr>
+        <a:xfrm>
+          <a:off x="0" y="0"/>
+          <a:ext cx="0" cy="0"/>
+          <a:chOff x="0" y="0"/>
+          <a:chExt cx="0" cy="0"/>
+        </a:xfrm>
+      </p:grpSpPr>
+      <p:sp>
+        <p:nvSpPr>
+          <p:cNvPr id="2" name="Title 1">
+            <a:extLst>
+              <a:ext uri="{FF2B5EF4-FFF2-40B4-BE49-F238E27FC236}">
+                <a16:creationId xmlns:a16="http://schemas.microsoft.com/office/drawing/2014/main" id="{FC7C3933-6F6F-4C6D-963E-4ADB3DA0885E}"/>
+              </a:ext>
+            </a:extLst>
+          </p:cNvPr>
+          <p:cNvSpPr>
+            <a:spLocks noGrp="1"/>
+          </p:cNvSpPr>
+          <p:nvPr>
+            <p:ph type="title"/>
+          </p:nvPr>
+        </p:nvSpPr>
+        <p:spPr>
+          <a:xfrm>
+            <a:off x="121920" y="303711"/>
+            <a:ext cx="11257280" cy="895009"/>
+          </a:xfrm>
+        </p:spPr>
+        <p:txBody>
+          <a:bodyPr>
+            <a:normAutofit fontScale="90000"/>
+          </a:bodyPr>
+          <a:lstStyle/>
+          <a:p>
+            <a:r>
+              <a:rPr lang="en-US" sz="3200" dirty="0"/>
+              <a:t>Browse backup file system directly from Veeam and copy files as needed</a:t>
+            </a:r>
+          </a:p>
+        </p:txBody>
+      </p:sp>
+      <p:sp>
+        <p:nvSpPr>
+          <p:cNvPr id="6" name="Content Placeholder 5">
+            <a:extLst>
+              <a:ext uri="{FF2B5EF4-FFF2-40B4-BE49-F238E27FC236}">
+                <a16:creationId xmlns:a16="http://schemas.microsoft.com/office/drawing/2014/main" id="{DCBB47B0-CEC9-4D3A-898B-52F25558F151}"/>
+              </a:ext>
+            </a:extLst>
+          </p:cNvPr>
+          <p:cNvSpPr>
+            <a:spLocks noGrp="1"/>
+          </p:cNvSpPr>
+          <p:nvPr>
+            <p:ph idx="1"/>
+          </p:nvPr>
+        </p:nvSpPr>
+        <p:spPr>
+          <a:xfrm>
+            <a:off x="121920" y="1701800"/>
+            <a:ext cx="3352800" cy="3210560"/>
+          </a:xfrm>
+        </p:spPr>
+        <p:txBody>
+          <a:bodyPr>
+            <a:normAutofit/>
+          </a:bodyPr>
+          <a:lstStyle/>
+          <a:p>
+            <a:r>
+              <a:rPr lang="en-US" sz="1600" dirty="0"/>
+              <a:t>If you successfully completed the Linux guest restore steps, you will now be able to browse the files of the Linux backup directly from the Veeam console</a:t>
+            </a:r>
+          </a:p>
+          <a:p>
+            <a:r>
+              <a:rPr lang="en-US" sz="1600" dirty="0"/>
+              <a:t>Backup admins can use this to easily move specific files from backup snapshots to source without taking the source offline or waiting for a full restore.</a:t>
+            </a:r>
+          </a:p>
+        </p:txBody>
+      </p:sp>
+      <p:pic>
+        <p:nvPicPr>
+          <p:cNvPr id="3" name="Picture 2">
+            <a:extLst>
+              <a:ext uri="{FF2B5EF4-FFF2-40B4-BE49-F238E27FC236}">
+                <a16:creationId xmlns:a16="http://schemas.microsoft.com/office/drawing/2014/main" id="{D212F194-A8AB-4217-B77B-6F7AA4864515}"/>
+              </a:ext>
+            </a:extLst>
+          </p:cNvPr>
+          <p:cNvPicPr>
+            <a:picLocks noChangeAspect="1"/>
+          </p:cNvPicPr>
+          <p:nvPr/>
+        </p:nvPicPr>
+        <p:blipFill>
+          <a:blip r:embed="rId2"/>
+          <a:stretch>
+            <a:fillRect/>
+          </a:stretch>
+        </p:blipFill>
+        <p:spPr>
+          <a:xfrm>
+            <a:off x="3683000" y="999196"/>
+            <a:ext cx="8263610" cy="5374799"/>
+          </a:xfrm>
+          <a:prstGeom prst="rect">
+            <a:avLst/>
+          </a:prstGeom>
+        </p:spPr>
+      </p:pic>
+    </p:spTree>
+    <p:extLst>
+      <p:ext uri="{BB962C8B-B14F-4D97-AF65-F5344CB8AC3E}">
+        <p14:creationId xmlns:p14="http://schemas.microsoft.com/office/powerpoint/2010/main" val="2311392119"/>
+      </p:ext>
+    </p:extLst>
+  </p:cSld>
+  <p:clrMapOvr>
+    <a:masterClrMapping/>
+  </p:clrMapOvr>
+</p:sld>
+</file>
+
+<file path=ppt/slides/slide21.xml><?xml version="1.0" encoding="utf-8"?>
+<p:sld xmlns:a="http://schemas.openxmlformats.org/drawingml/2006/main" xmlns:r="http://schemas.openxmlformats.org/officeDocument/2006/relationships" xmlns:p="http://schemas.openxmlformats.org/presentationml/2006/main">
+  <p:cSld>
+    <p:spTree>
+      <p:nvGrpSpPr>
+        <p:cNvPr id="1" name=""/>
+        <p:cNvGrpSpPr/>
+        <p:nvPr/>
+      </p:nvGrpSpPr>
+      <p:grpSpPr>
+        <a:xfrm>
+          <a:off x="0" y="0"/>
+          <a:ext cx="0" cy="0"/>
+          <a:chOff x="0" y="0"/>
+          <a:chExt cx="0" cy="0"/>
+        </a:xfrm>
+      </p:grpSpPr>
+      <p:sp>
+        <p:nvSpPr>
+          <p:cNvPr id="2" name="Title 1">
+            <a:extLst>
+              <a:ext uri="{FF2B5EF4-FFF2-40B4-BE49-F238E27FC236}">
+                <a16:creationId xmlns:a16="http://schemas.microsoft.com/office/drawing/2014/main" id="{C766DAA3-1180-47C9-BEB2-C661161528BB}"/>
+              </a:ext>
+            </a:extLst>
+          </p:cNvPr>
+          <p:cNvSpPr>
+            <a:spLocks noGrp="1"/>
+          </p:cNvSpPr>
+          <p:nvPr>
+            <p:ph type="title"/>
+          </p:nvPr>
+        </p:nvSpPr>
+        <p:spPr>
+          <a:xfrm>
+            <a:off x="635000" y="222885"/>
+            <a:ext cx="10515600" cy="1325563"/>
+          </a:xfrm>
+        </p:spPr>
+        <p:txBody>
+          <a:bodyPr/>
+          <a:lstStyle/>
+          <a:p>
+            <a:r>
+              <a:rPr lang="en-US" dirty="0"/>
+              <a:t>Clean up lab resources</a:t>
+            </a:r>
+          </a:p>
+        </p:txBody>
+      </p:sp>
+      <p:sp>
+        <p:nvSpPr>
+          <p:cNvPr id="3" name="Content Placeholder 2">
+            <a:extLst>
+              <a:ext uri="{FF2B5EF4-FFF2-40B4-BE49-F238E27FC236}">
+                <a16:creationId xmlns:a16="http://schemas.microsoft.com/office/drawing/2014/main" id="{CF911072-7200-4721-A187-BDAF1477AC04}"/>
+              </a:ext>
+            </a:extLst>
+          </p:cNvPr>
+          <p:cNvSpPr>
+            <a:spLocks noGrp="1"/>
+          </p:cNvSpPr>
+          <p:nvPr>
+            <p:ph idx="1"/>
+          </p:nvPr>
+        </p:nvSpPr>
+        <p:spPr/>
+        <p:txBody>
+          <a:bodyPr/>
+          <a:lstStyle/>
+          <a:p>
+            <a:r>
+              <a:rPr lang="en-US" dirty="0"/>
+              <a:t>Delete the resource group created in the lab setup</a:t>
+            </a:r>
+          </a:p>
+          <a:p>
+            <a:r>
+              <a:rPr lang="en-US" dirty="0"/>
+              <a:t>Verify all resources removed</a:t>
+            </a:r>
+          </a:p>
+          <a:p>
+            <a:pPr marL="0" indent="0">
+              <a:buNone/>
+            </a:pPr>
+            <a:endParaRPr lang="en-US" dirty="0"/>
+          </a:p>
+        </p:txBody>
+      </p:sp>
+    </p:spTree>
+    <p:extLst>
+      <p:ext uri="{BB962C8B-B14F-4D97-AF65-F5344CB8AC3E}">
+        <p14:creationId xmlns:p14="http://schemas.microsoft.com/office/powerpoint/2010/main" val="1008131426"/>
+      </p:ext>
+    </p:extLst>
+  </p:cSld>
+  <p:clrMapOvr>
+    <a:masterClrMapping/>
+  </p:clrMapOvr>
+</p:sld>
+</file>
+
+<file path=ppt/slides/slide22.xml><?xml version="1.0" encoding="utf-8"?>
+<p:sld xmlns:a="http://schemas.openxmlformats.org/drawingml/2006/main" xmlns:r="http://schemas.openxmlformats.org/officeDocument/2006/relationships" xmlns:p="http://schemas.openxmlformats.org/presentationml/2006/main" show="0">
+  <p:cSld>
+    <p:spTree>
+      <p:nvGrpSpPr>
+        <p:cNvPr id="1" name=""/>
+        <p:cNvGrpSpPr/>
+        <p:nvPr/>
+      </p:nvGrpSpPr>
+      <p:grpSpPr>
+        <a:xfrm>
+          <a:off x="0" y="0"/>
+          <a:ext cx="0" cy="0"/>
+          <a:chOff x="0" y="0"/>
+          <a:chExt cx="0" cy="0"/>
+        </a:xfrm>
+      </p:grpSpPr>
+      <p:sp>
+        <p:nvSpPr>
+          <p:cNvPr id="2" name="Title 1">
+            <a:extLst>
+              <a:ext uri="{FF2B5EF4-FFF2-40B4-BE49-F238E27FC236}">
                 <a16:creationId xmlns:a16="http://schemas.microsoft.com/office/drawing/2014/main" id="{D13015D7-0367-4F35-9D75-5BED0E0478C0}"/>
               </a:ext>
             </a:extLst>
@@ -5604,8 +6876,8 @@
 </p:sld>
 </file>
 
-<file path=ppt/slides/slide16.xml><?xml version="1.0" encoding="utf-8"?>
-<p:sld xmlns:a="http://schemas.openxmlformats.org/drawingml/2006/main" xmlns:r="http://schemas.openxmlformats.org/officeDocument/2006/relationships" xmlns:p="http://schemas.openxmlformats.org/presentationml/2006/main">
+<file path=ppt/slides/slide23.xml><?xml version="1.0" encoding="utf-8"?>
+<p:sld xmlns:a="http://schemas.openxmlformats.org/drawingml/2006/main" xmlns:r="http://schemas.openxmlformats.org/officeDocument/2006/relationships" xmlns:p="http://schemas.openxmlformats.org/presentationml/2006/main" show="0">
   <p:cSld>
     <p:spTree>
       <p:nvGrpSpPr>
@@ -5626,7 +6898,7 @@
           <p:cNvPr id="2" name="Title 1">
             <a:extLst>
               <a:ext uri="{FF2B5EF4-FFF2-40B4-BE49-F238E27FC236}">
-                <a16:creationId xmlns:a16="http://schemas.microsoft.com/office/drawing/2014/main" id="{8057C150-24EA-44A0-822C-FA9C821ED815}"/>
+                <a16:creationId xmlns:a16="http://schemas.microsoft.com/office/drawing/2014/main" id="{D13015D7-0367-4F35-9D75-5BED0E0478C0}"/>
               </a:ext>
             </a:extLst>
           </p:cNvPr>
@@ -5639,8 +6911,8 @@
         </p:nvSpPr>
         <p:spPr>
           <a:xfrm>
-            <a:off x="157480" y="198120"/>
-            <a:ext cx="10515600" cy="755968"/>
+            <a:off x="274320" y="162560"/>
+            <a:ext cx="10515600" cy="776288"/>
           </a:xfrm>
         </p:spPr>
         <p:txBody>
@@ -5648,8 +6920,12 @@
           <a:lstStyle/>
           <a:p>
             <a:r>
-              <a:rPr lang="en-US" dirty="0"/>
-              <a:t>Configure Azure Compute account</a:t>
+              <a:rPr lang="en-US" dirty="0">
+                <a:highlight>
+                  <a:srgbClr val="FFFF00"/>
+                </a:highlight>
+              </a:rPr>
+              <a:t>Prepare for Linux guest file restore (optional)</a:t>
             </a:r>
           </a:p>
         </p:txBody>
@@ -5659,7 +6935,7 @@
           <p:cNvPr id="3" name="Content Placeholder 2">
             <a:extLst>
               <a:ext uri="{FF2B5EF4-FFF2-40B4-BE49-F238E27FC236}">
-                <a16:creationId xmlns:a16="http://schemas.microsoft.com/office/drawing/2014/main" id="{D7E5290A-3B6C-403E-92B0-40DC600D4A18}"/>
+                <a16:creationId xmlns:a16="http://schemas.microsoft.com/office/drawing/2014/main" id="{F49C5F9E-73F3-439D-A64E-08847336DC82}"/>
               </a:ext>
             </a:extLst>
           </p:cNvPr>
@@ -5672,8 +6948,8 @@
         </p:nvSpPr>
         <p:spPr>
           <a:xfrm>
-            <a:off x="213360" y="1148414"/>
-            <a:ext cx="5379720" cy="4351338"/>
+            <a:off x="127000" y="1038225"/>
+            <a:ext cx="6990080" cy="4351338"/>
           </a:xfrm>
         </p:spPr>
         <p:txBody>
@@ -5683,59 +6959,70 @@
           <a:lstStyle/>
           <a:p>
             <a:r>
-              <a:rPr lang="en-US" sz="2400" dirty="0"/>
-              <a:t>Open the Manage Cloud Credentials wizard</a:t>
-            </a:r>
-          </a:p>
-          <a:p>
-            <a:r>
-              <a:rPr lang="en-US" sz="2400" dirty="0"/>
-              <a:t>Add an Azure Compute account by supplying the same credentials you are using to authenticate into your Azure subscription</a:t>
-            </a:r>
-          </a:p>
-          <a:p>
-            <a:pPr lvl="1"/>
-            <a:r>
-              <a:rPr lang="en-US" sz="2000" dirty="0"/>
-              <a:t>The AAD account you supply must have rights on the subscription to create new resources including groups, VMs, storage accounts</a:t>
-            </a:r>
-          </a:p>
-        </p:txBody>
-      </p:sp>
-      <p:pic>
-        <p:nvPicPr>
-          <p:cNvPr id="4" name="Picture 3">
-            <a:extLst>
-              <a:ext uri="{FF2B5EF4-FFF2-40B4-BE49-F238E27FC236}">
-                <a16:creationId xmlns:a16="http://schemas.microsoft.com/office/drawing/2014/main" id="{4DD7B965-A65B-4D55-BB89-FF6105F5AF4E}"/>
-              </a:ext>
-            </a:extLst>
-          </p:cNvPr>
-          <p:cNvPicPr>
-            <a:picLocks noChangeAspect="1"/>
-          </p:cNvPicPr>
-          <p:nvPr/>
-        </p:nvPicPr>
-        <p:blipFill>
-          <a:blip r:embed="rId2"/>
-          <a:stretch>
-            <a:fillRect/>
-          </a:stretch>
-        </p:blipFill>
-        <p:spPr>
-          <a:xfrm>
-            <a:off x="5932308" y="997585"/>
-            <a:ext cx="5529303" cy="4652997"/>
-          </a:xfrm>
-          <a:prstGeom prst="rect">
-            <a:avLst/>
-          </a:prstGeom>
-        </p:spPr>
-      </p:pic>
+              <a:rPr lang="en-US" sz="1800" dirty="0"/>
+              <a:t>Veeam uses a helper appliance VM to perform guest-level file restores from Linux servers. We will configure Hyper-V on the Veeam B&amp;R server to host this helper appliance</a:t>
+            </a:r>
+          </a:p>
+          <a:p>
+            <a:r>
+              <a:rPr lang="en-US" sz="1800" dirty="0"/>
+              <a:t>Open Hyper-V Manager and add a new </a:t>
+            </a:r>
+            <a:r>
+              <a:rPr lang="en-US" sz="1800" b="1" dirty="0"/>
+              <a:t>Internal </a:t>
+            </a:r>
+            <a:r>
+              <a:rPr lang="en-US" sz="1800" b="1" dirty="0" err="1"/>
+              <a:t>vSwitch</a:t>
+            </a:r>
+            <a:r>
+              <a:rPr lang="en-US" sz="1800" b="1" dirty="0"/>
+              <a:t> </a:t>
+            </a:r>
+            <a:r>
+              <a:rPr lang="en-US" sz="1800" dirty="0"/>
+              <a:t>using default values</a:t>
+            </a:r>
+          </a:p>
+          <a:p>
+            <a:r>
+              <a:rPr lang="en-US" sz="1800" dirty="0"/>
+              <a:t>Open Windows Network Adapter settings and change the IPv4 settings of the new </a:t>
+            </a:r>
+            <a:r>
+              <a:rPr lang="en-US" sz="1800" dirty="0" err="1"/>
+              <a:t>vSwitch</a:t>
+            </a:r>
+            <a:endParaRPr lang="en-US" sz="1400" dirty="0"/>
+          </a:p>
+          <a:p>
+            <a:r>
+              <a:rPr lang="en-US" sz="1800" dirty="0"/>
+              <a:t>In the Veeam console, register the local server as a new Virtual Host</a:t>
+            </a:r>
+          </a:p>
+          <a:p>
+            <a:r>
+              <a:rPr lang="en-US" sz="1800" dirty="0"/>
+              <a:t>We’ll walk through this one together.</a:t>
+            </a:r>
+          </a:p>
+          <a:p>
+            <a:pPr marL="0" indent="0">
+              <a:buNone/>
+            </a:pPr>
+            <a:endParaRPr lang="en-US" sz="1800" dirty="0"/>
+          </a:p>
+          <a:p>
+            <a:endParaRPr lang="en-US" sz="1800" dirty="0"/>
+          </a:p>
+        </p:txBody>
+      </p:sp>
     </p:spTree>
     <p:extLst>
       <p:ext uri="{BB962C8B-B14F-4D97-AF65-F5344CB8AC3E}">
-        <p14:creationId xmlns:p14="http://schemas.microsoft.com/office/powerpoint/2010/main" val="61360042"/>
+        <p14:creationId xmlns:p14="http://schemas.microsoft.com/office/powerpoint/2010/main" val="2233001867"/>
       </p:ext>
     </p:extLst>
   </p:cSld>
@@ -5745,8 +7032,8 @@
 </p:sld>
 </file>
 
-<file path=ppt/slides/slide17.xml><?xml version="1.0" encoding="utf-8"?>
-<p:sld xmlns:a="http://schemas.openxmlformats.org/drawingml/2006/main" xmlns:r="http://schemas.openxmlformats.org/officeDocument/2006/relationships" xmlns:p="http://schemas.openxmlformats.org/presentationml/2006/main">
+<file path=ppt/slides/slide24.xml><?xml version="1.0" encoding="utf-8"?>
+<p:sld xmlns:a="http://schemas.openxmlformats.org/drawingml/2006/main" xmlns:r="http://schemas.openxmlformats.org/officeDocument/2006/relationships" xmlns:p="http://schemas.openxmlformats.org/presentationml/2006/main" show="0">
   <p:cSld>
     <p:spTree>
       <p:nvGrpSpPr>
@@ -5767,7 +7054,7 @@
           <p:cNvPr id="2" name="Title 1">
             <a:extLst>
               <a:ext uri="{FF2B5EF4-FFF2-40B4-BE49-F238E27FC236}">
-                <a16:creationId xmlns:a16="http://schemas.microsoft.com/office/drawing/2014/main" id="{8057C150-24EA-44A0-822C-FA9C821ED815}"/>
+                <a16:creationId xmlns:a16="http://schemas.microsoft.com/office/drawing/2014/main" id="{FC7C3933-6F6F-4C6D-963E-4ADB3DA0885E}"/>
               </a:ext>
             </a:extLst>
           </p:cNvPr>
@@ -5778,19 +7065,14 @@
             <p:ph type="title"/>
           </p:nvPr>
         </p:nvSpPr>
-        <p:spPr>
-          <a:xfrm>
-            <a:off x="157480" y="198120"/>
-            <a:ext cx="10515600" cy="755968"/>
-          </a:xfrm>
-        </p:spPr>
+        <p:spPr/>
         <p:txBody>
           <a:bodyPr/>
           <a:lstStyle/>
           <a:p>
             <a:r>
               <a:rPr lang="en-US" dirty="0"/>
-              <a:t>Configure Azure instant restore landing zone</a:t>
+              <a:t>Veeam Replication Demo</a:t>
             </a:r>
           </a:p>
         </p:txBody>
@@ -5800,7 +7082,7 @@
           <p:cNvPr id="3" name="Content Placeholder 2">
             <a:extLst>
               <a:ext uri="{FF2B5EF4-FFF2-40B4-BE49-F238E27FC236}">
-                <a16:creationId xmlns:a16="http://schemas.microsoft.com/office/drawing/2014/main" id="{D7E5290A-3B6C-403E-92B0-40DC600D4A18}"/>
+                <a16:creationId xmlns:a16="http://schemas.microsoft.com/office/drawing/2014/main" id="{F897A5C1-C54E-49CC-B553-856B72B6FFE6}"/>
               </a:ext>
             </a:extLst>
           </p:cNvPr>
@@ -5811,76 +7093,34 @@
             <p:ph idx="1"/>
           </p:nvPr>
         </p:nvSpPr>
-        <p:spPr>
-          <a:xfrm>
-            <a:off x="213360" y="1148414"/>
-            <a:ext cx="9850120" cy="4351338"/>
-          </a:xfrm>
-        </p:spPr>
-        <p:txBody>
-          <a:bodyPr>
-            <a:normAutofit/>
-          </a:bodyPr>
-          <a:lstStyle/>
-          <a:p>
-            <a:r>
-              <a:rPr lang="en-US" sz="2400" dirty="0"/>
-              <a:t>We want to create a landing spot for VMs restored to Azure in advance of doing a restore</a:t>
-            </a:r>
-          </a:p>
-          <a:p>
-            <a:r>
-              <a:rPr lang="en-US" sz="2400" dirty="0"/>
-              <a:t>From the Azure portal create the following:</a:t>
-            </a:r>
-          </a:p>
-          <a:p>
-            <a:pPr lvl="1"/>
-            <a:r>
-              <a:rPr lang="en-US" sz="2000" dirty="0"/>
-              <a:t>New resource group</a:t>
-            </a:r>
-          </a:p>
-          <a:p>
-            <a:pPr lvl="1"/>
-            <a:r>
-              <a:rPr lang="en-US" sz="2000" dirty="0"/>
-              <a:t>Standard storage account (LRS)</a:t>
-            </a:r>
-          </a:p>
-          <a:p>
-            <a:pPr lvl="1"/>
-            <a:r>
-              <a:rPr lang="en-US" sz="2000" dirty="0"/>
-              <a:t>Virtual network and subnet (place in the new resource group you just created)</a:t>
-            </a:r>
-          </a:p>
-          <a:p>
-            <a:pPr lvl="1"/>
-            <a:r>
-              <a:rPr lang="en-US" sz="2000" dirty="0"/>
-              <a:t>NSG (optional)</a:t>
-            </a:r>
-          </a:p>
-          <a:p>
-            <a:pPr lvl="1"/>
-            <a:endParaRPr lang="en-US" sz="2000" dirty="0"/>
-          </a:p>
-          <a:p>
-            <a:r>
-              <a:rPr lang="en-US" sz="2400" dirty="0"/>
-              <a:t>When we perform the Restore to Azure from Veeam console, we will target this landing zone as a spot for our restored VMs to instantiate</a:t>
-            </a:r>
-          </a:p>
-          <a:p>
-            <a:endParaRPr lang="en-US" sz="2400" dirty="0"/>
+        <p:spPr/>
+        <p:txBody>
+          <a:bodyPr/>
+          <a:lstStyle/>
+          <a:p>
+            <a:r>
+              <a:rPr lang="en-US" dirty="0"/>
+              <a:t>Kurt to demo Datacenter1-&gt;Datacenter2 replication</a:t>
+            </a:r>
+          </a:p>
+          <a:p>
+            <a:r>
+              <a:rPr lang="en-US" dirty="0"/>
+              <a:t>Discuss warm standby; comes online in a few minutes</a:t>
+            </a:r>
+          </a:p>
+          <a:p>
+            <a:r>
+              <a:rPr lang="en-US" dirty="0"/>
+              <a:t>RPO/RTO</a:t>
+            </a:r>
           </a:p>
         </p:txBody>
       </p:sp>
     </p:spTree>
     <p:extLst>
       <p:ext uri="{BB962C8B-B14F-4D97-AF65-F5344CB8AC3E}">
-        <p14:creationId xmlns:p14="http://schemas.microsoft.com/office/powerpoint/2010/main" val="4209937212"/>
+        <p14:creationId xmlns:p14="http://schemas.microsoft.com/office/powerpoint/2010/main" val="3773804038"/>
       </p:ext>
     </p:extLst>
   </p:cSld>
@@ -5890,909 +7130,8 @@
 </p:sld>
 </file>
 
-<file path=ppt/slides/slide18.xml><?xml version="1.0" encoding="utf-8"?>
-<p:sld xmlns:a="http://schemas.openxmlformats.org/drawingml/2006/main" xmlns:r="http://schemas.openxmlformats.org/officeDocument/2006/relationships" xmlns:p="http://schemas.openxmlformats.org/presentationml/2006/main">
-  <p:cSld>
-    <p:spTree>
-      <p:nvGrpSpPr>
-        <p:cNvPr id="1" name=""/>
-        <p:cNvGrpSpPr/>
-        <p:nvPr/>
-      </p:nvGrpSpPr>
-      <p:grpSpPr>
-        <a:xfrm>
-          <a:off x="0" y="0"/>
-          <a:ext cx="0" cy="0"/>
-          <a:chOff x="0" y="0"/>
-          <a:chExt cx="0" cy="0"/>
-        </a:xfrm>
-      </p:grpSpPr>
-      <p:sp>
-        <p:nvSpPr>
-          <p:cNvPr id="2" name="Title 1">
-            <a:extLst>
-              <a:ext uri="{FF2B5EF4-FFF2-40B4-BE49-F238E27FC236}">
-                <a16:creationId xmlns:a16="http://schemas.microsoft.com/office/drawing/2014/main" id="{2A385035-02EA-4DBD-BC76-2504795C6C80}"/>
-              </a:ext>
-            </a:extLst>
-          </p:cNvPr>
-          <p:cNvSpPr>
-            <a:spLocks noGrp="1"/>
-          </p:cNvSpPr>
-          <p:nvPr>
-            <p:ph type="title"/>
-          </p:nvPr>
-        </p:nvSpPr>
-        <p:spPr>
-          <a:xfrm>
-            <a:off x="172720" y="132080"/>
-            <a:ext cx="10515600" cy="695008"/>
-          </a:xfrm>
-        </p:spPr>
-        <p:txBody>
-          <a:bodyPr/>
-          <a:lstStyle/>
-          <a:p>
-            <a:r>
-              <a:rPr lang="en-US" dirty="0"/>
-              <a:t>Start a restore to Azure from Veeam</a:t>
-            </a:r>
-          </a:p>
-        </p:txBody>
-      </p:sp>
-      <p:sp>
-        <p:nvSpPr>
-          <p:cNvPr id="3" name="Content Placeholder 2">
-            <a:extLst>
-              <a:ext uri="{FF2B5EF4-FFF2-40B4-BE49-F238E27FC236}">
-                <a16:creationId xmlns:a16="http://schemas.microsoft.com/office/drawing/2014/main" id="{9EA152D9-CD9D-48B9-A032-38566DA1EE48}"/>
-              </a:ext>
-            </a:extLst>
-          </p:cNvPr>
-          <p:cNvSpPr>
-            <a:spLocks noGrp="1"/>
-          </p:cNvSpPr>
-          <p:nvPr>
-            <p:ph idx="1"/>
-          </p:nvPr>
-        </p:nvSpPr>
-        <p:spPr>
-          <a:xfrm>
-            <a:off x="233680" y="936624"/>
-            <a:ext cx="4617720" cy="5176875"/>
-          </a:xfrm>
-        </p:spPr>
-        <p:txBody>
-          <a:bodyPr>
-            <a:normAutofit lnSpcReduction="10000"/>
-          </a:bodyPr>
-          <a:lstStyle/>
-          <a:p>
-            <a:r>
-              <a:rPr lang="en-US" sz="1800" dirty="0"/>
-              <a:t>From the Home tab of Veeam console, select Restore-&gt;Agent</a:t>
-            </a:r>
-          </a:p>
-          <a:p>
-            <a:r>
-              <a:rPr lang="en-US" sz="1800" dirty="0"/>
-              <a:t>Select Entire Machine restore and review options</a:t>
-            </a:r>
-          </a:p>
-          <a:p>
-            <a:r>
-              <a:rPr lang="en-US" sz="1800" dirty="0"/>
-              <a:t>Select Restore to Azure</a:t>
-            </a:r>
-          </a:p>
-          <a:p>
-            <a:r>
-              <a:rPr lang="en-US" sz="1800" dirty="0"/>
-              <a:t>Follow the wizard to complete the restore</a:t>
-            </a:r>
-          </a:p>
-          <a:p>
-            <a:pPr lvl="1"/>
-            <a:r>
-              <a:rPr lang="en-US" sz="1400" dirty="0"/>
-              <a:t>Use either the SQL or Linux VM as your source</a:t>
-            </a:r>
-          </a:p>
-          <a:p>
-            <a:pPr lvl="1"/>
-            <a:r>
-              <a:rPr lang="en-US" sz="1400" dirty="0"/>
-              <a:t>Select the Azure compute subscription you registered earlier</a:t>
-            </a:r>
-          </a:p>
-          <a:p>
-            <a:pPr lvl="1"/>
-            <a:r>
-              <a:rPr lang="en-US" sz="1400" dirty="0"/>
-              <a:t>Choose an appropriate VM size (recommend D2v3)</a:t>
-            </a:r>
-          </a:p>
-          <a:p>
-            <a:pPr lvl="1"/>
-            <a:r>
-              <a:rPr lang="en-US" sz="1400" dirty="0"/>
-              <a:t>Select the storage account you just created</a:t>
-            </a:r>
-          </a:p>
-          <a:p>
-            <a:pPr lvl="1"/>
-            <a:r>
-              <a:rPr lang="en-US" sz="1400" dirty="0"/>
-              <a:t>Give the restored </a:t>
-            </a:r>
-            <a:r>
-              <a:rPr lang="en-US" sz="1400" dirty="0" err="1"/>
-              <a:t>vm</a:t>
-            </a:r>
-            <a:r>
-              <a:rPr lang="en-US" sz="1400" dirty="0"/>
-              <a:t> a unique name</a:t>
-            </a:r>
-          </a:p>
-          <a:p>
-            <a:pPr lvl="1"/>
-            <a:r>
-              <a:rPr lang="en-US" sz="1400" dirty="0"/>
-              <a:t>Select the resource group you just created as the </a:t>
-            </a:r>
-            <a:r>
-              <a:rPr lang="en-US" sz="1400" dirty="0" err="1"/>
-              <a:t>rg</a:t>
-            </a:r>
-            <a:endParaRPr lang="en-US" sz="1400" dirty="0"/>
-          </a:p>
-          <a:p>
-            <a:pPr lvl="1"/>
-            <a:r>
-              <a:rPr lang="en-US" sz="1400" dirty="0"/>
-              <a:t>Select the </a:t>
-            </a:r>
-            <a:r>
-              <a:rPr lang="en-US" sz="1400" dirty="0" err="1"/>
-              <a:t>Vnet</a:t>
-            </a:r>
-            <a:r>
-              <a:rPr lang="en-US" sz="1400" dirty="0"/>
-              <a:t> you just created</a:t>
-            </a:r>
-          </a:p>
-          <a:p>
-            <a:pPr lvl="1"/>
-            <a:r>
-              <a:rPr lang="en-US" sz="1400" dirty="0"/>
-              <a:t>Start the restore</a:t>
-            </a:r>
-          </a:p>
-          <a:p>
-            <a:r>
-              <a:rPr lang="en-US" sz="1800" dirty="0"/>
-              <a:t>The machine will now be created in Azure</a:t>
-            </a:r>
-          </a:p>
-          <a:p>
-            <a:r>
-              <a:rPr lang="en-US" sz="1800" dirty="0"/>
-              <a:t>This process can be used to easily migrate VMs to Azure permanently</a:t>
-            </a:r>
-          </a:p>
-          <a:p>
-            <a:endParaRPr lang="en-US" sz="1800" dirty="0"/>
-          </a:p>
-        </p:txBody>
-      </p:sp>
-      <p:pic>
-        <p:nvPicPr>
-          <p:cNvPr id="4" name="Picture 3">
-            <a:extLst>
-              <a:ext uri="{FF2B5EF4-FFF2-40B4-BE49-F238E27FC236}">
-                <a16:creationId xmlns:a16="http://schemas.microsoft.com/office/drawing/2014/main" id="{C3A49636-EEB8-416B-BD57-AB8D3E097453}"/>
-              </a:ext>
-            </a:extLst>
-          </p:cNvPr>
-          <p:cNvPicPr>
-            <a:picLocks noChangeAspect="1"/>
-          </p:cNvPicPr>
-          <p:nvPr/>
-        </p:nvPicPr>
-        <p:blipFill>
-          <a:blip r:embed="rId2"/>
-          <a:stretch>
-            <a:fillRect/>
-          </a:stretch>
-        </p:blipFill>
-        <p:spPr>
-          <a:xfrm>
-            <a:off x="4989646" y="1226642"/>
-            <a:ext cx="6815187" cy="5176875"/>
-          </a:xfrm>
-          <a:prstGeom prst="rect">
-            <a:avLst/>
-          </a:prstGeom>
-        </p:spPr>
-      </p:pic>
-    </p:spTree>
-    <p:extLst>
-      <p:ext uri="{BB962C8B-B14F-4D97-AF65-F5344CB8AC3E}">
-        <p14:creationId xmlns:p14="http://schemas.microsoft.com/office/powerpoint/2010/main" val="1029637529"/>
-      </p:ext>
-    </p:extLst>
-  </p:cSld>
-  <p:clrMapOvr>
-    <a:masterClrMapping/>
-  </p:clrMapOvr>
-</p:sld>
-</file>
-
-<file path=ppt/slides/slide19.xml><?xml version="1.0" encoding="utf-8"?>
-<p:sld xmlns:a="http://schemas.openxmlformats.org/drawingml/2006/main" xmlns:r="http://schemas.openxmlformats.org/officeDocument/2006/relationships" xmlns:p="http://schemas.openxmlformats.org/presentationml/2006/main">
-  <p:cSld>
-    <p:spTree>
-      <p:nvGrpSpPr>
-        <p:cNvPr id="1" name=""/>
-        <p:cNvGrpSpPr/>
-        <p:nvPr/>
-      </p:nvGrpSpPr>
-      <p:grpSpPr>
-        <a:xfrm>
-          <a:off x="0" y="0"/>
-          <a:ext cx="0" cy="0"/>
-          <a:chOff x="0" y="0"/>
-          <a:chExt cx="0" cy="0"/>
-        </a:xfrm>
-      </p:grpSpPr>
-      <p:sp>
-        <p:nvSpPr>
-          <p:cNvPr id="2" name="Title 1">
-            <a:extLst>
-              <a:ext uri="{FF2B5EF4-FFF2-40B4-BE49-F238E27FC236}">
-                <a16:creationId xmlns:a16="http://schemas.microsoft.com/office/drawing/2014/main" id="{CE82CC5D-AB8C-44C5-A690-D781B52CD1C9}"/>
-              </a:ext>
-            </a:extLst>
-          </p:cNvPr>
-          <p:cNvSpPr>
-            <a:spLocks noGrp="1"/>
-          </p:cNvSpPr>
-          <p:nvPr>
-            <p:ph type="title"/>
-          </p:nvPr>
-        </p:nvSpPr>
-        <p:spPr>
-          <a:xfrm>
-            <a:off x="416560" y="146685"/>
-            <a:ext cx="10515600" cy="1325563"/>
-          </a:xfrm>
-        </p:spPr>
-        <p:txBody>
-          <a:bodyPr/>
-          <a:lstStyle/>
-          <a:p>
-            <a:r>
-              <a:rPr lang="en-US" dirty="0"/>
-              <a:t>Converting Unmanaged Disks to Managed Disks post-restore to Azure</a:t>
-            </a:r>
-          </a:p>
-        </p:txBody>
-      </p:sp>
-      <p:sp>
-        <p:nvSpPr>
-          <p:cNvPr id="3" name="Content Placeholder 2">
-            <a:extLst>
-              <a:ext uri="{FF2B5EF4-FFF2-40B4-BE49-F238E27FC236}">
-                <a16:creationId xmlns:a16="http://schemas.microsoft.com/office/drawing/2014/main" id="{A75F286E-80D8-486C-AA1E-B48AD8B108E2}"/>
-              </a:ext>
-            </a:extLst>
-          </p:cNvPr>
-          <p:cNvSpPr>
-            <a:spLocks noGrp="1"/>
-          </p:cNvSpPr>
-          <p:nvPr>
-            <p:ph idx="1"/>
-          </p:nvPr>
-        </p:nvSpPr>
-        <p:spPr/>
-        <p:txBody>
-          <a:bodyPr/>
-          <a:lstStyle/>
-          <a:p>
-            <a:r>
-              <a:rPr lang="en-US" dirty="0"/>
-              <a:t>In the Azure portal, navigate to your newly restored VM</a:t>
-            </a:r>
-          </a:p>
-          <a:p>
-            <a:r>
-              <a:rPr lang="en-US" dirty="0"/>
-              <a:t>There will be a ribbon at the top explaining that you are not using Managed Disks</a:t>
-            </a:r>
-          </a:p>
-          <a:p>
-            <a:r>
-              <a:rPr lang="en-US" dirty="0"/>
-              <a:t>Click that ribbon and then click Migrate to convert your VM to using Managed Disks</a:t>
-            </a:r>
-          </a:p>
-          <a:p>
-            <a:r>
-              <a:rPr lang="en-US" dirty="0"/>
-              <a:t>Managed Disks have many benefits over unmanaged disks and should always be used when possible. </a:t>
-            </a:r>
-          </a:p>
-        </p:txBody>
-      </p:sp>
-    </p:spTree>
-    <p:extLst>
-      <p:ext uri="{BB962C8B-B14F-4D97-AF65-F5344CB8AC3E}">
-        <p14:creationId xmlns:p14="http://schemas.microsoft.com/office/powerpoint/2010/main" val="2646255455"/>
-      </p:ext>
-    </p:extLst>
-  </p:cSld>
-  <p:clrMapOvr>
-    <a:masterClrMapping/>
-  </p:clrMapOvr>
-</p:sld>
-</file>
-
-<file path=ppt/slides/slide2.xml><?xml version="1.0" encoding="utf-8"?>
-<p:sld xmlns:a="http://schemas.openxmlformats.org/drawingml/2006/main" xmlns:r="http://schemas.openxmlformats.org/officeDocument/2006/relationships" xmlns:p="http://schemas.openxmlformats.org/presentationml/2006/main">
-  <p:cSld>
-    <p:spTree>
-      <p:nvGrpSpPr>
-        <p:cNvPr id="1" name=""/>
-        <p:cNvGrpSpPr/>
-        <p:nvPr/>
-      </p:nvGrpSpPr>
-      <p:grpSpPr>
-        <a:xfrm>
-          <a:off x="0" y="0"/>
-          <a:ext cx="0" cy="0"/>
-          <a:chOff x="0" y="0"/>
-          <a:chExt cx="0" cy="0"/>
-        </a:xfrm>
-      </p:grpSpPr>
-      <p:sp>
-        <p:nvSpPr>
-          <p:cNvPr id="2" name="Title 1">
-            <a:extLst>
-              <a:ext uri="{FF2B5EF4-FFF2-40B4-BE49-F238E27FC236}">
-                <a16:creationId xmlns:a16="http://schemas.microsoft.com/office/drawing/2014/main" id="{1310118D-4CD3-4ABA-A3DD-ABEED422B15C}"/>
-              </a:ext>
-            </a:extLst>
-          </p:cNvPr>
-          <p:cNvSpPr>
-            <a:spLocks noGrp="1"/>
-          </p:cNvSpPr>
-          <p:nvPr>
-            <p:ph type="title"/>
-          </p:nvPr>
-        </p:nvSpPr>
-        <p:spPr>
-          <a:xfrm>
-            <a:off x="159663" y="86518"/>
-            <a:ext cx="10515600" cy="893763"/>
-          </a:xfrm>
-        </p:spPr>
-        <p:txBody>
-          <a:bodyPr/>
-          <a:lstStyle/>
-          <a:p>
-            <a:r>
-              <a:rPr lang="en-US" dirty="0"/>
-              <a:t>Lab Infrastructure Setup</a:t>
-            </a:r>
-          </a:p>
-        </p:txBody>
-      </p:sp>
-      <p:sp>
-        <p:nvSpPr>
-          <p:cNvPr id="3" name="Content Placeholder 2">
-            <a:extLst>
-              <a:ext uri="{FF2B5EF4-FFF2-40B4-BE49-F238E27FC236}">
-                <a16:creationId xmlns:a16="http://schemas.microsoft.com/office/drawing/2014/main" id="{34FD2FB7-B1DD-40A1-9EAE-2E677BE11EB8}"/>
-              </a:ext>
-            </a:extLst>
-          </p:cNvPr>
-          <p:cNvSpPr>
-            <a:spLocks noGrp="1"/>
-          </p:cNvSpPr>
-          <p:nvPr>
-            <p:ph idx="1"/>
-          </p:nvPr>
-        </p:nvSpPr>
-        <p:spPr>
-          <a:xfrm>
-            <a:off x="345440" y="1048385"/>
-            <a:ext cx="5953760" cy="4910455"/>
-          </a:xfrm>
-        </p:spPr>
-        <p:txBody>
-          <a:bodyPr>
-            <a:normAutofit/>
-          </a:bodyPr>
-          <a:lstStyle/>
-          <a:p>
-            <a:r>
-              <a:rPr lang="en-US" sz="2400" dirty="0"/>
-              <a:t>Open the Veeam On Azure lab </a:t>
-            </a:r>
-            <a:r>
-              <a:rPr lang="en-US" sz="2400" dirty="0" err="1">
-                <a:hlinkClick r:id="rId2"/>
-              </a:rPr>
-              <a:t>Github</a:t>
-            </a:r>
-            <a:r>
-              <a:rPr lang="en-US" sz="2400" dirty="0">
-                <a:hlinkClick r:id="rId2"/>
-              </a:rPr>
-              <a:t> repo</a:t>
-            </a:r>
-            <a:endParaRPr lang="en-US" sz="2400" dirty="0"/>
-          </a:p>
-          <a:p>
-            <a:r>
-              <a:rPr lang="en-US" sz="2400" dirty="0"/>
-              <a:t>Review the README.md instructions</a:t>
-            </a:r>
-          </a:p>
-          <a:p>
-            <a:r>
-              <a:rPr lang="en-US" sz="2400" dirty="0"/>
-              <a:t>Download the Lab guide pptx</a:t>
-            </a:r>
-          </a:p>
-          <a:p>
-            <a:r>
-              <a:rPr lang="en-US" sz="2400" dirty="0"/>
-              <a:t>Sign into portal.azure.com</a:t>
-            </a:r>
-          </a:p>
-          <a:p>
-            <a:r>
-              <a:rPr lang="en-US" sz="2400" dirty="0"/>
-              <a:t>Click “Deploy To Azure” button</a:t>
-            </a:r>
-          </a:p>
-          <a:p>
-            <a:r>
-              <a:rPr lang="en-US" sz="2400" dirty="0"/>
-              <a:t>Provide a globally unique name for your storage accounts*</a:t>
-            </a:r>
-          </a:p>
-          <a:p>
-            <a:pPr lvl="1"/>
-            <a:r>
-              <a:rPr lang="en-US" sz="2000" dirty="0"/>
-              <a:t>Cap Storage name</a:t>
-            </a:r>
-          </a:p>
-          <a:p>
-            <a:pPr lvl="1"/>
-            <a:r>
-              <a:rPr lang="en-US" sz="2000" dirty="0"/>
-              <a:t>Diagnostics Storage Account Name</a:t>
-            </a:r>
-          </a:p>
-          <a:p>
-            <a:pPr marL="0" indent="0">
-              <a:buNone/>
-            </a:pPr>
-            <a:endParaRPr lang="en-US" sz="2400" dirty="0"/>
-          </a:p>
-          <a:p>
-            <a:pPr marL="0" indent="0">
-              <a:buNone/>
-            </a:pPr>
-            <a:endParaRPr lang="en-US" sz="2400" dirty="0"/>
-          </a:p>
-        </p:txBody>
-      </p:sp>
-      <p:pic>
-        <p:nvPicPr>
-          <p:cNvPr id="6" name="Picture 5">
-            <a:extLst>
-              <a:ext uri="{FF2B5EF4-FFF2-40B4-BE49-F238E27FC236}">
-                <a16:creationId xmlns:a16="http://schemas.microsoft.com/office/drawing/2014/main" id="{897A305F-A6DD-44C4-9E86-DC76A911F4E3}"/>
-              </a:ext>
-            </a:extLst>
-          </p:cNvPr>
-          <p:cNvPicPr>
-            <a:picLocks noChangeAspect="1"/>
-          </p:cNvPicPr>
-          <p:nvPr/>
-        </p:nvPicPr>
-        <p:blipFill>
-          <a:blip r:embed="rId3"/>
-          <a:stretch>
-            <a:fillRect/>
-          </a:stretch>
-        </p:blipFill>
-        <p:spPr>
-          <a:xfrm>
-            <a:off x="6479861" y="533400"/>
-            <a:ext cx="5486436" cy="5425440"/>
-          </a:xfrm>
-          <a:prstGeom prst="rect">
-            <a:avLst/>
-          </a:prstGeom>
-        </p:spPr>
-      </p:pic>
-      <p:sp>
-        <p:nvSpPr>
-          <p:cNvPr id="7" name="Title 1">
-            <a:extLst>
-              <a:ext uri="{FF2B5EF4-FFF2-40B4-BE49-F238E27FC236}">
-                <a16:creationId xmlns:a16="http://schemas.microsoft.com/office/drawing/2014/main" id="{FDBBE628-FB62-4C30-8529-4E423A549194}"/>
-              </a:ext>
-            </a:extLst>
-          </p:cNvPr>
-          <p:cNvSpPr txBox="1">
-            <a:spLocks/>
-          </p:cNvSpPr>
-          <p:nvPr/>
-        </p:nvSpPr>
-        <p:spPr>
-          <a:xfrm>
-            <a:off x="391160" y="5958840"/>
-            <a:ext cx="10515600" cy="932021"/>
-          </a:xfrm>
-          <a:prstGeom prst="rect">
-            <a:avLst/>
-          </a:prstGeom>
-        </p:spPr>
-        <p:txBody>
-          <a:bodyPr vert="horz" lIns="91440" tIns="45720" rIns="91440" bIns="45720" rtlCol="0" anchor="ctr">
-            <a:normAutofit/>
-          </a:bodyPr>
-          <a:lstStyle>
-            <a:lvl1pPr algn="l" defTabSz="914400" rtl="0" eaLnBrk="1" latinLnBrk="0" hangingPunct="1">
-              <a:lnSpc>
-                <a:spcPct val="90000"/>
-              </a:lnSpc>
-              <a:spcBef>
-                <a:spcPct val="0"/>
-              </a:spcBef>
-              <a:buNone/>
-              <a:defRPr sz="4400" kern="1200">
-                <a:solidFill>
-                  <a:schemeClr val="tx1"/>
-                </a:solidFill>
-                <a:latin typeface="+mj-lt"/>
-                <a:ea typeface="+mj-ea"/>
-                <a:cs typeface="+mj-cs"/>
-              </a:defRPr>
-            </a:lvl1pPr>
-          </a:lstStyle>
-          <a:p>
-            <a:r>
-              <a:rPr lang="en-US" sz="2000" i="1" dirty="0"/>
-              <a:t>*Azure storage accounts must have a globally unique name between 3 and 24 characters (all lowercase, no special chars)</a:t>
-            </a:r>
-            <a:endParaRPr lang="en-US" sz="1100" i="1" dirty="0"/>
-          </a:p>
-        </p:txBody>
-      </p:sp>
-    </p:spTree>
-    <p:extLst>
-      <p:ext uri="{BB962C8B-B14F-4D97-AF65-F5344CB8AC3E}">
-        <p14:creationId xmlns:p14="http://schemas.microsoft.com/office/powerpoint/2010/main" val="3259501906"/>
-      </p:ext>
-    </p:extLst>
-  </p:cSld>
-  <p:clrMapOvr>
-    <a:masterClrMapping/>
-  </p:clrMapOvr>
-</p:sld>
-</file>
-
-<file path=ppt/slides/slide20.xml><?xml version="1.0" encoding="utf-8"?>
-<p:sld xmlns:a="http://schemas.openxmlformats.org/drawingml/2006/main" xmlns:r="http://schemas.openxmlformats.org/officeDocument/2006/relationships" xmlns:p="http://schemas.openxmlformats.org/presentationml/2006/main">
-  <p:cSld>
-    <p:spTree>
-      <p:nvGrpSpPr>
-        <p:cNvPr id="1" name=""/>
-        <p:cNvGrpSpPr/>
-        <p:nvPr/>
-      </p:nvGrpSpPr>
-      <p:grpSpPr>
-        <a:xfrm>
-          <a:off x="0" y="0"/>
-          <a:ext cx="0" cy="0"/>
-          <a:chOff x="0" y="0"/>
-          <a:chExt cx="0" cy="0"/>
-        </a:xfrm>
-      </p:grpSpPr>
-      <p:sp>
-        <p:nvSpPr>
-          <p:cNvPr id="2" name="Title 1">
-            <a:extLst>
-              <a:ext uri="{FF2B5EF4-FFF2-40B4-BE49-F238E27FC236}">
-                <a16:creationId xmlns:a16="http://schemas.microsoft.com/office/drawing/2014/main" id="{D13015D7-0367-4F35-9D75-5BED0E0478C0}"/>
-              </a:ext>
-            </a:extLst>
-          </p:cNvPr>
-          <p:cNvSpPr>
-            <a:spLocks noGrp="1"/>
-          </p:cNvSpPr>
-          <p:nvPr>
-            <p:ph type="title"/>
-          </p:nvPr>
-        </p:nvSpPr>
-        <p:spPr>
-          <a:xfrm>
-            <a:off x="274320" y="162560"/>
-            <a:ext cx="10515600" cy="776288"/>
-          </a:xfrm>
-        </p:spPr>
-        <p:txBody>
-          <a:bodyPr/>
-          <a:lstStyle/>
-          <a:p>
-            <a:r>
-              <a:rPr lang="en-US" dirty="0">
-                <a:highlight>
-                  <a:srgbClr val="FFFF00"/>
-                </a:highlight>
-              </a:rPr>
-              <a:t>Prepare for Linux guest file restore (optional)</a:t>
-            </a:r>
-          </a:p>
-        </p:txBody>
-      </p:sp>
-      <p:sp>
-        <p:nvSpPr>
-          <p:cNvPr id="3" name="Content Placeholder 2">
-            <a:extLst>
-              <a:ext uri="{FF2B5EF4-FFF2-40B4-BE49-F238E27FC236}">
-                <a16:creationId xmlns:a16="http://schemas.microsoft.com/office/drawing/2014/main" id="{F49C5F9E-73F3-439D-A64E-08847336DC82}"/>
-              </a:ext>
-            </a:extLst>
-          </p:cNvPr>
-          <p:cNvSpPr>
-            <a:spLocks noGrp="1"/>
-          </p:cNvSpPr>
-          <p:nvPr>
-            <p:ph idx="1"/>
-          </p:nvPr>
-        </p:nvSpPr>
-        <p:spPr>
-          <a:xfrm>
-            <a:off x="127000" y="1038225"/>
-            <a:ext cx="6990080" cy="4351338"/>
-          </a:xfrm>
-        </p:spPr>
-        <p:txBody>
-          <a:bodyPr>
-            <a:normAutofit/>
-          </a:bodyPr>
-          <a:lstStyle/>
-          <a:p>
-            <a:r>
-              <a:rPr lang="en-US" sz="1800" dirty="0"/>
-              <a:t>Veeam uses a helper appliance VM to perform guest-level file restores from Linux servers. We will configure Hyper-V on the Veeam B&amp;R server to host this helper appliance</a:t>
-            </a:r>
-          </a:p>
-          <a:p>
-            <a:r>
-              <a:rPr lang="en-US" sz="1800" dirty="0"/>
-              <a:t>Open Hyper-V Manager and add a new </a:t>
-            </a:r>
-            <a:r>
-              <a:rPr lang="en-US" sz="1800" b="1" dirty="0"/>
-              <a:t>Internal </a:t>
-            </a:r>
-            <a:r>
-              <a:rPr lang="en-US" sz="1800" b="1" dirty="0" err="1"/>
-              <a:t>vSwitch</a:t>
-            </a:r>
-            <a:r>
-              <a:rPr lang="en-US" sz="1800" b="1" dirty="0"/>
-              <a:t> </a:t>
-            </a:r>
-            <a:r>
-              <a:rPr lang="en-US" sz="1800" dirty="0"/>
-              <a:t>using default values</a:t>
-            </a:r>
-          </a:p>
-          <a:p>
-            <a:r>
-              <a:rPr lang="en-US" sz="1800" dirty="0"/>
-              <a:t>Open Windows Network Adapter settings and change the IPv4 settings of the new </a:t>
-            </a:r>
-            <a:r>
-              <a:rPr lang="en-US" sz="1800" dirty="0" err="1"/>
-              <a:t>vSwitch</a:t>
-            </a:r>
-            <a:endParaRPr lang="en-US" sz="1400" dirty="0"/>
-          </a:p>
-          <a:p>
-            <a:r>
-              <a:rPr lang="en-US" sz="1800" dirty="0"/>
-              <a:t>In the Veeam console, register the local server as a new Virtual Host</a:t>
-            </a:r>
-          </a:p>
-          <a:p>
-            <a:r>
-              <a:rPr lang="en-US" sz="1800" dirty="0"/>
-              <a:t>We’ll walk through this one together.</a:t>
-            </a:r>
-          </a:p>
-          <a:p>
-            <a:pPr marL="0" indent="0">
-              <a:buNone/>
-            </a:pPr>
-            <a:endParaRPr lang="en-US" sz="1800" dirty="0"/>
-          </a:p>
-          <a:p>
-            <a:endParaRPr lang="en-US" sz="1800" dirty="0"/>
-          </a:p>
-        </p:txBody>
-      </p:sp>
-    </p:spTree>
-    <p:extLst>
-      <p:ext uri="{BB962C8B-B14F-4D97-AF65-F5344CB8AC3E}">
-        <p14:creationId xmlns:p14="http://schemas.microsoft.com/office/powerpoint/2010/main" val="2233001867"/>
-      </p:ext>
-    </p:extLst>
-  </p:cSld>
-  <p:clrMapOvr>
-    <a:masterClrMapping/>
-  </p:clrMapOvr>
-</p:sld>
-</file>
-
-<file path=ppt/slides/slide21.xml><?xml version="1.0" encoding="utf-8"?>
-<p:sld xmlns:a="http://schemas.openxmlformats.org/drawingml/2006/main" xmlns:r="http://schemas.openxmlformats.org/officeDocument/2006/relationships" xmlns:p="http://schemas.openxmlformats.org/presentationml/2006/main">
-  <p:cSld>
-    <p:spTree>
-      <p:nvGrpSpPr>
-        <p:cNvPr id="1" name=""/>
-        <p:cNvGrpSpPr/>
-        <p:nvPr/>
-      </p:nvGrpSpPr>
-      <p:grpSpPr>
-        <a:xfrm>
-          <a:off x="0" y="0"/>
-          <a:ext cx="0" cy="0"/>
-          <a:chOff x="0" y="0"/>
-          <a:chExt cx="0" cy="0"/>
-        </a:xfrm>
-      </p:grpSpPr>
-      <p:sp>
-        <p:nvSpPr>
-          <p:cNvPr id="2" name="Title 1">
-            <a:extLst>
-              <a:ext uri="{FF2B5EF4-FFF2-40B4-BE49-F238E27FC236}">
-                <a16:creationId xmlns:a16="http://schemas.microsoft.com/office/drawing/2014/main" id="{FC7C3933-6F6F-4C6D-963E-4ADB3DA0885E}"/>
-              </a:ext>
-            </a:extLst>
-          </p:cNvPr>
-          <p:cNvSpPr>
-            <a:spLocks noGrp="1"/>
-          </p:cNvSpPr>
-          <p:nvPr>
-            <p:ph type="title"/>
-          </p:nvPr>
-        </p:nvSpPr>
-        <p:spPr>
-          <a:xfrm>
-            <a:off x="121920" y="100965"/>
-            <a:ext cx="10515600" cy="1325563"/>
-          </a:xfrm>
-        </p:spPr>
-        <p:txBody>
-          <a:bodyPr/>
-          <a:lstStyle/>
-          <a:p>
-            <a:r>
-              <a:rPr lang="en-US" dirty="0"/>
-              <a:t>Perform a Guest file restore from Linux backup (optional)</a:t>
-            </a:r>
-          </a:p>
-        </p:txBody>
-      </p:sp>
-      <p:sp>
-        <p:nvSpPr>
-          <p:cNvPr id="3" name="Content Placeholder 2">
-            <a:extLst>
-              <a:ext uri="{FF2B5EF4-FFF2-40B4-BE49-F238E27FC236}">
-                <a16:creationId xmlns:a16="http://schemas.microsoft.com/office/drawing/2014/main" id="{F897A5C1-C54E-49CC-B553-856B72B6FFE6}"/>
-              </a:ext>
-            </a:extLst>
-          </p:cNvPr>
-          <p:cNvSpPr>
-            <a:spLocks noGrp="1"/>
-          </p:cNvSpPr>
-          <p:nvPr>
-            <p:ph idx="1"/>
-          </p:nvPr>
-        </p:nvSpPr>
-        <p:spPr>
-          <a:xfrm>
-            <a:off x="274320" y="1556702"/>
-            <a:ext cx="4770120" cy="4351338"/>
-          </a:xfrm>
-        </p:spPr>
-        <p:txBody>
-          <a:bodyPr>
-            <a:normAutofit/>
-          </a:bodyPr>
-          <a:lstStyle/>
-          <a:p>
-            <a:r>
-              <a:rPr lang="en-US" sz="2000" dirty="0"/>
-              <a:t>From Home tab, click Restore-&gt;Agent</a:t>
-            </a:r>
-          </a:p>
-          <a:p>
-            <a:r>
-              <a:rPr lang="en-US" sz="2000" dirty="0"/>
-              <a:t>Choose Guest files restore and then choose from Linux</a:t>
-            </a:r>
-          </a:p>
-          <a:p>
-            <a:r>
-              <a:rPr lang="en-US" sz="2000" dirty="0"/>
-              <a:t>Restore Guest VM to Azure</a:t>
-            </a:r>
-          </a:p>
-          <a:p>
-            <a:endParaRPr lang="en-US" sz="2000" dirty="0"/>
-          </a:p>
-          <a:p>
-            <a:endParaRPr lang="en-US" sz="2000" dirty="0"/>
-          </a:p>
-        </p:txBody>
-      </p:sp>
-      <p:pic>
-        <p:nvPicPr>
-          <p:cNvPr id="4" name="Picture 3">
-            <a:extLst>
-              <a:ext uri="{FF2B5EF4-FFF2-40B4-BE49-F238E27FC236}">
-                <a16:creationId xmlns:a16="http://schemas.microsoft.com/office/drawing/2014/main" id="{5D192156-5F8F-446B-B84C-20A7A9888630}"/>
-              </a:ext>
-            </a:extLst>
-          </p:cNvPr>
-          <p:cNvPicPr>
-            <a:picLocks noChangeAspect="1"/>
-          </p:cNvPicPr>
-          <p:nvPr/>
-        </p:nvPicPr>
-        <p:blipFill>
-          <a:blip r:embed="rId2"/>
-          <a:stretch>
-            <a:fillRect/>
-          </a:stretch>
-        </p:blipFill>
-        <p:spPr>
-          <a:xfrm>
-            <a:off x="5008661" y="949960"/>
-            <a:ext cx="7175383" cy="5278120"/>
-          </a:xfrm>
-          <a:prstGeom prst="rect">
-            <a:avLst/>
-          </a:prstGeom>
-        </p:spPr>
-      </p:pic>
-    </p:spTree>
-    <p:extLst>
-      <p:ext uri="{BB962C8B-B14F-4D97-AF65-F5344CB8AC3E}">
-        <p14:creationId xmlns:p14="http://schemas.microsoft.com/office/powerpoint/2010/main" val="1540230242"/>
-      </p:ext>
-    </p:extLst>
-  </p:cSld>
-  <p:clrMapOvr>
-    <a:masterClrMapping/>
-  </p:clrMapOvr>
-</p:sld>
-</file>
-
-<file path=ppt/slides/slide22.xml><?xml version="1.0" encoding="utf-8"?>
-<p:sld xmlns:a="http://schemas.openxmlformats.org/drawingml/2006/main" xmlns:r="http://schemas.openxmlformats.org/officeDocument/2006/relationships" xmlns:p="http://schemas.openxmlformats.org/presentationml/2006/main">
+<file path=ppt/slides/slide25.xml><?xml version="1.0" encoding="utf-8"?>
+<p:sld xmlns:a="http://schemas.openxmlformats.org/drawingml/2006/main" xmlns:r="http://schemas.openxmlformats.org/officeDocument/2006/relationships" xmlns:p="http://schemas.openxmlformats.org/presentationml/2006/main" show="0">
   <p:cSld>
     <p:spTree>
       <p:nvGrpSpPr>
@@ -7275,343 +7614,6 @@
 </p:sld>
 </file>
 
-<file path=ppt/slides/slide23.xml><?xml version="1.0" encoding="utf-8"?>
-<p:sld xmlns:a="http://schemas.openxmlformats.org/drawingml/2006/main" xmlns:r="http://schemas.openxmlformats.org/officeDocument/2006/relationships" xmlns:p="http://schemas.openxmlformats.org/presentationml/2006/main">
-  <p:cSld>
-    <p:spTree>
-      <p:nvGrpSpPr>
-        <p:cNvPr id="1" name=""/>
-        <p:cNvGrpSpPr/>
-        <p:nvPr/>
-      </p:nvGrpSpPr>
-      <p:grpSpPr>
-        <a:xfrm>
-          <a:off x="0" y="0"/>
-          <a:ext cx="0" cy="0"/>
-          <a:chOff x="0" y="0"/>
-          <a:chExt cx="0" cy="0"/>
-        </a:xfrm>
-      </p:grpSpPr>
-      <p:sp>
-        <p:nvSpPr>
-          <p:cNvPr id="2" name="Title 1">
-            <a:extLst>
-              <a:ext uri="{FF2B5EF4-FFF2-40B4-BE49-F238E27FC236}">
-                <a16:creationId xmlns:a16="http://schemas.microsoft.com/office/drawing/2014/main" id="{FC7C3933-6F6F-4C6D-963E-4ADB3DA0885E}"/>
-              </a:ext>
-            </a:extLst>
-          </p:cNvPr>
-          <p:cNvSpPr>
-            <a:spLocks noGrp="1"/>
-          </p:cNvSpPr>
-          <p:nvPr>
-            <p:ph type="title"/>
-          </p:nvPr>
-        </p:nvSpPr>
-        <p:spPr>
-          <a:xfrm>
-            <a:off x="121920" y="303711"/>
-            <a:ext cx="11257280" cy="895009"/>
-          </a:xfrm>
-        </p:spPr>
-        <p:txBody>
-          <a:bodyPr>
-            <a:normAutofit fontScale="90000"/>
-          </a:bodyPr>
-          <a:lstStyle/>
-          <a:p>
-            <a:r>
-              <a:rPr lang="en-US" sz="3200" dirty="0"/>
-              <a:t>Browse Linux backup file system directly from Veeam and copy files as needed</a:t>
-            </a:r>
-          </a:p>
-        </p:txBody>
-      </p:sp>
-      <p:sp>
-        <p:nvSpPr>
-          <p:cNvPr id="6" name="Content Placeholder 5">
-            <a:extLst>
-              <a:ext uri="{FF2B5EF4-FFF2-40B4-BE49-F238E27FC236}">
-                <a16:creationId xmlns:a16="http://schemas.microsoft.com/office/drawing/2014/main" id="{DCBB47B0-CEC9-4D3A-898B-52F25558F151}"/>
-              </a:ext>
-            </a:extLst>
-          </p:cNvPr>
-          <p:cNvSpPr>
-            <a:spLocks noGrp="1"/>
-          </p:cNvSpPr>
-          <p:nvPr>
-            <p:ph idx="1"/>
-          </p:nvPr>
-        </p:nvSpPr>
-        <p:spPr>
-          <a:xfrm>
-            <a:off x="121920" y="1701800"/>
-            <a:ext cx="3352800" cy="3210560"/>
-          </a:xfrm>
-        </p:spPr>
-        <p:txBody>
-          <a:bodyPr>
-            <a:normAutofit/>
-          </a:bodyPr>
-          <a:lstStyle/>
-          <a:p>
-            <a:r>
-              <a:rPr lang="en-US" sz="1600" dirty="0"/>
-              <a:t>If you successfully completed the Linux guest restore steps, you will now be able to browse the files of the Linux backup directly from the Veeam console</a:t>
-            </a:r>
-          </a:p>
-          <a:p>
-            <a:r>
-              <a:rPr lang="en-US" sz="1600" dirty="0"/>
-              <a:t>Backup admins can use this to easily move specific files from backup snapshots to source without taking the source offline or waiting for a full restore.</a:t>
-            </a:r>
-          </a:p>
-        </p:txBody>
-      </p:sp>
-      <p:pic>
-        <p:nvPicPr>
-          <p:cNvPr id="3" name="Picture 2">
-            <a:extLst>
-              <a:ext uri="{FF2B5EF4-FFF2-40B4-BE49-F238E27FC236}">
-                <a16:creationId xmlns:a16="http://schemas.microsoft.com/office/drawing/2014/main" id="{D212F194-A8AB-4217-B77B-6F7AA4864515}"/>
-              </a:ext>
-            </a:extLst>
-          </p:cNvPr>
-          <p:cNvPicPr>
-            <a:picLocks noChangeAspect="1"/>
-          </p:cNvPicPr>
-          <p:nvPr/>
-        </p:nvPicPr>
-        <p:blipFill>
-          <a:blip r:embed="rId2"/>
-          <a:stretch>
-            <a:fillRect/>
-          </a:stretch>
-        </p:blipFill>
-        <p:spPr>
-          <a:xfrm>
-            <a:off x="3683000" y="999196"/>
-            <a:ext cx="8263610" cy="5374799"/>
-          </a:xfrm>
-          <a:prstGeom prst="rect">
-            <a:avLst/>
-          </a:prstGeom>
-        </p:spPr>
-      </p:pic>
-    </p:spTree>
-    <p:extLst>
-      <p:ext uri="{BB962C8B-B14F-4D97-AF65-F5344CB8AC3E}">
-        <p14:creationId xmlns:p14="http://schemas.microsoft.com/office/powerpoint/2010/main" val="2311392119"/>
-      </p:ext>
-    </p:extLst>
-  </p:cSld>
-  <p:clrMapOvr>
-    <a:masterClrMapping/>
-  </p:clrMapOvr>
-</p:sld>
-</file>
-
-<file path=ppt/slides/slide24.xml><?xml version="1.0" encoding="utf-8"?>
-<p:sld xmlns:a="http://schemas.openxmlformats.org/drawingml/2006/main" xmlns:r="http://schemas.openxmlformats.org/officeDocument/2006/relationships" xmlns:p="http://schemas.openxmlformats.org/presentationml/2006/main">
-  <p:cSld>
-    <p:spTree>
-      <p:nvGrpSpPr>
-        <p:cNvPr id="1" name=""/>
-        <p:cNvGrpSpPr/>
-        <p:nvPr/>
-      </p:nvGrpSpPr>
-      <p:grpSpPr>
-        <a:xfrm>
-          <a:off x="0" y="0"/>
-          <a:ext cx="0" cy="0"/>
-          <a:chOff x="0" y="0"/>
-          <a:chExt cx="0" cy="0"/>
-        </a:xfrm>
-      </p:grpSpPr>
-      <p:sp>
-        <p:nvSpPr>
-          <p:cNvPr id="2" name="Title 1">
-            <a:extLst>
-              <a:ext uri="{FF2B5EF4-FFF2-40B4-BE49-F238E27FC236}">
-                <a16:creationId xmlns:a16="http://schemas.microsoft.com/office/drawing/2014/main" id="{FC7C3933-6F6F-4C6D-963E-4ADB3DA0885E}"/>
-              </a:ext>
-            </a:extLst>
-          </p:cNvPr>
-          <p:cNvSpPr>
-            <a:spLocks noGrp="1"/>
-          </p:cNvSpPr>
-          <p:nvPr>
-            <p:ph type="title"/>
-          </p:nvPr>
-        </p:nvSpPr>
-        <p:spPr/>
-        <p:txBody>
-          <a:bodyPr/>
-          <a:lstStyle/>
-          <a:p>
-            <a:r>
-              <a:rPr lang="en-US" dirty="0"/>
-              <a:t>Veeam Replication Demo</a:t>
-            </a:r>
-          </a:p>
-        </p:txBody>
-      </p:sp>
-      <p:sp>
-        <p:nvSpPr>
-          <p:cNvPr id="3" name="Content Placeholder 2">
-            <a:extLst>
-              <a:ext uri="{FF2B5EF4-FFF2-40B4-BE49-F238E27FC236}">
-                <a16:creationId xmlns:a16="http://schemas.microsoft.com/office/drawing/2014/main" id="{F897A5C1-C54E-49CC-B553-856B72B6FFE6}"/>
-              </a:ext>
-            </a:extLst>
-          </p:cNvPr>
-          <p:cNvSpPr>
-            <a:spLocks noGrp="1"/>
-          </p:cNvSpPr>
-          <p:nvPr>
-            <p:ph idx="1"/>
-          </p:nvPr>
-        </p:nvSpPr>
-        <p:spPr/>
-        <p:txBody>
-          <a:bodyPr/>
-          <a:lstStyle/>
-          <a:p>
-            <a:r>
-              <a:rPr lang="en-US" dirty="0"/>
-              <a:t>Kurt to demo Datacenter1-&gt;Datacenter2 replication</a:t>
-            </a:r>
-          </a:p>
-          <a:p>
-            <a:r>
-              <a:rPr lang="en-US" dirty="0"/>
-              <a:t>Discuss warm standby; comes online in a few minutes</a:t>
-            </a:r>
-          </a:p>
-          <a:p>
-            <a:r>
-              <a:rPr lang="en-US" dirty="0"/>
-              <a:t>RPO/RTO</a:t>
-            </a:r>
-          </a:p>
-        </p:txBody>
-      </p:sp>
-    </p:spTree>
-    <p:extLst>
-      <p:ext uri="{BB962C8B-B14F-4D97-AF65-F5344CB8AC3E}">
-        <p14:creationId xmlns:p14="http://schemas.microsoft.com/office/powerpoint/2010/main" val="3773804038"/>
-      </p:ext>
-    </p:extLst>
-  </p:cSld>
-  <p:clrMapOvr>
-    <a:masterClrMapping/>
-  </p:clrMapOvr>
-</p:sld>
-</file>
-
-<file path=ppt/slides/slide25.xml><?xml version="1.0" encoding="utf-8"?>
-<p:sld xmlns:a="http://schemas.openxmlformats.org/drawingml/2006/main" xmlns:r="http://schemas.openxmlformats.org/officeDocument/2006/relationships" xmlns:p="http://schemas.openxmlformats.org/presentationml/2006/main">
-  <p:cSld>
-    <p:spTree>
-      <p:nvGrpSpPr>
-        <p:cNvPr id="1" name=""/>
-        <p:cNvGrpSpPr/>
-        <p:nvPr/>
-      </p:nvGrpSpPr>
-      <p:grpSpPr>
-        <a:xfrm>
-          <a:off x="0" y="0"/>
-          <a:ext cx="0" cy="0"/>
-          <a:chOff x="0" y="0"/>
-          <a:chExt cx="0" cy="0"/>
-        </a:xfrm>
-      </p:grpSpPr>
-      <p:sp>
-        <p:nvSpPr>
-          <p:cNvPr id="2" name="Title 1">
-            <a:extLst>
-              <a:ext uri="{FF2B5EF4-FFF2-40B4-BE49-F238E27FC236}">
-                <a16:creationId xmlns:a16="http://schemas.microsoft.com/office/drawing/2014/main" id="{C766DAA3-1180-47C9-BEB2-C661161528BB}"/>
-              </a:ext>
-            </a:extLst>
-          </p:cNvPr>
-          <p:cNvSpPr>
-            <a:spLocks noGrp="1"/>
-          </p:cNvSpPr>
-          <p:nvPr>
-            <p:ph type="title"/>
-          </p:nvPr>
-        </p:nvSpPr>
-        <p:spPr>
-          <a:xfrm>
-            <a:off x="635000" y="222885"/>
-            <a:ext cx="10515600" cy="1325563"/>
-          </a:xfrm>
-        </p:spPr>
-        <p:txBody>
-          <a:bodyPr/>
-          <a:lstStyle/>
-          <a:p>
-            <a:r>
-              <a:rPr lang="en-US" dirty="0"/>
-              <a:t>Clean up lab resources</a:t>
-            </a:r>
-          </a:p>
-        </p:txBody>
-      </p:sp>
-      <p:sp>
-        <p:nvSpPr>
-          <p:cNvPr id="3" name="Content Placeholder 2">
-            <a:extLst>
-              <a:ext uri="{FF2B5EF4-FFF2-40B4-BE49-F238E27FC236}">
-                <a16:creationId xmlns:a16="http://schemas.microsoft.com/office/drawing/2014/main" id="{CF911072-7200-4721-A187-BDAF1477AC04}"/>
-              </a:ext>
-            </a:extLst>
-          </p:cNvPr>
-          <p:cNvSpPr>
-            <a:spLocks noGrp="1"/>
-          </p:cNvSpPr>
-          <p:nvPr>
-            <p:ph idx="1"/>
-          </p:nvPr>
-        </p:nvSpPr>
-        <p:spPr/>
-        <p:txBody>
-          <a:bodyPr/>
-          <a:lstStyle/>
-          <a:p>
-            <a:r>
-              <a:rPr lang="en-US" dirty="0"/>
-              <a:t>Delete the resource group created in the lab setup</a:t>
-            </a:r>
-          </a:p>
-          <a:p>
-            <a:r>
-              <a:rPr lang="en-US" dirty="0"/>
-              <a:t>Verify all resources removed</a:t>
-            </a:r>
-          </a:p>
-          <a:p>
-            <a:pPr marL="0" indent="0">
-              <a:buNone/>
-            </a:pPr>
-            <a:endParaRPr lang="en-US" dirty="0"/>
-          </a:p>
-        </p:txBody>
-      </p:sp>
-    </p:spTree>
-    <p:extLst>
-      <p:ext uri="{BB962C8B-B14F-4D97-AF65-F5344CB8AC3E}">
-        <p14:creationId xmlns:p14="http://schemas.microsoft.com/office/powerpoint/2010/main" val="1008131426"/>
-      </p:ext>
-    </p:extLst>
-  </p:cSld>
-  <p:clrMapOvr>
-    <a:masterClrMapping/>
-  </p:clrMapOvr>
-</p:sld>
-</file>
-
 <file path=ppt/slides/slide3.xml><?xml version="1.0" encoding="utf-8"?>
 <p:sld xmlns:a="http://schemas.openxmlformats.org/drawingml/2006/main" xmlns:r="http://schemas.openxmlformats.org/officeDocument/2006/relationships" xmlns:p="http://schemas.openxmlformats.org/presentationml/2006/main">
   <p:cSld>
@@ -7876,7 +7878,7 @@
         </p:spPr>
         <p:txBody>
           <a:bodyPr>
-            <a:normAutofit fontScale="92500" lnSpcReduction="10000"/>
+            <a:normAutofit/>
           </a:bodyPr>
           <a:lstStyle/>
           <a:p>
@@ -7931,21 +7933,7 @@
             <a:pPr lvl="1"/>
             <a:r>
               <a:rPr lang="en-US" sz="2000" dirty="0"/>
-              <a:t>vm-SQLVM1 – WS2016 with SQL Server</a:t>
-            </a:r>
-          </a:p>
-          <a:p>
-            <a:pPr lvl="2"/>
-            <a:r>
-              <a:rPr lang="en-US" sz="1600" dirty="0"/>
-              <a:t>Two attached data disks</a:t>
-            </a:r>
-          </a:p>
-          <a:p>
-            <a:pPr lvl="1"/>
-            <a:r>
-              <a:rPr lang="en-US" sz="2000" dirty="0"/>
-              <a:t>vm-LinuxVM1 – Debian-10</a:t>
+              <a:t>vm-WindowsM1 – WS2019 – the server we will back up and replicate</a:t>
             </a:r>
           </a:p>
           <a:p>
@@ -9065,25 +9053,6 @@
 </file>
 
 <file path=customXml/item1.xml><?xml version="1.0" encoding="utf-8"?>
-<p:properties xmlns:p="http://schemas.microsoft.com/office/2006/metadata/properties" xmlns:xsi="http://www.w3.org/2001/XMLSchema-instance" xmlns:pc="http://schemas.microsoft.com/office/infopath/2007/PartnerControls">
-  <documentManagement>
-    <_ip_UnifiedCompliancePolicyUIAction xmlns="http://schemas.microsoft.com/sharepoint/v3" xsi:nil="true"/>
-    <MediaServiceKeyPoints xmlns="193ed8a2-4539-4a85-8b6f-399dfeae4bd9" xsi:nil="true"/>
-    <_ip_UnifiedCompliancePolicyProperties xmlns="http://schemas.microsoft.com/sharepoint/v3" xsi:nil="true"/>
-  </documentManagement>
-</p:properties>
-</file>
-
-<file path=customXml/item2.xml><?xml version="1.0" encoding="utf-8"?>
-<?mso-contentType ?>
-<FormTemplates xmlns="http://schemas.microsoft.com/sharepoint/v3/contenttype/forms">
-  <Display>DocumentLibraryForm</Display>
-  <Edit>DocumentLibraryForm</Edit>
-  <New>DocumentLibraryForm</New>
-</FormTemplates>
-</file>
-
-<file path=customXml/item3.xml><?xml version="1.0" encoding="utf-8"?>
 <ct:contentTypeSchema xmlns:ct="http://schemas.microsoft.com/office/2006/metadata/contentType" xmlns:ma="http://schemas.microsoft.com/office/2006/metadata/properties/metaAttributes" ct:_="" ma:_="" ma:contentTypeName="Document" ma:contentTypeID="0x01010039C7440841F209428C7B83779A5E5D3F" ma:contentTypeVersion="16" ma:contentTypeDescription="Create a new document." ma:contentTypeScope="" ma:versionID="5a3fad957325c550b415ad6eb9db69b6">
   <xsd:schema xmlns:xsd="http://www.w3.org/2001/XMLSchema" xmlns:xs="http://www.w3.org/2001/XMLSchema" xmlns:p="http://schemas.microsoft.com/office/2006/metadata/properties" xmlns:ns1="http://schemas.microsoft.com/sharepoint/v3" xmlns:ns3="193ed8a2-4539-4a85-8b6f-399dfeae4bd9" xmlns:ns4="7c8be482-3156-4892-8a6f-d2ff790bfae6" targetNamespace="http://schemas.microsoft.com/office/2006/metadata/properties" ma:root="true" ma:fieldsID="880fc400dde3ba496643e47e312674a6" ns1:_="" ns3:_="" ns4:_="">
     <xsd:import namespace="http://schemas.microsoft.com/sharepoint/v3"/>
@@ -9329,26 +9298,26 @@
 </ct:contentTypeSchema>
 </file>
 
-<file path=customXml/itemProps1.xml><?xml version="1.0" encoding="utf-8"?>
-<ds:datastoreItem xmlns:ds="http://schemas.openxmlformats.org/officeDocument/2006/customXml" ds:itemID="{59071B2C-BF7E-483E-93DE-53C81689A11E}">
-  <ds:schemaRefs>
-    <ds:schemaRef ds:uri="http://schemas.microsoft.com/office/2006/metadata/properties"/>
-    <ds:schemaRef ds:uri="http://schemas.microsoft.com/office/infopath/2007/PartnerControls"/>
-    <ds:schemaRef ds:uri="http://schemas.microsoft.com/sharepoint/v3"/>
-    <ds:schemaRef ds:uri="193ed8a2-4539-4a85-8b6f-399dfeae4bd9"/>
-  </ds:schemaRefs>
-</ds:datastoreItem>
+<file path=customXml/item2.xml><?xml version="1.0" encoding="utf-8"?>
+<?mso-contentType ?>
+<FormTemplates xmlns="http://schemas.microsoft.com/sharepoint/v3/contenttype/forms">
+  <Display>DocumentLibraryForm</Display>
+  <Edit>DocumentLibraryForm</Edit>
+  <New>DocumentLibraryForm</New>
+</FormTemplates>
 </file>
 
-<file path=customXml/itemProps2.xml><?xml version="1.0" encoding="utf-8"?>
-<ds:datastoreItem xmlns:ds="http://schemas.openxmlformats.org/officeDocument/2006/customXml" ds:itemID="{D93D0519-7844-4F19-A023-0D1EF7B3A224}">
-  <ds:schemaRefs>
-    <ds:schemaRef ds:uri="http://schemas.microsoft.com/sharepoint/v3/contenttype/forms"/>
-  </ds:schemaRefs>
-</ds:datastoreItem>
+<file path=customXml/item3.xml><?xml version="1.0" encoding="utf-8"?>
+<p:properties xmlns:p="http://schemas.microsoft.com/office/2006/metadata/properties" xmlns:xsi="http://www.w3.org/2001/XMLSchema-instance" xmlns:pc="http://schemas.microsoft.com/office/infopath/2007/PartnerControls">
+  <documentManagement>
+    <_ip_UnifiedCompliancePolicyUIAction xmlns="http://schemas.microsoft.com/sharepoint/v3" xsi:nil="true"/>
+    <MediaServiceKeyPoints xmlns="193ed8a2-4539-4a85-8b6f-399dfeae4bd9" xsi:nil="true"/>
+    <_ip_UnifiedCompliancePolicyProperties xmlns="http://schemas.microsoft.com/sharepoint/v3" xsi:nil="true"/>
+  </documentManagement>
+</p:properties>
 </file>
 
-<file path=customXml/itemProps3.xml><?xml version="1.0" encoding="utf-8"?>
+<file path=customXml/itemProps1.xml><?xml version="1.0" encoding="utf-8"?>
 <ds:datastoreItem xmlns:ds="http://schemas.openxmlformats.org/officeDocument/2006/customXml" ds:itemID="{A9D40B58-6553-432A-83F4-0C23EE14E82F}">
   <ds:schemaRefs>
     <ds:schemaRef ds:uri="http://schemas.microsoft.com/office/2006/metadata/contentType"/>
@@ -9366,4 +9335,23 @@
     <ds:schemaRef ds:uri="http://schemas.microsoft.com/internal/obd"/>
   </ds:schemaRefs>
 </ds:datastoreItem>
+</file>
+
+<file path=customXml/itemProps2.xml><?xml version="1.0" encoding="utf-8"?>
+<ds:datastoreItem xmlns:ds="http://schemas.openxmlformats.org/officeDocument/2006/customXml" ds:itemID="{D93D0519-7844-4F19-A023-0D1EF7B3A224}">
+  <ds:schemaRefs>
+    <ds:schemaRef ds:uri="http://schemas.microsoft.com/sharepoint/v3/contenttype/forms"/>
+  </ds:schemaRefs>
+</ds:datastoreItem>
+</file>
+
+<file path=customXml/itemProps3.xml><?xml version="1.0" encoding="utf-8"?>
+<ds:datastoreItem xmlns:ds="http://schemas.openxmlformats.org/officeDocument/2006/customXml" ds:itemID="{59071B2C-BF7E-483E-93DE-53C81689A11E}">
+  <ds:schemaRefs>
+    <ds:schemaRef ds:uri="http://schemas.microsoft.com/office/2006/metadata/properties"/>
+    <ds:schemaRef ds:uri="http://schemas.microsoft.com/office/infopath/2007/PartnerControls"/>
+    <ds:schemaRef ds:uri="http://schemas.microsoft.com/sharepoint/v3"/>
+    <ds:schemaRef ds:uri="193ed8a2-4539-4a85-8b6f-399dfeae4bd9"/>
+  </ds:schemaRefs>
+</ds:datastoreItem>
 </file>